--- a/Board Games/Dungeon Scrawlers/Dungeon Scrawlers Pieces Print.pptx
+++ b/Board Games/Dungeon Scrawlers/Dungeon Scrawlers Pieces Print.pptx
@@ -111,12 +111,12 @@
     <p:sldId id="359" r:id="rId105"/>
     <p:sldId id="357" r:id="rId106"/>
     <p:sldId id="360" r:id="rId107"/>
-    <p:sldId id="381" r:id="rId108"/>
-    <p:sldId id="382" r:id="rId109"/>
-    <p:sldId id="383" r:id="rId110"/>
-    <p:sldId id="384" r:id="rId111"/>
+    <p:sldId id="393" r:id="rId108"/>
+    <p:sldId id="394" r:id="rId109"/>
+    <p:sldId id="381" r:id="rId110"/>
+    <p:sldId id="382" r:id="rId111"/>
     <p:sldId id="385" r:id="rId112"/>
-    <p:sldId id="386" r:id="rId113"/>
+    <p:sldId id="384" r:id="rId113"/>
     <p:sldId id="387" r:id="rId114"/>
     <p:sldId id="388" r:id="rId115"/>
     <p:sldId id="389" r:id="rId116"/>
@@ -4940,10 +4940,334 @@
           <a:chExt cx="0" cy="0"/>
         </a:xfrm>
       </p:grpSpPr>
+      <p:pic>
+        <p:nvPicPr>
+          <p:cNvPr id="3" name="Picture 2" descr="A screen shot of a game&#10;&#10;Description automatically generated">
+            <a:extLst>
+              <a:ext uri="{FF2B5EF4-FFF2-40B4-BE49-F238E27FC236}">
+                <a16:creationId xmlns:a16="http://schemas.microsoft.com/office/drawing/2014/main" id="{7A6233BA-BC91-7472-90D8-5B44C7EE8721}"/>
+              </a:ext>
+            </a:extLst>
+          </p:cNvPr>
+          <p:cNvPicPr>
+            <a:picLocks noChangeAspect="1"/>
+          </p:cNvPicPr>
+          <p:nvPr/>
+        </p:nvPicPr>
+        <p:blipFill>
+          <a:blip r:embed="rId2">
+            <a:extLst>
+              <a:ext uri="{28A0092B-C50C-407E-A947-70E740481C1C}">
+                <a14:useLocalDpi xmlns:a14="http://schemas.microsoft.com/office/drawing/2010/main" val="0"/>
+              </a:ext>
+            </a:extLst>
+          </a:blip>
+          <a:stretch>
+            <a:fillRect/>
+          </a:stretch>
+        </p:blipFill>
+        <p:spPr>
+          <a:xfrm>
+            <a:off x="5484870" y="0"/>
+            <a:ext cx="2287530" cy="3202542"/>
+          </a:xfrm>
+          <a:prstGeom prst="rect">
+            <a:avLst/>
+          </a:prstGeom>
+        </p:spPr>
+      </p:pic>
+      <p:pic>
+        <p:nvPicPr>
+          <p:cNvPr id="5" name="Picture 4" descr="A screen shot of a game&#10;&#10;Description automatically generated">
+            <a:extLst>
+              <a:ext uri="{FF2B5EF4-FFF2-40B4-BE49-F238E27FC236}">
+                <a16:creationId xmlns:a16="http://schemas.microsoft.com/office/drawing/2014/main" id="{BB344515-A234-BF79-E513-30F9A6C03197}"/>
+              </a:ext>
+            </a:extLst>
+          </p:cNvPr>
+          <p:cNvPicPr>
+            <a:picLocks noChangeAspect="1"/>
+          </p:cNvPicPr>
+          <p:nvPr/>
+        </p:nvPicPr>
+        <p:blipFill>
+          <a:blip r:embed="rId3">
+            <a:extLst>
+              <a:ext uri="{28A0092B-C50C-407E-A947-70E740481C1C}">
+                <a14:useLocalDpi xmlns:a14="http://schemas.microsoft.com/office/drawing/2010/main" val="0"/>
+              </a:ext>
+            </a:extLst>
+          </a:blip>
+          <a:stretch>
+            <a:fillRect/>
+          </a:stretch>
+        </p:blipFill>
+        <p:spPr>
+          <a:xfrm>
+            <a:off x="3244889" y="0"/>
+            <a:ext cx="2287530" cy="3202542"/>
+          </a:xfrm>
+          <a:prstGeom prst="rect">
+            <a:avLst/>
+          </a:prstGeom>
+        </p:spPr>
+      </p:pic>
+      <p:pic>
+        <p:nvPicPr>
+          <p:cNvPr id="7" name="Picture 6" descr="A screenshot of a video game&#10;&#10;Description automatically generated">
+            <a:extLst>
+              <a:ext uri="{FF2B5EF4-FFF2-40B4-BE49-F238E27FC236}">
+                <a16:creationId xmlns:a16="http://schemas.microsoft.com/office/drawing/2014/main" id="{72126C8B-9F6F-91BA-C4C6-42E6A0428FF5}"/>
+              </a:ext>
+            </a:extLst>
+          </p:cNvPr>
+          <p:cNvPicPr>
+            <a:picLocks noChangeAspect="1"/>
+          </p:cNvPicPr>
+          <p:nvPr/>
+        </p:nvPicPr>
+        <p:blipFill>
+          <a:blip r:embed="rId4">
+            <a:extLst>
+              <a:ext uri="{28A0092B-C50C-407E-A947-70E740481C1C}">
+                <a14:useLocalDpi xmlns:a14="http://schemas.microsoft.com/office/drawing/2010/main" val="0"/>
+              </a:ext>
+            </a:extLst>
+          </a:blip>
+          <a:stretch>
+            <a:fillRect/>
+          </a:stretch>
+        </p:blipFill>
+        <p:spPr>
+          <a:xfrm>
+            <a:off x="956753" y="0"/>
+            <a:ext cx="2288136" cy="3203390"/>
+          </a:xfrm>
+          <a:prstGeom prst="rect">
+            <a:avLst/>
+          </a:prstGeom>
+        </p:spPr>
+      </p:pic>
+      <p:pic>
+        <p:nvPicPr>
+          <p:cNvPr id="9" name="Picture 8" descr="A screen shot of a game&#10;&#10;Description automatically generated">
+            <a:extLst>
+              <a:ext uri="{FF2B5EF4-FFF2-40B4-BE49-F238E27FC236}">
+                <a16:creationId xmlns:a16="http://schemas.microsoft.com/office/drawing/2014/main" id="{9A792BE5-F5F9-6C7C-13CF-396CB97561C6}"/>
+              </a:ext>
+            </a:extLst>
+          </p:cNvPr>
+          <p:cNvPicPr>
+            <a:picLocks noChangeAspect="1"/>
+          </p:cNvPicPr>
+          <p:nvPr/>
+        </p:nvPicPr>
+        <p:blipFill>
+          <a:blip r:embed="rId5">
+            <a:extLst>
+              <a:ext uri="{28A0092B-C50C-407E-A947-70E740481C1C}">
+                <a14:useLocalDpi xmlns:a14="http://schemas.microsoft.com/office/drawing/2010/main" val="0"/>
+              </a:ext>
+            </a:extLst>
+          </a:blip>
+          <a:stretch>
+            <a:fillRect/>
+          </a:stretch>
+        </p:blipFill>
+        <p:spPr>
+          <a:xfrm>
+            <a:off x="5484870" y="3202542"/>
+            <a:ext cx="2288136" cy="3203390"/>
+          </a:xfrm>
+          <a:prstGeom prst="rect">
+            <a:avLst/>
+          </a:prstGeom>
+        </p:spPr>
+      </p:pic>
+      <p:pic>
+        <p:nvPicPr>
+          <p:cNvPr id="11" name="Picture 10" descr="A screenshot of a video game&#10;&#10;Description automatically generated">
+            <a:extLst>
+              <a:ext uri="{FF2B5EF4-FFF2-40B4-BE49-F238E27FC236}">
+                <a16:creationId xmlns:a16="http://schemas.microsoft.com/office/drawing/2014/main" id="{B640EBCD-71B9-23E7-A46B-7635F7C24D26}"/>
+              </a:ext>
+            </a:extLst>
+          </p:cNvPr>
+          <p:cNvPicPr>
+            <a:picLocks noChangeAspect="1"/>
+          </p:cNvPicPr>
+          <p:nvPr/>
+        </p:nvPicPr>
+        <p:blipFill>
+          <a:blip r:embed="rId6">
+            <a:extLst>
+              <a:ext uri="{28A0092B-C50C-407E-A947-70E740481C1C}">
+                <a14:useLocalDpi xmlns:a14="http://schemas.microsoft.com/office/drawing/2010/main" val="0"/>
+              </a:ext>
+            </a:extLst>
+          </a:blip>
+          <a:stretch>
+            <a:fillRect/>
+          </a:stretch>
+        </p:blipFill>
+        <p:spPr>
+          <a:xfrm>
+            <a:off x="3244889" y="3202542"/>
+            <a:ext cx="2288136" cy="3203390"/>
+          </a:xfrm>
+          <a:prstGeom prst="rect">
+            <a:avLst/>
+          </a:prstGeom>
+        </p:spPr>
+      </p:pic>
+      <p:pic>
+        <p:nvPicPr>
+          <p:cNvPr id="13" name="Picture 12" descr="A screenshot of a video game&#10;&#10;Description automatically generated">
+            <a:extLst>
+              <a:ext uri="{FF2B5EF4-FFF2-40B4-BE49-F238E27FC236}">
+                <a16:creationId xmlns:a16="http://schemas.microsoft.com/office/drawing/2014/main" id="{F30A1488-A6AD-C4F1-3987-59174B065BE3}"/>
+              </a:ext>
+            </a:extLst>
+          </p:cNvPr>
+          <p:cNvPicPr>
+            <a:picLocks noChangeAspect="1"/>
+          </p:cNvPicPr>
+          <p:nvPr/>
+        </p:nvPicPr>
+        <p:blipFill>
+          <a:blip r:embed="rId7">
+            <a:extLst>
+              <a:ext uri="{28A0092B-C50C-407E-A947-70E740481C1C}">
+                <a14:useLocalDpi xmlns:a14="http://schemas.microsoft.com/office/drawing/2010/main" val="0"/>
+              </a:ext>
+            </a:extLst>
+          </a:blip>
+          <a:stretch>
+            <a:fillRect/>
+          </a:stretch>
+        </p:blipFill>
+        <p:spPr>
+          <a:xfrm>
+            <a:off x="956753" y="3201694"/>
+            <a:ext cx="2288136" cy="3203390"/>
+          </a:xfrm>
+          <a:prstGeom prst="rect">
+            <a:avLst/>
+          </a:prstGeom>
+        </p:spPr>
+      </p:pic>
+      <p:pic>
+        <p:nvPicPr>
+          <p:cNvPr id="15" name="Picture 14" descr="A screen shot of a game&#10;&#10;Description automatically generated">
+            <a:extLst>
+              <a:ext uri="{FF2B5EF4-FFF2-40B4-BE49-F238E27FC236}">
+                <a16:creationId xmlns:a16="http://schemas.microsoft.com/office/drawing/2014/main" id="{0A562C61-8A17-C0D2-1BF5-BE4E6800DC50}"/>
+              </a:ext>
+            </a:extLst>
+          </p:cNvPr>
+          <p:cNvPicPr>
+            <a:picLocks noChangeAspect="1"/>
+          </p:cNvPicPr>
+          <p:nvPr/>
+        </p:nvPicPr>
+        <p:blipFill>
+          <a:blip r:embed="rId8">
+            <a:extLst>
+              <a:ext uri="{28A0092B-C50C-407E-A947-70E740481C1C}">
+                <a14:useLocalDpi xmlns:a14="http://schemas.microsoft.com/office/drawing/2010/main" val="0"/>
+              </a:ext>
+            </a:extLst>
+          </a:blip>
+          <a:stretch>
+            <a:fillRect/>
+          </a:stretch>
+        </p:blipFill>
+        <p:spPr>
+          <a:xfrm>
+            <a:off x="5484264" y="6405084"/>
+            <a:ext cx="2288136" cy="3203390"/>
+          </a:xfrm>
+          <a:prstGeom prst="rect">
+            <a:avLst/>
+          </a:prstGeom>
+        </p:spPr>
+      </p:pic>
+      <p:pic>
+        <p:nvPicPr>
+          <p:cNvPr id="17" name="Picture 16" descr="A screen shot of a game&#10;&#10;Description automatically generated">
+            <a:extLst>
+              <a:ext uri="{FF2B5EF4-FFF2-40B4-BE49-F238E27FC236}">
+                <a16:creationId xmlns:a16="http://schemas.microsoft.com/office/drawing/2014/main" id="{329B653A-322D-E00B-F722-FA9C4C51B773}"/>
+              </a:ext>
+            </a:extLst>
+          </p:cNvPr>
+          <p:cNvPicPr>
+            <a:picLocks noChangeAspect="1"/>
+          </p:cNvPicPr>
+          <p:nvPr/>
+        </p:nvPicPr>
+        <p:blipFill>
+          <a:blip r:embed="rId9">
+            <a:extLst>
+              <a:ext uri="{28A0092B-C50C-407E-A947-70E740481C1C}">
+                <a14:useLocalDpi xmlns:a14="http://schemas.microsoft.com/office/drawing/2010/main" val="0"/>
+              </a:ext>
+            </a:extLst>
+          </a:blip>
+          <a:stretch>
+            <a:fillRect/>
+          </a:stretch>
+        </p:blipFill>
+        <p:spPr>
+          <a:xfrm>
+            <a:off x="3221418" y="6405508"/>
+            <a:ext cx="2287530" cy="3202542"/>
+          </a:xfrm>
+          <a:prstGeom prst="rect">
+            <a:avLst/>
+          </a:prstGeom>
+        </p:spPr>
+      </p:pic>
+      <p:pic>
+        <p:nvPicPr>
+          <p:cNvPr id="19" name="Picture 18" descr="A screenshot of a video game&#10;&#10;Description automatically generated">
+            <a:extLst>
+              <a:ext uri="{FF2B5EF4-FFF2-40B4-BE49-F238E27FC236}">
+                <a16:creationId xmlns:a16="http://schemas.microsoft.com/office/drawing/2014/main" id="{DAEB7784-E6B6-8C3D-C956-B373FB6ED053}"/>
+              </a:ext>
+            </a:extLst>
+          </p:cNvPr>
+          <p:cNvPicPr>
+            <a:picLocks noChangeAspect="1"/>
+          </p:cNvPicPr>
+          <p:nvPr/>
+        </p:nvPicPr>
+        <p:blipFill>
+          <a:blip r:embed="rId10">
+            <a:extLst>
+              <a:ext uri="{28A0092B-C50C-407E-A947-70E740481C1C}">
+                <a14:useLocalDpi xmlns:a14="http://schemas.microsoft.com/office/drawing/2010/main" val="0"/>
+              </a:ext>
+            </a:extLst>
+          </a:blip>
+          <a:stretch>
+            <a:fillRect/>
+          </a:stretch>
+        </p:blipFill>
+        <p:spPr>
+          <a:xfrm>
+            <a:off x="956450" y="6404660"/>
+            <a:ext cx="2288742" cy="3204238"/>
+          </a:xfrm>
+          <a:prstGeom prst="rect">
+            <a:avLst/>
+          </a:prstGeom>
+        </p:spPr>
+      </p:pic>
     </p:spTree>
     <p:extLst>
       <p:ext uri="{BB962C8B-B14F-4D97-AF65-F5344CB8AC3E}">
-        <p14:creationId xmlns:p14="http://schemas.microsoft.com/office/powerpoint/2010/main" val="4249916322"/>
+        <p14:creationId xmlns:p14="http://schemas.microsoft.com/office/powerpoint/2010/main" val="2376703203"/>
       </p:ext>
     </p:extLst>
   </p:cSld>
@@ -4972,46 +5296,10 @@
       </p:grpSpPr>
       <p:pic>
         <p:nvPicPr>
-          <p:cNvPr id="3" name="Picture 2" descr="A screen shot of a video game&#10;&#10;Description automatically generated">
-            <a:extLst>
-              <a:ext uri="{FF2B5EF4-FFF2-40B4-BE49-F238E27FC236}">
-                <a16:creationId xmlns:a16="http://schemas.microsoft.com/office/drawing/2014/main" id="{7EBEE700-73D5-DF5E-CFAD-06261E50D857}"/>
-              </a:ext>
-            </a:extLst>
-          </p:cNvPr>
-          <p:cNvPicPr>
-            <a:picLocks noChangeAspect="1"/>
-          </p:cNvPicPr>
-          <p:nvPr/>
-        </p:nvPicPr>
-        <p:blipFill>
-          <a:blip r:embed="rId2">
-            <a:extLst>
-              <a:ext uri="{28A0092B-C50C-407E-A947-70E740481C1C}">
-                <a14:useLocalDpi xmlns:a14="http://schemas.microsoft.com/office/drawing/2010/main" val="0"/>
-              </a:ext>
-            </a:extLst>
-          </a:blip>
-          <a:stretch>
-            <a:fillRect/>
-          </a:stretch>
-        </p:blipFill>
-        <p:spPr>
-          <a:xfrm>
-            <a:off x="0" y="0"/>
-            <a:ext cx="2286924" cy="3201694"/>
-          </a:xfrm>
-          <a:prstGeom prst="rect">
-            <a:avLst/>
-          </a:prstGeom>
-        </p:spPr>
-      </p:pic>
-      <p:pic>
-        <p:nvPicPr>
-          <p:cNvPr id="5" name="Picture 4" descr="A screen shot of a video game&#10;&#10;Description automatically generated">
-            <a:extLst>
-              <a:ext uri="{FF2B5EF4-FFF2-40B4-BE49-F238E27FC236}">
-                <a16:creationId xmlns:a16="http://schemas.microsoft.com/office/drawing/2014/main" id="{7AF1B9AE-9901-0E3C-2F69-58664E9BD907}"/>
+          <p:cNvPr id="5" name="Picture 4" descr="A screen shot of a game&#10;&#10;Description automatically generated">
+            <a:extLst>
+              <a:ext uri="{FF2B5EF4-FFF2-40B4-BE49-F238E27FC236}">
+                <a16:creationId xmlns:a16="http://schemas.microsoft.com/office/drawing/2014/main" id="{B852166A-B81F-F98E-27AA-C6358CB65B89}"/>
               </a:ext>
             </a:extLst>
           </p:cNvPr>
@@ -5044,10 +5332,10 @@
       </p:pic>
       <p:pic>
         <p:nvPicPr>
-          <p:cNvPr id="7" name="Picture 6" descr="A screen shot of a video game&#10;&#10;Description automatically generated">
-            <a:extLst>
-              <a:ext uri="{FF2B5EF4-FFF2-40B4-BE49-F238E27FC236}">
-                <a16:creationId xmlns:a16="http://schemas.microsoft.com/office/drawing/2014/main" id="{2B7B606C-625F-4B42-7051-CC074D1C151C}"/>
+          <p:cNvPr id="7" name="Picture 6" descr="A screen shot of a game&#10;&#10;Description automatically generated">
+            <a:extLst>
+              <a:ext uri="{FF2B5EF4-FFF2-40B4-BE49-F238E27FC236}">
+                <a16:creationId xmlns:a16="http://schemas.microsoft.com/office/drawing/2014/main" id="{531514E4-B151-345C-DFF5-1E13A9639651}"/>
               </a:ext>
             </a:extLst>
           </p:cNvPr>
@@ -5080,10 +5368,10 @@
       </p:pic>
       <p:pic>
         <p:nvPicPr>
-          <p:cNvPr id="8" name="Picture 7" descr="A screen shot of a video game&#10;&#10;Description automatically generated">
-            <a:extLst>
-              <a:ext uri="{FF2B5EF4-FFF2-40B4-BE49-F238E27FC236}">
-                <a16:creationId xmlns:a16="http://schemas.microsoft.com/office/drawing/2014/main" id="{109A92B2-06EC-DF8A-04D3-EA17304E3618}"/>
+          <p:cNvPr id="9" name="Picture 8" descr="A screen shot of a game&#10;&#10;Description automatically generated">
+            <a:extLst>
+              <a:ext uri="{FF2B5EF4-FFF2-40B4-BE49-F238E27FC236}">
+                <a16:creationId xmlns:a16="http://schemas.microsoft.com/office/drawing/2014/main" id="{B14A6E61-2AC9-9A06-B0BA-15A10924143E}"/>
               </a:ext>
             </a:extLst>
           </p:cNvPr>
@@ -5116,10 +5404,10 @@
       </p:pic>
       <p:pic>
         <p:nvPicPr>
-          <p:cNvPr id="9" name="Picture 8" descr="A screen shot of a video game&#10;&#10;Description automatically generated">
-            <a:extLst>
-              <a:ext uri="{FF2B5EF4-FFF2-40B4-BE49-F238E27FC236}">
-                <a16:creationId xmlns:a16="http://schemas.microsoft.com/office/drawing/2014/main" id="{9E8FE4E7-1F0E-EC3B-C461-35BE051A3031}"/>
+          <p:cNvPr id="11" name="Picture 10" descr="A screen shot of a game&#10;&#10;Description automatically generated">
+            <a:extLst>
+              <a:ext uri="{FF2B5EF4-FFF2-40B4-BE49-F238E27FC236}">
+                <a16:creationId xmlns:a16="http://schemas.microsoft.com/office/drawing/2014/main" id="{B5B4693F-241B-5527-18C6-1106334D8E8B}"/>
               </a:ext>
             </a:extLst>
           </p:cNvPr>
@@ -5152,10 +5440,10 @@
       </p:pic>
       <p:pic>
         <p:nvPicPr>
-          <p:cNvPr id="10" name="Picture 9" descr="A screen shot of a video game&#10;&#10;Description automatically generated">
-            <a:extLst>
-              <a:ext uri="{FF2B5EF4-FFF2-40B4-BE49-F238E27FC236}">
-                <a16:creationId xmlns:a16="http://schemas.microsoft.com/office/drawing/2014/main" id="{7A31FC00-028C-6C28-F490-201AEFB8526B}"/>
+          <p:cNvPr id="13" name="Picture 12" descr="A screen shot of a game&#10;&#10;Description automatically generated">
+            <a:extLst>
+              <a:ext uri="{FF2B5EF4-FFF2-40B4-BE49-F238E27FC236}">
+                <a16:creationId xmlns:a16="http://schemas.microsoft.com/office/drawing/2014/main" id="{D9519CDA-A91F-D22E-CD58-48EC3C7E13D8}"/>
               </a:ext>
             </a:extLst>
           </p:cNvPr>
@@ -5188,10 +5476,10 @@
       </p:pic>
       <p:pic>
         <p:nvPicPr>
-          <p:cNvPr id="11" name="Picture 10" descr="A screen shot of a video game&#10;&#10;Description automatically generated">
-            <a:extLst>
-              <a:ext uri="{FF2B5EF4-FFF2-40B4-BE49-F238E27FC236}">
-                <a16:creationId xmlns:a16="http://schemas.microsoft.com/office/drawing/2014/main" id="{E2C05A01-A53F-CF48-DC0A-3AD630C56068}"/>
+          <p:cNvPr id="15" name="Picture 14" descr="A screen shot of a game&#10;&#10;Description automatically generated">
+            <a:extLst>
+              <a:ext uri="{FF2B5EF4-FFF2-40B4-BE49-F238E27FC236}">
+                <a16:creationId xmlns:a16="http://schemas.microsoft.com/office/drawing/2014/main" id="{6C666561-1D0B-A8AF-7C4E-937B8358993B}"/>
               </a:ext>
             </a:extLst>
           </p:cNvPr>
@@ -5224,10 +5512,10 @@
       </p:pic>
       <p:pic>
         <p:nvPicPr>
-          <p:cNvPr id="12" name="Picture 11" descr="A screen shot of a video game&#10;&#10;Description automatically generated">
-            <a:extLst>
-              <a:ext uri="{FF2B5EF4-FFF2-40B4-BE49-F238E27FC236}">
-                <a16:creationId xmlns:a16="http://schemas.microsoft.com/office/drawing/2014/main" id="{48229908-E2CA-7ED5-7A81-F09FC2FE0FF7}"/>
+          <p:cNvPr id="17" name="Picture 16" descr="A screen shot of a game&#10;&#10;Description automatically generated">
+            <a:extLst>
+              <a:ext uri="{FF2B5EF4-FFF2-40B4-BE49-F238E27FC236}">
+                <a16:creationId xmlns:a16="http://schemas.microsoft.com/office/drawing/2014/main" id="{958CF5CC-6EC9-A277-CBAE-D0095667E4EB}"/>
               </a:ext>
             </a:extLst>
           </p:cNvPr>
@@ -5260,10 +5548,10 @@
       </p:pic>
       <p:pic>
         <p:nvPicPr>
-          <p:cNvPr id="13" name="Picture 12" descr="A screen shot of a video game&#10;&#10;Description automatically generated">
-            <a:extLst>
-              <a:ext uri="{FF2B5EF4-FFF2-40B4-BE49-F238E27FC236}">
-                <a16:creationId xmlns:a16="http://schemas.microsoft.com/office/drawing/2014/main" id="{C9FE1C40-DD30-8D07-4D27-068B97B0145E}"/>
+          <p:cNvPr id="19" name="Picture 18" descr="A screen shot of a game&#10;&#10;Description automatically generated">
+            <a:extLst>
+              <a:ext uri="{FF2B5EF4-FFF2-40B4-BE49-F238E27FC236}">
+                <a16:creationId xmlns:a16="http://schemas.microsoft.com/office/drawing/2014/main" id="{C8DC9309-F077-07A9-D034-A7461718C164}"/>
               </a:ext>
             </a:extLst>
           </p:cNvPr>
@@ -5287,6 +5575,42 @@
         <p:spPr>
           <a:xfrm>
             <a:off x="4573848" y="6403388"/>
+            <a:ext cx="2286924" cy="3201694"/>
+          </a:xfrm>
+          <a:prstGeom prst="rect">
+            <a:avLst/>
+          </a:prstGeom>
+        </p:spPr>
+      </p:pic>
+      <p:pic>
+        <p:nvPicPr>
+          <p:cNvPr id="4" name="Picture 3" descr="A screen shot of a game&#10;&#10;Description automatically generated">
+            <a:extLst>
+              <a:ext uri="{FF2B5EF4-FFF2-40B4-BE49-F238E27FC236}">
+                <a16:creationId xmlns:a16="http://schemas.microsoft.com/office/drawing/2014/main" id="{0DF2B6A8-705B-7996-0910-FDD0EE74EFCD}"/>
+              </a:ext>
+            </a:extLst>
+          </p:cNvPr>
+          <p:cNvPicPr>
+            <a:picLocks noChangeAspect="1"/>
+          </p:cNvPicPr>
+          <p:nvPr/>
+        </p:nvPicPr>
+        <p:blipFill>
+          <a:blip r:embed="rId2">
+            <a:extLst>
+              <a:ext uri="{28A0092B-C50C-407E-A947-70E740481C1C}">
+                <a14:useLocalDpi xmlns:a14="http://schemas.microsoft.com/office/drawing/2010/main" val="0"/>
+              </a:ext>
+            </a:extLst>
+          </a:blip>
+          <a:stretch>
+            <a:fillRect/>
+          </a:stretch>
+        </p:blipFill>
+        <p:spPr>
+          <a:xfrm>
+            <a:off x="0" y="7257"/>
             <a:ext cx="2286924" cy="3201694"/>
           </a:xfrm>
           <a:prstGeom prst="rect">
@@ -5297,7 +5621,7 @@
     </p:spTree>
     <p:extLst>
       <p:ext uri="{BB962C8B-B14F-4D97-AF65-F5344CB8AC3E}">
-        <p14:creationId xmlns:p14="http://schemas.microsoft.com/office/powerpoint/2010/main" val="2731334957"/>
+        <p14:creationId xmlns:p14="http://schemas.microsoft.com/office/powerpoint/2010/main" val="2069781167"/>
       </p:ext>
     </p:extLst>
   </p:cSld>
@@ -5327,7 +5651,7 @@
     </p:spTree>
     <p:extLst>
       <p:ext uri="{BB962C8B-B14F-4D97-AF65-F5344CB8AC3E}">
-        <p14:creationId xmlns:p14="http://schemas.microsoft.com/office/powerpoint/2010/main" val="3105389301"/>
+        <p14:creationId xmlns:p14="http://schemas.microsoft.com/office/powerpoint/2010/main" val="4249916322"/>
       </p:ext>
     </p:extLst>
   </p:cSld>
@@ -6073,7 +6397,7 @@
           <p:cNvPr id="3" name="Picture 2" descr="A screen shot of a video game&#10;&#10;Description automatically generated">
             <a:extLst>
               <a:ext uri="{FF2B5EF4-FFF2-40B4-BE49-F238E27FC236}">
-                <a16:creationId xmlns:a16="http://schemas.microsoft.com/office/drawing/2014/main" id="{6C2AC824-68F4-8EB5-E0B1-614EBFC13C5E}"/>
+                <a16:creationId xmlns:a16="http://schemas.microsoft.com/office/drawing/2014/main" id="{7EBEE700-73D5-DF5E-CFAD-06261E50D857}"/>
               </a:ext>
             </a:extLst>
           </p:cNvPr>
@@ -6106,20 +6430,20 @@
       </p:pic>
       <p:pic>
         <p:nvPicPr>
-          <p:cNvPr id="5" name="Picture 4" descr="A screen shot of a game&#10;&#10;Description automatically generated">
-            <a:extLst>
-              <a:ext uri="{FF2B5EF4-FFF2-40B4-BE49-F238E27FC236}">
-                <a16:creationId xmlns:a16="http://schemas.microsoft.com/office/drawing/2014/main" id="{B852166A-B81F-F98E-27AA-C6358CB65B89}"/>
-              </a:ext>
-            </a:extLst>
-          </p:cNvPr>
-          <p:cNvPicPr>
-            <a:picLocks noChangeAspect="1"/>
-          </p:cNvPicPr>
-          <p:nvPr/>
-        </p:nvPicPr>
-        <p:blipFill>
-          <a:blip r:embed="rId3">
+          <p:cNvPr id="5" name="Picture 4" descr="A screen shot of a video game&#10;&#10;Description automatically generated">
+            <a:extLst>
+              <a:ext uri="{FF2B5EF4-FFF2-40B4-BE49-F238E27FC236}">
+                <a16:creationId xmlns:a16="http://schemas.microsoft.com/office/drawing/2014/main" id="{7AF1B9AE-9901-0E3C-2F69-58664E9BD907}"/>
+              </a:ext>
+            </a:extLst>
+          </p:cNvPr>
+          <p:cNvPicPr>
+            <a:picLocks noChangeAspect="1"/>
+          </p:cNvPicPr>
+          <p:nvPr/>
+        </p:nvPicPr>
+        <p:blipFill>
+          <a:blip r:embed="rId2">
             <a:extLst>
               <a:ext uri="{28A0092B-C50C-407E-A947-70E740481C1C}">
                 <a14:useLocalDpi xmlns:a14="http://schemas.microsoft.com/office/drawing/2010/main" val="0"/>
@@ -6142,20 +6466,20 @@
       </p:pic>
       <p:pic>
         <p:nvPicPr>
-          <p:cNvPr id="7" name="Picture 6" descr="A screen shot of a game&#10;&#10;Description automatically generated">
-            <a:extLst>
-              <a:ext uri="{FF2B5EF4-FFF2-40B4-BE49-F238E27FC236}">
-                <a16:creationId xmlns:a16="http://schemas.microsoft.com/office/drawing/2014/main" id="{531514E4-B151-345C-DFF5-1E13A9639651}"/>
-              </a:ext>
-            </a:extLst>
-          </p:cNvPr>
-          <p:cNvPicPr>
-            <a:picLocks noChangeAspect="1"/>
-          </p:cNvPicPr>
-          <p:nvPr/>
-        </p:nvPicPr>
-        <p:blipFill>
-          <a:blip r:embed="rId3">
+          <p:cNvPr id="7" name="Picture 6" descr="A screen shot of a video game&#10;&#10;Description automatically generated">
+            <a:extLst>
+              <a:ext uri="{FF2B5EF4-FFF2-40B4-BE49-F238E27FC236}">
+                <a16:creationId xmlns:a16="http://schemas.microsoft.com/office/drawing/2014/main" id="{2B7B606C-625F-4B42-7051-CC074D1C151C}"/>
+              </a:ext>
+            </a:extLst>
+          </p:cNvPr>
+          <p:cNvPicPr>
+            <a:picLocks noChangeAspect="1"/>
+          </p:cNvPicPr>
+          <p:nvPr/>
+        </p:nvPicPr>
+        <p:blipFill>
+          <a:blip r:embed="rId2">
             <a:extLst>
               <a:ext uri="{28A0092B-C50C-407E-A947-70E740481C1C}">
                 <a14:useLocalDpi xmlns:a14="http://schemas.microsoft.com/office/drawing/2010/main" val="0"/>
@@ -6178,20 +6502,20 @@
       </p:pic>
       <p:pic>
         <p:nvPicPr>
-          <p:cNvPr id="9" name="Picture 8" descr="A screen shot of a game&#10;&#10;Description automatically generated">
-            <a:extLst>
-              <a:ext uri="{FF2B5EF4-FFF2-40B4-BE49-F238E27FC236}">
-                <a16:creationId xmlns:a16="http://schemas.microsoft.com/office/drawing/2014/main" id="{B14A6E61-2AC9-9A06-B0BA-15A10924143E}"/>
-              </a:ext>
-            </a:extLst>
-          </p:cNvPr>
-          <p:cNvPicPr>
-            <a:picLocks noChangeAspect="1"/>
-          </p:cNvPicPr>
-          <p:nvPr/>
-        </p:nvPicPr>
-        <p:blipFill>
-          <a:blip r:embed="rId3">
+          <p:cNvPr id="8" name="Picture 7" descr="A screen shot of a video game&#10;&#10;Description automatically generated">
+            <a:extLst>
+              <a:ext uri="{FF2B5EF4-FFF2-40B4-BE49-F238E27FC236}">
+                <a16:creationId xmlns:a16="http://schemas.microsoft.com/office/drawing/2014/main" id="{109A92B2-06EC-DF8A-04D3-EA17304E3618}"/>
+              </a:ext>
+            </a:extLst>
+          </p:cNvPr>
+          <p:cNvPicPr>
+            <a:picLocks noChangeAspect="1"/>
+          </p:cNvPicPr>
+          <p:nvPr/>
+        </p:nvPicPr>
+        <p:blipFill>
+          <a:blip r:embed="rId2">
             <a:extLst>
               <a:ext uri="{28A0092B-C50C-407E-A947-70E740481C1C}">
                 <a14:useLocalDpi xmlns:a14="http://schemas.microsoft.com/office/drawing/2010/main" val="0"/>
@@ -6214,20 +6538,20 @@
       </p:pic>
       <p:pic>
         <p:nvPicPr>
-          <p:cNvPr id="11" name="Picture 10" descr="A screen shot of a game&#10;&#10;Description automatically generated">
-            <a:extLst>
-              <a:ext uri="{FF2B5EF4-FFF2-40B4-BE49-F238E27FC236}">
-                <a16:creationId xmlns:a16="http://schemas.microsoft.com/office/drawing/2014/main" id="{B5B4693F-241B-5527-18C6-1106334D8E8B}"/>
-              </a:ext>
-            </a:extLst>
-          </p:cNvPr>
-          <p:cNvPicPr>
-            <a:picLocks noChangeAspect="1"/>
-          </p:cNvPicPr>
-          <p:nvPr/>
-        </p:nvPicPr>
-        <p:blipFill>
-          <a:blip r:embed="rId3">
+          <p:cNvPr id="9" name="Picture 8" descr="A screen shot of a video game&#10;&#10;Description automatically generated">
+            <a:extLst>
+              <a:ext uri="{FF2B5EF4-FFF2-40B4-BE49-F238E27FC236}">
+                <a16:creationId xmlns:a16="http://schemas.microsoft.com/office/drawing/2014/main" id="{9E8FE4E7-1F0E-EC3B-C461-35BE051A3031}"/>
+              </a:ext>
+            </a:extLst>
+          </p:cNvPr>
+          <p:cNvPicPr>
+            <a:picLocks noChangeAspect="1"/>
+          </p:cNvPicPr>
+          <p:nvPr/>
+        </p:nvPicPr>
+        <p:blipFill>
+          <a:blip r:embed="rId2">
             <a:extLst>
               <a:ext uri="{28A0092B-C50C-407E-A947-70E740481C1C}">
                 <a14:useLocalDpi xmlns:a14="http://schemas.microsoft.com/office/drawing/2010/main" val="0"/>
@@ -6250,20 +6574,20 @@
       </p:pic>
       <p:pic>
         <p:nvPicPr>
-          <p:cNvPr id="13" name="Picture 12" descr="A screen shot of a game&#10;&#10;Description automatically generated">
-            <a:extLst>
-              <a:ext uri="{FF2B5EF4-FFF2-40B4-BE49-F238E27FC236}">
-                <a16:creationId xmlns:a16="http://schemas.microsoft.com/office/drawing/2014/main" id="{D9519CDA-A91F-D22E-CD58-48EC3C7E13D8}"/>
-              </a:ext>
-            </a:extLst>
-          </p:cNvPr>
-          <p:cNvPicPr>
-            <a:picLocks noChangeAspect="1"/>
-          </p:cNvPicPr>
-          <p:nvPr/>
-        </p:nvPicPr>
-        <p:blipFill>
-          <a:blip r:embed="rId3">
+          <p:cNvPr id="10" name="Picture 9" descr="A screen shot of a video game&#10;&#10;Description automatically generated">
+            <a:extLst>
+              <a:ext uri="{FF2B5EF4-FFF2-40B4-BE49-F238E27FC236}">
+                <a16:creationId xmlns:a16="http://schemas.microsoft.com/office/drawing/2014/main" id="{7A31FC00-028C-6C28-F490-201AEFB8526B}"/>
+              </a:ext>
+            </a:extLst>
+          </p:cNvPr>
+          <p:cNvPicPr>
+            <a:picLocks noChangeAspect="1"/>
+          </p:cNvPicPr>
+          <p:nvPr/>
+        </p:nvPicPr>
+        <p:blipFill>
+          <a:blip r:embed="rId2">
             <a:extLst>
               <a:ext uri="{28A0092B-C50C-407E-A947-70E740481C1C}">
                 <a14:useLocalDpi xmlns:a14="http://schemas.microsoft.com/office/drawing/2010/main" val="0"/>
@@ -6286,20 +6610,20 @@
       </p:pic>
       <p:pic>
         <p:nvPicPr>
-          <p:cNvPr id="15" name="Picture 14" descr="A screen shot of a game&#10;&#10;Description automatically generated">
-            <a:extLst>
-              <a:ext uri="{FF2B5EF4-FFF2-40B4-BE49-F238E27FC236}">
-                <a16:creationId xmlns:a16="http://schemas.microsoft.com/office/drawing/2014/main" id="{6C666561-1D0B-A8AF-7C4E-937B8358993B}"/>
-              </a:ext>
-            </a:extLst>
-          </p:cNvPr>
-          <p:cNvPicPr>
-            <a:picLocks noChangeAspect="1"/>
-          </p:cNvPicPr>
-          <p:nvPr/>
-        </p:nvPicPr>
-        <p:blipFill>
-          <a:blip r:embed="rId3">
+          <p:cNvPr id="11" name="Picture 10" descr="A screen shot of a video game&#10;&#10;Description automatically generated">
+            <a:extLst>
+              <a:ext uri="{FF2B5EF4-FFF2-40B4-BE49-F238E27FC236}">
+                <a16:creationId xmlns:a16="http://schemas.microsoft.com/office/drawing/2014/main" id="{E2C05A01-A53F-CF48-DC0A-3AD630C56068}"/>
+              </a:ext>
+            </a:extLst>
+          </p:cNvPr>
+          <p:cNvPicPr>
+            <a:picLocks noChangeAspect="1"/>
+          </p:cNvPicPr>
+          <p:nvPr/>
+        </p:nvPicPr>
+        <p:blipFill>
+          <a:blip r:embed="rId2">
             <a:extLst>
               <a:ext uri="{28A0092B-C50C-407E-A947-70E740481C1C}">
                 <a14:useLocalDpi xmlns:a14="http://schemas.microsoft.com/office/drawing/2010/main" val="0"/>
@@ -6322,20 +6646,20 @@
       </p:pic>
       <p:pic>
         <p:nvPicPr>
-          <p:cNvPr id="17" name="Picture 16" descr="A screen shot of a game&#10;&#10;Description automatically generated">
-            <a:extLst>
-              <a:ext uri="{FF2B5EF4-FFF2-40B4-BE49-F238E27FC236}">
-                <a16:creationId xmlns:a16="http://schemas.microsoft.com/office/drawing/2014/main" id="{958CF5CC-6EC9-A277-CBAE-D0095667E4EB}"/>
-              </a:ext>
-            </a:extLst>
-          </p:cNvPr>
-          <p:cNvPicPr>
-            <a:picLocks noChangeAspect="1"/>
-          </p:cNvPicPr>
-          <p:nvPr/>
-        </p:nvPicPr>
-        <p:blipFill>
-          <a:blip r:embed="rId3">
+          <p:cNvPr id="12" name="Picture 11" descr="A screen shot of a video game&#10;&#10;Description automatically generated">
+            <a:extLst>
+              <a:ext uri="{FF2B5EF4-FFF2-40B4-BE49-F238E27FC236}">
+                <a16:creationId xmlns:a16="http://schemas.microsoft.com/office/drawing/2014/main" id="{48229908-E2CA-7ED5-7A81-F09FC2FE0FF7}"/>
+              </a:ext>
+            </a:extLst>
+          </p:cNvPr>
+          <p:cNvPicPr>
+            <a:picLocks noChangeAspect="1"/>
+          </p:cNvPicPr>
+          <p:nvPr/>
+        </p:nvPicPr>
+        <p:blipFill>
+          <a:blip r:embed="rId2">
             <a:extLst>
               <a:ext uri="{28A0092B-C50C-407E-A947-70E740481C1C}">
                 <a14:useLocalDpi xmlns:a14="http://schemas.microsoft.com/office/drawing/2010/main" val="0"/>
@@ -6358,20 +6682,20 @@
       </p:pic>
       <p:pic>
         <p:nvPicPr>
-          <p:cNvPr id="19" name="Picture 18" descr="A screen shot of a game&#10;&#10;Description automatically generated">
-            <a:extLst>
-              <a:ext uri="{FF2B5EF4-FFF2-40B4-BE49-F238E27FC236}">
-                <a16:creationId xmlns:a16="http://schemas.microsoft.com/office/drawing/2014/main" id="{C8DC9309-F077-07A9-D034-A7461718C164}"/>
-              </a:ext>
-            </a:extLst>
-          </p:cNvPr>
-          <p:cNvPicPr>
-            <a:picLocks noChangeAspect="1"/>
-          </p:cNvPicPr>
-          <p:nvPr/>
-        </p:nvPicPr>
-        <p:blipFill>
-          <a:blip r:embed="rId3">
+          <p:cNvPr id="13" name="Picture 12" descr="A screen shot of a video game&#10;&#10;Description automatically generated">
+            <a:extLst>
+              <a:ext uri="{FF2B5EF4-FFF2-40B4-BE49-F238E27FC236}">
+                <a16:creationId xmlns:a16="http://schemas.microsoft.com/office/drawing/2014/main" id="{C9FE1C40-DD30-8D07-4D27-068B97B0145E}"/>
+              </a:ext>
+            </a:extLst>
+          </p:cNvPr>
+          <p:cNvPicPr>
+            <a:picLocks noChangeAspect="1"/>
+          </p:cNvPicPr>
+          <p:nvPr/>
+        </p:nvPicPr>
+        <p:blipFill>
+          <a:blip r:embed="rId2">
             <a:extLst>
               <a:ext uri="{28A0092B-C50C-407E-A947-70E740481C1C}">
                 <a14:useLocalDpi xmlns:a14="http://schemas.microsoft.com/office/drawing/2010/main" val="0"/>
@@ -6395,7 +6719,7 @@
     </p:spTree>
     <p:extLst>
       <p:ext uri="{BB962C8B-B14F-4D97-AF65-F5344CB8AC3E}">
-        <p14:creationId xmlns:p14="http://schemas.microsoft.com/office/powerpoint/2010/main" val="2426942407"/>
+        <p14:creationId xmlns:p14="http://schemas.microsoft.com/office/powerpoint/2010/main" val="2731334957"/>
       </p:ext>
     </p:extLst>
   </p:cSld>
@@ -6422,6 +6746,294 @@
           <a:chExt cx="0" cy="0"/>
         </a:xfrm>
       </p:grpSpPr>
+      <p:pic>
+        <p:nvPicPr>
+          <p:cNvPr id="21" name="Picture 20" descr="A screen shot of a video game&#10;&#10;Description automatically generated">
+            <a:extLst>
+              <a:ext uri="{FF2B5EF4-FFF2-40B4-BE49-F238E27FC236}">
+                <a16:creationId xmlns:a16="http://schemas.microsoft.com/office/drawing/2014/main" id="{F4459F78-C47D-55C2-3B04-31E0E509C3F5}"/>
+              </a:ext>
+            </a:extLst>
+          </p:cNvPr>
+          <p:cNvPicPr>
+            <a:picLocks noChangeAspect="1"/>
+          </p:cNvPicPr>
+          <p:nvPr/>
+        </p:nvPicPr>
+        <p:blipFill>
+          <a:blip r:embed="rId2">
+            <a:extLst>
+              <a:ext uri="{28A0092B-C50C-407E-A947-70E740481C1C}">
+                <a14:useLocalDpi xmlns:a14="http://schemas.microsoft.com/office/drawing/2010/main" val="0"/>
+              </a:ext>
+            </a:extLst>
+          </a:blip>
+          <a:stretch>
+            <a:fillRect/>
+          </a:stretch>
+        </p:blipFill>
+        <p:spPr>
+          <a:xfrm>
+            <a:off x="909810" y="0"/>
+            <a:ext cx="2287530" cy="3202542"/>
+          </a:xfrm>
+          <a:prstGeom prst="rect">
+            <a:avLst/>
+          </a:prstGeom>
+        </p:spPr>
+      </p:pic>
+      <p:pic>
+        <p:nvPicPr>
+          <p:cNvPr id="23" name="Picture 22" descr="A screenshot of a video game&#10;&#10;Description automatically generated">
+            <a:extLst>
+              <a:ext uri="{FF2B5EF4-FFF2-40B4-BE49-F238E27FC236}">
+                <a16:creationId xmlns:a16="http://schemas.microsoft.com/office/drawing/2014/main" id="{CAF724AA-67D9-3745-4246-F05BE738FA8C}"/>
+              </a:ext>
+            </a:extLst>
+          </p:cNvPr>
+          <p:cNvPicPr>
+            <a:picLocks noChangeAspect="1"/>
+          </p:cNvPicPr>
+          <p:nvPr/>
+        </p:nvPicPr>
+        <p:blipFill>
+          <a:blip r:embed="rId3">
+            <a:extLst>
+              <a:ext uri="{28A0092B-C50C-407E-A947-70E740481C1C}">
+                <a14:useLocalDpi xmlns:a14="http://schemas.microsoft.com/office/drawing/2010/main" val="0"/>
+              </a:ext>
+            </a:extLst>
+          </a:blip>
+          <a:stretch>
+            <a:fillRect/>
+          </a:stretch>
+        </p:blipFill>
+        <p:spPr>
+          <a:xfrm>
+            <a:off x="3197340" y="0"/>
+            <a:ext cx="2287530" cy="3202542"/>
+          </a:xfrm>
+          <a:prstGeom prst="rect">
+            <a:avLst/>
+          </a:prstGeom>
+        </p:spPr>
+      </p:pic>
+      <p:pic>
+        <p:nvPicPr>
+          <p:cNvPr id="25" name="Picture 24" descr="A screenshot of a video game&#10;&#10;Description automatically generated">
+            <a:extLst>
+              <a:ext uri="{FF2B5EF4-FFF2-40B4-BE49-F238E27FC236}">
+                <a16:creationId xmlns:a16="http://schemas.microsoft.com/office/drawing/2014/main" id="{BDCA8EF5-6F09-0853-BC3D-A36AFA2B32D9}"/>
+              </a:ext>
+            </a:extLst>
+          </p:cNvPr>
+          <p:cNvPicPr>
+            <a:picLocks noChangeAspect="1"/>
+          </p:cNvPicPr>
+          <p:nvPr/>
+        </p:nvPicPr>
+        <p:blipFill>
+          <a:blip r:embed="rId4">
+            <a:extLst>
+              <a:ext uri="{28A0092B-C50C-407E-A947-70E740481C1C}">
+                <a14:useLocalDpi xmlns:a14="http://schemas.microsoft.com/office/drawing/2010/main" val="0"/>
+              </a:ext>
+            </a:extLst>
+          </a:blip>
+          <a:stretch>
+            <a:fillRect/>
+          </a:stretch>
+        </p:blipFill>
+        <p:spPr>
+          <a:xfrm>
+            <a:off x="5484870" y="3202542"/>
+            <a:ext cx="2288136" cy="3203390"/>
+          </a:xfrm>
+          <a:prstGeom prst="rect">
+            <a:avLst/>
+          </a:prstGeom>
+        </p:spPr>
+      </p:pic>
+      <p:pic>
+        <p:nvPicPr>
+          <p:cNvPr id="27" name="Picture 26" descr="A screenshot of a video game&#10;&#10;Description automatically generated">
+            <a:extLst>
+              <a:ext uri="{FF2B5EF4-FFF2-40B4-BE49-F238E27FC236}">
+                <a16:creationId xmlns:a16="http://schemas.microsoft.com/office/drawing/2014/main" id="{43DFED94-0B9E-1EDD-9260-FA189AC7A268}"/>
+              </a:ext>
+            </a:extLst>
+          </p:cNvPr>
+          <p:cNvPicPr>
+            <a:picLocks noChangeAspect="1"/>
+          </p:cNvPicPr>
+          <p:nvPr/>
+        </p:nvPicPr>
+        <p:blipFill>
+          <a:blip r:embed="rId5">
+            <a:extLst>
+              <a:ext uri="{28A0092B-C50C-407E-A947-70E740481C1C}">
+                <a14:useLocalDpi xmlns:a14="http://schemas.microsoft.com/office/drawing/2010/main" val="0"/>
+              </a:ext>
+            </a:extLst>
+          </a:blip>
+          <a:stretch>
+            <a:fillRect/>
+          </a:stretch>
+        </p:blipFill>
+        <p:spPr>
+          <a:xfrm>
+            <a:off x="3197340" y="3202542"/>
+            <a:ext cx="2287530" cy="3202542"/>
+          </a:xfrm>
+          <a:prstGeom prst="rect">
+            <a:avLst/>
+          </a:prstGeom>
+        </p:spPr>
+      </p:pic>
+      <p:pic>
+        <p:nvPicPr>
+          <p:cNvPr id="29" name="Picture 28" descr="A screenshot of a video game&#10;&#10;Description automatically generated">
+            <a:extLst>
+              <a:ext uri="{FF2B5EF4-FFF2-40B4-BE49-F238E27FC236}">
+                <a16:creationId xmlns:a16="http://schemas.microsoft.com/office/drawing/2014/main" id="{33D2D0D3-A05A-98AA-BF5D-47D0B647BD07}"/>
+              </a:ext>
+            </a:extLst>
+          </p:cNvPr>
+          <p:cNvPicPr>
+            <a:picLocks noChangeAspect="1"/>
+          </p:cNvPicPr>
+          <p:nvPr/>
+        </p:nvPicPr>
+        <p:blipFill>
+          <a:blip r:embed="rId6">
+            <a:extLst>
+              <a:ext uri="{28A0092B-C50C-407E-A947-70E740481C1C}">
+                <a14:useLocalDpi xmlns:a14="http://schemas.microsoft.com/office/drawing/2010/main" val="0"/>
+              </a:ext>
+            </a:extLst>
+          </a:blip>
+          <a:stretch>
+            <a:fillRect/>
+          </a:stretch>
+        </p:blipFill>
+        <p:spPr>
+          <a:xfrm>
+            <a:off x="909810" y="3202542"/>
+            <a:ext cx="2287530" cy="3202542"/>
+          </a:xfrm>
+          <a:prstGeom prst="rect">
+            <a:avLst/>
+          </a:prstGeom>
+        </p:spPr>
+      </p:pic>
+      <p:pic>
+        <p:nvPicPr>
+          <p:cNvPr id="31" name="Picture 30" descr="A screenshot of a video game&#10;&#10;Description automatically generated">
+            <a:extLst>
+              <a:ext uri="{FF2B5EF4-FFF2-40B4-BE49-F238E27FC236}">
+                <a16:creationId xmlns:a16="http://schemas.microsoft.com/office/drawing/2014/main" id="{FD068A05-0CAE-3F74-C62B-64E037181983}"/>
+              </a:ext>
+            </a:extLst>
+          </p:cNvPr>
+          <p:cNvPicPr>
+            <a:picLocks noChangeAspect="1"/>
+          </p:cNvPicPr>
+          <p:nvPr/>
+        </p:nvPicPr>
+        <p:blipFill>
+          <a:blip r:embed="rId7">
+            <a:extLst>
+              <a:ext uri="{28A0092B-C50C-407E-A947-70E740481C1C}">
+                <a14:useLocalDpi xmlns:a14="http://schemas.microsoft.com/office/drawing/2010/main" val="0"/>
+              </a:ext>
+            </a:extLst>
+          </a:blip>
+          <a:stretch>
+            <a:fillRect/>
+          </a:stretch>
+        </p:blipFill>
+        <p:spPr>
+          <a:xfrm>
+            <a:off x="5484870" y="6404236"/>
+            <a:ext cx="2288136" cy="3203390"/>
+          </a:xfrm>
+          <a:prstGeom prst="rect">
+            <a:avLst/>
+          </a:prstGeom>
+        </p:spPr>
+      </p:pic>
+      <p:pic>
+        <p:nvPicPr>
+          <p:cNvPr id="33" name="Picture 32" descr="A screenshot of a video game&#10;&#10;Description automatically generated">
+            <a:extLst>
+              <a:ext uri="{FF2B5EF4-FFF2-40B4-BE49-F238E27FC236}">
+                <a16:creationId xmlns:a16="http://schemas.microsoft.com/office/drawing/2014/main" id="{8D273216-2E8F-032A-4426-1B4539444FB8}"/>
+              </a:ext>
+            </a:extLst>
+          </p:cNvPr>
+          <p:cNvPicPr>
+            <a:picLocks noChangeAspect="1"/>
+          </p:cNvPicPr>
+          <p:nvPr/>
+        </p:nvPicPr>
+        <p:blipFill>
+          <a:blip r:embed="rId8">
+            <a:extLst>
+              <a:ext uri="{28A0092B-C50C-407E-A947-70E740481C1C}">
+                <a14:useLocalDpi xmlns:a14="http://schemas.microsoft.com/office/drawing/2010/main" val="0"/>
+              </a:ext>
+            </a:extLst>
+          </a:blip>
+          <a:stretch>
+            <a:fillRect/>
+          </a:stretch>
+        </p:blipFill>
+        <p:spPr>
+          <a:xfrm>
+            <a:off x="3197340" y="6404660"/>
+            <a:ext cx="2287530" cy="3202542"/>
+          </a:xfrm>
+          <a:prstGeom prst="rect">
+            <a:avLst/>
+          </a:prstGeom>
+        </p:spPr>
+      </p:pic>
+      <p:pic>
+        <p:nvPicPr>
+          <p:cNvPr id="35" name="Picture 34" descr="A screenshot of a video game&#10;&#10;Description automatically generated">
+            <a:extLst>
+              <a:ext uri="{FF2B5EF4-FFF2-40B4-BE49-F238E27FC236}">
+                <a16:creationId xmlns:a16="http://schemas.microsoft.com/office/drawing/2014/main" id="{DB281024-7CD5-B38E-6C34-FAB871305080}"/>
+              </a:ext>
+            </a:extLst>
+          </p:cNvPr>
+          <p:cNvPicPr>
+            <a:picLocks noChangeAspect="1"/>
+          </p:cNvPicPr>
+          <p:nvPr/>
+        </p:nvPicPr>
+        <p:blipFill>
+          <a:blip r:embed="rId9">
+            <a:extLst>
+              <a:ext uri="{28A0092B-C50C-407E-A947-70E740481C1C}">
+                <a14:useLocalDpi xmlns:a14="http://schemas.microsoft.com/office/drawing/2010/main" val="0"/>
+              </a:ext>
+            </a:extLst>
+          </a:blip>
+          <a:stretch>
+            <a:fillRect/>
+          </a:stretch>
+        </p:blipFill>
+        <p:spPr>
+          <a:xfrm>
+            <a:off x="909810" y="6404660"/>
+            <a:ext cx="2287530" cy="3202542"/>
+          </a:xfrm>
+          <a:prstGeom prst="rect">
+            <a:avLst/>
+          </a:prstGeom>
+        </p:spPr>
+      </p:pic>
     </p:spTree>
     <p:extLst>
       <p:ext uri="{BB962C8B-B14F-4D97-AF65-F5344CB8AC3E}">
@@ -6454,6 +7066,42 @@
       </p:grpSpPr>
       <p:pic>
         <p:nvPicPr>
+          <p:cNvPr id="3" name="Picture 2" descr="A screen shot of a video game&#10;&#10;Description automatically generated">
+            <a:extLst>
+              <a:ext uri="{FF2B5EF4-FFF2-40B4-BE49-F238E27FC236}">
+                <a16:creationId xmlns:a16="http://schemas.microsoft.com/office/drawing/2014/main" id="{6C2AC824-68F4-8EB5-E0B1-614EBFC13C5E}"/>
+              </a:ext>
+            </a:extLst>
+          </p:cNvPr>
+          <p:cNvPicPr>
+            <a:picLocks noChangeAspect="1"/>
+          </p:cNvPicPr>
+          <p:nvPr/>
+        </p:nvPicPr>
+        <p:blipFill>
+          <a:blip r:embed="rId2">
+            <a:extLst>
+              <a:ext uri="{28A0092B-C50C-407E-A947-70E740481C1C}">
+                <a14:useLocalDpi xmlns:a14="http://schemas.microsoft.com/office/drawing/2010/main" val="0"/>
+              </a:ext>
+            </a:extLst>
+          </a:blip>
+          <a:stretch>
+            <a:fillRect/>
+          </a:stretch>
+        </p:blipFill>
+        <p:spPr>
+          <a:xfrm>
+            <a:off x="0" y="0"/>
+            <a:ext cx="2286924" cy="3201694"/>
+          </a:xfrm>
+          <a:prstGeom prst="rect">
+            <a:avLst/>
+          </a:prstGeom>
+        </p:spPr>
+      </p:pic>
+      <p:pic>
+        <p:nvPicPr>
           <p:cNvPr id="5" name="Picture 4" descr="A screen shot of a game&#10;&#10;Description automatically generated">
             <a:extLst>
               <a:ext uri="{FF2B5EF4-FFF2-40B4-BE49-F238E27FC236}">
@@ -6467,7 +7115,7 @@
           <p:nvPr/>
         </p:nvPicPr>
         <p:blipFill>
-          <a:blip r:embed="rId2">
+          <a:blip r:embed="rId3">
             <a:extLst>
               <a:ext uri="{28A0092B-C50C-407E-A947-70E740481C1C}">
                 <a14:useLocalDpi xmlns:a14="http://schemas.microsoft.com/office/drawing/2010/main" val="0"/>
@@ -6503,7 +7151,7 @@
           <p:nvPr/>
         </p:nvPicPr>
         <p:blipFill>
-          <a:blip r:embed="rId2">
+          <a:blip r:embed="rId3">
             <a:extLst>
               <a:ext uri="{28A0092B-C50C-407E-A947-70E740481C1C}">
                 <a14:useLocalDpi xmlns:a14="http://schemas.microsoft.com/office/drawing/2010/main" val="0"/>
@@ -6539,7 +7187,7 @@
           <p:nvPr/>
         </p:nvPicPr>
         <p:blipFill>
-          <a:blip r:embed="rId2">
+          <a:blip r:embed="rId3">
             <a:extLst>
               <a:ext uri="{28A0092B-C50C-407E-A947-70E740481C1C}">
                 <a14:useLocalDpi xmlns:a14="http://schemas.microsoft.com/office/drawing/2010/main" val="0"/>
@@ -6575,7 +7223,7 @@
           <p:nvPr/>
         </p:nvPicPr>
         <p:blipFill>
-          <a:blip r:embed="rId2">
+          <a:blip r:embed="rId3">
             <a:extLst>
               <a:ext uri="{28A0092B-C50C-407E-A947-70E740481C1C}">
                 <a14:useLocalDpi xmlns:a14="http://schemas.microsoft.com/office/drawing/2010/main" val="0"/>
@@ -6611,7 +7259,7 @@
           <p:nvPr/>
         </p:nvPicPr>
         <p:blipFill>
-          <a:blip r:embed="rId2">
+          <a:blip r:embed="rId3">
             <a:extLst>
               <a:ext uri="{28A0092B-C50C-407E-A947-70E740481C1C}">
                 <a14:useLocalDpi xmlns:a14="http://schemas.microsoft.com/office/drawing/2010/main" val="0"/>
@@ -6647,7 +7295,7 @@
           <p:nvPr/>
         </p:nvPicPr>
         <p:blipFill>
-          <a:blip r:embed="rId2">
+          <a:blip r:embed="rId3">
             <a:extLst>
               <a:ext uri="{28A0092B-C50C-407E-A947-70E740481C1C}">
                 <a14:useLocalDpi xmlns:a14="http://schemas.microsoft.com/office/drawing/2010/main" val="0"/>
@@ -6683,7 +7331,7 @@
           <p:nvPr/>
         </p:nvPicPr>
         <p:blipFill>
-          <a:blip r:embed="rId2">
+          <a:blip r:embed="rId3">
             <a:extLst>
               <a:ext uri="{28A0092B-C50C-407E-A947-70E740481C1C}">
                 <a14:useLocalDpi xmlns:a14="http://schemas.microsoft.com/office/drawing/2010/main" val="0"/>
@@ -6719,7 +7367,7 @@
           <p:nvPr/>
         </p:nvPicPr>
         <p:blipFill>
-          <a:blip r:embed="rId2">
+          <a:blip r:embed="rId3">
             <a:extLst>
               <a:ext uri="{28A0092B-C50C-407E-A947-70E740481C1C}">
                 <a14:useLocalDpi xmlns:a14="http://schemas.microsoft.com/office/drawing/2010/main" val="0"/>
@@ -6733,42 +7381,6 @@
         <p:spPr>
           <a:xfrm>
             <a:off x="4573848" y="6403388"/>
-            <a:ext cx="2286924" cy="3201694"/>
-          </a:xfrm>
-          <a:prstGeom prst="rect">
-            <a:avLst/>
-          </a:prstGeom>
-        </p:spPr>
-      </p:pic>
-      <p:pic>
-        <p:nvPicPr>
-          <p:cNvPr id="4" name="Picture 3" descr="A screen shot of a game&#10;&#10;Description automatically generated">
-            <a:extLst>
-              <a:ext uri="{FF2B5EF4-FFF2-40B4-BE49-F238E27FC236}">
-                <a16:creationId xmlns:a16="http://schemas.microsoft.com/office/drawing/2014/main" id="{0DF2B6A8-705B-7996-0910-FDD0EE74EFCD}"/>
-              </a:ext>
-            </a:extLst>
-          </p:cNvPr>
-          <p:cNvPicPr>
-            <a:picLocks noChangeAspect="1"/>
-          </p:cNvPicPr>
-          <p:nvPr/>
-        </p:nvPicPr>
-        <p:blipFill>
-          <a:blip r:embed="rId2">
-            <a:extLst>
-              <a:ext uri="{28A0092B-C50C-407E-A947-70E740481C1C}">
-                <a14:useLocalDpi xmlns:a14="http://schemas.microsoft.com/office/drawing/2010/main" val="0"/>
-              </a:ext>
-            </a:extLst>
-          </a:blip>
-          <a:stretch>
-            <a:fillRect/>
-          </a:stretch>
-        </p:blipFill>
-        <p:spPr>
-          <a:xfrm>
-            <a:off x="0" y="7257"/>
             <a:ext cx="2286924" cy="3201694"/>
           </a:xfrm>
           <a:prstGeom prst="rect">
@@ -6779,7 +7391,7 @@
     </p:spTree>
     <p:extLst>
       <p:ext uri="{BB962C8B-B14F-4D97-AF65-F5344CB8AC3E}">
-        <p14:creationId xmlns:p14="http://schemas.microsoft.com/office/powerpoint/2010/main" val="2993288649"/>
+        <p14:creationId xmlns:p14="http://schemas.microsoft.com/office/powerpoint/2010/main" val="2426942407"/>
       </p:ext>
     </p:extLst>
   </p:cSld>
@@ -7052,6 +7664,78 @@
           <a:xfrm>
             <a:off x="926741" y="6401268"/>
             <a:ext cx="2287530" cy="3202542"/>
+          </a:xfrm>
+          <a:prstGeom prst="rect">
+            <a:avLst/>
+          </a:prstGeom>
+        </p:spPr>
+      </p:pic>
+      <p:pic>
+        <p:nvPicPr>
+          <p:cNvPr id="14" name="Picture 13" descr="A screenshot of a video game&#10;&#10;Description automatically generated">
+            <a:extLst>
+              <a:ext uri="{FF2B5EF4-FFF2-40B4-BE49-F238E27FC236}">
+                <a16:creationId xmlns:a16="http://schemas.microsoft.com/office/drawing/2014/main" id="{99FEAFAA-D4C5-855B-31C2-1366FA295466}"/>
+              </a:ext>
+            </a:extLst>
+          </p:cNvPr>
+          <p:cNvPicPr>
+            <a:picLocks noChangeAspect="1"/>
+          </p:cNvPicPr>
+          <p:nvPr/>
+        </p:nvPicPr>
+        <p:blipFill>
+          <a:blip r:embed="rId9">
+            <a:extLst>
+              <a:ext uri="{28A0092B-C50C-407E-A947-70E740481C1C}">
+                <a14:useLocalDpi xmlns:a14="http://schemas.microsoft.com/office/drawing/2010/main" val="0"/>
+              </a:ext>
+            </a:extLst>
+          </a:blip>
+          <a:stretch>
+            <a:fillRect/>
+          </a:stretch>
+        </p:blipFill>
+        <p:spPr>
+          <a:xfrm>
+            <a:off x="3216392" y="0"/>
+            <a:ext cx="2287530" cy="3202542"/>
+          </a:xfrm>
+          <a:prstGeom prst="rect">
+            <a:avLst/>
+          </a:prstGeom>
+        </p:spPr>
+      </p:pic>
+      <p:pic>
+        <p:nvPicPr>
+          <p:cNvPr id="16" name="Picture 15" descr="A screenshot of a video game&#10;&#10;Description automatically generated">
+            <a:extLst>
+              <a:ext uri="{FF2B5EF4-FFF2-40B4-BE49-F238E27FC236}">
+                <a16:creationId xmlns:a16="http://schemas.microsoft.com/office/drawing/2014/main" id="{4BD421D9-3D5A-A457-E0A8-CA55031D8FCB}"/>
+              </a:ext>
+            </a:extLst>
+          </p:cNvPr>
+          <p:cNvPicPr>
+            <a:picLocks noChangeAspect="1"/>
+          </p:cNvPicPr>
+          <p:nvPr/>
+        </p:nvPicPr>
+        <p:blipFill>
+          <a:blip r:embed="rId10">
+            <a:extLst>
+              <a:ext uri="{28A0092B-C50C-407E-A947-70E740481C1C}">
+                <a14:useLocalDpi xmlns:a14="http://schemas.microsoft.com/office/drawing/2010/main" val="0"/>
+              </a:ext>
+            </a:extLst>
+          </a:blip>
+          <a:stretch>
+            <a:fillRect/>
+          </a:stretch>
+        </p:blipFill>
+        <p:spPr>
+          <a:xfrm>
+            <a:off x="5503013" y="-2968"/>
+            <a:ext cx="2288136" cy="3203390"/>
           </a:xfrm>
           <a:prstGeom prst="rect">
             <a:avLst/>

--- a/Board Games/Dungeon Scrawlers/Dungeon Scrawlers Pieces Print.pptx
+++ b/Board Games/Dungeon Scrawlers/Dungeon Scrawlers Pieces Print.pptx
@@ -121,6 +121,22 @@
     <p:sldId id="388" r:id="rId115"/>
     <p:sldId id="389" r:id="rId116"/>
     <p:sldId id="390" r:id="rId117"/>
+    <p:sldId id="395" r:id="rId118"/>
+    <p:sldId id="396" r:id="rId119"/>
+    <p:sldId id="397" r:id="rId120"/>
+    <p:sldId id="398" r:id="rId121"/>
+    <p:sldId id="399" r:id="rId122"/>
+    <p:sldId id="400" r:id="rId123"/>
+    <p:sldId id="401" r:id="rId124"/>
+    <p:sldId id="402" r:id="rId125"/>
+    <p:sldId id="403" r:id="rId126"/>
+    <p:sldId id="404" r:id="rId127"/>
+    <p:sldId id="405" r:id="rId128"/>
+    <p:sldId id="406" r:id="rId129"/>
+    <p:sldId id="407" r:id="rId130"/>
+    <p:sldId id="408" r:id="rId131"/>
+    <p:sldId id="409" r:id="rId132"/>
+    <p:sldId id="410" r:id="rId133"/>
   </p:sldIdLst>
   <p:sldSz cx="7772400" cy="10058400"/>
   <p:notesSz cx="6858000" cy="9144000"/>
@@ -5648,6 +5664,330 @@
           <a:chExt cx="0" cy="0"/>
         </a:xfrm>
       </p:grpSpPr>
+      <p:pic>
+        <p:nvPicPr>
+          <p:cNvPr id="3" name="Picture 2" descr="A video game screen with text and symbols&#10;&#10;Description automatically generated">
+            <a:extLst>
+              <a:ext uri="{FF2B5EF4-FFF2-40B4-BE49-F238E27FC236}">
+                <a16:creationId xmlns:a16="http://schemas.microsoft.com/office/drawing/2014/main" id="{EA1755F8-5A0A-4EF5-F814-EFFEFB3FC35D}"/>
+              </a:ext>
+            </a:extLst>
+          </p:cNvPr>
+          <p:cNvPicPr>
+            <a:picLocks noChangeAspect="1"/>
+          </p:cNvPicPr>
+          <p:nvPr/>
+        </p:nvPicPr>
+        <p:blipFill>
+          <a:blip r:embed="rId2">
+            <a:extLst>
+              <a:ext uri="{28A0092B-C50C-407E-A947-70E740481C1C}">
+                <a14:useLocalDpi xmlns:a14="http://schemas.microsoft.com/office/drawing/2010/main" val="0"/>
+              </a:ext>
+            </a:extLst>
+          </a:blip>
+          <a:stretch>
+            <a:fillRect/>
+          </a:stretch>
+        </p:blipFill>
+        <p:spPr>
+          <a:xfrm>
+            <a:off x="5484870" y="0"/>
+            <a:ext cx="2287530" cy="3202542"/>
+          </a:xfrm>
+          <a:prstGeom prst="rect">
+            <a:avLst/>
+          </a:prstGeom>
+        </p:spPr>
+      </p:pic>
+      <p:pic>
+        <p:nvPicPr>
+          <p:cNvPr id="5" name="Picture 4" descr="A screenshot of a video game&#10;&#10;Description automatically generated">
+            <a:extLst>
+              <a:ext uri="{FF2B5EF4-FFF2-40B4-BE49-F238E27FC236}">
+                <a16:creationId xmlns:a16="http://schemas.microsoft.com/office/drawing/2014/main" id="{46009BB3-BE9D-6327-F1E0-DE555D633B89}"/>
+              </a:ext>
+            </a:extLst>
+          </p:cNvPr>
+          <p:cNvPicPr>
+            <a:picLocks noChangeAspect="1"/>
+          </p:cNvPicPr>
+          <p:nvPr/>
+        </p:nvPicPr>
+        <p:blipFill>
+          <a:blip r:embed="rId3">
+            <a:extLst>
+              <a:ext uri="{28A0092B-C50C-407E-A947-70E740481C1C}">
+                <a14:useLocalDpi xmlns:a14="http://schemas.microsoft.com/office/drawing/2010/main" val="0"/>
+              </a:ext>
+            </a:extLst>
+          </a:blip>
+          <a:stretch>
+            <a:fillRect/>
+          </a:stretch>
+        </p:blipFill>
+        <p:spPr>
+          <a:xfrm>
+            <a:off x="3197340" y="0"/>
+            <a:ext cx="2287530" cy="3202542"/>
+          </a:xfrm>
+          <a:prstGeom prst="rect">
+            <a:avLst/>
+          </a:prstGeom>
+        </p:spPr>
+      </p:pic>
+      <p:pic>
+        <p:nvPicPr>
+          <p:cNvPr id="7" name="Picture 6" descr="A screenshot of a video game&#10;&#10;Description automatically generated">
+            <a:extLst>
+              <a:ext uri="{FF2B5EF4-FFF2-40B4-BE49-F238E27FC236}">
+                <a16:creationId xmlns:a16="http://schemas.microsoft.com/office/drawing/2014/main" id="{EB44645C-372D-6D05-C977-4BB634EF4BA7}"/>
+              </a:ext>
+            </a:extLst>
+          </p:cNvPr>
+          <p:cNvPicPr>
+            <a:picLocks noChangeAspect="1"/>
+          </p:cNvPicPr>
+          <p:nvPr/>
+        </p:nvPicPr>
+        <p:blipFill>
+          <a:blip r:embed="rId4">
+            <a:extLst>
+              <a:ext uri="{28A0092B-C50C-407E-A947-70E740481C1C}">
+                <a14:useLocalDpi xmlns:a14="http://schemas.microsoft.com/office/drawing/2010/main" val="0"/>
+              </a:ext>
+            </a:extLst>
+          </a:blip>
+          <a:stretch>
+            <a:fillRect/>
+          </a:stretch>
+        </p:blipFill>
+        <p:spPr>
+          <a:xfrm>
+            <a:off x="909810" y="0"/>
+            <a:ext cx="2287530" cy="3202542"/>
+          </a:xfrm>
+          <a:prstGeom prst="rect">
+            <a:avLst/>
+          </a:prstGeom>
+        </p:spPr>
+      </p:pic>
+      <p:pic>
+        <p:nvPicPr>
+          <p:cNvPr id="9" name="Picture 8" descr="A screenshot of a video game&#10;&#10;Description automatically generated">
+            <a:extLst>
+              <a:ext uri="{FF2B5EF4-FFF2-40B4-BE49-F238E27FC236}">
+                <a16:creationId xmlns:a16="http://schemas.microsoft.com/office/drawing/2014/main" id="{DFB1898F-A456-F300-2560-B2871D3538EB}"/>
+              </a:ext>
+            </a:extLst>
+          </p:cNvPr>
+          <p:cNvPicPr>
+            <a:picLocks noChangeAspect="1"/>
+          </p:cNvPicPr>
+          <p:nvPr/>
+        </p:nvPicPr>
+        <p:blipFill>
+          <a:blip r:embed="rId5">
+            <a:extLst>
+              <a:ext uri="{28A0092B-C50C-407E-A947-70E740481C1C}">
+                <a14:useLocalDpi xmlns:a14="http://schemas.microsoft.com/office/drawing/2010/main" val="0"/>
+              </a:ext>
+            </a:extLst>
+          </a:blip>
+          <a:stretch>
+            <a:fillRect/>
+          </a:stretch>
+        </p:blipFill>
+        <p:spPr>
+          <a:xfrm>
+            <a:off x="5484567" y="3202542"/>
+            <a:ext cx="2288136" cy="3203390"/>
+          </a:xfrm>
+          <a:prstGeom prst="rect">
+            <a:avLst/>
+          </a:prstGeom>
+        </p:spPr>
+      </p:pic>
+      <p:pic>
+        <p:nvPicPr>
+          <p:cNvPr id="11" name="Picture 10" descr="A screenshot of a video game&#10;&#10;Description automatically generated">
+            <a:extLst>
+              <a:ext uri="{FF2B5EF4-FFF2-40B4-BE49-F238E27FC236}">
+                <a16:creationId xmlns:a16="http://schemas.microsoft.com/office/drawing/2014/main" id="{E85986DA-11A5-3C03-A08D-AD37C18D19A8}"/>
+              </a:ext>
+            </a:extLst>
+          </p:cNvPr>
+          <p:cNvPicPr>
+            <a:picLocks noChangeAspect="1"/>
+          </p:cNvPicPr>
+          <p:nvPr/>
+        </p:nvPicPr>
+        <p:blipFill>
+          <a:blip r:embed="rId6">
+            <a:extLst>
+              <a:ext uri="{28A0092B-C50C-407E-A947-70E740481C1C}">
+                <a14:useLocalDpi xmlns:a14="http://schemas.microsoft.com/office/drawing/2010/main" val="0"/>
+              </a:ext>
+            </a:extLst>
+          </a:blip>
+          <a:stretch>
+            <a:fillRect/>
+          </a:stretch>
+        </p:blipFill>
+        <p:spPr>
+          <a:xfrm>
+            <a:off x="3197037" y="3202966"/>
+            <a:ext cx="2287530" cy="3202542"/>
+          </a:xfrm>
+          <a:prstGeom prst="rect">
+            <a:avLst/>
+          </a:prstGeom>
+        </p:spPr>
+      </p:pic>
+      <p:pic>
+        <p:nvPicPr>
+          <p:cNvPr id="13" name="Picture 12" descr="A screenshot of a video game&#10;&#10;Description automatically generated">
+            <a:extLst>
+              <a:ext uri="{FF2B5EF4-FFF2-40B4-BE49-F238E27FC236}">
+                <a16:creationId xmlns:a16="http://schemas.microsoft.com/office/drawing/2014/main" id="{F3C9E57F-CA3F-0BDB-D8EA-DC9BDECBE85F}"/>
+              </a:ext>
+            </a:extLst>
+          </p:cNvPr>
+          <p:cNvPicPr>
+            <a:picLocks noChangeAspect="1"/>
+          </p:cNvPicPr>
+          <p:nvPr/>
+        </p:nvPicPr>
+        <p:blipFill>
+          <a:blip r:embed="rId7">
+            <a:extLst>
+              <a:ext uri="{28A0092B-C50C-407E-A947-70E740481C1C}">
+                <a14:useLocalDpi xmlns:a14="http://schemas.microsoft.com/office/drawing/2010/main" val="0"/>
+              </a:ext>
+            </a:extLst>
+          </a:blip>
+          <a:stretch>
+            <a:fillRect/>
+          </a:stretch>
+        </p:blipFill>
+        <p:spPr>
+          <a:xfrm>
+            <a:off x="908901" y="3202542"/>
+            <a:ext cx="2287530" cy="3202542"/>
+          </a:xfrm>
+          <a:prstGeom prst="rect">
+            <a:avLst/>
+          </a:prstGeom>
+        </p:spPr>
+      </p:pic>
+      <p:pic>
+        <p:nvPicPr>
+          <p:cNvPr id="15" name="Picture 14" descr="A screenshot of a video game&#10;&#10;Description automatically generated">
+            <a:extLst>
+              <a:ext uri="{FF2B5EF4-FFF2-40B4-BE49-F238E27FC236}">
+                <a16:creationId xmlns:a16="http://schemas.microsoft.com/office/drawing/2014/main" id="{8C4F62C4-1026-0BD0-34C9-70438FA0C8B6}"/>
+              </a:ext>
+            </a:extLst>
+          </p:cNvPr>
+          <p:cNvPicPr>
+            <a:picLocks noChangeAspect="1"/>
+          </p:cNvPicPr>
+          <p:nvPr/>
+        </p:nvPicPr>
+        <p:blipFill>
+          <a:blip r:embed="rId8">
+            <a:extLst>
+              <a:ext uri="{28A0092B-C50C-407E-A947-70E740481C1C}">
+                <a14:useLocalDpi xmlns:a14="http://schemas.microsoft.com/office/drawing/2010/main" val="0"/>
+              </a:ext>
+            </a:extLst>
+          </a:blip>
+          <a:stretch>
+            <a:fillRect/>
+          </a:stretch>
+        </p:blipFill>
+        <p:spPr>
+          <a:xfrm>
+            <a:off x="5484264" y="6405084"/>
+            <a:ext cx="2288742" cy="3204238"/>
+          </a:xfrm>
+          <a:prstGeom prst="rect">
+            <a:avLst/>
+          </a:prstGeom>
+        </p:spPr>
+      </p:pic>
+      <p:pic>
+        <p:nvPicPr>
+          <p:cNvPr id="17" name="Picture 16" descr="A screenshot of a video game&#10;&#10;Description automatically generated">
+            <a:extLst>
+              <a:ext uri="{FF2B5EF4-FFF2-40B4-BE49-F238E27FC236}">
+                <a16:creationId xmlns:a16="http://schemas.microsoft.com/office/drawing/2014/main" id="{D0851118-3449-9D1D-48E1-D2D46E682B2E}"/>
+              </a:ext>
+            </a:extLst>
+          </p:cNvPr>
+          <p:cNvPicPr>
+            <a:picLocks noChangeAspect="1"/>
+          </p:cNvPicPr>
+          <p:nvPr/>
+        </p:nvPicPr>
+        <p:blipFill>
+          <a:blip r:embed="rId9">
+            <a:extLst>
+              <a:ext uri="{28A0092B-C50C-407E-A947-70E740481C1C}">
+                <a14:useLocalDpi xmlns:a14="http://schemas.microsoft.com/office/drawing/2010/main" val="0"/>
+              </a:ext>
+            </a:extLst>
+          </a:blip>
+          <a:stretch>
+            <a:fillRect/>
+          </a:stretch>
+        </p:blipFill>
+        <p:spPr>
+          <a:xfrm>
+            <a:off x="3194916" y="6405084"/>
+            <a:ext cx="2288742" cy="3204238"/>
+          </a:xfrm>
+          <a:prstGeom prst="rect">
+            <a:avLst/>
+          </a:prstGeom>
+        </p:spPr>
+      </p:pic>
+      <p:pic>
+        <p:nvPicPr>
+          <p:cNvPr id="19" name="Picture 18" descr="A screenshot of a video game&#10;&#10;Description automatically generated">
+            <a:extLst>
+              <a:ext uri="{FF2B5EF4-FFF2-40B4-BE49-F238E27FC236}">
+                <a16:creationId xmlns:a16="http://schemas.microsoft.com/office/drawing/2014/main" id="{380953F2-4BB1-50DF-942B-5F343DD417D7}"/>
+              </a:ext>
+            </a:extLst>
+          </p:cNvPr>
+          <p:cNvPicPr>
+            <a:picLocks noChangeAspect="1"/>
+          </p:cNvPicPr>
+          <p:nvPr/>
+        </p:nvPicPr>
+        <p:blipFill>
+          <a:blip r:embed="rId10">
+            <a:extLst>
+              <a:ext uri="{28A0092B-C50C-407E-A947-70E740481C1C}">
+                <a14:useLocalDpi xmlns:a14="http://schemas.microsoft.com/office/drawing/2010/main" val="0"/>
+              </a:ext>
+            </a:extLst>
+          </a:blip>
+          <a:stretch>
+            <a:fillRect/>
+          </a:stretch>
+        </p:blipFill>
+        <p:spPr>
+          <a:xfrm>
+            <a:off x="905114" y="6402964"/>
+            <a:ext cx="2288742" cy="3204238"/>
+          </a:xfrm>
+          <a:prstGeom prst="rect">
+            <a:avLst/>
+          </a:prstGeom>
+        </p:spPr>
+      </p:pic>
     </p:spTree>
     <p:extLst>
       <p:ext uri="{BB962C8B-B14F-4D97-AF65-F5344CB8AC3E}">
@@ -7034,6 +7374,42 @@
           </a:prstGeom>
         </p:spPr>
       </p:pic>
+      <p:pic>
+        <p:nvPicPr>
+          <p:cNvPr id="3" name="Picture 2" descr="A screenshot of a video game&#10;&#10;Description automatically generated">
+            <a:extLst>
+              <a:ext uri="{FF2B5EF4-FFF2-40B4-BE49-F238E27FC236}">
+                <a16:creationId xmlns:a16="http://schemas.microsoft.com/office/drawing/2014/main" id="{F146F806-D623-B07F-1E88-74C0B8C9A9BF}"/>
+              </a:ext>
+            </a:extLst>
+          </p:cNvPr>
+          <p:cNvPicPr>
+            <a:picLocks noChangeAspect="1"/>
+          </p:cNvPicPr>
+          <p:nvPr/>
+        </p:nvPicPr>
+        <p:blipFill>
+          <a:blip r:embed="rId10">
+            <a:extLst>
+              <a:ext uri="{28A0092B-C50C-407E-A947-70E740481C1C}">
+                <a14:useLocalDpi xmlns:a14="http://schemas.microsoft.com/office/drawing/2010/main" val="0"/>
+              </a:ext>
+            </a:extLst>
+          </a:blip>
+          <a:stretch>
+            <a:fillRect/>
+          </a:stretch>
+        </p:blipFill>
+        <p:spPr>
+          <a:xfrm>
+            <a:off x="5485173" y="0"/>
+            <a:ext cx="2287530" cy="3202542"/>
+          </a:xfrm>
+          <a:prstGeom prst="rect">
+            <a:avLst/>
+          </a:prstGeom>
+        </p:spPr>
+      </p:pic>
     </p:spTree>
     <p:extLst>
       <p:ext uri="{BB962C8B-B14F-4D97-AF65-F5344CB8AC3E}">
@@ -8529,6 +8905,1068 @@
 </p:sld>
 </file>
 
+<file path=ppt/slides/slide117.xml><?xml version="1.0" encoding="utf-8"?>
+<p:sld xmlns:a="http://schemas.openxmlformats.org/drawingml/2006/main" xmlns:r="http://schemas.openxmlformats.org/officeDocument/2006/relationships" xmlns:p="http://schemas.openxmlformats.org/presentationml/2006/main">
+  <p:cSld>
+    <p:spTree>
+      <p:nvGrpSpPr>
+        <p:cNvPr id="1" name=""/>
+        <p:cNvGrpSpPr/>
+        <p:nvPr/>
+      </p:nvGrpSpPr>
+      <p:grpSpPr>
+        <a:xfrm>
+          <a:off x="0" y="0"/>
+          <a:ext cx="0" cy="0"/>
+          <a:chOff x="0" y="0"/>
+          <a:chExt cx="0" cy="0"/>
+        </a:xfrm>
+      </p:grpSpPr>
+      <p:pic>
+        <p:nvPicPr>
+          <p:cNvPr id="3" name="Picture 2" descr="A video game screen with text and symbols&#10;&#10;Description automatically generated">
+            <a:extLst>
+              <a:ext uri="{FF2B5EF4-FFF2-40B4-BE49-F238E27FC236}">
+                <a16:creationId xmlns:a16="http://schemas.microsoft.com/office/drawing/2014/main" id="{EA1755F8-5A0A-4EF5-F814-EFFEFB3FC35D}"/>
+              </a:ext>
+            </a:extLst>
+          </p:cNvPr>
+          <p:cNvPicPr>
+            <a:picLocks noChangeAspect="1"/>
+          </p:cNvPicPr>
+          <p:nvPr/>
+        </p:nvPicPr>
+        <p:blipFill>
+          <a:blip r:embed="rId2">
+            <a:extLst>
+              <a:ext uri="{28A0092B-C50C-407E-A947-70E740481C1C}">
+                <a14:useLocalDpi xmlns:a14="http://schemas.microsoft.com/office/drawing/2010/main" val="0"/>
+              </a:ext>
+            </a:extLst>
+          </a:blip>
+          <a:stretch>
+            <a:fillRect/>
+          </a:stretch>
+        </p:blipFill>
+        <p:spPr>
+          <a:xfrm>
+            <a:off x="5484870" y="0"/>
+            <a:ext cx="2287530" cy="3202542"/>
+          </a:xfrm>
+          <a:prstGeom prst="rect">
+            <a:avLst/>
+          </a:prstGeom>
+        </p:spPr>
+      </p:pic>
+      <p:pic>
+        <p:nvPicPr>
+          <p:cNvPr id="5" name="Picture 4" descr="A screenshot of a video game&#10;&#10;Description automatically generated">
+            <a:extLst>
+              <a:ext uri="{FF2B5EF4-FFF2-40B4-BE49-F238E27FC236}">
+                <a16:creationId xmlns:a16="http://schemas.microsoft.com/office/drawing/2014/main" id="{46009BB3-BE9D-6327-F1E0-DE555D633B89}"/>
+              </a:ext>
+            </a:extLst>
+          </p:cNvPr>
+          <p:cNvPicPr>
+            <a:picLocks noChangeAspect="1"/>
+          </p:cNvPicPr>
+          <p:nvPr/>
+        </p:nvPicPr>
+        <p:blipFill>
+          <a:blip r:embed="rId3">
+            <a:extLst>
+              <a:ext uri="{28A0092B-C50C-407E-A947-70E740481C1C}">
+                <a14:useLocalDpi xmlns:a14="http://schemas.microsoft.com/office/drawing/2010/main" val="0"/>
+              </a:ext>
+            </a:extLst>
+          </a:blip>
+          <a:stretch>
+            <a:fillRect/>
+          </a:stretch>
+        </p:blipFill>
+        <p:spPr>
+          <a:xfrm>
+            <a:off x="3197340" y="0"/>
+            <a:ext cx="2287530" cy="3202542"/>
+          </a:xfrm>
+          <a:prstGeom prst="rect">
+            <a:avLst/>
+          </a:prstGeom>
+        </p:spPr>
+      </p:pic>
+      <p:pic>
+        <p:nvPicPr>
+          <p:cNvPr id="7" name="Picture 6" descr="A screenshot of a video game&#10;&#10;Description automatically generated">
+            <a:extLst>
+              <a:ext uri="{FF2B5EF4-FFF2-40B4-BE49-F238E27FC236}">
+                <a16:creationId xmlns:a16="http://schemas.microsoft.com/office/drawing/2014/main" id="{EB44645C-372D-6D05-C977-4BB634EF4BA7}"/>
+              </a:ext>
+            </a:extLst>
+          </p:cNvPr>
+          <p:cNvPicPr>
+            <a:picLocks noChangeAspect="1"/>
+          </p:cNvPicPr>
+          <p:nvPr/>
+        </p:nvPicPr>
+        <p:blipFill>
+          <a:blip r:embed="rId4">
+            <a:extLst>
+              <a:ext uri="{28A0092B-C50C-407E-A947-70E740481C1C}">
+                <a14:useLocalDpi xmlns:a14="http://schemas.microsoft.com/office/drawing/2010/main" val="0"/>
+              </a:ext>
+            </a:extLst>
+          </a:blip>
+          <a:stretch>
+            <a:fillRect/>
+          </a:stretch>
+        </p:blipFill>
+        <p:spPr>
+          <a:xfrm>
+            <a:off x="909810" y="0"/>
+            <a:ext cx="2287530" cy="3202542"/>
+          </a:xfrm>
+          <a:prstGeom prst="rect">
+            <a:avLst/>
+          </a:prstGeom>
+        </p:spPr>
+      </p:pic>
+      <p:pic>
+        <p:nvPicPr>
+          <p:cNvPr id="9" name="Picture 8" descr="A screenshot of a video game&#10;&#10;Description automatically generated">
+            <a:extLst>
+              <a:ext uri="{FF2B5EF4-FFF2-40B4-BE49-F238E27FC236}">
+                <a16:creationId xmlns:a16="http://schemas.microsoft.com/office/drawing/2014/main" id="{DFB1898F-A456-F300-2560-B2871D3538EB}"/>
+              </a:ext>
+            </a:extLst>
+          </p:cNvPr>
+          <p:cNvPicPr>
+            <a:picLocks noChangeAspect="1"/>
+          </p:cNvPicPr>
+          <p:nvPr/>
+        </p:nvPicPr>
+        <p:blipFill>
+          <a:blip r:embed="rId5">
+            <a:extLst>
+              <a:ext uri="{28A0092B-C50C-407E-A947-70E740481C1C}">
+                <a14:useLocalDpi xmlns:a14="http://schemas.microsoft.com/office/drawing/2010/main" val="0"/>
+              </a:ext>
+            </a:extLst>
+          </a:blip>
+          <a:stretch>
+            <a:fillRect/>
+          </a:stretch>
+        </p:blipFill>
+        <p:spPr>
+          <a:xfrm>
+            <a:off x="5484567" y="3202542"/>
+            <a:ext cx="2288136" cy="3203390"/>
+          </a:xfrm>
+          <a:prstGeom prst="rect">
+            <a:avLst/>
+          </a:prstGeom>
+        </p:spPr>
+      </p:pic>
+      <p:pic>
+        <p:nvPicPr>
+          <p:cNvPr id="11" name="Picture 10" descr="A screenshot of a video game&#10;&#10;Description automatically generated">
+            <a:extLst>
+              <a:ext uri="{FF2B5EF4-FFF2-40B4-BE49-F238E27FC236}">
+                <a16:creationId xmlns:a16="http://schemas.microsoft.com/office/drawing/2014/main" id="{E85986DA-11A5-3C03-A08D-AD37C18D19A8}"/>
+              </a:ext>
+            </a:extLst>
+          </p:cNvPr>
+          <p:cNvPicPr>
+            <a:picLocks noChangeAspect="1"/>
+          </p:cNvPicPr>
+          <p:nvPr/>
+        </p:nvPicPr>
+        <p:blipFill>
+          <a:blip r:embed="rId6">
+            <a:extLst>
+              <a:ext uri="{28A0092B-C50C-407E-A947-70E740481C1C}">
+                <a14:useLocalDpi xmlns:a14="http://schemas.microsoft.com/office/drawing/2010/main" val="0"/>
+              </a:ext>
+            </a:extLst>
+          </a:blip>
+          <a:stretch>
+            <a:fillRect/>
+          </a:stretch>
+        </p:blipFill>
+        <p:spPr>
+          <a:xfrm>
+            <a:off x="3197037" y="3202966"/>
+            <a:ext cx="2287530" cy="3202542"/>
+          </a:xfrm>
+          <a:prstGeom prst="rect">
+            <a:avLst/>
+          </a:prstGeom>
+        </p:spPr>
+      </p:pic>
+      <p:pic>
+        <p:nvPicPr>
+          <p:cNvPr id="13" name="Picture 12" descr="A screenshot of a video game&#10;&#10;Description automatically generated">
+            <a:extLst>
+              <a:ext uri="{FF2B5EF4-FFF2-40B4-BE49-F238E27FC236}">
+                <a16:creationId xmlns:a16="http://schemas.microsoft.com/office/drawing/2014/main" id="{F3C9E57F-CA3F-0BDB-D8EA-DC9BDECBE85F}"/>
+              </a:ext>
+            </a:extLst>
+          </p:cNvPr>
+          <p:cNvPicPr>
+            <a:picLocks noChangeAspect="1"/>
+          </p:cNvPicPr>
+          <p:nvPr/>
+        </p:nvPicPr>
+        <p:blipFill>
+          <a:blip r:embed="rId7">
+            <a:extLst>
+              <a:ext uri="{28A0092B-C50C-407E-A947-70E740481C1C}">
+                <a14:useLocalDpi xmlns:a14="http://schemas.microsoft.com/office/drawing/2010/main" val="0"/>
+              </a:ext>
+            </a:extLst>
+          </a:blip>
+          <a:stretch>
+            <a:fillRect/>
+          </a:stretch>
+        </p:blipFill>
+        <p:spPr>
+          <a:xfrm>
+            <a:off x="908901" y="3202542"/>
+            <a:ext cx="2287530" cy="3202542"/>
+          </a:xfrm>
+          <a:prstGeom prst="rect">
+            <a:avLst/>
+          </a:prstGeom>
+        </p:spPr>
+      </p:pic>
+      <p:pic>
+        <p:nvPicPr>
+          <p:cNvPr id="15" name="Picture 14" descr="A screenshot of a video game&#10;&#10;Description automatically generated">
+            <a:extLst>
+              <a:ext uri="{FF2B5EF4-FFF2-40B4-BE49-F238E27FC236}">
+                <a16:creationId xmlns:a16="http://schemas.microsoft.com/office/drawing/2014/main" id="{8C4F62C4-1026-0BD0-34C9-70438FA0C8B6}"/>
+              </a:ext>
+            </a:extLst>
+          </p:cNvPr>
+          <p:cNvPicPr>
+            <a:picLocks noChangeAspect="1"/>
+          </p:cNvPicPr>
+          <p:nvPr/>
+        </p:nvPicPr>
+        <p:blipFill>
+          <a:blip r:embed="rId8">
+            <a:extLst>
+              <a:ext uri="{28A0092B-C50C-407E-A947-70E740481C1C}">
+                <a14:useLocalDpi xmlns:a14="http://schemas.microsoft.com/office/drawing/2010/main" val="0"/>
+              </a:ext>
+            </a:extLst>
+          </a:blip>
+          <a:stretch>
+            <a:fillRect/>
+          </a:stretch>
+        </p:blipFill>
+        <p:spPr>
+          <a:xfrm>
+            <a:off x="5484264" y="6405084"/>
+            <a:ext cx="2288742" cy="3204238"/>
+          </a:xfrm>
+          <a:prstGeom prst="rect">
+            <a:avLst/>
+          </a:prstGeom>
+        </p:spPr>
+      </p:pic>
+      <p:pic>
+        <p:nvPicPr>
+          <p:cNvPr id="17" name="Picture 16" descr="A screenshot of a video game&#10;&#10;Description automatically generated">
+            <a:extLst>
+              <a:ext uri="{FF2B5EF4-FFF2-40B4-BE49-F238E27FC236}">
+                <a16:creationId xmlns:a16="http://schemas.microsoft.com/office/drawing/2014/main" id="{D0851118-3449-9D1D-48E1-D2D46E682B2E}"/>
+              </a:ext>
+            </a:extLst>
+          </p:cNvPr>
+          <p:cNvPicPr>
+            <a:picLocks noChangeAspect="1"/>
+          </p:cNvPicPr>
+          <p:nvPr/>
+        </p:nvPicPr>
+        <p:blipFill>
+          <a:blip r:embed="rId9">
+            <a:extLst>
+              <a:ext uri="{28A0092B-C50C-407E-A947-70E740481C1C}">
+                <a14:useLocalDpi xmlns:a14="http://schemas.microsoft.com/office/drawing/2010/main" val="0"/>
+              </a:ext>
+            </a:extLst>
+          </a:blip>
+          <a:stretch>
+            <a:fillRect/>
+          </a:stretch>
+        </p:blipFill>
+        <p:spPr>
+          <a:xfrm>
+            <a:off x="3194916" y="6405084"/>
+            <a:ext cx="2288742" cy="3204238"/>
+          </a:xfrm>
+          <a:prstGeom prst="rect">
+            <a:avLst/>
+          </a:prstGeom>
+        </p:spPr>
+      </p:pic>
+      <p:pic>
+        <p:nvPicPr>
+          <p:cNvPr id="19" name="Picture 18" descr="A screenshot of a video game&#10;&#10;Description automatically generated">
+            <a:extLst>
+              <a:ext uri="{FF2B5EF4-FFF2-40B4-BE49-F238E27FC236}">
+                <a16:creationId xmlns:a16="http://schemas.microsoft.com/office/drawing/2014/main" id="{380953F2-4BB1-50DF-942B-5F343DD417D7}"/>
+              </a:ext>
+            </a:extLst>
+          </p:cNvPr>
+          <p:cNvPicPr>
+            <a:picLocks noChangeAspect="1"/>
+          </p:cNvPicPr>
+          <p:nvPr/>
+        </p:nvPicPr>
+        <p:blipFill>
+          <a:blip r:embed="rId10">
+            <a:extLst>
+              <a:ext uri="{28A0092B-C50C-407E-A947-70E740481C1C}">
+                <a14:useLocalDpi xmlns:a14="http://schemas.microsoft.com/office/drawing/2010/main" val="0"/>
+              </a:ext>
+            </a:extLst>
+          </a:blip>
+          <a:stretch>
+            <a:fillRect/>
+          </a:stretch>
+        </p:blipFill>
+        <p:spPr>
+          <a:xfrm>
+            <a:off x="905114" y="6402964"/>
+            <a:ext cx="2288742" cy="3204238"/>
+          </a:xfrm>
+          <a:prstGeom prst="rect">
+            <a:avLst/>
+          </a:prstGeom>
+        </p:spPr>
+      </p:pic>
+    </p:spTree>
+    <p:extLst>
+      <p:ext uri="{BB962C8B-B14F-4D97-AF65-F5344CB8AC3E}">
+        <p14:creationId xmlns:p14="http://schemas.microsoft.com/office/powerpoint/2010/main" val="4180618462"/>
+      </p:ext>
+    </p:extLst>
+  </p:cSld>
+  <p:clrMapOvr>
+    <a:masterClrMapping/>
+  </p:clrMapOvr>
+</p:sld>
+</file>
+
+<file path=ppt/slides/slide118.xml><?xml version="1.0" encoding="utf-8"?>
+<p:sld xmlns:a="http://schemas.openxmlformats.org/drawingml/2006/main" xmlns:r="http://schemas.openxmlformats.org/officeDocument/2006/relationships" xmlns:p="http://schemas.openxmlformats.org/presentationml/2006/main">
+  <p:cSld>
+    <p:spTree>
+      <p:nvGrpSpPr>
+        <p:cNvPr id="1" name=""/>
+        <p:cNvGrpSpPr/>
+        <p:nvPr/>
+      </p:nvGrpSpPr>
+      <p:grpSpPr>
+        <a:xfrm>
+          <a:off x="0" y="0"/>
+          <a:ext cx="0" cy="0"/>
+          <a:chOff x="0" y="0"/>
+          <a:chExt cx="0" cy="0"/>
+        </a:xfrm>
+      </p:grpSpPr>
+      <p:pic>
+        <p:nvPicPr>
+          <p:cNvPr id="3" name="Picture 2" descr="A screen shot of a video game&#10;&#10;Description automatically generated">
+            <a:extLst>
+              <a:ext uri="{FF2B5EF4-FFF2-40B4-BE49-F238E27FC236}">
+                <a16:creationId xmlns:a16="http://schemas.microsoft.com/office/drawing/2014/main" id="{7EBEE700-73D5-DF5E-CFAD-06261E50D857}"/>
+              </a:ext>
+            </a:extLst>
+          </p:cNvPr>
+          <p:cNvPicPr>
+            <a:picLocks noChangeAspect="1"/>
+          </p:cNvPicPr>
+          <p:nvPr/>
+        </p:nvPicPr>
+        <p:blipFill>
+          <a:blip r:embed="rId2">
+            <a:extLst>
+              <a:ext uri="{28A0092B-C50C-407E-A947-70E740481C1C}">
+                <a14:useLocalDpi xmlns:a14="http://schemas.microsoft.com/office/drawing/2010/main" val="0"/>
+              </a:ext>
+            </a:extLst>
+          </a:blip>
+          <a:stretch>
+            <a:fillRect/>
+          </a:stretch>
+        </p:blipFill>
+        <p:spPr>
+          <a:xfrm>
+            <a:off x="0" y="0"/>
+            <a:ext cx="2286924" cy="3201694"/>
+          </a:xfrm>
+          <a:prstGeom prst="rect">
+            <a:avLst/>
+          </a:prstGeom>
+        </p:spPr>
+      </p:pic>
+      <p:pic>
+        <p:nvPicPr>
+          <p:cNvPr id="5" name="Picture 4" descr="A screen shot of a video game&#10;&#10;Description automatically generated">
+            <a:extLst>
+              <a:ext uri="{FF2B5EF4-FFF2-40B4-BE49-F238E27FC236}">
+                <a16:creationId xmlns:a16="http://schemas.microsoft.com/office/drawing/2014/main" id="{7AF1B9AE-9901-0E3C-2F69-58664E9BD907}"/>
+              </a:ext>
+            </a:extLst>
+          </p:cNvPr>
+          <p:cNvPicPr>
+            <a:picLocks noChangeAspect="1"/>
+          </p:cNvPicPr>
+          <p:nvPr/>
+        </p:nvPicPr>
+        <p:blipFill>
+          <a:blip r:embed="rId2">
+            <a:extLst>
+              <a:ext uri="{28A0092B-C50C-407E-A947-70E740481C1C}">
+                <a14:useLocalDpi xmlns:a14="http://schemas.microsoft.com/office/drawing/2010/main" val="0"/>
+              </a:ext>
+            </a:extLst>
+          </a:blip>
+          <a:stretch>
+            <a:fillRect/>
+          </a:stretch>
+        </p:blipFill>
+        <p:spPr>
+          <a:xfrm>
+            <a:off x="2286924" y="0"/>
+            <a:ext cx="2286924" cy="3201694"/>
+          </a:xfrm>
+          <a:prstGeom prst="rect">
+            <a:avLst/>
+          </a:prstGeom>
+        </p:spPr>
+      </p:pic>
+      <p:pic>
+        <p:nvPicPr>
+          <p:cNvPr id="7" name="Picture 6" descr="A screen shot of a video game&#10;&#10;Description automatically generated">
+            <a:extLst>
+              <a:ext uri="{FF2B5EF4-FFF2-40B4-BE49-F238E27FC236}">
+                <a16:creationId xmlns:a16="http://schemas.microsoft.com/office/drawing/2014/main" id="{2B7B606C-625F-4B42-7051-CC074D1C151C}"/>
+              </a:ext>
+            </a:extLst>
+          </p:cNvPr>
+          <p:cNvPicPr>
+            <a:picLocks noChangeAspect="1"/>
+          </p:cNvPicPr>
+          <p:nvPr/>
+        </p:nvPicPr>
+        <p:blipFill>
+          <a:blip r:embed="rId2">
+            <a:extLst>
+              <a:ext uri="{28A0092B-C50C-407E-A947-70E740481C1C}">
+                <a14:useLocalDpi xmlns:a14="http://schemas.microsoft.com/office/drawing/2010/main" val="0"/>
+              </a:ext>
+            </a:extLst>
+          </a:blip>
+          <a:stretch>
+            <a:fillRect/>
+          </a:stretch>
+        </p:blipFill>
+        <p:spPr>
+          <a:xfrm>
+            <a:off x="4573848" y="0"/>
+            <a:ext cx="2286924" cy="3201694"/>
+          </a:xfrm>
+          <a:prstGeom prst="rect">
+            <a:avLst/>
+          </a:prstGeom>
+        </p:spPr>
+      </p:pic>
+      <p:pic>
+        <p:nvPicPr>
+          <p:cNvPr id="8" name="Picture 7" descr="A screen shot of a video game&#10;&#10;Description automatically generated">
+            <a:extLst>
+              <a:ext uri="{FF2B5EF4-FFF2-40B4-BE49-F238E27FC236}">
+                <a16:creationId xmlns:a16="http://schemas.microsoft.com/office/drawing/2014/main" id="{109A92B2-06EC-DF8A-04D3-EA17304E3618}"/>
+              </a:ext>
+            </a:extLst>
+          </p:cNvPr>
+          <p:cNvPicPr>
+            <a:picLocks noChangeAspect="1"/>
+          </p:cNvPicPr>
+          <p:nvPr/>
+        </p:nvPicPr>
+        <p:blipFill>
+          <a:blip r:embed="rId2">
+            <a:extLst>
+              <a:ext uri="{28A0092B-C50C-407E-A947-70E740481C1C}">
+                <a14:useLocalDpi xmlns:a14="http://schemas.microsoft.com/office/drawing/2010/main" val="0"/>
+              </a:ext>
+            </a:extLst>
+          </a:blip>
+          <a:stretch>
+            <a:fillRect/>
+          </a:stretch>
+        </p:blipFill>
+        <p:spPr>
+          <a:xfrm>
+            <a:off x="0" y="3201694"/>
+            <a:ext cx="2286924" cy="3201694"/>
+          </a:xfrm>
+          <a:prstGeom prst="rect">
+            <a:avLst/>
+          </a:prstGeom>
+        </p:spPr>
+      </p:pic>
+      <p:pic>
+        <p:nvPicPr>
+          <p:cNvPr id="9" name="Picture 8" descr="A screen shot of a video game&#10;&#10;Description automatically generated">
+            <a:extLst>
+              <a:ext uri="{FF2B5EF4-FFF2-40B4-BE49-F238E27FC236}">
+                <a16:creationId xmlns:a16="http://schemas.microsoft.com/office/drawing/2014/main" id="{9E8FE4E7-1F0E-EC3B-C461-35BE051A3031}"/>
+              </a:ext>
+            </a:extLst>
+          </p:cNvPr>
+          <p:cNvPicPr>
+            <a:picLocks noChangeAspect="1"/>
+          </p:cNvPicPr>
+          <p:nvPr/>
+        </p:nvPicPr>
+        <p:blipFill>
+          <a:blip r:embed="rId2">
+            <a:extLst>
+              <a:ext uri="{28A0092B-C50C-407E-A947-70E740481C1C}">
+                <a14:useLocalDpi xmlns:a14="http://schemas.microsoft.com/office/drawing/2010/main" val="0"/>
+              </a:ext>
+            </a:extLst>
+          </a:blip>
+          <a:stretch>
+            <a:fillRect/>
+          </a:stretch>
+        </p:blipFill>
+        <p:spPr>
+          <a:xfrm>
+            <a:off x="2286924" y="3201694"/>
+            <a:ext cx="2286924" cy="3201694"/>
+          </a:xfrm>
+          <a:prstGeom prst="rect">
+            <a:avLst/>
+          </a:prstGeom>
+        </p:spPr>
+      </p:pic>
+      <p:pic>
+        <p:nvPicPr>
+          <p:cNvPr id="10" name="Picture 9" descr="A screen shot of a video game&#10;&#10;Description automatically generated">
+            <a:extLst>
+              <a:ext uri="{FF2B5EF4-FFF2-40B4-BE49-F238E27FC236}">
+                <a16:creationId xmlns:a16="http://schemas.microsoft.com/office/drawing/2014/main" id="{7A31FC00-028C-6C28-F490-201AEFB8526B}"/>
+              </a:ext>
+            </a:extLst>
+          </p:cNvPr>
+          <p:cNvPicPr>
+            <a:picLocks noChangeAspect="1"/>
+          </p:cNvPicPr>
+          <p:nvPr/>
+        </p:nvPicPr>
+        <p:blipFill>
+          <a:blip r:embed="rId2">
+            <a:extLst>
+              <a:ext uri="{28A0092B-C50C-407E-A947-70E740481C1C}">
+                <a14:useLocalDpi xmlns:a14="http://schemas.microsoft.com/office/drawing/2010/main" val="0"/>
+              </a:ext>
+            </a:extLst>
+          </a:blip>
+          <a:stretch>
+            <a:fillRect/>
+          </a:stretch>
+        </p:blipFill>
+        <p:spPr>
+          <a:xfrm>
+            <a:off x="4573848" y="3201694"/>
+            <a:ext cx="2286924" cy="3201694"/>
+          </a:xfrm>
+          <a:prstGeom prst="rect">
+            <a:avLst/>
+          </a:prstGeom>
+        </p:spPr>
+      </p:pic>
+      <p:pic>
+        <p:nvPicPr>
+          <p:cNvPr id="11" name="Picture 10" descr="A screen shot of a video game&#10;&#10;Description automatically generated">
+            <a:extLst>
+              <a:ext uri="{FF2B5EF4-FFF2-40B4-BE49-F238E27FC236}">
+                <a16:creationId xmlns:a16="http://schemas.microsoft.com/office/drawing/2014/main" id="{E2C05A01-A53F-CF48-DC0A-3AD630C56068}"/>
+              </a:ext>
+            </a:extLst>
+          </p:cNvPr>
+          <p:cNvPicPr>
+            <a:picLocks noChangeAspect="1"/>
+          </p:cNvPicPr>
+          <p:nvPr/>
+        </p:nvPicPr>
+        <p:blipFill>
+          <a:blip r:embed="rId2">
+            <a:extLst>
+              <a:ext uri="{28A0092B-C50C-407E-A947-70E740481C1C}">
+                <a14:useLocalDpi xmlns:a14="http://schemas.microsoft.com/office/drawing/2010/main" val="0"/>
+              </a:ext>
+            </a:extLst>
+          </a:blip>
+          <a:stretch>
+            <a:fillRect/>
+          </a:stretch>
+        </p:blipFill>
+        <p:spPr>
+          <a:xfrm>
+            <a:off x="0" y="6403388"/>
+            <a:ext cx="2286924" cy="3201694"/>
+          </a:xfrm>
+          <a:prstGeom prst="rect">
+            <a:avLst/>
+          </a:prstGeom>
+        </p:spPr>
+      </p:pic>
+      <p:pic>
+        <p:nvPicPr>
+          <p:cNvPr id="12" name="Picture 11" descr="A screen shot of a video game&#10;&#10;Description automatically generated">
+            <a:extLst>
+              <a:ext uri="{FF2B5EF4-FFF2-40B4-BE49-F238E27FC236}">
+                <a16:creationId xmlns:a16="http://schemas.microsoft.com/office/drawing/2014/main" id="{48229908-E2CA-7ED5-7A81-F09FC2FE0FF7}"/>
+              </a:ext>
+            </a:extLst>
+          </p:cNvPr>
+          <p:cNvPicPr>
+            <a:picLocks noChangeAspect="1"/>
+          </p:cNvPicPr>
+          <p:nvPr/>
+        </p:nvPicPr>
+        <p:blipFill>
+          <a:blip r:embed="rId2">
+            <a:extLst>
+              <a:ext uri="{28A0092B-C50C-407E-A947-70E740481C1C}">
+                <a14:useLocalDpi xmlns:a14="http://schemas.microsoft.com/office/drawing/2010/main" val="0"/>
+              </a:ext>
+            </a:extLst>
+          </a:blip>
+          <a:stretch>
+            <a:fillRect/>
+          </a:stretch>
+        </p:blipFill>
+        <p:spPr>
+          <a:xfrm>
+            <a:off x="2286924" y="6403388"/>
+            <a:ext cx="2286924" cy="3201694"/>
+          </a:xfrm>
+          <a:prstGeom prst="rect">
+            <a:avLst/>
+          </a:prstGeom>
+        </p:spPr>
+      </p:pic>
+      <p:pic>
+        <p:nvPicPr>
+          <p:cNvPr id="13" name="Picture 12" descr="A screen shot of a video game&#10;&#10;Description automatically generated">
+            <a:extLst>
+              <a:ext uri="{FF2B5EF4-FFF2-40B4-BE49-F238E27FC236}">
+                <a16:creationId xmlns:a16="http://schemas.microsoft.com/office/drawing/2014/main" id="{C9FE1C40-DD30-8D07-4D27-068B97B0145E}"/>
+              </a:ext>
+            </a:extLst>
+          </p:cNvPr>
+          <p:cNvPicPr>
+            <a:picLocks noChangeAspect="1"/>
+          </p:cNvPicPr>
+          <p:nvPr/>
+        </p:nvPicPr>
+        <p:blipFill>
+          <a:blip r:embed="rId2">
+            <a:extLst>
+              <a:ext uri="{28A0092B-C50C-407E-A947-70E740481C1C}">
+                <a14:useLocalDpi xmlns:a14="http://schemas.microsoft.com/office/drawing/2010/main" val="0"/>
+              </a:ext>
+            </a:extLst>
+          </a:blip>
+          <a:stretch>
+            <a:fillRect/>
+          </a:stretch>
+        </p:blipFill>
+        <p:spPr>
+          <a:xfrm>
+            <a:off x="4573848" y="6403388"/>
+            <a:ext cx="2286924" cy="3201694"/>
+          </a:xfrm>
+          <a:prstGeom prst="rect">
+            <a:avLst/>
+          </a:prstGeom>
+        </p:spPr>
+      </p:pic>
+    </p:spTree>
+    <p:extLst>
+      <p:ext uri="{BB962C8B-B14F-4D97-AF65-F5344CB8AC3E}">
+        <p14:creationId xmlns:p14="http://schemas.microsoft.com/office/powerpoint/2010/main" val="2761218703"/>
+      </p:ext>
+    </p:extLst>
+  </p:cSld>
+  <p:clrMapOvr>
+    <a:masterClrMapping/>
+  </p:clrMapOvr>
+</p:sld>
+</file>
+
+<file path=ppt/slides/slide119.xml><?xml version="1.0" encoding="utf-8"?>
+<p:sld xmlns:a="http://schemas.openxmlformats.org/drawingml/2006/main" xmlns:r="http://schemas.openxmlformats.org/officeDocument/2006/relationships" xmlns:p="http://schemas.openxmlformats.org/presentationml/2006/main">
+  <p:cSld>
+    <p:spTree>
+      <p:nvGrpSpPr>
+        <p:cNvPr id="1" name=""/>
+        <p:cNvGrpSpPr/>
+        <p:nvPr/>
+      </p:nvGrpSpPr>
+      <p:grpSpPr>
+        <a:xfrm>
+          <a:off x="0" y="0"/>
+          <a:ext cx="0" cy="0"/>
+          <a:chOff x="0" y="0"/>
+          <a:chExt cx="0" cy="0"/>
+        </a:xfrm>
+      </p:grpSpPr>
+      <p:pic>
+        <p:nvPicPr>
+          <p:cNvPr id="21" name="Picture 20" descr="A screen shot of a video game&#10;&#10;Description automatically generated">
+            <a:extLst>
+              <a:ext uri="{FF2B5EF4-FFF2-40B4-BE49-F238E27FC236}">
+                <a16:creationId xmlns:a16="http://schemas.microsoft.com/office/drawing/2014/main" id="{F4459F78-C47D-55C2-3B04-31E0E509C3F5}"/>
+              </a:ext>
+            </a:extLst>
+          </p:cNvPr>
+          <p:cNvPicPr>
+            <a:picLocks noChangeAspect="1"/>
+          </p:cNvPicPr>
+          <p:nvPr/>
+        </p:nvPicPr>
+        <p:blipFill>
+          <a:blip r:embed="rId2">
+            <a:extLst>
+              <a:ext uri="{28A0092B-C50C-407E-A947-70E740481C1C}">
+                <a14:useLocalDpi xmlns:a14="http://schemas.microsoft.com/office/drawing/2010/main" val="0"/>
+              </a:ext>
+            </a:extLst>
+          </a:blip>
+          <a:stretch>
+            <a:fillRect/>
+          </a:stretch>
+        </p:blipFill>
+        <p:spPr>
+          <a:xfrm>
+            <a:off x="909810" y="0"/>
+            <a:ext cx="2287530" cy="3202542"/>
+          </a:xfrm>
+          <a:prstGeom prst="rect">
+            <a:avLst/>
+          </a:prstGeom>
+        </p:spPr>
+      </p:pic>
+      <p:pic>
+        <p:nvPicPr>
+          <p:cNvPr id="23" name="Picture 22" descr="A screenshot of a video game&#10;&#10;Description automatically generated">
+            <a:extLst>
+              <a:ext uri="{FF2B5EF4-FFF2-40B4-BE49-F238E27FC236}">
+                <a16:creationId xmlns:a16="http://schemas.microsoft.com/office/drawing/2014/main" id="{CAF724AA-67D9-3745-4246-F05BE738FA8C}"/>
+              </a:ext>
+            </a:extLst>
+          </p:cNvPr>
+          <p:cNvPicPr>
+            <a:picLocks noChangeAspect="1"/>
+          </p:cNvPicPr>
+          <p:nvPr/>
+        </p:nvPicPr>
+        <p:blipFill>
+          <a:blip r:embed="rId3">
+            <a:extLst>
+              <a:ext uri="{28A0092B-C50C-407E-A947-70E740481C1C}">
+                <a14:useLocalDpi xmlns:a14="http://schemas.microsoft.com/office/drawing/2010/main" val="0"/>
+              </a:ext>
+            </a:extLst>
+          </a:blip>
+          <a:stretch>
+            <a:fillRect/>
+          </a:stretch>
+        </p:blipFill>
+        <p:spPr>
+          <a:xfrm>
+            <a:off x="3197340" y="0"/>
+            <a:ext cx="2287530" cy="3202542"/>
+          </a:xfrm>
+          <a:prstGeom prst="rect">
+            <a:avLst/>
+          </a:prstGeom>
+        </p:spPr>
+      </p:pic>
+      <p:pic>
+        <p:nvPicPr>
+          <p:cNvPr id="25" name="Picture 24" descr="A screenshot of a video game&#10;&#10;Description automatically generated">
+            <a:extLst>
+              <a:ext uri="{FF2B5EF4-FFF2-40B4-BE49-F238E27FC236}">
+                <a16:creationId xmlns:a16="http://schemas.microsoft.com/office/drawing/2014/main" id="{BDCA8EF5-6F09-0853-BC3D-A36AFA2B32D9}"/>
+              </a:ext>
+            </a:extLst>
+          </p:cNvPr>
+          <p:cNvPicPr>
+            <a:picLocks noChangeAspect="1"/>
+          </p:cNvPicPr>
+          <p:nvPr/>
+        </p:nvPicPr>
+        <p:blipFill>
+          <a:blip r:embed="rId4">
+            <a:extLst>
+              <a:ext uri="{28A0092B-C50C-407E-A947-70E740481C1C}">
+                <a14:useLocalDpi xmlns:a14="http://schemas.microsoft.com/office/drawing/2010/main" val="0"/>
+              </a:ext>
+            </a:extLst>
+          </a:blip>
+          <a:stretch>
+            <a:fillRect/>
+          </a:stretch>
+        </p:blipFill>
+        <p:spPr>
+          <a:xfrm>
+            <a:off x="5484870" y="3202542"/>
+            <a:ext cx="2288136" cy="3203390"/>
+          </a:xfrm>
+          <a:prstGeom prst="rect">
+            <a:avLst/>
+          </a:prstGeom>
+        </p:spPr>
+      </p:pic>
+      <p:pic>
+        <p:nvPicPr>
+          <p:cNvPr id="27" name="Picture 26" descr="A screenshot of a video game&#10;&#10;Description automatically generated">
+            <a:extLst>
+              <a:ext uri="{FF2B5EF4-FFF2-40B4-BE49-F238E27FC236}">
+                <a16:creationId xmlns:a16="http://schemas.microsoft.com/office/drawing/2014/main" id="{43DFED94-0B9E-1EDD-9260-FA189AC7A268}"/>
+              </a:ext>
+            </a:extLst>
+          </p:cNvPr>
+          <p:cNvPicPr>
+            <a:picLocks noChangeAspect="1"/>
+          </p:cNvPicPr>
+          <p:nvPr/>
+        </p:nvPicPr>
+        <p:blipFill>
+          <a:blip r:embed="rId5">
+            <a:extLst>
+              <a:ext uri="{28A0092B-C50C-407E-A947-70E740481C1C}">
+                <a14:useLocalDpi xmlns:a14="http://schemas.microsoft.com/office/drawing/2010/main" val="0"/>
+              </a:ext>
+            </a:extLst>
+          </a:blip>
+          <a:stretch>
+            <a:fillRect/>
+          </a:stretch>
+        </p:blipFill>
+        <p:spPr>
+          <a:xfrm>
+            <a:off x="3197340" y="3202542"/>
+            <a:ext cx="2287530" cy="3202542"/>
+          </a:xfrm>
+          <a:prstGeom prst="rect">
+            <a:avLst/>
+          </a:prstGeom>
+        </p:spPr>
+      </p:pic>
+      <p:pic>
+        <p:nvPicPr>
+          <p:cNvPr id="29" name="Picture 28" descr="A screenshot of a video game&#10;&#10;Description automatically generated">
+            <a:extLst>
+              <a:ext uri="{FF2B5EF4-FFF2-40B4-BE49-F238E27FC236}">
+                <a16:creationId xmlns:a16="http://schemas.microsoft.com/office/drawing/2014/main" id="{33D2D0D3-A05A-98AA-BF5D-47D0B647BD07}"/>
+              </a:ext>
+            </a:extLst>
+          </p:cNvPr>
+          <p:cNvPicPr>
+            <a:picLocks noChangeAspect="1"/>
+          </p:cNvPicPr>
+          <p:nvPr/>
+        </p:nvPicPr>
+        <p:blipFill>
+          <a:blip r:embed="rId6">
+            <a:extLst>
+              <a:ext uri="{28A0092B-C50C-407E-A947-70E740481C1C}">
+                <a14:useLocalDpi xmlns:a14="http://schemas.microsoft.com/office/drawing/2010/main" val="0"/>
+              </a:ext>
+            </a:extLst>
+          </a:blip>
+          <a:stretch>
+            <a:fillRect/>
+          </a:stretch>
+        </p:blipFill>
+        <p:spPr>
+          <a:xfrm>
+            <a:off x="909810" y="3202542"/>
+            <a:ext cx="2287530" cy="3202542"/>
+          </a:xfrm>
+          <a:prstGeom prst="rect">
+            <a:avLst/>
+          </a:prstGeom>
+        </p:spPr>
+      </p:pic>
+      <p:pic>
+        <p:nvPicPr>
+          <p:cNvPr id="31" name="Picture 30" descr="A screenshot of a video game&#10;&#10;Description automatically generated">
+            <a:extLst>
+              <a:ext uri="{FF2B5EF4-FFF2-40B4-BE49-F238E27FC236}">
+                <a16:creationId xmlns:a16="http://schemas.microsoft.com/office/drawing/2014/main" id="{FD068A05-0CAE-3F74-C62B-64E037181983}"/>
+              </a:ext>
+            </a:extLst>
+          </p:cNvPr>
+          <p:cNvPicPr>
+            <a:picLocks noChangeAspect="1"/>
+          </p:cNvPicPr>
+          <p:nvPr/>
+        </p:nvPicPr>
+        <p:blipFill>
+          <a:blip r:embed="rId7">
+            <a:extLst>
+              <a:ext uri="{28A0092B-C50C-407E-A947-70E740481C1C}">
+                <a14:useLocalDpi xmlns:a14="http://schemas.microsoft.com/office/drawing/2010/main" val="0"/>
+              </a:ext>
+            </a:extLst>
+          </a:blip>
+          <a:stretch>
+            <a:fillRect/>
+          </a:stretch>
+        </p:blipFill>
+        <p:spPr>
+          <a:xfrm>
+            <a:off x="5484870" y="6404236"/>
+            <a:ext cx="2288136" cy="3203390"/>
+          </a:xfrm>
+          <a:prstGeom prst="rect">
+            <a:avLst/>
+          </a:prstGeom>
+        </p:spPr>
+      </p:pic>
+      <p:pic>
+        <p:nvPicPr>
+          <p:cNvPr id="33" name="Picture 32" descr="A screenshot of a video game&#10;&#10;Description automatically generated">
+            <a:extLst>
+              <a:ext uri="{FF2B5EF4-FFF2-40B4-BE49-F238E27FC236}">
+                <a16:creationId xmlns:a16="http://schemas.microsoft.com/office/drawing/2014/main" id="{8D273216-2E8F-032A-4426-1B4539444FB8}"/>
+              </a:ext>
+            </a:extLst>
+          </p:cNvPr>
+          <p:cNvPicPr>
+            <a:picLocks noChangeAspect="1"/>
+          </p:cNvPicPr>
+          <p:nvPr/>
+        </p:nvPicPr>
+        <p:blipFill>
+          <a:blip r:embed="rId8">
+            <a:extLst>
+              <a:ext uri="{28A0092B-C50C-407E-A947-70E740481C1C}">
+                <a14:useLocalDpi xmlns:a14="http://schemas.microsoft.com/office/drawing/2010/main" val="0"/>
+              </a:ext>
+            </a:extLst>
+          </a:blip>
+          <a:stretch>
+            <a:fillRect/>
+          </a:stretch>
+        </p:blipFill>
+        <p:spPr>
+          <a:xfrm>
+            <a:off x="3197340" y="6404660"/>
+            <a:ext cx="2287530" cy="3202542"/>
+          </a:xfrm>
+          <a:prstGeom prst="rect">
+            <a:avLst/>
+          </a:prstGeom>
+        </p:spPr>
+      </p:pic>
+      <p:pic>
+        <p:nvPicPr>
+          <p:cNvPr id="35" name="Picture 34" descr="A screenshot of a video game&#10;&#10;Description automatically generated">
+            <a:extLst>
+              <a:ext uri="{FF2B5EF4-FFF2-40B4-BE49-F238E27FC236}">
+                <a16:creationId xmlns:a16="http://schemas.microsoft.com/office/drawing/2014/main" id="{DB281024-7CD5-B38E-6C34-FAB871305080}"/>
+              </a:ext>
+            </a:extLst>
+          </p:cNvPr>
+          <p:cNvPicPr>
+            <a:picLocks noChangeAspect="1"/>
+          </p:cNvPicPr>
+          <p:nvPr/>
+        </p:nvPicPr>
+        <p:blipFill>
+          <a:blip r:embed="rId9">
+            <a:extLst>
+              <a:ext uri="{28A0092B-C50C-407E-A947-70E740481C1C}">
+                <a14:useLocalDpi xmlns:a14="http://schemas.microsoft.com/office/drawing/2010/main" val="0"/>
+              </a:ext>
+            </a:extLst>
+          </a:blip>
+          <a:stretch>
+            <a:fillRect/>
+          </a:stretch>
+        </p:blipFill>
+        <p:spPr>
+          <a:xfrm>
+            <a:off x="909810" y="6404660"/>
+            <a:ext cx="2287530" cy="3202542"/>
+          </a:xfrm>
+          <a:prstGeom prst="rect">
+            <a:avLst/>
+          </a:prstGeom>
+        </p:spPr>
+      </p:pic>
+      <p:pic>
+        <p:nvPicPr>
+          <p:cNvPr id="3" name="Picture 2" descr="A screenshot of a video game&#10;&#10;Description automatically generated">
+            <a:extLst>
+              <a:ext uri="{FF2B5EF4-FFF2-40B4-BE49-F238E27FC236}">
+                <a16:creationId xmlns:a16="http://schemas.microsoft.com/office/drawing/2014/main" id="{F146F806-D623-B07F-1E88-74C0B8C9A9BF}"/>
+              </a:ext>
+            </a:extLst>
+          </p:cNvPr>
+          <p:cNvPicPr>
+            <a:picLocks noChangeAspect="1"/>
+          </p:cNvPicPr>
+          <p:nvPr/>
+        </p:nvPicPr>
+        <p:blipFill>
+          <a:blip r:embed="rId10">
+            <a:extLst>
+              <a:ext uri="{28A0092B-C50C-407E-A947-70E740481C1C}">
+                <a14:useLocalDpi xmlns:a14="http://schemas.microsoft.com/office/drawing/2010/main" val="0"/>
+              </a:ext>
+            </a:extLst>
+          </a:blip>
+          <a:stretch>
+            <a:fillRect/>
+          </a:stretch>
+        </p:blipFill>
+        <p:spPr>
+          <a:xfrm>
+            <a:off x="5485173" y="0"/>
+            <a:ext cx="2287530" cy="3202542"/>
+          </a:xfrm>
+          <a:prstGeom prst="rect">
+            <a:avLst/>
+          </a:prstGeom>
+        </p:spPr>
+      </p:pic>
+    </p:spTree>
+    <p:extLst>
+      <p:ext uri="{BB962C8B-B14F-4D97-AF65-F5344CB8AC3E}">
+        <p14:creationId xmlns:p14="http://schemas.microsoft.com/office/powerpoint/2010/main" val="2348542031"/>
+      </p:ext>
+    </p:extLst>
+  </p:cSld>
+  <p:clrMapOvr>
+    <a:masterClrMapping/>
+  </p:clrMapOvr>
+</p:sld>
+</file>
+
 <file path=ppt/slides/slide12.xml><?xml version="1.0" encoding="utf-8"?>
 <p:sld xmlns:a="http://schemas.openxmlformats.org/drawingml/2006/main" xmlns:r="http://schemas.openxmlformats.org/officeDocument/2006/relationships" xmlns:p="http://schemas.openxmlformats.org/presentationml/2006/main">
   <p:cSld>
@@ -9234,6 +10672,3258 @@
     <p:extLst>
       <p:ext uri="{BB962C8B-B14F-4D97-AF65-F5344CB8AC3E}">
         <p14:creationId xmlns:p14="http://schemas.microsoft.com/office/powerpoint/2010/main" val="1738507826"/>
+      </p:ext>
+    </p:extLst>
+  </p:cSld>
+  <p:clrMapOvr>
+    <a:masterClrMapping/>
+  </p:clrMapOvr>
+</p:sld>
+</file>
+
+<file path=ppt/slides/slide120.xml><?xml version="1.0" encoding="utf-8"?>
+<p:sld xmlns:a="http://schemas.openxmlformats.org/drawingml/2006/main" xmlns:r="http://schemas.openxmlformats.org/officeDocument/2006/relationships" xmlns:p="http://schemas.openxmlformats.org/presentationml/2006/main">
+  <p:cSld>
+    <p:spTree>
+      <p:nvGrpSpPr>
+        <p:cNvPr id="1" name=""/>
+        <p:cNvGrpSpPr/>
+        <p:nvPr/>
+      </p:nvGrpSpPr>
+      <p:grpSpPr>
+        <a:xfrm>
+          <a:off x="0" y="0"/>
+          <a:ext cx="0" cy="0"/>
+          <a:chOff x="0" y="0"/>
+          <a:chExt cx="0" cy="0"/>
+        </a:xfrm>
+      </p:grpSpPr>
+      <p:pic>
+        <p:nvPicPr>
+          <p:cNvPr id="3" name="Picture 2" descr="A screen shot of a video game&#10;&#10;Description automatically generated">
+            <a:extLst>
+              <a:ext uri="{FF2B5EF4-FFF2-40B4-BE49-F238E27FC236}">
+                <a16:creationId xmlns:a16="http://schemas.microsoft.com/office/drawing/2014/main" id="{6C2AC824-68F4-8EB5-E0B1-614EBFC13C5E}"/>
+              </a:ext>
+            </a:extLst>
+          </p:cNvPr>
+          <p:cNvPicPr>
+            <a:picLocks noChangeAspect="1"/>
+          </p:cNvPicPr>
+          <p:nvPr/>
+        </p:nvPicPr>
+        <p:blipFill>
+          <a:blip r:embed="rId2">
+            <a:extLst>
+              <a:ext uri="{28A0092B-C50C-407E-A947-70E740481C1C}">
+                <a14:useLocalDpi xmlns:a14="http://schemas.microsoft.com/office/drawing/2010/main" val="0"/>
+              </a:ext>
+            </a:extLst>
+          </a:blip>
+          <a:stretch>
+            <a:fillRect/>
+          </a:stretch>
+        </p:blipFill>
+        <p:spPr>
+          <a:xfrm>
+            <a:off x="0" y="0"/>
+            <a:ext cx="2286924" cy="3201694"/>
+          </a:xfrm>
+          <a:prstGeom prst="rect">
+            <a:avLst/>
+          </a:prstGeom>
+        </p:spPr>
+      </p:pic>
+      <p:pic>
+        <p:nvPicPr>
+          <p:cNvPr id="5" name="Picture 4" descr="A screen shot of a game&#10;&#10;Description automatically generated">
+            <a:extLst>
+              <a:ext uri="{FF2B5EF4-FFF2-40B4-BE49-F238E27FC236}">
+                <a16:creationId xmlns:a16="http://schemas.microsoft.com/office/drawing/2014/main" id="{B852166A-B81F-F98E-27AA-C6358CB65B89}"/>
+              </a:ext>
+            </a:extLst>
+          </p:cNvPr>
+          <p:cNvPicPr>
+            <a:picLocks noChangeAspect="1"/>
+          </p:cNvPicPr>
+          <p:nvPr/>
+        </p:nvPicPr>
+        <p:blipFill>
+          <a:blip r:embed="rId3">
+            <a:extLst>
+              <a:ext uri="{28A0092B-C50C-407E-A947-70E740481C1C}">
+                <a14:useLocalDpi xmlns:a14="http://schemas.microsoft.com/office/drawing/2010/main" val="0"/>
+              </a:ext>
+            </a:extLst>
+          </a:blip>
+          <a:stretch>
+            <a:fillRect/>
+          </a:stretch>
+        </p:blipFill>
+        <p:spPr>
+          <a:xfrm>
+            <a:off x="2286924" y="0"/>
+            <a:ext cx="2286924" cy="3201694"/>
+          </a:xfrm>
+          <a:prstGeom prst="rect">
+            <a:avLst/>
+          </a:prstGeom>
+        </p:spPr>
+      </p:pic>
+      <p:pic>
+        <p:nvPicPr>
+          <p:cNvPr id="7" name="Picture 6" descr="A screen shot of a game&#10;&#10;Description automatically generated">
+            <a:extLst>
+              <a:ext uri="{FF2B5EF4-FFF2-40B4-BE49-F238E27FC236}">
+                <a16:creationId xmlns:a16="http://schemas.microsoft.com/office/drawing/2014/main" id="{531514E4-B151-345C-DFF5-1E13A9639651}"/>
+              </a:ext>
+            </a:extLst>
+          </p:cNvPr>
+          <p:cNvPicPr>
+            <a:picLocks noChangeAspect="1"/>
+          </p:cNvPicPr>
+          <p:nvPr/>
+        </p:nvPicPr>
+        <p:blipFill>
+          <a:blip r:embed="rId3">
+            <a:extLst>
+              <a:ext uri="{28A0092B-C50C-407E-A947-70E740481C1C}">
+                <a14:useLocalDpi xmlns:a14="http://schemas.microsoft.com/office/drawing/2010/main" val="0"/>
+              </a:ext>
+            </a:extLst>
+          </a:blip>
+          <a:stretch>
+            <a:fillRect/>
+          </a:stretch>
+        </p:blipFill>
+        <p:spPr>
+          <a:xfrm>
+            <a:off x="4573848" y="0"/>
+            <a:ext cx="2286924" cy="3201694"/>
+          </a:xfrm>
+          <a:prstGeom prst="rect">
+            <a:avLst/>
+          </a:prstGeom>
+        </p:spPr>
+      </p:pic>
+      <p:pic>
+        <p:nvPicPr>
+          <p:cNvPr id="9" name="Picture 8" descr="A screen shot of a game&#10;&#10;Description automatically generated">
+            <a:extLst>
+              <a:ext uri="{FF2B5EF4-FFF2-40B4-BE49-F238E27FC236}">
+                <a16:creationId xmlns:a16="http://schemas.microsoft.com/office/drawing/2014/main" id="{B14A6E61-2AC9-9A06-B0BA-15A10924143E}"/>
+              </a:ext>
+            </a:extLst>
+          </p:cNvPr>
+          <p:cNvPicPr>
+            <a:picLocks noChangeAspect="1"/>
+          </p:cNvPicPr>
+          <p:nvPr/>
+        </p:nvPicPr>
+        <p:blipFill>
+          <a:blip r:embed="rId3">
+            <a:extLst>
+              <a:ext uri="{28A0092B-C50C-407E-A947-70E740481C1C}">
+                <a14:useLocalDpi xmlns:a14="http://schemas.microsoft.com/office/drawing/2010/main" val="0"/>
+              </a:ext>
+            </a:extLst>
+          </a:blip>
+          <a:stretch>
+            <a:fillRect/>
+          </a:stretch>
+        </p:blipFill>
+        <p:spPr>
+          <a:xfrm>
+            <a:off x="0" y="3201694"/>
+            <a:ext cx="2286924" cy="3201694"/>
+          </a:xfrm>
+          <a:prstGeom prst="rect">
+            <a:avLst/>
+          </a:prstGeom>
+        </p:spPr>
+      </p:pic>
+      <p:pic>
+        <p:nvPicPr>
+          <p:cNvPr id="11" name="Picture 10" descr="A screen shot of a game&#10;&#10;Description automatically generated">
+            <a:extLst>
+              <a:ext uri="{FF2B5EF4-FFF2-40B4-BE49-F238E27FC236}">
+                <a16:creationId xmlns:a16="http://schemas.microsoft.com/office/drawing/2014/main" id="{B5B4693F-241B-5527-18C6-1106334D8E8B}"/>
+              </a:ext>
+            </a:extLst>
+          </p:cNvPr>
+          <p:cNvPicPr>
+            <a:picLocks noChangeAspect="1"/>
+          </p:cNvPicPr>
+          <p:nvPr/>
+        </p:nvPicPr>
+        <p:blipFill>
+          <a:blip r:embed="rId3">
+            <a:extLst>
+              <a:ext uri="{28A0092B-C50C-407E-A947-70E740481C1C}">
+                <a14:useLocalDpi xmlns:a14="http://schemas.microsoft.com/office/drawing/2010/main" val="0"/>
+              </a:ext>
+            </a:extLst>
+          </a:blip>
+          <a:stretch>
+            <a:fillRect/>
+          </a:stretch>
+        </p:blipFill>
+        <p:spPr>
+          <a:xfrm>
+            <a:off x="2286924" y="3201694"/>
+            <a:ext cx="2286924" cy="3201694"/>
+          </a:xfrm>
+          <a:prstGeom prst="rect">
+            <a:avLst/>
+          </a:prstGeom>
+        </p:spPr>
+      </p:pic>
+      <p:pic>
+        <p:nvPicPr>
+          <p:cNvPr id="13" name="Picture 12" descr="A screen shot of a game&#10;&#10;Description automatically generated">
+            <a:extLst>
+              <a:ext uri="{FF2B5EF4-FFF2-40B4-BE49-F238E27FC236}">
+                <a16:creationId xmlns:a16="http://schemas.microsoft.com/office/drawing/2014/main" id="{D9519CDA-A91F-D22E-CD58-48EC3C7E13D8}"/>
+              </a:ext>
+            </a:extLst>
+          </p:cNvPr>
+          <p:cNvPicPr>
+            <a:picLocks noChangeAspect="1"/>
+          </p:cNvPicPr>
+          <p:nvPr/>
+        </p:nvPicPr>
+        <p:blipFill>
+          <a:blip r:embed="rId3">
+            <a:extLst>
+              <a:ext uri="{28A0092B-C50C-407E-A947-70E740481C1C}">
+                <a14:useLocalDpi xmlns:a14="http://schemas.microsoft.com/office/drawing/2010/main" val="0"/>
+              </a:ext>
+            </a:extLst>
+          </a:blip>
+          <a:stretch>
+            <a:fillRect/>
+          </a:stretch>
+        </p:blipFill>
+        <p:spPr>
+          <a:xfrm>
+            <a:off x="4573848" y="3201694"/>
+            <a:ext cx="2286924" cy="3201694"/>
+          </a:xfrm>
+          <a:prstGeom prst="rect">
+            <a:avLst/>
+          </a:prstGeom>
+        </p:spPr>
+      </p:pic>
+      <p:pic>
+        <p:nvPicPr>
+          <p:cNvPr id="15" name="Picture 14" descr="A screen shot of a game&#10;&#10;Description automatically generated">
+            <a:extLst>
+              <a:ext uri="{FF2B5EF4-FFF2-40B4-BE49-F238E27FC236}">
+                <a16:creationId xmlns:a16="http://schemas.microsoft.com/office/drawing/2014/main" id="{6C666561-1D0B-A8AF-7C4E-937B8358993B}"/>
+              </a:ext>
+            </a:extLst>
+          </p:cNvPr>
+          <p:cNvPicPr>
+            <a:picLocks noChangeAspect="1"/>
+          </p:cNvPicPr>
+          <p:nvPr/>
+        </p:nvPicPr>
+        <p:blipFill>
+          <a:blip r:embed="rId3">
+            <a:extLst>
+              <a:ext uri="{28A0092B-C50C-407E-A947-70E740481C1C}">
+                <a14:useLocalDpi xmlns:a14="http://schemas.microsoft.com/office/drawing/2010/main" val="0"/>
+              </a:ext>
+            </a:extLst>
+          </a:blip>
+          <a:stretch>
+            <a:fillRect/>
+          </a:stretch>
+        </p:blipFill>
+        <p:spPr>
+          <a:xfrm>
+            <a:off x="0" y="6403388"/>
+            <a:ext cx="2286924" cy="3201694"/>
+          </a:xfrm>
+          <a:prstGeom prst="rect">
+            <a:avLst/>
+          </a:prstGeom>
+        </p:spPr>
+      </p:pic>
+      <p:pic>
+        <p:nvPicPr>
+          <p:cNvPr id="17" name="Picture 16" descr="A screen shot of a game&#10;&#10;Description automatically generated">
+            <a:extLst>
+              <a:ext uri="{FF2B5EF4-FFF2-40B4-BE49-F238E27FC236}">
+                <a16:creationId xmlns:a16="http://schemas.microsoft.com/office/drawing/2014/main" id="{958CF5CC-6EC9-A277-CBAE-D0095667E4EB}"/>
+              </a:ext>
+            </a:extLst>
+          </p:cNvPr>
+          <p:cNvPicPr>
+            <a:picLocks noChangeAspect="1"/>
+          </p:cNvPicPr>
+          <p:nvPr/>
+        </p:nvPicPr>
+        <p:blipFill>
+          <a:blip r:embed="rId3">
+            <a:extLst>
+              <a:ext uri="{28A0092B-C50C-407E-A947-70E740481C1C}">
+                <a14:useLocalDpi xmlns:a14="http://schemas.microsoft.com/office/drawing/2010/main" val="0"/>
+              </a:ext>
+            </a:extLst>
+          </a:blip>
+          <a:stretch>
+            <a:fillRect/>
+          </a:stretch>
+        </p:blipFill>
+        <p:spPr>
+          <a:xfrm>
+            <a:off x="2286924" y="6403388"/>
+            <a:ext cx="2286924" cy="3201694"/>
+          </a:xfrm>
+          <a:prstGeom prst="rect">
+            <a:avLst/>
+          </a:prstGeom>
+        </p:spPr>
+      </p:pic>
+      <p:pic>
+        <p:nvPicPr>
+          <p:cNvPr id="19" name="Picture 18" descr="A screen shot of a game&#10;&#10;Description automatically generated">
+            <a:extLst>
+              <a:ext uri="{FF2B5EF4-FFF2-40B4-BE49-F238E27FC236}">
+                <a16:creationId xmlns:a16="http://schemas.microsoft.com/office/drawing/2014/main" id="{C8DC9309-F077-07A9-D034-A7461718C164}"/>
+              </a:ext>
+            </a:extLst>
+          </p:cNvPr>
+          <p:cNvPicPr>
+            <a:picLocks noChangeAspect="1"/>
+          </p:cNvPicPr>
+          <p:nvPr/>
+        </p:nvPicPr>
+        <p:blipFill>
+          <a:blip r:embed="rId3">
+            <a:extLst>
+              <a:ext uri="{28A0092B-C50C-407E-A947-70E740481C1C}">
+                <a14:useLocalDpi xmlns:a14="http://schemas.microsoft.com/office/drawing/2010/main" val="0"/>
+              </a:ext>
+            </a:extLst>
+          </a:blip>
+          <a:stretch>
+            <a:fillRect/>
+          </a:stretch>
+        </p:blipFill>
+        <p:spPr>
+          <a:xfrm>
+            <a:off x="4573848" y="6403388"/>
+            <a:ext cx="2286924" cy="3201694"/>
+          </a:xfrm>
+          <a:prstGeom prst="rect">
+            <a:avLst/>
+          </a:prstGeom>
+        </p:spPr>
+      </p:pic>
+    </p:spTree>
+    <p:extLst>
+      <p:ext uri="{BB962C8B-B14F-4D97-AF65-F5344CB8AC3E}">
+        <p14:creationId xmlns:p14="http://schemas.microsoft.com/office/powerpoint/2010/main" val="590509313"/>
+      </p:ext>
+    </p:extLst>
+  </p:cSld>
+  <p:clrMapOvr>
+    <a:masterClrMapping/>
+  </p:clrMapOvr>
+</p:sld>
+</file>
+
+<file path=ppt/slides/slide121.xml><?xml version="1.0" encoding="utf-8"?>
+<p:sld xmlns:a="http://schemas.openxmlformats.org/drawingml/2006/main" xmlns:r="http://schemas.openxmlformats.org/officeDocument/2006/relationships" xmlns:p="http://schemas.openxmlformats.org/presentationml/2006/main">
+  <p:cSld>
+    <p:spTree>
+      <p:nvGrpSpPr>
+        <p:cNvPr id="1" name=""/>
+        <p:cNvGrpSpPr/>
+        <p:nvPr/>
+      </p:nvGrpSpPr>
+      <p:grpSpPr>
+        <a:xfrm>
+          <a:off x="0" y="0"/>
+          <a:ext cx="0" cy="0"/>
+          <a:chOff x="0" y="0"/>
+          <a:chExt cx="0" cy="0"/>
+        </a:xfrm>
+      </p:grpSpPr>
+      <p:pic>
+        <p:nvPicPr>
+          <p:cNvPr id="4" name="Picture 3" descr="A video game screen with a cartoon character holding a sword&#10;&#10;Description automatically generated">
+            <a:extLst>
+              <a:ext uri="{FF2B5EF4-FFF2-40B4-BE49-F238E27FC236}">
+                <a16:creationId xmlns:a16="http://schemas.microsoft.com/office/drawing/2014/main" id="{9E71EFBB-A348-EF8A-C3A5-E522E8FE2F26}"/>
+              </a:ext>
+            </a:extLst>
+          </p:cNvPr>
+          <p:cNvPicPr>
+            <a:picLocks noChangeAspect="1"/>
+          </p:cNvPicPr>
+          <p:nvPr/>
+        </p:nvPicPr>
+        <p:blipFill>
+          <a:blip r:embed="rId2">
+            <a:extLst>
+              <a:ext uri="{28A0092B-C50C-407E-A947-70E740481C1C}">
+                <a14:useLocalDpi xmlns:a14="http://schemas.microsoft.com/office/drawing/2010/main" val="0"/>
+              </a:ext>
+            </a:extLst>
+          </a:blip>
+          <a:stretch>
+            <a:fillRect/>
+          </a:stretch>
+        </p:blipFill>
+        <p:spPr>
+          <a:xfrm>
+            <a:off x="929771" y="0"/>
+            <a:ext cx="2286924" cy="3201694"/>
+          </a:xfrm>
+          <a:prstGeom prst="rect">
+            <a:avLst/>
+          </a:prstGeom>
+        </p:spPr>
+      </p:pic>
+      <p:pic>
+        <p:nvPicPr>
+          <p:cNvPr id="6" name="Picture 5" descr="A video game card with a cartoon character&#10;&#10;Description automatically generated">
+            <a:extLst>
+              <a:ext uri="{FF2B5EF4-FFF2-40B4-BE49-F238E27FC236}">
+                <a16:creationId xmlns:a16="http://schemas.microsoft.com/office/drawing/2014/main" id="{38FADFBF-417B-3081-872C-FCD84162ECA5}"/>
+              </a:ext>
+            </a:extLst>
+          </p:cNvPr>
+          <p:cNvPicPr>
+            <a:picLocks noChangeAspect="1"/>
+          </p:cNvPicPr>
+          <p:nvPr/>
+        </p:nvPicPr>
+        <p:blipFill>
+          <a:blip r:embed="rId3">
+            <a:extLst>
+              <a:ext uri="{28A0092B-C50C-407E-A947-70E740481C1C}">
+                <a14:useLocalDpi xmlns:a14="http://schemas.microsoft.com/office/drawing/2010/main" val="0"/>
+              </a:ext>
+            </a:extLst>
+          </a:blip>
+          <a:stretch>
+            <a:fillRect/>
+          </a:stretch>
+        </p:blipFill>
+        <p:spPr>
+          <a:xfrm>
+            <a:off x="5503619" y="3201694"/>
+            <a:ext cx="2286924" cy="3201694"/>
+          </a:xfrm>
+          <a:prstGeom prst="rect">
+            <a:avLst/>
+          </a:prstGeom>
+        </p:spPr>
+      </p:pic>
+      <p:pic>
+        <p:nvPicPr>
+          <p:cNvPr id="3" name="Picture 2" descr="A screenshot of a video game&#10;&#10;Description automatically generated">
+            <a:extLst>
+              <a:ext uri="{FF2B5EF4-FFF2-40B4-BE49-F238E27FC236}">
+                <a16:creationId xmlns:a16="http://schemas.microsoft.com/office/drawing/2014/main" id="{ADBFAF8C-10E6-6579-70CB-579B0FCFDD47}"/>
+              </a:ext>
+            </a:extLst>
+          </p:cNvPr>
+          <p:cNvPicPr>
+            <a:picLocks noChangeAspect="1"/>
+          </p:cNvPicPr>
+          <p:nvPr/>
+        </p:nvPicPr>
+        <p:blipFill>
+          <a:blip r:embed="rId4">
+            <a:extLst>
+              <a:ext uri="{28A0092B-C50C-407E-A947-70E740481C1C}">
+                <a14:useLocalDpi xmlns:a14="http://schemas.microsoft.com/office/drawing/2010/main" val="0"/>
+              </a:ext>
+            </a:extLst>
+          </a:blip>
+          <a:stretch>
+            <a:fillRect/>
+          </a:stretch>
+        </p:blipFill>
+        <p:spPr>
+          <a:xfrm>
+            <a:off x="5484870" y="6401692"/>
+            <a:ext cx="2287530" cy="3202542"/>
+          </a:xfrm>
+          <a:prstGeom prst="rect">
+            <a:avLst/>
+          </a:prstGeom>
+        </p:spPr>
+      </p:pic>
+      <p:pic>
+        <p:nvPicPr>
+          <p:cNvPr id="7" name="Picture 6" descr="A screenshot of a video game&#10;&#10;Description automatically generated">
+            <a:extLst>
+              <a:ext uri="{FF2B5EF4-FFF2-40B4-BE49-F238E27FC236}">
+                <a16:creationId xmlns:a16="http://schemas.microsoft.com/office/drawing/2014/main" id="{4B4EB11B-B0D1-CF4B-F9E1-85F2D7A21F25}"/>
+              </a:ext>
+            </a:extLst>
+          </p:cNvPr>
+          <p:cNvPicPr>
+            <a:picLocks noChangeAspect="1"/>
+          </p:cNvPicPr>
+          <p:nvPr/>
+        </p:nvPicPr>
+        <p:blipFill>
+          <a:blip r:embed="rId5">
+            <a:extLst>
+              <a:ext uri="{28A0092B-C50C-407E-A947-70E740481C1C}">
+                <a14:useLocalDpi xmlns:a14="http://schemas.microsoft.com/office/drawing/2010/main" val="0"/>
+              </a:ext>
+            </a:extLst>
+          </a:blip>
+          <a:stretch>
+            <a:fillRect/>
+          </a:stretch>
+        </p:blipFill>
+        <p:spPr>
+          <a:xfrm>
+            <a:off x="3197643" y="6401268"/>
+            <a:ext cx="2287530" cy="3202542"/>
+          </a:xfrm>
+          <a:prstGeom prst="rect">
+            <a:avLst/>
+          </a:prstGeom>
+        </p:spPr>
+      </p:pic>
+      <p:pic>
+        <p:nvPicPr>
+          <p:cNvPr id="9" name="Picture 8" descr="A screenshot of a video game&#10;&#10;Description automatically generated">
+            <a:extLst>
+              <a:ext uri="{FF2B5EF4-FFF2-40B4-BE49-F238E27FC236}">
+                <a16:creationId xmlns:a16="http://schemas.microsoft.com/office/drawing/2014/main" id="{4F12F664-C45C-777E-E8EF-BFAF6758071A}"/>
+              </a:ext>
+            </a:extLst>
+          </p:cNvPr>
+          <p:cNvPicPr>
+            <a:picLocks noChangeAspect="1"/>
+          </p:cNvPicPr>
+          <p:nvPr/>
+        </p:nvPicPr>
+        <p:blipFill>
+          <a:blip r:embed="rId6">
+            <a:extLst>
+              <a:ext uri="{28A0092B-C50C-407E-A947-70E740481C1C}">
+                <a14:useLocalDpi xmlns:a14="http://schemas.microsoft.com/office/drawing/2010/main" val="0"/>
+              </a:ext>
+            </a:extLst>
+          </a:blip>
+          <a:stretch>
+            <a:fillRect/>
+          </a:stretch>
+        </p:blipFill>
+        <p:spPr>
+          <a:xfrm>
+            <a:off x="3216392" y="3200846"/>
+            <a:ext cx="2287530" cy="3202542"/>
+          </a:xfrm>
+          <a:prstGeom prst="rect">
+            <a:avLst/>
+          </a:prstGeom>
+        </p:spPr>
+      </p:pic>
+      <p:pic>
+        <p:nvPicPr>
+          <p:cNvPr id="11" name="Picture 10" descr="A screenshot of a video game&#10;&#10;Description automatically generated">
+            <a:extLst>
+              <a:ext uri="{FF2B5EF4-FFF2-40B4-BE49-F238E27FC236}">
+                <a16:creationId xmlns:a16="http://schemas.microsoft.com/office/drawing/2014/main" id="{CA5D1CC0-C0FE-9E89-63DA-EC70FA291261}"/>
+              </a:ext>
+            </a:extLst>
+          </p:cNvPr>
+          <p:cNvPicPr>
+            <a:picLocks noChangeAspect="1"/>
+          </p:cNvPicPr>
+          <p:nvPr/>
+        </p:nvPicPr>
+        <p:blipFill>
+          <a:blip r:embed="rId7">
+            <a:extLst>
+              <a:ext uri="{28A0092B-C50C-407E-A947-70E740481C1C}">
+                <a14:useLocalDpi xmlns:a14="http://schemas.microsoft.com/office/drawing/2010/main" val="0"/>
+              </a:ext>
+            </a:extLst>
+          </a:blip>
+          <a:stretch>
+            <a:fillRect/>
+          </a:stretch>
+        </p:blipFill>
+        <p:spPr>
+          <a:xfrm>
+            <a:off x="927650" y="3200422"/>
+            <a:ext cx="2288136" cy="3203390"/>
+          </a:xfrm>
+          <a:prstGeom prst="rect">
+            <a:avLst/>
+          </a:prstGeom>
+        </p:spPr>
+      </p:pic>
+      <p:pic>
+        <p:nvPicPr>
+          <p:cNvPr id="13" name="Picture 12" descr="A screenshot of a video game&#10;&#10;Description automatically generated">
+            <a:extLst>
+              <a:ext uri="{FF2B5EF4-FFF2-40B4-BE49-F238E27FC236}">
+                <a16:creationId xmlns:a16="http://schemas.microsoft.com/office/drawing/2014/main" id="{C2F4C0CE-5DA3-D1EC-2BDD-E9868AFEA592}"/>
+              </a:ext>
+            </a:extLst>
+          </p:cNvPr>
+          <p:cNvPicPr>
+            <a:picLocks noChangeAspect="1"/>
+          </p:cNvPicPr>
+          <p:nvPr/>
+        </p:nvPicPr>
+        <p:blipFill>
+          <a:blip r:embed="rId8">
+            <a:extLst>
+              <a:ext uri="{28A0092B-C50C-407E-A947-70E740481C1C}">
+                <a14:useLocalDpi xmlns:a14="http://schemas.microsoft.com/office/drawing/2010/main" val="0"/>
+              </a:ext>
+            </a:extLst>
+          </a:blip>
+          <a:stretch>
+            <a:fillRect/>
+          </a:stretch>
+        </p:blipFill>
+        <p:spPr>
+          <a:xfrm>
+            <a:off x="926741" y="6401268"/>
+            <a:ext cx="2287530" cy="3202542"/>
+          </a:xfrm>
+          <a:prstGeom prst="rect">
+            <a:avLst/>
+          </a:prstGeom>
+        </p:spPr>
+      </p:pic>
+      <p:pic>
+        <p:nvPicPr>
+          <p:cNvPr id="14" name="Picture 13" descr="A screenshot of a video game&#10;&#10;Description automatically generated">
+            <a:extLst>
+              <a:ext uri="{FF2B5EF4-FFF2-40B4-BE49-F238E27FC236}">
+                <a16:creationId xmlns:a16="http://schemas.microsoft.com/office/drawing/2014/main" id="{99FEAFAA-D4C5-855B-31C2-1366FA295466}"/>
+              </a:ext>
+            </a:extLst>
+          </p:cNvPr>
+          <p:cNvPicPr>
+            <a:picLocks noChangeAspect="1"/>
+          </p:cNvPicPr>
+          <p:nvPr/>
+        </p:nvPicPr>
+        <p:blipFill>
+          <a:blip r:embed="rId9">
+            <a:extLst>
+              <a:ext uri="{28A0092B-C50C-407E-A947-70E740481C1C}">
+                <a14:useLocalDpi xmlns:a14="http://schemas.microsoft.com/office/drawing/2010/main" val="0"/>
+              </a:ext>
+            </a:extLst>
+          </a:blip>
+          <a:stretch>
+            <a:fillRect/>
+          </a:stretch>
+        </p:blipFill>
+        <p:spPr>
+          <a:xfrm>
+            <a:off x="3216392" y="0"/>
+            <a:ext cx="2287530" cy="3202542"/>
+          </a:xfrm>
+          <a:prstGeom prst="rect">
+            <a:avLst/>
+          </a:prstGeom>
+        </p:spPr>
+      </p:pic>
+      <p:pic>
+        <p:nvPicPr>
+          <p:cNvPr id="16" name="Picture 15" descr="A screenshot of a video game&#10;&#10;Description automatically generated">
+            <a:extLst>
+              <a:ext uri="{FF2B5EF4-FFF2-40B4-BE49-F238E27FC236}">
+                <a16:creationId xmlns:a16="http://schemas.microsoft.com/office/drawing/2014/main" id="{4BD421D9-3D5A-A457-E0A8-CA55031D8FCB}"/>
+              </a:ext>
+            </a:extLst>
+          </p:cNvPr>
+          <p:cNvPicPr>
+            <a:picLocks noChangeAspect="1"/>
+          </p:cNvPicPr>
+          <p:nvPr/>
+        </p:nvPicPr>
+        <p:blipFill>
+          <a:blip r:embed="rId10">
+            <a:extLst>
+              <a:ext uri="{28A0092B-C50C-407E-A947-70E740481C1C}">
+                <a14:useLocalDpi xmlns:a14="http://schemas.microsoft.com/office/drawing/2010/main" val="0"/>
+              </a:ext>
+            </a:extLst>
+          </a:blip>
+          <a:stretch>
+            <a:fillRect/>
+          </a:stretch>
+        </p:blipFill>
+        <p:spPr>
+          <a:xfrm>
+            <a:off x="5503013" y="-2968"/>
+            <a:ext cx="2288136" cy="3203390"/>
+          </a:xfrm>
+          <a:prstGeom prst="rect">
+            <a:avLst/>
+          </a:prstGeom>
+        </p:spPr>
+      </p:pic>
+    </p:spTree>
+    <p:extLst>
+      <p:ext uri="{BB962C8B-B14F-4D97-AF65-F5344CB8AC3E}">
+        <p14:creationId xmlns:p14="http://schemas.microsoft.com/office/powerpoint/2010/main" val="1311374020"/>
+      </p:ext>
+    </p:extLst>
+  </p:cSld>
+  <p:clrMapOvr>
+    <a:masterClrMapping/>
+  </p:clrMapOvr>
+</p:sld>
+</file>
+
+<file path=ppt/slides/slide122.xml><?xml version="1.0" encoding="utf-8"?>
+<p:sld xmlns:a="http://schemas.openxmlformats.org/drawingml/2006/main" xmlns:r="http://schemas.openxmlformats.org/officeDocument/2006/relationships" xmlns:p="http://schemas.openxmlformats.org/presentationml/2006/main">
+  <p:cSld>
+    <p:spTree>
+      <p:nvGrpSpPr>
+        <p:cNvPr id="1" name=""/>
+        <p:cNvGrpSpPr/>
+        <p:nvPr/>
+      </p:nvGrpSpPr>
+      <p:grpSpPr>
+        <a:xfrm>
+          <a:off x="0" y="0"/>
+          <a:ext cx="0" cy="0"/>
+          <a:chOff x="0" y="0"/>
+          <a:chExt cx="0" cy="0"/>
+        </a:xfrm>
+      </p:grpSpPr>
+      <p:pic>
+        <p:nvPicPr>
+          <p:cNvPr id="3" name="Picture 2" descr="A screen shot of a game&#10;&#10;Description automatically generated">
+            <a:extLst>
+              <a:ext uri="{FF2B5EF4-FFF2-40B4-BE49-F238E27FC236}">
+                <a16:creationId xmlns:a16="http://schemas.microsoft.com/office/drawing/2014/main" id="{0D7C121F-9EED-1BB3-F251-FF3F10F9A5F5}"/>
+              </a:ext>
+            </a:extLst>
+          </p:cNvPr>
+          <p:cNvPicPr>
+            <a:picLocks noChangeAspect="1"/>
+          </p:cNvPicPr>
+          <p:nvPr/>
+        </p:nvPicPr>
+        <p:blipFill>
+          <a:blip r:embed="rId2">
+            <a:extLst>
+              <a:ext uri="{28A0092B-C50C-407E-A947-70E740481C1C}">
+                <a14:useLocalDpi xmlns:a14="http://schemas.microsoft.com/office/drawing/2010/main" val="0"/>
+              </a:ext>
+            </a:extLst>
+          </a:blip>
+          <a:stretch>
+            <a:fillRect/>
+          </a:stretch>
+        </p:blipFill>
+        <p:spPr>
+          <a:xfrm>
+            <a:off x="0" y="0"/>
+            <a:ext cx="2286924" cy="3201694"/>
+          </a:xfrm>
+          <a:prstGeom prst="rect">
+            <a:avLst/>
+          </a:prstGeom>
+        </p:spPr>
+      </p:pic>
+      <p:pic>
+        <p:nvPicPr>
+          <p:cNvPr id="5" name="Picture 4" descr="A screen shot of a game&#10;&#10;Description automatically generated">
+            <a:extLst>
+              <a:ext uri="{FF2B5EF4-FFF2-40B4-BE49-F238E27FC236}">
+                <a16:creationId xmlns:a16="http://schemas.microsoft.com/office/drawing/2014/main" id="{69BA5AF6-5861-F828-6A26-5A3384C8D9C6}"/>
+              </a:ext>
+            </a:extLst>
+          </p:cNvPr>
+          <p:cNvPicPr>
+            <a:picLocks noChangeAspect="1"/>
+          </p:cNvPicPr>
+          <p:nvPr/>
+        </p:nvPicPr>
+        <p:blipFill>
+          <a:blip r:embed="rId2">
+            <a:extLst>
+              <a:ext uri="{28A0092B-C50C-407E-A947-70E740481C1C}">
+                <a14:useLocalDpi xmlns:a14="http://schemas.microsoft.com/office/drawing/2010/main" val="0"/>
+              </a:ext>
+            </a:extLst>
+          </a:blip>
+          <a:stretch>
+            <a:fillRect/>
+          </a:stretch>
+        </p:blipFill>
+        <p:spPr>
+          <a:xfrm>
+            <a:off x="2286924" y="0"/>
+            <a:ext cx="2286924" cy="3201694"/>
+          </a:xfrm>
+          <a:prstGeom prst="rect">
+            <a:avLst/>
+          </a:prstGeom>
+        </p:spPr>
+      </p:pic>
+      <p:pic>
+        <p:nvPicPr>
+          <p:cNvPr id="7" name="Picture 6" descr="A screen shot of a game&#10;&#10;Description automatically generated">
+            <a:extLst>
+              <a:ext uri="{FF2B5EF4-FFF2-40B4-BE49-F238E27FC236}">
+                <a16:creationId xmlns:a16="http://schemas.microsoft.com/office/drawing/2014/main" id="{DE026110-C31F-5047-474F-A1A22E9E1BAF}"/>
+              </a:ext>
+            </a:extLst>
+          </p:cNvPr>
+          <p:cNvPicPr>
+            <a:picLocks noChangeAspect="1"/>
+          </p:cNvPicPr>
+          <p:nvPr/>
+        </p:nvPicPr>
+        <p:blipFill>
+          <a:blip r:embed="rId3">
+            <a:extLst>
+              <a:ext uri="{28A0092B-C50C-407E-A947-70E740481C1C}">
+                <a14:useLocalDpi xmlns:a14="http://schemas.microsoft.com/office/drawing/2010/main" val="0"/>
+              </a:ext>
+            </a:extLst>
+          </a:blip>
+          <a:stretch>
+            <a:fillRect/>
+          </a:stretch>
+        </p:blipFill>
+        <p:spPr>
+          <a:xfrm>
+            <a:off x="4573848" y="0"/>
+            <a:ext cx="2286924" cy="3201694"/>
+          </a:xfrm>
+          <a:prstGeom prst="rect">
+            <a:avLst/>
+          </a:prstGeom>
+        </p:spPr>
+      </p:pic>
+      <p:pic>
+        <p:nvPicPr>
+          <p:cNvPr id="9" name="Picture 8" descr="A screen shot of a game&#10;&#10;Description automatically generated">
+            <a:extLst>
+              <a:ext uri="{FF2B5EF4-FFF2-40B4-BE49-F238E27FC236}">
+                <a16:creationId xmlns:a16="http://schemas.microsoft.com/office/drawing/2014/main" id="{C59B48AA-A5DB-44CE-2469-41B0D10024A6}"/>
+              </a:ext>
+            </a:extLst>
+          </p:cNvPr>
+          <p:cNvPicPr>
+            <a:picLocks noChangeAspect="1"/>
+          </p:cNvPicPr>
+          <p:nvPr/>
+        </p:nvPicPr>
+        <p:blipFill>
+          <a:blip r:embed="rId3">
+            <a:extLst>
+              <a:ext uri="{28A0092B-C50C-407E-A947-70E740481C1C}">
+                <a14:useLocalDpi xmlns:a14="http://schemas.microsoft.com/office/drawing/2010/main" val="0"/>
+              </a:ext>
+            </a:extLst>
+          </a:blip>
+          <a:stretch>
+            <a:fillRect/>
+          </a:stretch>
+        </p:blipFill>
+        <p:spPr>
+          <a:xfrm>
+            <a:off x="0" y="3201694"/>
+            <a:ext cx="2286924" cy="3201694"/>
+          </a:xfrm>
+          <a:prstGeom prst="rect">
+            <a:avLst/>
+          </a:prstGeom>
+        </p:spPr>
+      </p:pic>
+      <p:pic>
+        <p:nvPicPr>
+          <p:cNvPr id="11" name="Picture 10" descr="A screen shot of a video game&#10;&#10;Description automatically generated">
+            <a:extLst>
+              <a:ext uri="{FF2B5EF4-FFF2-40B4-BE49-F238E27FC236}">
+                <a16:creationId xmlns:a16="http://schemas.microsoft.com/office/drawing/2014/main" id="{B0C48B39-2925-72A7-8178-32E236648E30}"/>
+              </a:ext>
+            </a:extLst>
+          </p:cNvPr>
+          <p:cNvPicPr>
+            <a:picLocks noChangeAspect="1"/>
+          </p:cNvPicPr>
+          <p:nvPr/>
+        </p:nvPicPr>
+        <p:blipFill>
+          <a:blip r:embed="rId4">
+            <a:extLst>
+              <a:ext uri="{28A0092B-C50C-407E-A947-70E740481C1C}">
+                <a14:useLocalDpi xmlns:a14="http://schemas.microsoft.com/office/drawing/2010/main" val="0"/>
+              </a:ext>
+            </a:extLst>
+          </a:blip>
+          <a:stretch>
+            <a:fillRect/>
+          </a:stretch>
+        </p:blipFill>
+        <p:spPr>
+          <a:xfrm>
+            <a:off x="2286924" y="3223465"/>
+            <a:ext cx="2286924" cy="3201694"/>
+          </a:xfrm>
+          <a:prstGeom prst="rect">
+            <a:avLst/>
+          </a:prstGeom>
+        </p:spPr>
+      </p:pic>
+      <p:pic>
+        <p:nvPicPr>
+          <p:cNvPr id="13" name="Picture 12" descr="A screen shot of a video game&#10;&#10;Description automatically generated">
+            <a:extLst>
+              <a:ext uri="{FF2B5EF4-FFF2-40B4-BE49-F238E27FC236}">
+                <a16:creationId xmlns:a16="http://schemas.microsoft.com/office/drawing/2014/main" id="{16D80851-AE26-56DA-ED2F-B93770B527CE}"/>
+              </a:ext>
+            </a:extLst>
+          </p:cNvPr>
+          <p:cNvPicPr>
+            <a:picLocks noChangeAspect="1"/>
+          </p:cNvPicPr>
+          <p:nvPr/>
+        </p:nvPicPr>
+        <p:blipFill>
+          <a:blip r:embed="rId4">
+            <a:extLst>
+              <a:ext uri="{28A0092B-C50C-407E-A947-70E740481C1C}">
+                <a14:useLocalDpi xmlns:a14="http://schemas.microsoft.com/office/drawing/2010/main" val="0"/>
+              </a:ext>
+            </a:extLst>
+          </a:blip>
+          <a:stretch>
+            <a:fillRect/>
+          </a:stretch>
+        </p:blipFill>
+        <p:spPr>
+          <a:xfrm>
+            <a:off x="4573848" y="3223465"/>
+            <a:ext cx="2286924" cy="3201694"/>
+          </a:xfrm>
+          <a:prstGeom prst="rect">
+            <a:avLst/>
+          </a:prstGeom>
+        </p:spPr>
+      </p:pic>
+      <p:pic>
+        <p:nvPicPr>
+          <p:cNvPr id="15" name="Picture 14" descr="A screen shot of a video game&#10;&#10;Description automatically generated">
+            <a:extLst>
+              <a:ext uri="{FF2B5EF4-FFF2-40B4-BE49-F238E27FC236}">
+                <a16:creationId xmlns:a16="http://schemas.microsoft.com/office/drawing/2014/main" id="{242C7C1B-C4E9-6A02-BD0F-4E4743E674C3}"/>
+              </a:ext>
+            </a:extLst>
+          </p:cNvPr>
+          <p:cNvPicPr>
+            <a:picLocks noChangeAspect="1"/>
+          </p:cNvPicPr>
+          <p:nvPr/>
+        </p:nvPicPr>
+        <p:blipFill>
+          <a:blip r:embed="rId4">
+            <a:extLst>
+              <a:ext uri="{28A0092B-C50C-407E-A947-70E740481C1C}">
+                <a14:useLocalDpi xmlns:a14="http://schemas.microsoft.com/office/drawing/2010/main" val="0"/>
+              </a:ext>
+            </a:extLst>
+          </a:blip>
+          <a:stretch>
+            <a:fillRect/>
+          </a:stretch>
+        </p:blipFill>
+        <p:spPr>
+          <a:xfrm>
+            <a:off x="0" y="6381617"/>
+            <a:ext cx="2286924" cy="3201694"/>
+          </a:xfrm>
+          <a:prstGeom prst="rect">
+            <a:avLst/>
+          </a:prstGeom>
+        </p:spPr>
+      </p:pic>
+      <p:pic>
+        <p:nvPicPr>
+          <p:cNvPr id="17" name="Picture 16" descr="A screen shot of a video game&#10;&#10;Description automatically generated">
+            <a:extLst>
+              <a:ext uri="{FF2B5EF4-FFF2-40B4-BE49-F238E27FC236}">
+                <a16:creationId xmlns:a16="http://schemas.microsoft.com/office/drawing/2014/main" id="{DD89359A-CA08-7D39-C301-20EBED7FBB6F}"/>
+              </a:ext>
+            </a:extLst>
+          </p:cNvPr>
+          <p:cNvPicPr>
+            <a:picLocks noChangeAspect="1"/>
+          </p:cNvPicPr>
+          <p:nvPr/>
+        </p:nvPicPr>
+        <p:blipFill>
+          <a:blip r:embed="rId4">
+            <a:extLst>
+              <a:ext uri="{28A0092B-C50C-407E-A947-70E740481C1C}">
+                <a14:useLocalDpi xmlns:a14="http://schemas.microsoft.com/office/drawing/2010/main" val="0"/>
+              </a:ext>
+            </a:extLst>
+          </a:blip>
+          <a:stretch>
+            <a:fillRect/>
+          </a:stretch>
+        </p:blipFill>
+        <p:spPr>
+          <a:xfrm>
+            <a:off x="2286924" y="6403388"/>
+            <a:ext cx="2286924" cy="3201694"/>
+          </a:xfrm>
+          <a:prstGeom prst="rect">
+            <a:avLst/>
+          </a:prstGeom>
+        </p:spPr>
+      </p:pic>
+      <p:pic>
+        <p:nvPicPr>
+          <p:cNvPr id="19" name="Picture 18" descr="A screen shot of a video game&#10;&#10;Description automatically generated">
+            <a:extLst>
+              <a:ext uri="{FF2B5EF4-FFF2-40B4-BE49-F238E27FC236}">
+                <a16:creationId xmlns:a16="http://schemas.microsoft.com/office/drawing/2014/main" id="{DDE5554F-6141-7D93-F1B3-43EA7B8AD8A5}"/>
+              </a:ext>
+            </a:extLst>
+          </p:cNvPr>
+          <p:cNvPicPr>
+            <a:picLocks noChangeAspect="1"/>
+          </p:cNvPicPr>
+          <p:nvPr/>
+        </p:nvPicPr>
+        <p:blipFill>
+          <a:blip r:embed="rId4">
+            <a:extLst>
+              <a:ext uri="{28A0092B-C50C-407E-A947-70E740481C1C}">
+                <a14:useLocalDpi xmlns:a14="http://schemas.microsoft.com/office/drawing/2010/main" val="0"/>
+              </a:ext>
+            </a:extLst>
+          </a:blip>
+          <a:stretch>
+            <a:fillRect/>
+          </a:stretch>
+        </p:blipFill>
+        <p:spPr>
+          <a:xfrm>
+            <a:off x="4573848" y="6425159"/>
+            <a:ext cx="2286924" cy="3201694"/>
+          </a:xfrm>
+          <a:prstGeom prst="rect">
+            <a:avLst/>
+          </a:prstGeom>
+        </p:spPr>
+      </p:pic>
+    </p:spTree>
+    <p:extLst>
+      <p:ext uri="{BB962C8B-B14F-4D97-AF65-F5344CB8AC3E}">
+        <p14:creationId xmlns:p14="http://schemas.microsoft.com/office/powerpoint/2010/main" val="117177496"/>
+      </p:ext>
+    </p:extLst>
+  </p:cSld>
+  <p:clrMapOvr>
+    <a:masterClrMapping/>
+  </p:clrMapOvr>
+</p:sld>
+</file>
+
+<file path=ppt/slides/slide123.xml><?xml version="1.0" encoding="utf-8"?>
+<p:sld xmlns:a="http://schemas.openxmlformats.org/drawingml/2006/main" xmlns:r="http://schemas.openxmlformats.org/officeDocument/2006/relationships" xmlns:p="http://schemas.openxmlformats.org/presentationml/2006/main">
+  <p:cSld>
+    <p:spTree>
+      <p:nvGrpSpPr>
+        <p:cNvPr id="1" name=""/>
+        <p:cNvGrpSpPr/>
+        <p:nvPr/>
+      </p:nvGrpSpPr>
+      <p:grpSpPr>
+        <a:xfrm>
+          <a:off x="0" y="0"/>
+          <a:ext cx="0" cy="0"/>
+          <a:chOff x="0" y="0"/>
+          <a:chExt cx="0" cy="0"/>
+        </a:xfrm>
+      </p:grpSpPr>
+      <p:pic>
+        <p:nvPicPr>
+          <p:cNvPr id="4" name="Picture 3" descr="A screenshot of a video game&#10;&#10;Description automatically generated">
+            <a:extLst>
+              <a:ext uri="{FF2B5EF4-FFF2-40B4-BE49-F238E27FC236}">
+                <a16:creationId xmlns:a16="http://schemas.microsoft.com/office/drawing/2014/main" id="{BADF7996-9E40-EDAD-E9B7-CD4647056A4D}"/>
+              </a:ext>
+            </a:extLst>
+          </p:cNvPr>
+          <p:cNvPicPr>
+            <a:picLocks noChangeAspect="1"/>
+          </p:cNvPicPr>
+          <p:nvPr/>
+        </p:nvPicPr>
+        <p:blipFill>
+          <a:blip r:embed="rId2">
+            <a:extLst>
+              <a:ext uri="{28A0092B-C50C-407E-A947-70E740481C1C}">
+                <a14:useLocalDpi xmlns:a14="http://schemas.microsoft.com/office/drawing/2010/main" val="0"/>
+              </a:ext>
+            </a:extLst>
+          </a:blip>
+          <a:stretch>
+            <a:fillRect/>
+          </a:stretch>
+        </p:blipFill>
+        <p:spPr>
+          <a:xfrm>
+            <a:off x="5484870" y="0"/>
+            <a:ext cx="2287530" cy="3202542"/>
+          </a:xfrm>
+          <a:prstGeom prst="rect">
+            <a:avLst/>
+          </a:prstGeom>
+        </p:spPr>
+      </p:pic>
+      <p:pic>
+        <p:nvPicPr>
+          <p:cNvPr id="6" name="Picture 5" descr="A screenshot of a video game&#10;&#10;Description automatically generated">
+            <a:extLst>
+              <a:ext uri="{FF2B5EF4-FFF2-40B4-BE49-F238E27FC236}">
+                <a16:creationId xmlns:a16="http://schemas.microsoft.com/office/drawing/2014/main" id="{28214D81-709D-F4E0-EB42-179E87B9C82D}"/>
+              </a:ext>
+            </a:extLst>
+          </p:cNvPr>
+          <p:cNvPicPr>
+            <a:picLocks noChangeAspect="1"/>
+          </p:cNvPicPr>
+          <p:nvPr/>
+        </p:nvPicPr>
+        <p:blipFill>
+          <a:blip r:embed="rId3">
+            <a:extLst>
+              <a:ext uri="{28A0092B-C50C-407E-A947-70E740481C1C}">
+                <a14:useLocalDpi xmlns:a14="http://schemas.microsoft.com/office/drawing/2010/main" val="0"/>
+              </a:ext>
+            </a:extLst>
+          </a:blip>
+          <a:stretch>
+            <a:fillRect/>
+          </a:stretch>
+        </p:blipFill>
+        <p:spPr>
+          <a:xfrm>
+            <a:off x="3197340" y="0"/>
+            <a:ext cx="2287530" cy="3202542"/>
+          </a:xfrm>
+          <a:prstGeom prst="rect">
+            <a:avLst/>
+          </a:prstGeom>
+        </p:spPr>
+      </p:pic>
+      <p:pic>
+        <p:nvPicPr>
+          <p:cNvPr id="8" name="Picture 7" descr="A green and white rectangular sign with text and a green ghost&#10;&#10;Description automatically generated with medium confidence">
+            <a:extLst>
+              <a:ext uri="{FF2B5EF4-FFF2-40B4-BE49-F238E27FC236}">
+                <a16:creationId xmlns:a16="http://schemas.microsoft.com/office/drawing/2014/main" id="{062A5D6B-96AB-C866-70EB-F02018F427BF}"/>
+              </a:ext>
+            </a:extLst>
+          </p:cNvPr>
+          <p:cNvPicPr>
+            <a:picLocks noChangeAspect="1"/>
+          </p:cNvPicPr>
+          <p:nvPr/>
+        </p:nvPicPr>
+        <p:blipFill>
+          <a:blip r:embed="rId4">
+            <a:extLst>
+              <a:ext uri="{28A0092B-C50C-407E-A947-70E740481C1C}">
+                <a14:useLocalDpi xmlns:a14="http://schemas.microsoft.com/office/drawing/2010/main" val="0"/>
+              </a:ext>
+            </a:extLst>
+          </a:blip>
+          <a:stretch>
+            <a:fillRect/>
+          </a:stretch>
+        </p:blipFill>
+        <p:spPr>
+          <a:xfrm>
+            <a:off x="909810" y="0"/>
+            <a:ext cx="2287530" cy="3202542"/>
+          </a:xfrm>
+          <a:prstGeom prst="rect">
+            <a:avLst/>
+          </a:prstGeom>
+        </p:spPr>
+      </p:pic>
+      <p:pic>
+        <p:nvPicPr>
+          <p:cNvPr id="10" name="Picture 9" descr="A screenshot of a video game&#10;&#10;Description automatically generated">
+            <a:extLst>
+              <a:ext uri="{FF2B5EF4-FFF2-40B4-BE49-F238E27FC236}">
+                <a16:creationId xmlns:a16="http://schemas.microsoft.com/office/drawing/2014/main" id="{3171E191-D509-C459-EF19-01FA16F3FD70}"/>
+              </a:ext>
+            </a:extLst>
+          </p:cNvPr>
+          <p:cNvPicPr>
+            <a:picLocks noChangeAspect="1"/>
+          </p:cNvPicPr>
+          <p:nvPr/>
+        </p:nvPicPr>
+        <p:blipFill>
+          <a:blip r:embed="rId5">
+            <a:extLst>
+              <a:ext uri="{28A0092B-C50C-407E-A947-70E740481C1C}">
+                <a14:useLocalDpi xmlns:a14="http://schemas.microsoft.com/office/drawing/2010/main" val="0"/>
+              </a:ext>
+            </a:extLst>
+          </a:blip>
+          <a:stretch>
+            <a:fillRect/>
+          </a:stretch>
+        </p:blipFill>
+        <p:spPr>
+          <a:xfrm>
+            <a:off x="5484870" y="3202542"/>
+            <a:ext cx="2287530" cy="3202542"/>
+          </a:xfrm>
+          <a:prstGeom prst="rect">
+            <a:avLst/>
+          </a:prstGeom>
+        </p:spPr>
+      </p:pic>
+      <p:pic>
+        <p:nvPicPr>
+          <p:cNvPr id="12" name="Picture 11" descr="A screenshot of a video game&#10;&#10;Description automatically generated">
+            <a:extLst>
+              <a:ext uri="{FF2B5EF4-FFF2-40B4-BE49-F238E27FC236}">
+                <a16:creationId xmlns:a16="http://schemas.microsoft.com/office/drawing/2014/main" id="{1D590CAA-3980-8AAC-4274-3F523AB49E09}"/>
+              </a:ext>
+            </a:extLst>
+          </p:cNvPr>
+          <p:cNvPicPr>
+            <a:picLocks noChangeAspect="1"/>
+          </p:cNvPicPr>
+          <p:nvPr/>
+        </p:nvPicPr>
+        <p:blipFill>
+          <a:blip r:embed="rId6">
+            <a:extLst>
+              <a:ext uri="{28A0092B-C50C-407E-A947-70E740481C1C}">
+                <a14:useLocalDpi xmlns:a14="http://schemas.microsoft.com/office/drawing/2010/main" val="0"/>
+              </a:ext>
+            </a:extLst>
+          </a:blip>
+          <a:stretch>
+            <a:fillRect/>
+          </a:stretch>
+        </p:blipFill>
+        <p:spPr>
+          <a:xfrm>
+            <a:off x="3197340" y="3202542"/>
+            <a:ext cx="2287530" cy="3202542"/>
+          </a:xfrm>
+          <a:prstGeom prst="rect">
+            <a:avLst/>
+          </a:prstGeom>
+        </p:spPr>
+      </p:pic>
+    </p:spTree>
+    <p:extLst>
+      <p:ext uri="{BB962C8B-B14F-4D97-AF65-F5344CB8AC3E}">
+        <p14:creationId xmlns:p14="http://schemas.microsoft.com/office/powerpoint/2010/main" val="4248098758"/>
+      </p:ext>
+    </p:extLst>
+  </p:cSld>
+  <p:clrMapOvr>
+    <a:masterClrMapping/>
+  </p:clrMapOvr>
+</p:sld>
+</file>
+
+<file path=ppt/slides/slide124.xml><?xml version="1.0" encoding="utf-8"?>
+<p:sld xmlns:a="http://schemas.openxmlformats.org/drawingml/2006/main" xmlns:r="http://schemas.openxmlformats.org/officeDocument/2006/relationships" xmlns:p="http://schemas.openxmlformats.org/presentationml/2006/main">
+  <p:cSld>
+    <p:spTree>
+      <p:nvGrpSpPr>
+        <p:cNvPr id="1" name=""/>
+        <p:cNvGrpSpPr/>
+        <p:nvPr/>
+      </p:nvGrpSpPr>
+      <p:grpSpPr>
+        <a:xfrm>
+          <a:off x="0" y="0"/>
+          <a:ext cx="0" cy="0"/>
+          <a:chOff x="0" y="0"/>
+          <a:chExt cx="0" cy="0"/>
+        </a:xfrm>
+      </p:grpSpPr>
+      <p:pic>
+        <p:nvPicPr>
+          <p:cNvPr id="5" name="Picture 4" descr="A screen shot of a video game&#10;&#10;Description automatically generated">
+            <a:extLst>
+              <a:ext uri="{FF2B5EF4-FFF2-40B4-BE49-F238E27FC236}">
+                <a16:creationId xmlns:a16="http://schemas.microsoft.com/office/drawing/2014/main" id="{77D60FD7-DE1A-72D6-48AB-BC7D2C0CF855}"/>
+              </a:ext>
+            </a:extLst>
+          </p:cNvPr>
+          <p:cNvPicPr>
+            <a:picLocks noChangeAspect="1"/>
+          </p:cNvPicPr>
+          <p:nvPr/>
+        </p:nvPicPr>
+        <p:blipFill>
+          <a:blip r:embed="rId2">
+            <a:extLst>
+              <a:ext uri="{28A0092B-C50C-407E-A947-70E740481C1C}">
+                <a14:useLocalDpi xmlns:a14="http://schemas.microsoft.com/office/drawing/2010/main" val="0"/>
+              </a:ext>
+            </a:extLst>
+          </a:blip>
+          <a:stretch>
+            <a:fillRect/>
+          </a:stretch>
+        </p:blipFill>
+        <p:spPr>
+          <a:xfrm>
+            <a:off x="2286924" y="0"/>
+            <a:ext cx="2286924" cy="3201694"/>
+          </a:xfrm>
+          <a:prstGeom prst="rect">
+            <a:avLst/>
+          </a:prstGeom>
+        </p:spPr>
+      </p:pic>
+      <p:pic>
+        <p:nvPicPr>
+          <p:cNvPr id="7" name="Picture 6" descr="A screen shot of a video game&#10;&#10;Description automatically generated">
+            <a:extLst>
+              <a:ext uri="{FF2B5EF4-FFF2-40B4-BE49-F238E27FC236}">
+                <a16:creationId xmlns:a16="http://schemas.microsoft.com/office/drawing/2014/main" id="{B72D48CC-6353-02E9-FAF8-E4E4DC2B54CC}"/>
+              </a:ext>
+            </a:extLst>
+          </p:cNvPr>
+          <p:cNvPicPr>
+            <a:picLocks noChangeAspect="1"/>
+          </p:cNvPicPr>
+          <p:nvPr/>
+        </p:nvPicPr>
+        <p:blipFill>
+          <a:blip r:embed="rId2">
+            <a:extLst>
+              <a:ext uri="{28A0092B-C50C-407E-A947-70E740481C1C}">
+                <a14:useLocalDpi xmlns:a14="http://schemas.microsoft.com/office/drawing/2010/main" val="0"/>
+              </a:ext>
+            </a:extLst>
+          </a:blip>
+          <a:stretch>
+            <a:fillRect/>
+          </a:stretch>
+        </p:blipFill>
+        <p:spPr>
+          <a:xfrm>
+            <a:off x="0" y="3201694"/>
+            <a:ext cx="2286924" cy="3201694"/>
+          </a:xfrm>
+          <a:prstGeom prst="rect">
+            <a:avLst/>
+          </a:prstGeom>
+        </p:spPr>
+      </p:pic>
+      <p:pic>
+        <p:nvPicPr>
+          <p:cNvPr id="9" name="Picture 8" descr="A screen shot of a video game&#10;&#10;Description automatically generated">
+            <a:extLst>
+              <a:ext uri="{FF2B5EF4-FFF2-40B4-BE49-F238E27FC236}">
+                <a16:creationId xmlns:a16="http://schemas.microsoft.com/office/drawing/2014/main" id="{E8F082B5-A52D-823C-3102-572AB639CA54}"/>
+              </a:ext>
+            </a:extLst>
+          </p:cNvPr>
+          <p:cNvPicPr>
+            <a:picLocks noChangeAspect="1"/>
+          </p:cNvPicPr>
+          <p:nvPr/>
+        </p:nvPicPr>
+        <p:blipFill>
+          <a:blip r:embed="rId2">
+            <a:extLst>
+              <a:ext uri="{28A0092B-C50C-407E-A947-70E740481C1C}">
+                <a14:useLocalDpi xmlns:a14="http://schemas.microsoft.com/office/drawing/2010/main" val="0"/>
+              </a:ext>
+            </a:extLst>
+          </a:blip>
+          <a:stretch>
+            <a:fillRect/>
+          </a:stretch>
+        </p:blipFill>
+        <p:spPr>
+          <a:xfrm>
+            <a:off x="2286924" y="3201694"/>
+            <a:ext cx="2286924" cy="3201694"/>
+          </a:xfrm>
+          <a:prstGeom prst="rect">
+            <a:avLst/>
+          </a:prstGeom>
+        </p:spPr>
+      </p:pic>
+      <p:pic>
+        <p:nvPicPr>
+          <p:cNvPr id="11" name="Picture 10" descr="A screen shot of a video game&#10;&#10;Description automatically generated">
+            <a:extLst>
+              <a:ext uri="{FF2B5EF4-FFF2-40B4-BE49-F238E27FC236}">
+                <a16:creationId xmlns:a16="http://schemas.microsoft.com/office/drawing/2014/main" id="{90004A7A-D34A-1898-DCB0-CD5E83339B2F}"/>
+              </a:ext>
+            </a:extLst>
+          </p:cNvPr>
+          <p:cNvPicPr>
+            <a:picLocks noChangeAspect="1"/>
+          </p:cNvPicPr>
+          <p:nvPr/>
+        </p:nvPicPr>
+        <p:blipFill>
+          <a:blip r:embed="rId2">
+            <a:extLst>
+              <a:ext uri="{28A0092B-C50C-407E-A947-70E740481C1C}">
+                <a14:useLocalDpi xmlns:a14="http://schemas.microsoft.com/office/drawing/2010/main" val="0"/>
+              </a:ext>
+            </a:extLst>
+          </a:blip>
+          <a:stretch>
+            <a:fillRect/>
+          </a:stretch>
+        </p:blipFill>
+        <p:spPr>
+          <a:xfrm>
+            <a:off x="4573848" y="0"/>
+            <a:ext cx="2286924" cy="3201694"/>
+          </a:xfrm>
+          <a:prstGeom prst="rect">
+            <a:avLst/>
+          </a:prstGeom>
+        </p:spPr>
+      </p:pic>
+      <p:pic>
+        <p:nvPicPr>
+          <p:cNvPr id="2" name="Picture 1" descr="A screen shot of a game&#10;&#10;Description automatically generated">
+            <a:extLst>
+              <a:ext uri="{FF2B5EF4-FFF2-40B4-BE49-F238E27FC236}">
+                <a16:creationId xmlns:a16="http://schemas.microsoft.com/office/drawing/2014/main" id="{04755984-C0EE-1777-8145-0414EB00E28A}"/>
+              </a:ext>
+            </a:extLst>
+          </p:cNvPr>
+          <p:cNvPicPr>
+            <a:picLocks noChangeAspect="1"/>
+          </p:cNvPicPr>
+          <p:nvPr/>
+        </p:nvPicPr>
+        <p:blipFill>
+          <a:blip r:embed="rId3">
+            <a:extLst>
+              <a:ext uri="{28A0092B-C50C-407E-A947-70E740481C1C}">
+                <a14:useLocalDpi xmlns:a14="http://schemas.microsoft.com/office/drawing/2010/main" val="0"/>
+              </a:ext>
+            </a:extLst>
+          </a:blip>
+          <a:stretch>
+            <a:fillRect/>
+          </a:stretch>
+        </p:blipFill>
+        <p:spPr>
+          <a:xfrm>
+            <a:off x="0" y="0"/>
+            <a:ext cx="2286924" cy="3201694"/>
+          </a:xfrm>
+          <a:prstGeom prst="rect">
+            <a:avLst/>
+          </a:prstGeom>
+        </p:spPr>
+      </p:pic>
+    </p:spTree>
+    <p:extLst>
+      <p:ext uri="{BB962C8B-B14F-4D97-AF65-F5344CB8AC3E}">
+        <p14:creationId xmlns:p14="http://schemas.microsoft.com/office/powerpoint/2010/main" val="659557704"/>
+      </p:ext>
+    </p:extLst>
+  </p:cSld>
+  <p:clrMapOvr>
+    <a:masterClrMapping/>
+  </p:clrMapOvr>
+</p:sld>
+</file>
+
+<file path=ppt/slides/slide125.xml><?xml version="1.0" encoding="utf-8"?>
+<p:sld xmlns:a="http://schemas.openxmlformats.org/drawingml/2006/main" xmlns:r="http://schemas.openxmlformats.org/officeDocument/2006/relationships" xmlns:p="http://schemas.openxmlformats.org/presentationml/2006/main">
+  <p:cSld>
+    <p:spTree>
+      <p:nvGrpSpPr>
+        <p:cNvPr id="1" name=""/>
+        <p:cNvGrpSpPr/>
+        <p:nvPr/>
+      </p:nvGrpSpPr>
+      <p:grpSpPr>
+        <a:xfrm>
+          <a:off x="0" y="0"/>
+          <a:ext cx="0" cy="0"/>
+          <a:chOff x="0" y="0"/>
+          <a:chExt cx="0" cy="0"/>
+        </a:xfrm>
+      </p:grpSpPr>
+      <p:pic>
+        <p:nvPicPr>
+          <p:cNvPr id="3" name="Picture 2" descr="A video game screen with text and symbols&#10;&#10;Description automatically generated">
+            <a:extLst>
+              <a:ext uri="{FF2B5EF4-FFF2-40B4-BE49-F238E27FC236}">
+                <a16:creationId xmlns:a16="http://schemas.microsoft.com/office/drawing/2014/main" id="{EA1755F8-5A0A-4EF5-F814-EFFEFB3FC35D}"/>
+              </a:ext>
+            </a:extLst>
+          </p:cNvPr>
+          <p:cNvPicPr>
+            <a:picLocks noChangeAspect="1"/>
+          </p:cNvPicPr>
+          <p:nvPr/>
+        </p:nvPicPr>
+        <p:blipFill>
+          <a:blip r:embed="rId2">
+            <a:extLst>
+              <a:ext uri="{28A0092B-C50C-407E-A947-70E740481C1C}">
+                <a14:useLocalDpi xmlns:a14="http://schemas.microsoft.com/office/drawing/2010/main" val="0"/>
+              </a:ext>
+            </a:extLst>
+          </a:blip>
+          <a:stretch>
+            <a:fillRect/>
+          </a:stretch>
+        </p:blipFill>
+        <p:spPr>
+          <a:xfrm>
+            <a:off x="5484870" y="0"/>
+            <a:ext cx="2287530" cy="3202542"/>
+          </a:xfrm>
+          <a:prstGeom prst="rect">
+            <a:avLst/>
+          </a:prstGeom>
+        </p:spPr>
+      </p:pic>
+      <p:pic>
+        <p:nvPicPr>
+          <p:cNvPr id="5" name="Picture 4" descr="A screenshot of a video game&#10;&#10;Description automatically generated">
+            <a:extLst>
+              <a:ext uri="{FF2B5EF4-FFF2-40B4-BE49-F238E27FC236}">
+                <a16:creationId xmlns:a16="http://schemas.microsoft.com/office/drawing/2014/main" id="{46009BB3-BE9D-6327-F1E0-DE555D633B89}"/>
+              </a:ext>
+            </a:extLst>
+          </p:cNvPr>
+          <p:cNvPicPr>
+            <a:picLocks noChangeAspect="1"/>
+          </p:cNvPicPr>
+          <p:nvPr/>
+        </p:nvPicPr>
+        <p:blipFill>
+          <a:blip r:embed="rId3">
+            <a:extLst>
+              <a:ext uri="{28A0092B-C50C-407E-A947-70E740481C1C}">
+                <a14:useLocalDpi xmlns:a14="http://schemas.microsoft.com/office/drawing/2010/main" val="0"/>
+              </a:ext>
+            </a:extLst>
+          </a:blip>
+          <a:stretch>
+            <a:fillRect/>
+          </a:stretch>
+        </p:blipFill>
+        <p:spPr>
+          <a:xfrm>
+            <a:off x="3197340" y="0"/>
+            <a:ext cx="2287530" cy="3202542"/>
+          </a:xfrm>
+          <a:prstGeom prst="rect">
+            <a:avLst/>
+          </a:prstGeom>
+        </p:spPr>
+      </p:pic>
+      <p:pic>
+        <p:nvPicPr>
+          <p:cNvPr id="7" name="Picture 6" descr="A screenshot of a video game&#10;&#10;Description automatically generated">
+            <a:extLst>
+              <a:ext uri="{FF2B5EF4-FFF2-40B4-BE49-F238E27FC236}">
+                <a16:creationId xmlns:a16="http://schemas.microsoft.com/office/drawing/2014/main" id="{EB44645C-372D-6D05-C977-4BB634EF4BA7}"/>
+              </a:ext>
+            </a:extLst>
+          </p:cNvPr>
+          <p:cNvPicPr>
+            <a:picLocks noChangeAspect="1"/>
+          </p:cNvPicPr>
+          <p:nvPr/>
+        </p:nvPicPr>
+        <p:blipFill>
+          <a:blip r:embed="rId4">
+            <a:extLst>
+              <a:ext uri="{28A0092B-C50C-407E-A947-70E740481C1C}">
+                <a14:useLocalDpi xmlns:a14="http://schemas.microsoft.com/office/drawing/2010/main" val="0"/>
+              </a:ext>
+            </a:extLst>
+          </a:blip>
+          <a:stretch>
+            <a:fillRect/>
+          </a:stretch>
+        </p:blipFill>
+        <p:spPr>
+          <a:xfrm>
+            <a:off x="909810" y="0"/>
+            <a:ext cx="2287530" cy="3202542"/>
+          </a:xfrm>
+          <a:prstGeom prst="rect">
+            <a:avLst/>
+          </a:prstGeom>
+        </p:spPr>
+      </p:pic>
+      <p:pic>
+        <p:nvPicPr>
+          <p:cNvPr id="9" name="Picture 8" descr="A screenshot of a video game&#10;&#10;Description automatically generated">
+            <a:extLst>
+              <a:ext uri="{FF2B5EF4-FFF2-40B4-BE49-F238E27FC236}">
+                <a16:creationId xmlns:a16="http://schemas.microsoft.com/office/drawing/2014/main" id="{DFB1898F-A456-F300-2560-B2871D3538EB}"/>
+              </a:ext>
+            </a:extLst>
+          </p:cNvPr>
+          <p:cNvPicPr>
+            <a:picLocks noChangeAspect="1"/>
+          </p:cNvPicPr>
+          <p:nvPr/>
+        </p:nvPicPr>
+        <p:blipFill>
+          <a:blip r:embed="rId5">
+            <a:extLst>
+              <a:ext uri="{28A0092B-C50C-407E-A947-70E740481C1C}">
+                <a14:useLocalDpi xmlns:a14="http://schemas.microsoft.com/office/drawing/2010/main" val="0"/>
+              </a:ext>
+            </a:extLst>
+          </a:blip>
+          <a:stretch>
+            <a:fillRect/>
+          </a:stretch>
+        </p:blipFill>
+        <p:spPr>
+          <a:xfrm>
+            <a:off x="5484567" y="3202542"/>
+            <a:ext cx="2288136" cy="3203390"/>
+          </a:xfrm>
+          <a:prstGeom prst="rect">
+            <a:avLst/>
+          </a:prstGeom>
+        </p:spPr>
+      </p:pic>
+      <p:pic>
+        <p:nvPicPr>
+          <p:cNvPr id="11" name="Picture 10" descr="A screenshot of a video game&#10;&#10;Description automatically generated">
+            <a:extLst>
+              <a:ext uri="{FF2B5EF4-FFF2-40B4-BE49-F238E27FC236}">
+                <a16:creationId xmlns:a16="http://schemas.microsoft.com/office/drawing/2014/main" id="{E85986DA-11A5-3C03-A08D-AD37C18D19A8}"/>
+              </a:ext>
+            </a:extLst>
+          </p:cNvPr>
+          <p:cNvPicPr>
+            <a:picLocks noChangeAspect="1"/>
+          </p:cNvPicPr>
+          <p:nvPr/>
+        </p:nvPicPr>
+        <p:blipFill>
+          <a:blip r:embed="rId6">
+            <a:extLst>
+              <a:ext uri="{28A0092B-C50C-407E-A947-70E740481C1C}">
+                <a14:useLocalDpi xmlns:a14="http://schemas.microsoft.com/office/drawing/2010/main" val="0"/>
+              </a:ext>
+            </a:extLst>
+          </a:blip>
+          <a:stretch>
+            <a:fillRect/>
+          </a:stretch>
+        </p:blipFill>
+        <p:spPr>
+          <a:xfrm>
+            <a:off x="3197037" y="3202966"/>
+            <a:ext cx="2287530" cy="3202542"/>
+          </a:xfrm>
+          <a:prstGeom prst="rect">
+            <a:avLst/>
+          </a:prstGeom>
+        </p:spPr>
+      </p:pic>
+      <p:pic>
+        <p:nvPicPr>
+          <p:cNvPr id="13" name="Picture 12" descr="A screenshot of a video game&#10;&#10;Description automatically generated">
+            <a:extLst>
+              <a:ext uri="{FF2B5EF4-FFF2-40B4-BE49-F238E27FC236}">
+                <a16:creationId xmlns:a16="http://schemas.microsoft.com/office/drawing/2014/main" id="{F3C9E57F-CA3F-0BDB-D8EA-DC9BDECBE85F}"/>
+              </a:ext>
+            </a:extLst>
+          </p:cNvPr>
+          <p:cNvPicPr>
+            <a:picLocks noChangeAspect="1"/>
+          </p:cNvPicPr>
+          <p:nvPr/>
+        </p:nvPicPr>
+        <p:blipFill>
+          <a:blip r:embed="rId7">
+            <a:extLst>
+              <a:ext uri="{28A0092B-C50C-407E-A947-70E740481C1C}">
+                <a14:useLocalDpi xmlns:a14="http://schemas.microsoft.com/office/drawing/2010/main" val="0"/>
+              </a:ext>
+            </a:extLst>
+          </a:blip>
+          <a:stretch>
+            <a:fillRect/>
+          </a:stretch>
+        </p:blipFill>
+        <p:spPr>
+          <a:xfrm>
+            <a:off x="908901" y="3202542"/>
+            <a:ext cx="2287530" cy="3202542"/>
+          </a:xfrm>
+          <a:prstGeom prst="rect">
+            <a:avLst/>
+          </a:prstGeom>
+        </p:spPr>
+      </p:pic>
+      <p:pic>
+        <p:nvPicPr>
+          <p:cNvPr id="15" name="Picture 14" descr="A screenshot of a video game&#10;&#10;Description automatically generated">
+            <a:extLst>
+              <a:ext uri="{FF2B5EF4-FFF2-40B4-BE49-F238E27FC236}">
+                <a16:creationId xmlns:a16="http://schemas.microsoft.com/office/drawing/2014/main" id="{8C4F62C4-1026-0BD0-34C9-70438FA0C8B6}"/>
+              </a:ext>
+            </a:extLst>
+          </p:cNvPr>
+          <p:cNvPicPr>
+            <a:picLocks noChangeAspect="1"/>
+          </p:cNvPicPr>
+          <p:nvPr/>
+        </p:nvPicPr>
+        <p:blipFill>
+          <a:blip r:embed="rId8">
+            <a:extLst>
+              <a:ext uri="{28A0092B-C50C-407E-A947-70E740481C1C}">
+                <a14:useLocalDpi xmlns:a14="http://schemas.microsoft.com/office/drawing/2010/main" val="0"/>
+              </a:ext>
+            </a:extLst>
+          </a:blip>
+          <a:stretch>
+            <a:fillRect/>
+          </a:stretch>
+        </p:blipFill>
+        <p:spPr>
+          <a:xfrm>
+            <a:off x="5484264" y="6405084"/>
+            <a:ext cx="2288742" cy="3204238"/>
+          </a:xfrm>
+          <a:prstGeom prst="rect">
+            <a:avLst/>
+          </a:prstGeom>
+        </p:spPr>
+      </p:pic>
+      <p:pic>
+        <p:nvPicPr>
+          <p:cNvPr id="17" name="Picture 16" descr="A screenshot of a video game&#10;&#10;Description automatically generated">
+            <a:extLst>
+              <a:ext uri="{FF2B5EF4-FFF2-40B4-BE49-F238E27FC236}">
+                <a16:creationId xmlns:a16="http://schemas.microsoft.com/office/drawing/2014/main" id="{D0851118-3449-9D1D-48E1-D2D46E682B2E}"/>
+              </a:ext>
+            </a:extLst>
+          </p:cNvPr>
+          <p:cNvPicPr>
+            <a:picLocks noChangeAspect="1"/>
+          </p:cNvPicPr>
+          <p:nvPr/>
+        </p:nvPicPr>
+        <p:blipFill>
+          <a:blip r:embed="rId9">
+            <a:extLst>
+              <a:ext uri="{28A0092B-C50C-407E-A947-70E740481C1C}">
+                <a14:useLocalDpi xmlns:a14="http://schemas.microsoft.com/office/drawing/2010/main" val="0"/>
+              </a:ext>
+            </a:extLst>
+          </a:blip>
+          <a:stretch>
+            <a:fillRect/>
+          </a:stretch>
+        </p:blipFill>
+        <p:spPr>
+          <a:xfrm>
+            <a:off x="3194916" y="6405084"/>
+            <a:ext cx="2288742" cy="3204238"/>
+          </a:xfrm>
+          <a:prstGeom prst="rect">
+            <a:avLst/>
+          </a:prstGeom>
+        </p:spPr>
+      </p:pic>
+      <p:pic>
+        <p:nvPicPr>
+          <p:cNvPr id="19" name="Picture 18" descr="A screenshot of a video game&#10;&#10;Description automatically generated">
+            <a:extLst>
+              <a:ext uri="{FF2B5EF4-FFF2-40B4-BE49-F238E27FC236}">
+                <a16:creationId xmlns:a16="http://schemas.microsoft.com/office/drawing/2014/main" id="{380953F2-4BB1-50DF-942B-5F343DD417D7}"/>
+              </a:ext>
+            </a:extLst>
+          </p:cNvPr>
+          <p:cNvPicPr>
+            <a:picLocks noChangeAspect="1"/>
+          </p:cNvPicPr>
+          <p:nvPr/>
+        </p:nvPicPr>
+        <p:blipFill>
+          <a:blip r:embed="rId10">
+            <a:extLst>
+              <a:ext uri="{28A0092B-C50C-407E-A947-70E740481C1C}">
+                <a14:useLocalDpi xmlns:a14="http://schemas.microsoft.com/office/drawing/2010/main" val="0"/>
+              </a:ext>
+            </a:extLst>
+          </a:blip>
+          <a:stretch>
+            <a:fillRect/>
+          </a:stretch>
+        </p:blipFill>
+        <p:spPr>
+          <a:xfrm>
+            <a:off x="905114" y="6402964"/>
+            <a:ext cx="2288742" cy="3204238"/>
+          </a:xfrm>
+          <a:prstGeom prst="rect">
+            <a:avLst/>
+          </a:prstGeom>
+        </p:spPr>
+      </p:pic>
+    </p:spTree>
+    <p:extLst>
+      <p:ext uri="{BB962C8B-B14F-4D97-AF65-F5344CB8AC3E}">
+        <p14:creationId xmlns:p14="http://schemas.microsoft.com/office/powerpoint/2010/main" val="1839858024"/>
+      </p:ext>
+    </p:extLst>
+  </p:cSld>
+  <p:clrMapOvr>
+    <a:masterClrMapping/>
+  </p:clrMapOvr>
+</p:sld>
+</file>
+
+<file path=ppt/slides/slide126.xml><?xml version="1.0" encoding="utf-8"?>
+<p:sld xmlns:a="http://schemas.openxmlformats.org/drawingml/2006/main" xmlns:r="http://schemas.openxmlformats.org/officeDocument/2006/relationships" xmlns:p="http://schemas.openxmlformats.org/presentationml/2006/main">
+  <p:cSld>
+    <p:spTree>
+      <p:nvGrpSpPr>
+        <p:cNvPr id="1" name=""/>
+        <p:cNvGrpSpPr/>
+        <p:nvPr/>
+      </p:nvGrpSpPr>
+      <p:grpSpPr>
+        <a:xfrm>
+          <a:off x="0" y="0"/>
+          <a:ext cx="0" cy="0"/>
+          <a:chOff x="0" y="0"/>
+          <a:chExt cx="0" cy="0"/>
+        </a:xfrm>
+      </p:grpSpPr>
+      <p:pic>
+        <p:nvPicPr>
+          <p:cNvPr id="3" name="Picture 2" descr="A screen shot of a video game&#10;&#10;Description automatically generated">
+            <a:extLst>
+              <a:ext uri="{FF2B5EF4-FFF2-40B4-BE49-F238E27FC236}">
+                <a16:creationId xmlns:a16="http://schemas.microsoft.com/office/drawing/2014/main" id="{7EBEE700-73D5-DF5E-CFAD-06261E50D857}"/>
+              </a:ext>
+            </a:extLst>
+          </p:cNvPr>
+          <p:cNvPicPr>
+            <a:picLocks noChangeAspect="1"/>
+          </p:cNvPicPr>
+          <p:nvPr/>
+        </p:nvPicPr>
+        <p:blipFill>
+          <a:blip r:embed="rId2">
+            <a:extLst>
+              <a:ext uri="{28A0092B-C50C-407E-A947-70E740481C1C}">
+                <a14:useLocalDpi xmlns:a14="http://schemas.microsoft.com/office/drawing/2010/main" val="0"/>
+              </a:ext>
+            </a:extLst>
+          </a:blip>
+          <a:stretch>
+            <a:fillRect/>
+          </a:stretch>
+        </p:blipFill>
+        <p:spPr>
+          <a:xfrm>
+            <a:off x="0" y="0"/>
+            <a:ext cx="2286924" cy="3201694"/>
+          </a:xfrm>
+          <a:prstGeom prst="rect">
+            <a:avLst/>
+          </a:prstGeom>
+        </p:spPr>
+      </p:pic>
+      <p:pic>
+        <p:nvPicPr>
+          <p:cNvPr id="5" name="Picture 4" descr="A screen shot of a video game&#10;&#10;Description automatically generated">
+            <a:extLst>
+              <a:ext uri="{FF2B5EF4-FFF2-40B4-BE49-F238E27FC236}">
+                <a16:creationId xmlns:a16="http://schemas.microsoft.com/office/drawing/2014/main" id="{7AF1B9AE-9901-0E3C-2F69-58664E9BD907}"/>
+              </a:ext>
+            </a:extLst>
+          </p:cNvPr>
+          <p:cNvPicPr>
+            <a:picLocks noChangeAspect="1"/>
+          </p:cNvPicPr>
+          <p:nvPr/>
+        </p:nvPicPr>
+        <p:blipFill>
+          <a:blip r:embed="rId2">
+            <a:extLst>
+              <a:ext uri="{28A0092B-C50C-407E-A947-70E740481C1C}">
+                <a14:useLocalDpi xmlns:a14="http://schemas.microsoft.com/office/drawing/2010/main" val="0"/>
+              </a:ext>
+            </a:extLst>
+          </a:blip>
+          <a:stretch>
+            <a:fillRect/>
+          </a:stretch>
+        </p:blipFill>
+        <p:spPr>
+          <a:xfrm>
+            <a:off x="2286924" y="0"/>
+            <a:ext cx="2286924" cy="3201694"/>
+          </a:xfrm>
+          <a:prstGeom prst="rect">
+            <a:avLst/>
+          </a:prstGeom>
+        </p:spPr>
+      </p:pic>
+      <p:pic>
+        <p:nvPicPr>
+          <p:cNvPr id="7" name="Picture 6" descr="A screen shot of a video game&#10;&#10;Description automatically generated">
+            <a:extLst>
+              <a:ext uri="{FF2B5EF4-FFF2-40B4-BE49-F238E27FC236}">
+                <a16:creationId xmlns:a16="http://schemas.microsoft.com/office/drawing/2014/main" id="{2B7B606C-625F-4B42-7051-CC074D1C151C}"/>
+              </a:ext>
+            </a:extLst>
+          </p:cNvPr>
+          <p:cNvPicPr>
+            <a:picLocks noChangeAspect="1"/>
+          </p:cNvPicPr>
+          <p:nvPr/>
+        </p:nvPicPr>
+        <p:blipFill>
+          <a:blip r:embed="rId2">
+            <a:extLst>
+              <a:ext uri="{28A0092B-C50C-407E-A947-70E740481C1C}">
+                <a14:useLocalDpi xmlns:a14="http://schemas.microsoft.com/office/drawing/2010/main" val="0"/>
+              </a:ext>
+            </a:extLst>
+          </a:blip>
+          <a:stretch>
+            <a:fillRect/>
+          </a:stretch>
+        </p:blipFill>
+        <p:spPr>
+          <a:xfrm>
+            <a:off x="4573848" y="0"/>
+            <a:ext cx="2286924" cy="3201694"/>
+          </a:xfrm>
+          <a:prstGeom prst="rect">
+            <a:avLst/>
+          </a:prstGeom>
+        </p:spPr>
+      </p:pic>
+      <p:pic>
+        <p:nvPicPr>
+          <p:cNvPr id="8" name="Picture 7" descr="A screen shot of a video game&#10;&#10;Description automatically generated">
+            <a:extLst>
+              <a:ext uri="{FF2B5EF4-FFF2-40B4-BE49-F238E27FC236}">
+                <a16:creationId xmlns:a16="http://schemas.microsoft.com/office/drawing/2014/main" id="{109A92B2-06EC-DF8A-04D3-EA17304E3618}"/>
+              </a:ext>
+            </a:extLst>
+          </p:cNvPr>
+          <p:cNvPicPr>
+            <a:picLocks noChangeAspect="1"/>
+          </p:cNvPicPr>
+          <p:nvPr/>
+        </p:nvPicPr>
+        <p:blipFill>
+          <a:blip r:embed="rId2">
+            <a:extLst>
+              <a:ext uri="{28A0092B-C50C-407E-A947-70E740481C1C}">
+                <a14:useLocalDpi xmlns:a14="http://schemas.microsoft.com/office/drawing/2010/main" val="0"/>
+              </a:ext>
+            </a:extLst>
+          </a:blip>
+          <a:stretch>
+            <a:fillRect/>
+          </a:stretch>
+        </p:blipFill>
+        <p:spPr>
+          <a:xfrm>
+            <a:off x="0" y="3201694"/>
+            <a:ext cx="2286924" cy="3201694"/>
+          </a:xfrm>
+          <a:prstGeom prst="rect">
+            <a:avLst/>
+          </a:prstGeom>
+        </p:spPr>
+      </p:pic>
+      <p:pic>
+        <p:nvPicPr>
+          <p:cNvPr id="9" name="Picture 8" descr="A screen shot of a video game&#10;&#10;Description automatically generated">
+            <a:extLst>
+              <a:ext uri="{FF2B5EF4-FFF2-40B4-BE49-F238E27FC236}">
+                <a16:creationId xmlns:a16="http://schemas.microsoft.com/office/drawing/2014/main" id="{9E8FE4E7-1F0E-EC3B-C461-35BE051A3031}"/>
+              </a:ext>
+            </a:extLst>
+          </p:cNvPr>
+          <p:cNvPicPr>
+            <a:picLocks noChangeAspect="1"/>
+          </p:cNvPicPr>
+          <p:nvPr/>
+        </p:nvPicPr>
+        <p:blipFill>
+          <a:blip r:embed="rId2">
+            <a:extLst>
+              <a:ext uri="{28A0092B-C50C-407E-A947-70E740481C1C}">
+                <a14:useLocalDpi xmlns:a14="http://schemas.microsoft.com/office/drawing/2010/main" val="0"/>
+              </a:ext>
+            </a:extLst>
+          </a:blip>
+          <a:stretch>
+            <a:fillRect/>
+          </a:stretch>
+        </p:blipFill>
+        <p:spPr>
+          <a:xfrm>
+            <a:off x="2286924" y="3201694"/>
+            <a:ext cx="2286924" cy="3201694"/>
+          </a:xfrm>
+          <a:prstGeom prst="rect">
+            <a:avLst/>
+          </a:prstGeom>
+        </p:spPr>
+      </p:pic>
+      <p:pic>
+        <p:nvPicPr>
+          <p:cNvPr id="10" name="Picture 9" descr="A screen shot of a video game&#10;&#10;Description automatically generated">
+            <a:extLst>
+              <a:ext uri="{FF2B5EF4-FFF2-40B4-BE49-F238E27FC236}">
+                <a16:creationId xmlns:a16="http://schemas.microsoft.com/office/drawing/2014/main" id="{7A31FC00-028C-6C28-F490-201AEFB8526B}"/>
+              </a:ext>
+            </a:extLst>
+          </p:cNvPr>
+          <p:cNvPicPr>
+            <a:picLocks noChangeAspect="1"/>
+          </p:cNvPicPr>
+          <p:nvPr/>
+        </p:nvPicPr>
+        <p:blipFill>
+          <a:blip r:embed="rId2">
+            <a:extLst>
+              <a:ext uri="{28A0092B-C50C-407E-A947-70E740481C1C}">
+                <a14:useLocalDpi xmlns:a14="http://schemas.microsoft.com/office/drawing/2010/main" val="0"/>
+              </a:ext>
+            </a:extLst>
+          </a:blip>
+          <a:stretch>
+            <a:fillRect/>
+          </a:stretch>
+        </p:blipFill>
+        <p:spPr>
+          <a:xfrm>
+            <a:off x="4573848" y="3201694"/>
+            <a:ext cx="2286924" cy="3201694"/>
+          </a:xfrm>
+          <a:prstGeom prst="rect">
+            <a:avLst/>
+          </a:prstGeom>
+        </p:spPr>
+      </p:pic>
+      <p:pic>
+        <p:nvPicPr>
+          <p:cNvPr id="11" name="Picture 10" descr="A screen shot of a video game&#10;&#10;Description automatically generated">
+            <a:extLst>
+              <a:ext uri="{FF2B5EF4-FFF2-40B4-BE49-F238E27FC236}">
+                <a16:creationId xmlns:a16="http://schemas.microsoft.com/office/drawing/2014/main" id="{E2C05A01-A53F-CF48-DC0A-3AD630C56068}"/>
+              </a:ext>
+            </a:extLst>
+          </p:cNvPr>
+          <p:cNvPicPr>
+            <a:picLocks noChangeAspect="1"/>
+          </p:cNvPicPr>
+          <p:nvPr/>
+        </p:nvPicPr>
+        <p:blipFill>
+          <a:blip r:embed="rId2">
+            <a:extLst>
+              <a:ext uri="{28A0092B-C50C-407E-A947-70E740481C1C}">
+                <a14:useLocalDpi xmlns:a14="http://schemas.microsoft.com/office/drawing/2010/main" val="0"/>
+              </a:ext>
+            </a:extLst>
+          </a:blip>
+          <a:stretch>
+            <a:fillRect/>
+          </a:stretch>
+        </p:blipFill>
+        <p:spPr>
+          <a:xfrm>
+            <a:off x="0" y="6403388"/>
+            <a:ext cx="2286924" cy="3201694"/>
+          </a:xfrm>
+          <a:prstGeom prst="rect">
+            <a:avLst/>
+          </a:prstGeom>
+        </p:spPr>
+      </p:pic>
+      <p:pic>
+        <p:nvPicPr>
+          <p:cNvPr id="12" name="Picture 11" descr="A screen shot of a video game&#10;&#10;Description automatically generated">
+            <a:extLst>
+              <a:ext uri="{FF2B5EF4-FFF2-40B4-BE49-F238E27FC236}">
+                <a16:creationId xmlns:a16="http://schemas.microsoft.com/office/drawing/2014/main" id="{48229908-E2CA-7ED5-7A81-F09FC2FE0FF7}"/>
+              </a:ext>
+            </a:extLst>
+          </p:cNvPr>
+          <p:cNvPicPr>
+            <a:picLocks noChangeAspect="1"/>
+          </p:cNvPicPr>
+          <p:nvPr/>
+        </p:nvPicPr>
+        <p:blipFill>
+          <a:blip r:embed="rId2">
+            <a:extLst>
+              <a:ext uri="{28A0092B-C50C-407E-A947-70E740481C1C}">
+                <a14:useLocalDpi xmlns:a14="http://schemas.microsoft.com/office/drawing/2010/main" val="0"/>
+              </a:ext>
+            </a:extLst>
+          </a:blip>
+          <a:stretch>
+            <a:fillRect/>
+          </a:stretch>
+        </p:blipFill>
+        <p:spPr>
+          <a:xfrm>
+            <a:off x="2286924" y="6403388"/>
+            <a:ext cx="2286924" cy="3201694"/>
+          </a:xfrm>
+          <a:prstGeom prst="rect">
+            <a:avLst/>
+          </a:prstGeom>
+        </p:spPr>
+      </p:pic>
+      <p:pic>
+        <p:nvPicPr>
+          <p:cNvPr id="13" name="Picture 12" descr="A screen shot of a video game&#10;&#10;Description automatically generated">
+            <a:extLst>
+              <a:ext uri="{FF2B5EF4-FFF2-40B4-BE49-F238E27FC236}">
+                <a16:creationId xmlns:a16="http://schemas.microsoft.com/office/drawing/2014/main" id="{C9FE1C40-DD30-8D07-4D27-068B97B0145E}"/>
+              </a:ext>
+            </a:extLst>
+          </p:cNvPr>
+          <p:cNvPicPr>
+            <a:picLocks noChangeAspect="1"/>
+          </p:cNvPicPr>
+          <p:nvPr/>
+        </p:nvPicPr>
+        <p:blipFill>
+          <a:blip r:embed="rId2">
+            <a:extLst>
+              <a:ext uri="{28A0092B-C50C-407E-A947-70E740481C1C}">
+                <a14:useLocalDpi xmlns:a14="http://schemas.microsoft.com/office/drawing/2010/main" val="0"/>
+              </a:ext>
+            </a:extLst>
+          </a:blip>
+          <a:stretch>
+            <a:fillRect/>
+          </a:stretch>
+        </p:blipFill>
+        <p:spPr>
+          <a:xfrm>
+            <a:off x="4573848" y="6403388"/>
+            <a:ext cx="2286924" cy="3201694"/>
+          </a:xfrm>
+          <a:prstGeom prst="rect">
+            <a:avLst/>
+          </a:prstGeom>
+        </p:spPr>
+      </p:pic>
+    </p:spTree>
+    <p:extLst>
+      <p:ext uri="{BB962C8B-B14F-4D97-AF65-F5344CB8AC3E}">
+        <p14:creationId xmlns:p14="http://schemas.microsoft.com/office/powerpoint/2010/main" val="4274067341"/>
+      </p:ext>
+    </p:extLst>
+  </p:cSld>
+  <p:clrMapOvr>
+    <a:masterClrMapping/>
+  </p:clrMapOvr>
+</p:sld>
+</file>
+
+<file path=ppt/slides/slide127.xml><?xml version="1.0" encoding="utf-8"?>
+<p:sld xmlns:a="http://schemas.openxmlformats.org/drawingml/2006/main" xmlns:r="http://schemas.openxmlformats.org/officeDocument/2006/relationships" xmlns:p="http://schemas.openxmlformats.org/presentationml/2006/main">
+  <p:cSld>
+    <p:spTree>
+      <p:nvGrpSpPr>
+        <p:cNvPr id="1" name=""/>
+        <p:cNvGrpSpPr/>
+        <p:nvPr/>
+      </p:nvGrpSpPr>
+      <p:grpSpPr>
+        <a:xfrm>
+          <a:off x="0" y="0"/>
+          <a:ext cx="0" cy="0"/>
+          <a:chOff x="0" y="0"/>
+          <a:chExt cx="0" cy="0"/>
+        </a:xfrm>
+      </p:grpSpPr>
+      <p:pic>
+        <p:nvPicPr>
+          <p:cNvPr id="21" name="Picture 20" descr="A screen shot of a video game&#10;&#10;Description automatically generated">
+            <a:extLst>
+              <a:ext uri="{FF2B5EF4-FFF2-40B4-BE49-F238E27FC236}">
+                <a16:creationId xmlns:a16="http://schemas.microsoft.com/office/drawing/2014/main" id="{F4459F78-C47D-55C2-3B04-31E0E509C3F5}"/>
+              </a:ext>
+            </a:extLst>
+          </p:cNvPr>
+          <p:cNvPicPr>
+            <a:picLocks noChangeAspect="1"/>
+          </p:cNvPicPr>
+          <p:nvPr/>
+        </p:nvPicPr>
+        <p:blipFill>
+          <a:blip r:embed="rId2">
+            <a:extLst>
+              <a:ext uri="{28A0092B-C50C-407E-A947-70E740481C1C}">
+                <a14:useLocalDpi xmlns:a14="http://schemas.microsoft.com/office/drawing/2010/main" val="0"/>
+              </a:ext>
+            </a:extLst>
+          </a:blip>
+          <a:stretch>
+            <a:fillRect/>
+          </a:stretch>
+        </p:blipFill>
+        <p:spPr>
+          <a:xfrm>
+            <a:off x="909810" y="0"/>
+            <a:ext cx="2287530" cy="3202542"/>
+          </a:xfrm>
+          <a:prstGeom prst="rect">
+            <a:avLst/>
+          </a:prstGeom>
+        </p:spPr>
+      </p:pic>
+      <p:pic>
+        <p:nvPicPr>
+          <p:cNvPr id="23" name="Picture 22" descr="A screenshot of a video game&#10;&#10;Description automatically generated">
+            <a:extLst>
+              <a:ext uri="{FF2B5EF4-FFF2-40B4-BE49-F238E27FC236}">
+                <a16:creationId xmlns:a16="http://schemas.microsoft.com/office/drawing/2014/main" id="{CAF724AA-67D9-3745-4246-F05BE738FA8C}"/>
+              </a:ext>
+            </a:extLst>
+          </p:cNvPr>
+          <p:cNvPicPr>
+            <a:picLocks noChangeAspect="1"/>
+          </p:cNvPicPr>
+          <p:nvPr/>
+        </p:nvPicPr>
+        <p:blipFill>
+          <a:blip r:embed="rId3">
+            <a:extLst>
+              <a:ext uri="{28A0092B-C50C-407E-A947-70E740481C1C}">
+                <a14:useLocalDpi xmlns:a14="http://schemas.microsoft.com/office/drawing/2010/main" val="0"/>
+              </a:ext>
+            </a:extLst>
+          </a:blip>
+          <a:stretch>
+            <a:fillRect/>
+          </a:stretch>
+        </p:blipFill>
+        <p:spPr>
+          <a:xfrm>
+            <a:off x="3197340" y="0"/>
+            <a:ext cx="2287530" cy="3202542"/>
+          </a:xfrm>
+          <a:prstGeom prst="rect">
+            <a:avLst/>
+          </a:prstGeom>
+        </p:spPr>
+      </p:pic>
+      <p:pic>
+        <p:nvPicPr>
+          <p:cNvPr id="25" name="Picture 24" descr="A screenshot of a video game&#10;&#10;Description automatically generated">
+            <a:extLst>
+              <a:ext uri="{FF2B5EF4-FFF2-40B4-BE49-F238E27FC236}">
+                <a16:creationId xmlns:a16="http://schemas.microsoft.com/office/drawing/2014/main" id="{BDCA8EF5-6F09-0853-BC3D-A36AFA2B32D9}"/>
+              </a:ext>
+            </a:extLst>
+          </p:cNvPr>
+          <p:cNvPicPr>
+            <a:picLocks noChangeAspect="1"/>
+          </p:cNvPicPr>
+          <p:nvPr/>
+        </p:nvPicPr>
+        <p:blipFill>
+          <a:blip r:embed="rId4">
+            <a:extLst>
+              <a:ext uri="{28A0092B-C50C-407E-A947-70E740481C1C}">
+                <a14:useLocalDpi xmlns:a14="http://schemas.microsoft.com/office/drawing/2010/main" val="0"/>
+              </a:ext>
+            </a:extLst>
+          </a:blip>
+          <a:stretch>
+            <a:fillRect/>
+          </a:stretch>
+        </p:blipFill>
+        <p:spPr>
+          <a:xfrm>
+            <a:off x="5484870" y="3202542"/>
+            <a:ext cx="2288136" cy="3203390"/>
+          </a:xfrm>
+          <a:prstGeom prst="rect">
+            <a:avLst/>
+          </a:prstGeom>
+        </p:spPr>
+      </p:pic>
+      <p:pic>
+        <p:nvPicPr>
+          <p:cNvPr id="27" name="Picture 26" descr="A screenshot of a video game&#10;&#10;Description automatically generated">
+            <a:extLst>
+              <a:ext uri="{FF2B5EF4-FFF2-40B4-BE49-F238E27FC236}">
+                <a16:creationId xmlns:a16="http://schemas.microsoft.com/office/drawing/2014/main" id="{43DFED94-0B9E-1EDD-9260-FA189AC7A268}"/>
+              </a:ext>
+            </a:extLst>
+          </p:cNvPr>
+          <p:cNvPicPr>
+            <a:picLocks noChangeAspect="1"/>
+          </p:cNvPicPr>
+          <p:nvPr/>
+        </p:nvPicPr>
+        <p:blipFill>
+          <a:blip r:embed="rId5">
+            <a:extLst>
+              <a:ext uri="{28A0092B-C50C-407E-A947-70E740481C1C}">
+                <a14:useLocalDpi xmlns:a14="http://schemas.microsoft.com/office/drawing/2010/main" val="0"/>
+              </a:ext>
+            </a:extLst>
+          </a:blip>
+          <a:stretch>
+            <a:fillRect/>
+          </a:stretch>
+        </p:blipFill>
+        <p:spPr>
+          <a:xfrm>
+            <a:off x="3197340" y="3202542"/>
+            <a:ext cx="2287530" cy="3202542"/>
+          </a:xfrm>
+          <a:prstGeom prst="rect">
+            <a:avLst/>
+          </a:prstGeom>
+        </p:spPr>
+      </p:pic>
+      <p:pic>
+        <p:nvPicPr>
+          <p:cNvPr id="29" name="Picture 28" descr="A screenshot of a video game&#10;&#10;Description automatically generated">
+            <a:extLst>
+              <a:ext uri="{FF2B5EF4-FFF2-40B4-BE49-F238E27FC236}">
+                <a16:creationId xmlns:a16="http://schemas.microsoft.com/office/drawing/2014/main" id="{33D2D0D3-A05A-98AA-BF5D-47D0B647BD07}"/>
+              </a:ext>
+            </a:extLst>
+          </p:cNvPr>
+          <p:cNvPicPr>
+            <a:picLocks noChangeAspect="1"/>
+          </p:cNvPicPr>
+          <p:nvPr/>
+        </p:nvPicPr>
+        <p:blipFill>
+          <a:blip r:embed="rId6">
+            <a:extLst>
+              <a:ext uri="{28A0092B-C50C-407E-A947-70E740481C1C}">
+                <a14:useLocalDpi xmlns:a14="http://schemas.microsoft.com/office/drawing/2010/main" val="0"/>
+              </a:ext>
+            </a:extLst>
+          </a:blip>
+          <a:stretch>
+            <a:fillRect/>
+          </a:stretch>
+        </p:blipFill>
+        <p:spPr>
+          <a:xfrm>
+            <a:off x="909810" y="3202542"/>
+            <a:ext cx="2287530" cy="3202542"/>
+          </a:xfrm>
+          <a:prstGeom prst="rect">
+            <a:avLst/>
+          </a:prstGeom>
+        </p:spPr>
+      </p:pic>
+      <p:pic>
+        <p:nvPicPr>
+          <p:cNvPr id="31" name="Picture 30" descr="A screenshot of a video game&#10;&#10;Description automatically generated">
+            <a:extLst>
+              <a:ext uri="{FF2B5EF4-FFF2-40B4-BE49-F238E27FC236}">
+                <a16:creationId xmlns:a16="http://schemas.microsoft.com/office/drawing/2014/main" id="{FD068A05-0CAE-3F74-C62B-64E037181983}"/>
+              </a:ext>
+            </a:extLst>
+          </p:cNvPr>
+          <p:cNvPicPr>
+            <a:picLocks noChangeAspect="1"/>
+          </p:cNvPicPr>
+          <p:nvPr/>
+        </p:nvPicPr>
+        <p:blipFill>
+          <a:blip r:embed="rId7">
+            <a:extLst>
+              <a:ext uri="{28A0092B-C50C-407E-A947-70E740481C1C}">
+                <a14:useLocalDpi xmlns:a14="http://schemas.microsoft.com/office/drawing/2010/main" val="0"/>
+              </a:ext>
+            </a:extLst>
+          </a:blip>
+          <a:stretch>
+            <a:fillRect/>
+          </a:stretch>
+        </p:blipFill>
+        <p:spPr>
+          <a:xfrm>
+            <a:off x="5484870" y="6404236"/>
+            <a:ext cx="2288136" cy="3203390"/>
+          </a:xfrm>
+          <a:prstGeom prst="rect">
+            <a:avLst/>
+          </a:prstGeom>
+        </p:spPr>
+      </p:pic>
+      <p:pic>
+        <p:nvPicPr>
+          <p:cNvPr id="33" name="Picture 32" descr="A screenshot of a video game&#10;&#10;Description automatically generated">
+            <a:extLst>
+              <a:ext uri="{FF2B5EF4-FFF2-40B4-BE49-F238E27FC236}">
+                <a16:creationId xmlns:a16="http://schemas.microsoft.com/office/drawing/2014/main" id="{8D273216-2E8F-032A-4426-1B4539444FB8}"/>
+              </a:ext>
+            </a:extLst>
+          </p:cNvPr>
+          <p:cNvPicPr>
+            <a:picLocks noChangeAspect="1"/>
+          </p:cNvPicPr>
+          <p:nvPr/>
+        </p:nvPicPr>
+        <p:blipFill>
+          <a:blip r:embed="rId8">
+            <a:extLst>
+              <a:ext uri="{28A0092B-C50C-407E-A947-70E740481C1C}">
+                <a14:useLocalDpi xmlns:a14="http://schemas.microsoft.com/office/drawing/2010/main" val="0"/>
+              </a:ext>
+            </a:extLst>
+          </a:blip>
+          <a:stretch>
+            <a:fillRect/>
+          </a:stretch>
+        </p:blipFill>
+        <p:spPr>
+          <a:xfrm>
+            <a:off x="3197340" y="6404660"/>
+            <a:ext cx="2287530" cy="3202542"/>
+          </a:xfrm>
+          <a:prstGeom prst="rect">
+            <a:avLst/>
+          </a:prstGeom>
+        </p:spPr>
+      </p:pic>
+      <p:pic>
+        <p:nvPicPr>
+          <p:cNvPr id="35" name="Picture 34" descr="A screenshot of a video game&#10;&#10;Description automatically generated">
+            <a:extLst>
+              <a:ext uri="{FF2B5EF4-FFF2-40B4-BE49-F238E27FC236}">
+                <a16:creationId xmlns:a16="http://schemas.microsoft.com/office/drawing/2014/main" id="{DB281024-7CD5-B38E-6C34-FAB871305080}"/>
+              </a:ext>
+            </a:extLst>
+          </p:cNvPr>
+          <p:cNvPicPr>
+            <a:picLocks noChangeAspect="1"/>
+          </p:cNvPicPr>
+          <p:nvPr/>
+        </p:nvPicPr>
+        <p:blipFill>
+          <a:blip r:embed="rId9">
+            <a:extLst>
+              <a:ext uri="{28A0092B-C50C-407E-A947-70E740481C1C}">
+                <a14:useLocalDpi xmlns:a14="http://schemas.microsoft.com/office/drawing/2010/main" val="0"/>
+              </a:ext>
+            </a:extLst>
+          </a:blip>
+          <a:stretch>
+            <a:fillRect/>
+          </a:stretch>
+        </p:blipFill>
+        <p:spPr>
+          <a:xfrm>
+            <a:off x="909810" y="6404660"/>
+            <a:ext cx="2287530" cy="3202542"/>
+          </a:xfrm>
+          <a:prstGeom prst="rect">
+            <a:avLst/>
+          </a:prstGeom>
+        </p:spPr>
+      </p:pic>
+      <p:pic>
+        <p:nvPicPr>
+          <p:cNvPr id="3" name="Picture 2" descr="A screenshot of a video game&#10;&#10;Description automatically generated">
+            <a:extLst>
+              <a:ext uri="{FF2B5EF4-FFF2-40B4-BE49-F238E27FC236}">
+                <a16:creationId xmlns:a16="http://schemas.microsoft.com/office/drawing/2014/main" id="{F146F806-D623-B07F-1E88-74C0B8C9A9BF}"/>
+              </a:ext>
+            </a:extLst>
+          </p:cNvPr>
+          <p:cNvPicPr>
+            <a:picLocks noChangeAspect="1"/>
+          </p:cNvPicPr>
+          <p:nvPr/>
+        </p:nvPicPr>
+        <p:blipFill>
+          <a:blip r:embed="rId10">
+            <a:extLst>
+              <a:ext uri="{28A0092B-C50C-407E-A947-70E740481C1C}">
+                <a14:useLocalDpi xmlns:a14="http://schemas.microsoft.com/office/drawing/2010/main" val="0"/>
+              </a:ext>
+            </a:extLst>
+          </a:blip>
+          <a:stretch>
+            <a:fillRect/>
+          </a:stretch>
+        </p:blipFill>
+        <p:spPr>
+          <a:xfrm>
+            <a:off x="5485173" y="0"/>
+            <a:ext cx="2287530" cy="3202542"/>
+          </a:xfrm>
+          <a:prstGeom prst="rect">
+            <a:avLst/>
+          </a:prstGeom>
+        </p:spPr>
+      </p:pic>
+    </p:spTree>
+    <p:extLst>
+      <p:ext uri="{BB962C8B-B14F-4D97-AF65-F5344CB8AC3E}">
+        <p14:creationId xmlns:p14="http://schemas.microsoft.com/office/powerpoint/2010/main" val="1077564340"/>
+      </p:ext>
+    </p:extLst>
+  </p:cSld>
+  <p:clrMapOvr>
+    <a:masterClrMapping/>
+  </p:clrMapOvr>
+</p:sld>
+</file>
+
+<file path=ppt/slides/slide128.xml><?xml version="1.0" encoding="utf-8"?>
+<p:sld xmlns:a="http://schemas.openxmlformats.org/drawingml/2006/main" xmlns:r="http://schemas.openxmlformats.org/officeDocument/2006/relationships" xmlns:p="http://schemas.openxmlformats.org/presentationml/2006/main">
+  <p:cSld>
+    <p:spTree>
+      <p:nvGrpSpPr>
+        <p:cNvPr id="1" name=""/>
+        <p:cNvGrpSpPr/>
+        <p:nvPr/>
+      </p:nvGrpSpPr>
+      <p:grpSpPr>
+        <a:xfrm>
+          <a:off x="0" y="0"/>
+          <a:ext cx="0" cy="0"/>
+          <a:chOff x="0" y="0"/>
+          <a:chExt cx="0" cy="0"/>
+        </a:xfrm>
+      </p:grpSpPr>
+      <p:pic>
+        <p:nvPicPr>
+          <p:cNvPr id="3" name="Picture 2" descr="A screen shot of a video game&#10;&#10;Description automatically generated">
+            <a:extLst>
+              <a:ext uri="{FF2B5EF4-FFF2-40B4-BE49-F238E27FC236}">
+                <a16:creationId xmlns:a16="http://schemas.microsoft.com/office/drawing/2014/main" id="{6C2AC824-68F4-8EB5-E0B1-614EBFC13C5E}"/>
+              </a:ext>
+            </a:extLst>
+          </p:cNvPr>
+          <p:cNvPicPr>
+            <a:picLocks noChangeAspect="1"/>
+          </p:cNvPicPr>
+          <p:nvPr/>
+        </p:nvPicPr>
+        <p:blipFill>
+          <a:blip r:embed="rId2">
+            <a:extLst>
+              <a:ext uri="{28A0092B-C50C-407E-A947-70E740481C1C}">
+                <a14:useLocalDpi xmlns:a14="http://schemas.microsoft.com/office/drawing/2010/main" val="0"/>
+              </a:ext>
+            </a:extLst>
+          </a:blip>
+          <a:stretch>
+            <a:fillRect/>
+          </a:stretch>
+        </p:blipFill>
+        <p:spPr>
+          <a:xfrm>
+            <a:off x="0" y="0"/>
+            <a:ext cx="2286924" cy="3201694"/>
+          </a:xfrm>
+          <a:prstGeom prst="rect">
+            <a:avLst/>
+          </a:prstGeom>
+        </p:spPr>
+      </p:pic>
+      <p:pic>
+        <p:nvPicPr>
+          <p:cNvPr id="5" name="Picture 4" descr="A screen shot of a game&#10;&#10;Description automatically generated">
+            <a:extLst>
+              <a:ext uri="{FF2B5EF4-FFF2-40B4-BE49-F238E27FC236}">
+                <a16:creationId xmlns:a16="http://schemas.microsoft.com/office/drawing/2014/main" id="{B852166A-B81F-F98E-27AA-C6358CB65B89}"/>
+              </a:ext>
+            </a:extLst>
+          </p:cNvPr>
+          <p:cNvPicPr>
+            <a:picLocks noChangeAspect="1"/>
+          </p:cNvPicPr>
+          <p:nvPr/>
+        </p:nvPicPr>
+        <p:blipFill>
+          <a:blip r:embed="rId3">
+            <a:extLst>
+              <a:ext uri="{28A0092B-C50C-407E-A947-70E740481C1C}">
+                <a14:useLocalDpi xmlns:a14="http://schemas.microsoft.com/office/drawing/2010/main" val="0"/>
+              </a:ext>
+            </a:extLst>
+          </a:blip>
+          <a:stretch>
+            <a:fillRect/>
+          </a:stretch>
+        </p:blipFill>
+        <p:spPr>
+          <a:xfrm>
+            <a:off x="2286924" y="0"/>
+            <a:ext cx="2286924" cy="3201694"/>
+          </a:xfrm>
+          <a:prstGeom prst="rect">
+            <a:avLst/>
+          </a:prstGeom>
+        </p:spPr>
+      </p:pic>
+      <p:pic>
+        <p:nvPicPr>
+          <p:cNvPr id="7" name="Picture 6" descr="A screen shot of a game&#10;&#10;Description automatically generated">
+            <a:extLst>
+              <a:ext uri="{FF2B5EF4-FFF2-40B4-BE49-F238E27FC236}">
+                <a16:creationId xmlns:a16="http://schemas.microsoft.com/office/drawing/2014/main" id="{531514E4-B151-345C-DFF5-1E13A9639651}"/>
+              </a:ext>
+            </a:extLst>
+          </p:cNvPr>
+          <p:cNvPicPr>
+            <a:picLocks noChangeAspect="1"/>
+          </p:cNvPicPr>
+          <p:nvPr/>
+        </p:nvPicPr>
+        <p:blipFill>
+          <a:blip r:embed="rId3">
+            <a:extLst>
+              <a:ext uri="{28A0092B-C50C-407E-A947-70E740481C1C}">
+                <a14:useLocalDpi xmlns:a14="http://schemas.microsoft.com/office/drawing/2010/main" val="0"/>
+              </a:ext>
+            </a:extLst>
+          </a:blip>
+          <a:stretch>
+            <a:fillRect/>
+          </a:stretch>
+        </p:blipFill>
+        <p:spPr>
+          <a:xfrm>
+            <a:off x="4573848" y="0"/>
+            <a:ext cx="2286924" cy="3201694"/>
+          </a:xfrm>
+          <a:prstGeom prst="rect">
+            <a:avLst/>
+          </a:prstGeom>
+        </p:spPr>
+      </p:pic>
+      <p:pic>
+        <p:nvPicPr>
+          <p:cNvPr id="9" name="Picture 8" descr="A screen shot of a game&#10;&#10;Description automatically generated">
+            <a:extLst>
+              <a:ext uri="{FF2B5EF4-FFF2-40B4-BE49-F238E27FC236}">
+                <a16:creationId xmlns:a16="http://schemas.microsoft.com/office/drawing/2014/main" id="{B14A6E61-2AC9-9A06-B0BA-15A10924143E}"/>
+              </a:ext>
+            </a:extLst>
+          </p:cNvPr>
+          <p:cNvPicPr>
+            <a:picLocks noChangeAspect="1"/>
+          </p:cNvPicPr>
+          <p:nvPr/>
+        </p:nvPicPr>
+        <p:blipFill>
+          <a:blip r:embed="rId3">
+            <a:extLst>
+              <a:ext uri="{28A0092B-C50C-407E-A947-70E740481C1C}">
+                <a14:useLocalDpi xmlns:a14="http://schemas.microsoft.com/office/drawing/2010/main" val="0"/>
+              </a:ext>
+            </a:extLst>
+          </a:blip>
+          <a:stretch>
+            <a:fillRect/>
+          </a:stretch>
+        </p:blipFill>
+        <p:spPr>
+          <a:xfrm>
+            <a:off x="0" y="3201694"/>
+            <a:ext cx="2286924" cy="3201694"/>
+          </a:xfrm>
+          <a:prstGeom prst="rect">
+            <a:avLst/>
+          </a:prstGeom>
+        </p:spPr>
+      </p:pic>
+      <p:pic>
+        <p:nvPicPr>
+          <p:cNvPr id="11" name="Picture 10" descr="A screen shot of a game&#10;&#10;Description automatically generated">
+            <a:extLst>
+              <a:ext uri="{FF2B5EF4-FFF2-40B4-BE49-F238E27FC236}">
+                <a16:creationId xmlns:a16="http://schemas.microsoft.com/office/drawing/2014/main" id="{B5B4693F-241B-5527-18C6-1106334D8E8B}"/>
+              </a:ext>
+            </a:extLst>
+          </p:cNvPr>
+          <p:cNvPicPr>
+            <a:picLocks noChangeAspect="1"/>
+          </p:cNvPicPr>
+          <p:nvPr/>
+        </p:nvPicPr>
+        <p:blipFill>
+          <a:blip r:embed="rId3">
+            <a:extLst>
+              <a:ext uri="{28A0092B-C50C-407E-A947-70E740481C1C}">
+                <a14:useLocalDpi xmlns:a14="http://schemas.microsoft.com/office/drawing/2010/main" val="0"/>
+              </a:ext>
+            </a:extLst>
+          </a:blip>
+          <a:stretch>
+            <a:fillRect/>
+          </a:stretch>
+        </p:blipFill>
+        <p:spPr>
+          <a:xfrm>
+            <a:off x="2286924" y="3201694"/>
+            <a:ext cx="2286924" cy="3201694"/>
+          </a:xfrm>
+          <a:prstGeom prst="rect">
+            <a:avLst/>
+          </a:prstGeom>
+        </p:spPr>
+      </p:pic>
+      <p:pic>
+        <p:nvPicPr>
+          <p:cNvPr id="13" name="Picture 12" descr="A screen shot of a game&#10;&#10;Description automatically generated">
+            <a:extLst>
+              <a:ext uri="{FF2B5EF4-FFF2-40B4-BE49-F238E27FC236}">
+                <a16:creationId xmlns:a16="http://schemas.microsoft.com/office/drawing/2014/main" id="{D9519CDA-A91F-D22E-CD58-48EC3C7E13D8}"/>
+              </a:ext>
+            </a:extLst>
+          </p:cNvPr>
+          <p:cNvPicPr>
+            <a:picLocks noChangeAspect="1"/>
+          </p:cNvPicPr>
+          <p:nvPr/>
+        </p:nvPicPr>
+        <p:blipFill>
+          <a:blip r:embed="rId3">
+            <a:extLst>
+              <a:ext uri="{28A0092B-C50C-407E-A947-70E740481C1C}">
+                <a14:useLocalDpi xmlns:a14="http://schemas.microsoft.com/office/drawing/2010/main" val="0"/>
+              </a:ext>
+            </a:extLst>
+          </a:blip>
+          <a:stretch>
+            <a:fillRect/>
+          </a:stretch>
+        </p:blipFill>
+        <p:spPr>
+          <a:xfrm>
+            <a:off x="4573848" y="3201694"/>
+            <a:ext cx="2286924" cy="3201694"/>
+          </a:xfrm>
+          <a:prstGeom prst="rect">
+            <a:avLst/>
+          </a:prstGeom>
+        </p:spPr>
+      </p:pic>
+      <p:pic>
+        <p:nvPicPr>
+          <p:cNvPr id="15" name="Picture 14" descr="A screen shot of a game&#10;&#10;Description automatically generated">
+            <a:extLst>
+              <a:ext uri="{FF2B5EF4-FFF2-40B4-BE49-F238E27FC236}">
+                <a16:creationId xmlns:a16="http://schemas.microsoft.com/office/drawing/2014/main" id="{6C666561-1D0B-A8AF-7C4E-937B8358993B}"/>
+              </a:ext>
+            </a:extLst>
+          </p:cNvPr>
+          <p:cNvPicPr>
+            <a:picLocks noChangeAspect="1"/>
+          </p:cNvPicPr>
+          <p:nvPr/>
+        </p:nvPicPr>
+        <p:blipFill>
+          <a:blip r:embed="rId3">
+            <a:extLst>
+              <a:ext uri="{28A0092B-C50C-407E-A947-70E740481C1C}">
+                <a14:useLocalDpi xmlns:a14="http://schemas.microsoft.com/office/drawing/2010/main" val="0"/>
+              </a:ext>
+            </a:extLst>
+          </a:blip>
+          <a:stretch>
+            <a:fillRect/>
+          </a:stretch>
+        </p:blipFill>
+        <p:spPr>
+          <a:xfrm>
+            <a:off x="0" y="6403388"/>
+            <a:ext cx="2286924" cy="3201694"/>
+          </a:xfrm>
+          <a:prstGeom prst="rect">
+            <a:avLst/>
+          </a:prstGeom>
+        </p:spPr>
+      </p:pic>
+      <p:pic>
+        <p:nvPicPr>
+          <p:cNvPr id="17" name="Picture 16" descr="A screen shot of a game&#10;&#10;Description automatically generated">
+            <a:extLst>
+              <a:ext uri="{FF2B5EF4-FFF2-40B4-BE49-F238E27FC236}">
+                <a16:creationId xmlns:a16="http://schemas.microsoft.com/office/drawing/2014/main" id="{958CF5CC-6EC9-A277-CBAE-D0095667E4EB}"/>
+              </a:ext>
+            </a:extLst>
+          </p:cNvPr>
+          <p:cNvPicPr>
+            <a:picLocks noChangeAspect="1"/>
+          </p:cNvPicPr>
+          <p:nvPr/>
+        </p:nvPicPr>
+        <p:blipFill>
+          <a:blip r:embed="rId3">
+            <a:extLst>
+              <a:ext uri="{28A0092B-C50C-407E-A947-70E740481C1C}">
+                <a14:useLocalDpi xmlns:a14="http://schemas.microsoft.com/office/drawing/2010/main" val="0"/>
+              </a:ext>
+            </a:extLst>
+          </a:blip>
+          <a:stretch>
+            <a:fillRect/>
+          </a:stretch>
+        </p:blipFill>
+        <p:spPr>
+          <a:xfrm>
+            <a:off x="2286924" y="6403388"/>
+            <a:ext cx="2286924" cy="3201694"/>
+          </a:xfrm>
+          <a:prstGeom prst="rect">
+            <a:avLst/>
+          </a:prstGeom>
+        </p:spPr>
+      </p:pic>
+      <p:pic>
+        <p:nvPicPr>
+          <p:cNvPr id="19" name="Picture 18" descr="A screen shot of a game&#10;&#10;Description automatically generated">
+            <a:extLst>
+              <a:ext uri="{FF2B5EF4-FFF2-40B4-BE49-F238E27FC236}">
+                <a16:creationId xmlns:a16="http://schemas.microsoft.com/office/drawing/2014/main" id="{C8DC9309-F077-07A9-D034-A7461718C164}"/>
+              </a:ext>
+            </a:extLst>
+          </p:cNvPr>
+          <p:cNvPicPr>
+            <a:picLocks noChangeAspect="1"/>
+          </p:cNvPicPr>
+          <p:nvPr/>
+        </p:nvPicPr>
+        <p:blipFill>
+          <a:blip r:embed="rId3">
+            <a:extLst>
+              <a:ext uri="{28A0092B-C50C-407E-A947-70E740481C1C}">
+                <a14:useLocalDpi xmlns:a14="http://schemas.microsoft.com/office/drawing/2010/main" val="0"/>
+              </a:ext>
+            </a:extLst>
+          </a:blip>
+          <a:stretch>
+            <a:fillRect/>
+          </a:stretch>
+        </p:blipFill>
+        <p:spPr>
+          <a:xfrm>
+            <a:off x="4573848" y="6403388"/>
+            <a:ext cx="2286924" cy="3201694"/>
+          </a:xfrm>
+          <a:prstGeom prst="rect">
+            <a:avLst/>
+          </a:prstGeom>
+        </p:spPr>
+      </p:pic>
+    </p:spTree>
+    <p:extLst>
+      <p:ext uri="{BB962C8B-B14F-4D97-AF65-F5344CB8AC3E}">
+        <p14:creationId xmlns:p14="http://schemas.microsoft.com/office/powerpoint/2010/main" val="2668342352"/>
+      </p:ext>
+    </p:extLst>
+  </p:cSld>
+  <p:clrMapOvr>
+    <a:masterClrMapping/>
+  </p:clrMapOvr>
+</p:sld>
+</file>
+
+<file path=ppt/slides/slide129.xml><?xml version="1.0" encoding="utf-8"?>
+<p:sld xmlns:a="http://schemas.openxmlformats.org/drawingml/2006/main" xmlns:r="http://schemas.openxmlformats.org/officeDocument/2006/relationships" xmlns:p="http://schemas.openxmlformats.org/presentationml/2006/main">
+  <p:cSld>
+    <p:spTree>
+      <p:nvGrpSpPr>
+        <p:cNvPr id="1" name=""/>
+        <p:cNvGrpSpPr/>
+        <p:nvPr/>
+      </p:nvGrpSpPr>
+      <p:grpSpPr>
+        <a:xfrm>
+          <a:off x="0" y="0"/>
+          <a:ext cx="0" cy="0"/>
+          <a:chOff x="0" y="0"/>
+          <a:chExt cx="0" cy="0"/>
+        </a:xfrm>
+      </p:grpSpPr>
+      <p:pic>
+        <p:nvPicPr>
+          <p:cNvPr id="4" name="Picture 3" descr="A video game screen with a cartoon character holding a sword&#10;&#10;Description automatically generated">
+            <a:extLst>
+              <a:ext uri="{FF2B5EF4-FFF2-40B4-BE49-F238E27FC236}">
+                <a16:creationId xmlns:a16="http://schemas.microsoft.com/office/drawing/2014/main" id="{9E71EFBB-A348-EF8A-C3A5-E522E8FE2F26}"/>
+              </a:ext>
+            </a:extLst>
+          </p:cNvPr>
+          <p:cNvPicPr>
+            <a:picLocks noChangeAspect="1"/>
+          </p:cNvPicPr>
+          <p:nvPr/>
+        </p:nvPicPr>
+        <p:blipFill>
+          <a:blip r:embed="rId2">
+            <a:extLst>
+              <a:ext uri="{28A0092B-C50C-407E-A947-70E740481C1C}">
+                <a14:useLocalDpi xmlns:a14="http://schemas.microsoft.com/office/drawing/2010/main" val="0"/>
+              </a:ext>
+            </a:extLst>
+          </a:blip>
+          <a:stretch>
+            <a:fillRect/>
+          </a:stretch>
+        </p:blipFill>
+        <p:spPr>
+          <a:xfrm>
+            <a:off x="929771" y="0"/>
+            <a:ext cx="2286924" cy="3201694"/>
+          </a:xfrm>
+          <a:prstGeom prst="rect">
+            <a:avLst/>
+          </a:prstGeom>
+        </p:spPr>
+      </p:pic>
+      <p:pic>
+        <p:nvPicPr>
+          <p:cNvPr id="6" name="Picture 5" descr="A video game card with a cartoon character&#10;&#10;Description automatically generated">
+            <a:extLst>
+              <a:ext uri="{FF2B5EF4-FFF2-40B4-BE49-F238E27FC236}">
+                <a16:creationId xmlns:a16="http://schemas.microsoft.com/office/drawing/2014/main" id="{38FADFBF-417B-3081-872C-FCD84162ECA5}"/>
+              </a:ext>
+            </a:extLst>
+          </p:cNvPr>
+          <p:cNvPicPr>
+            <a:picLocks noChangeAspect="1"/>
+          </p:cNvPicPr>
+          <p:nvPr/>
+        </p:nvPicPr>
+        <p:blipFill>
+          <a:blip r:embed="rId3">
+            <a:extLst>
+              <a:ext uri="{28A0092B-C50C-407E-A947-70E740481C1C}">
+                <a14:useLocalDpi xmlns:a14="http://schemas.microsoft.com/office/drawing/2010/main" val="0"/>
+              </a:ext>
+            </a:extLst>
+          </a:blip>
+          <a:stretch>
+            <a:fillRect/>
+          </a:stretch>
+        </p:blipFill>
+        <p:spPr>
+          <a:xfrm>
+            <a:off x="5503619" y="3201694"/>
+            <a:ext cx="2286924" cy="3201694"/>
+          </a:xfrm>
+          <a:prstGeom prst="rect">
+            <a:avLst/>
+          </a:prstGeom>
+        </p:spPr>
+      </p:pic>
+      <p:pic>
+        <p:nvPicPr>
+          <p:cNvPr id="3" name="Picture 2" descr="A screenshot of a video game&#10;&#10;Description automatically generated">
+            <a:extLst>
+              <a:ext uri="{FF2B5EF4-FFF2-40B4-BE49-F238E27FC236}">
+                <a16:creationId xmlns:a16="http://schemas.microsoft.com/office/drawing/2014/main" id="{ADBFAF8C-10E6-6579-70CB-579B0FCFDD47}"/>
+              </a:ext>
+            </a:extLst>
+          </p:cNvPr>
+          <p:cNvPicPr>
+            <a:picLocks noChangeAspect="1"/>
+          </p:cNvPicPr>
+          <p:nvPr/>
+        </p:nvPicPr>
+        <p:blipFill>
+          <a:blip r:embed="rId4">
+            <a:extLst>
+              <a:ext uri="{28A0092B-C50C-407E-A947-70E740481C1C}">
+                <a14:useLocalDpi xmlns:a14="http://schemas.microsoft.com/office/drawing/2010/main" val="0"/>
+              </a:ext>
+            </a:extLst>
+          </a:blip>
+          <a:stretch>
+            <a:fillRect/>
+          </a:stretch>
+        </p:blipFill>
+        <p:spPr>
+          <a:xfrm>
+            <a:off x="5484870" y="6401692"/>
+            <a:ext cx="2287530" cy="3202542"/>
+          </a:xfrm>
+          <a:prstGeom prst="rect">
+            <a:avLst/>
+          </a:prstGeom>
+        </p:spPr>
+      </p:pic>
+      <p:pic>
+        <p:nvPicPr>
+          <p:cNvPr id="7" name="Picture 6" descr="A screenshot of a video game&#10;&#10;Description automatically generated">
+            <a:extLst>
+              <a:ext uri="{FF2B5EF4-FFF2-40B4-BE49-F238E27FC236}">
+                <a16:creationId xmlns:a16="http://schemas.microsoft.com/office/drawing/2014/main" id="{4B4EB11B-B0D1-CF4B-F9E1-85F2D7A21F25}"/>
+              </a:ext>
+            </a:extLst>
+          </p:cNvPr>
+          <p:cNvPicPr>
+            <a:picLocks noChangeAspect="1"/>
+          </p:cNvPicPr>
+          <p:nvPr/>
+        </p:nvPicPr>
+        <p:blipFill>
+          <a:blip r:embed="rId5">
+            <a:extLst>
+              <a:ext uri="{28A0092B-C50C-407E-A947-70E740481C1C}">
+                <a14:useLocalDpi xmlns:a14="http://schemas.microsoft.com/office/drawing/2010/main" val="0"/>
+              </a:ext>
+            </a:extLst>
+          </a:blip>
+          <a:stretch>
+            <a:fillRect/>
+          </a:stretch>
+        </p:blipFill>
+        <p:spPr>
+          <a:xfrm>
+            <a:off x="3197643" y="6401268"/>
+            <a:ext cx="2287530" cy="3202542"/>
+          </a:xfrm>
+          <a:prstGeom prst="rect">
+            <a:avLst/>
+          </a:prstGeom>
+        </p:spPr>
+      </p:pic>
+      <p:pic>
+        <p:nvPicPr>
+          <p:cNvPr id="9" name="Picture 8" descr="A screenshot of a video game&#10;&#10;Description automatically generated">
+            <a:extLst>
+              <a:ext uri="{FF2B5EF4-FFF2-40B4-BE49-F238E27FC236}">
+                <a16:creationId xmlns:a16="http://schemas.microsoft.com/office/drawing/2014/main" id="{4F12F664-C45C-777E-E8EF-BFAF6758071A}"/>
+              </a:ext>
+            </a:extLst>
+          </p:cNvPr>
+          <p:cNvPicPr>
+            <a:picLocks noChangeAspect="1"/>
+          </p:cNvPicPr>
+          <p:nvPr/>
+        </p:nvPicPr>
+        <p:blipFill>
+          <a:blip r:embed="rId6">
+            <a:extLst>
+              <a:ext uri="{28A0092B-C50C-407E-A947-70E740481C1C}">
+                <a14:useLocalDpi xmlns:a14="http://schemas.microsoft.com/office/drawing/2010/main" val="0"/>
+              </a:ext>
+            </a:extLst>
+          </a:blip>
+          <a:stretch>
+            <a:fillRect/>
+          </a:stretch>
+        </p:blipFill>
+        <p:spPr>
+          <a:xfrm>
+            <a:off x="3216392" y="3200846"/>
+            <a:ext cx="2287530" cy="3202542"/>
+          </a:xfrm>
+          <a:prstGeom prst="rect">
+            <a:avLst/>
+          </a:prstGeom>
+        </p:spPr>
+      </p:pic>
+      <p:pic>
+        <p:nvPicPr>
+          <p:cNvPr id="11" name="Picture 10" descr="A screenshot of a video game&#10;&#10;Description automatically generated">
+            <a:extLst>
+              <a:ext uri="{FF2B5EF4-FFF2-40B4-BE49-F238E27FC236}">
+                <a16:creationId xmlns:a16="http://schemas.microsoft.com/office/drawing/2014/main" id="{CA5D1CC0-C0FE-9E89-63DA-EC70FA291261}"/>
+              </a:ext>
+            </a:extLst>
+          </p:cNvPr>
+          <p:cNvPicPr>
+            <a:picLocks noChangeAspect="1"/>
+          </p:cNvPicPr>
+          <p:nvPr/>
+        </p:nvPicPr>
+        <p:blipFill>
+          <a:blip r:embed="rId7">
+            <a:extLst>
+              <a:ext uri="{28A0092B-C50C-407E-A947-70E740481C1C}">
+                <a14:useLocalDpi xmlns:a14="http://schemas.microsoft.com/office/drawing/2010/main" val="0"/>
+              </a:ext>
+            </a:extLst>
+          </a:blip>
+          <a:stretch>
+            <a:fillRect/>
+          </a:stretch>
+        </p:blipFill>
+        <p:spPr>
+          <a:xfrm>
+            <a:off x="927650" y="3200422"/>
+            <a:ext cx="2288136" cy="3203390"/>
+          </a:xfrm>
+          <a:prstGeom prst="rect">
+            <a:avLst/>
+          </a:prstGeom>
+        </p:spPr>
+      </p:pic>
+      <p:pic>
+        <p:nvPicPr>
+          <p:cNvPr id="13" name="Picture 12" descr="A screenshot of a video game&#10;&#10;Description automatically generated">
+            <a:extLst>
+              <a:ext uri="{FF2B5EF4-FFF2-40B4-BE49-F238E27FC236}">
+                <a16:creationId xmlns:a16="http://schemas.microsoft.com/office/drawing/2014/main" id="{C2F4C0CE-5DA3-D1EC-2BDD-E9868AFEA592}"/>
+              </a:ext>
+            </a:extLst>
+          </p:cNvPr>
+          <p:cNvPicPr>
+            <a:picLocks noChangeAspect="1"/>
+          </p:cNvPicPr>
+          <p:nvPr/>
+        </p:nvPicPr>
+        <p:blipFill>
+          <a:blip r:embed="rId8">
+            <a:extLst>
+              <a:ext uri="{28A0092B-C50C-407E-A947-70E740481C1C}">
+                <a14:useLocalDpi xmlns:a14="http://schemas.microsoft.com/office/drawing/2010/main" val="0"/>
+              </a:ext>
+            </a:extLst>
+          </a:blip>
+          <a:stretch>
+            <a:fillRect/>
+          </a:stretch>
+        </p:blipFill>
+        <p:spPr>
+          <a:xfrm>
+            <a:off x="926741" y="6401268"/>
+            <a:ext cx="2287530" cy="3202542"/>
+          </a:xfrm>
+          <a:prstGeom prst="rect">
+            <a:avLst/>
+          </a:prstGeom>
+        </p:spPr>
+      </p:pic>
+      <p:pic>
+        <p:nvPicPr>
+          <p:cNvPr id="14" name="Picture 13" descr="A screenshot of a video game&#10;&#10;Description automatically generated">
+            <a:extLst>
+              <a:ext uri="{FF2B5EF4-FFF2-40B4-BE49-F238E27FC236}">
+                <a16:creationId xmlns:a16="http://schemas.microsoft.com/office/drawing/2014/main" id="{99FEAFAA-D4C5-855B-31C2-1366FA295466}"/>
+              </a:ext>
+            </a:extLst>
+          </p:cNvPr>
+          <p:cNvPicPr>
+            <a:picLocks noChangeAspect="1"/>
+          </p:cNvPicPr>
+          <p:nvPr/>
+        </p:nvPicPr>
+        <p:blipFill>
+          <a:blip r:embed="rId9">
+            <a:extLst>
+              <a:ext uri="{28A0092B-C50C-407E-A947-70E740481C1C}">
+                <a14:useLocalDpi xmlns:a14="http://schemas.microsoft.com/office/drawing/2010/main" val="0"/>
+              </a:ext>
+            </a:extLst>
+          </a:blip>
+          <a:stretch>
+            <a:fillRect/>
+          </a:stretch>
+        </p:blipFill>
+        <p:spPr>
+          <a:xfrm>
+            <a:off x="3216392" y="0"/>
+            <a:ext cx="2287530" cy="3202542"/>
+          </a:xfrm>
+          <a:prstGeom prst="rect">
+            <a:avLst/>
+          </a:prstGeom>
+        </p:spPr>
+      </p:pic>
+      <p:pic>
+        <p:nvPicPr>
+          <p:cNvPr id="16" name="Picture 15" descr="A screenshot of a video game&#10;&#10;Description automatically generated">
+            <a:extLst>
+              <a:ext uri="{FF2B5EF4-FFF2-40B4-BE49-F238E27FC236}">
+                <a16:creationId xmlns:a16="http://schemas.microsoft.com/office/drawing/2014/main" id="{4BD421D9-3D5A-A457-E0A8-CA55031D8FCB}"/>
+              </a:ext>
+            </a:extLst>
+          </p:cNvPr>
+          <p:cNvPicPr>
+            <a:picLocks noChangeAspect="1"/>
+          </p:cNvPicPr>
+          <p:nvPr/>
+        </p:nvPicPr>
+        <p:blipFill>
+          <a:blip r:embed="rId10">
+            <a:extLst>
+              <a:ext uri="{28A0092B-C50C-407E-A947-70E740481C1C}">
+                <a14:useLocalDpi xmlns:a14="http://schemas.microsoft.com/office/drawing/2010/main" val="0"/>
+              </a:ext>
+            </a:extLst>
+          </a:blip>
+          <a:stretch>
+            <a:fillRect/>
+          </a:stretch>
+        </p:blipFill>
+        <p:spPr>
+          <a:xfrm>
+            <a:off x="5503013" y="-2968"/>
+            <a:ext cx="2288136" cy="3203390"/>
+          </a:xfrm>
+          <a:prstGeom prst="rect">
+            <a:avLst/>
+          </a:prstGeom>
+        </p:spPr>
+      </p:pic>
+    </p:spTree>
+    <p:extLst>
+      <p:ext uri="{BB962C8B-B14F-4D97-AF65-F5344CB8AC3E}">
+        <p14:creationId xmlns:p14="http://schemas.microsoft.com/office/powerpoint/2010/main" val="1763842613"/>
       </p:ext>
     </p:extLst>
   </p:cSld>
@@ -9948,6 +14638,780 @@
     <p:extLst>
       <p:ext uri="{BB962C8B-B14F-4D97-AF65-F5344CB8AC3E}">
         <p14:creationId xmlns:p14="http://schemas.microsoft.com/office/powerpoint/2010/main" val="2970607246"/>
+      </p:ext>
+    </p:extLst>
+  </p:cSld>
+  <p:clrMapOvr>
+    <a:masterClrMapping/>
+  </p:clrMapOvr>
+</p:sld>
+</file>
+
+<file path=ppt/slides/slide130.xml><?xml version="1.0" encoding="utf-8"?>
+<p:sld xmlns:a="http://schemas.openxmlformats.org/drawingml/2006/main" xmlns:r="http://schemas.openxmlformats.org/officeDocument/2006/relationships" xmlns:p="http://schemas.openxmlformats.org/presentationml/2006/main">
+  <p:cSld>
+    <p:spTree>
+      <p:nvGrpSpPr>
+        <p:cNvPr id="1" name=""/>
+        <p:cNvGrpSpPr/>
+        <p:nvPr/>
+      </p:nvGrpSpPr>
+      <p:grpSpPr>
+        <a:xfrm>
+          <a:off x="0" y="0"/>
+          <a:ext cx="0" cy="0"/>
+          <a:chOff x="0" y="0"/>
+          <a:chExt cx="0" cy="0"/>
+        </a:xfrm>
+      </p:grpSpPr>
+      <p:pic>
+        <p:nvPicPr>
+          <p:cNvPr id="3" name="Picture 2" descr="A screen shot of a game&#10;&#10;Description automatically generated">
+            <a:extLst>
+              <a:ext uri="{FF2B5EF4-FFF2-40B4-BE49-F238E27FC236}">
+                <a16:creationId xmlns:a16="http://schemas.microsoft.com/office/drawing/2014/main" id="{0D7C121F-9EED-1BB3-F251-FF3F10F9A5F5}"/>
+              </a:ext>
+            </a:extLst>
+          </p:cNvPr>
+          <p:cNvPicPr>
+            <a:picLocks noChangeAspect="1"/>
+          </p:cNvPicPr>
+          <p:nvPr/>
+        </p:nvPicPr>
+        <p:blipFill>
+          <a:blip r:embed="rId2">
+            <a:extLst>
+              <a:ext uri="{28A0092B-C50C-407E-A947-70E740481C1C}">
+                <a14:useLocalDpi xmlns:a14="http://schemas.microsoft.com/office/drawing/2010/main" val="0"/>
+              </a:ext>
+            </a:extLst>
+          </a:blip>
+          <a:stretch>
+            <a:fillRect/>
+          </a:stretch>
+        </p:blipFill>
+        <p:spPr>
+          <a:xfrm>
+            <a:off x="0" y="0"/>
+            <a:ext cx="2286924" cy="3201694"/>
+          </a:xfrm>
+          <a:prstGeom prst="rect">
+            <a:avLst/>
+          </a:prstGeom>
+        </p:spPr>
+      </p:pic>
+      <p:pic>
+        <p:nvPicPr>
+          <p:cNvPr id="5" name="Picture 4" descr="A screen shot of a game&#10;&#10;Description automatically generated">
+            <a:extLst>
+              <a:ext uri="{FF2B5EF4-FFF2-40B4-BE49-F238E27FC236}">
+                <a16:creationId xmlns:a16="http://schemas.microsoft.com/office/drawing/2014/main" id="{69BA5AF6-5861-F828-6A26-5A3384C8D9C6}"/>
+              </a:ext>
+            </a:extLst>
+          </p:cNvPr>
+          <p:cNvPicPr>
+            <a:picLocks noChangeAspect="1"/>
+          </p:cNvPicPr>
+          <p:nvPr/>
+        </p:nvPicPr>
+        <p:blipFill>
+          <a:blip r:embed="rId2">
+            <a:extLst>
+              <a:ext uri="{28A0092B-C50C-407E-A947-70E740481C1C}">
+                <a14:useLocalDpi xmlns:a14="http://schemas.microsoft.com/office/drawing/2010/main" val="0"/>
+              </a:ext>
+            </a:extLst>
+          </a:blip>
+          <a:stretch>
+            <a:fillRect/>
+          </a:stretch>
+        </p:blipFill>
+        <p:spPr>
+          <a:xfrm>
+            <a:off x="2286924" y="0"/>
+            <a:ext cx="2286924" cy="3201694"/>
+          </a:xfrm>
+          <a:prstGeom prst="rect">
+            <a:avLst/>
+          </a:prstGeom>
+        </p:spPr>
+      </p:pic>
+      <p:pic>
+        <p:nvPicPr>
+          <p:cNvPr id="7" name="Picture 6" descr="A screen shot of a game&#10;&#10;Description automatically generated">
+            <a:extLst>
+              <a:ext uri="{FF2B5EF4-FFF2-40B4-BE49-F238E27FC236}">
+                <a16:creationId xmlns:a16="http://schemas.microsoft.com/office/drawing/2014/main" id="{DE026110-C31F-5047-474F-A1A22E9E1BAF}"/>
+              </a:ext>
+            </a:extLst>
+          </p:cNvPr>
+          <p:cNvPicPr>
+            <a:picLocks noChangeAspect="1"/>
+          </p:cNvPicPr>
+          <p:nvPr/>
+        </p:nvPicPr>
+        <p:blipFill>
+          <a:blip r:embed="rId3">
+            <a:extLst>
+              <a:ext uri="{28A0092B-C50C-407E-A947-70E740481C1C}">
+                <a14:useLocalDpi xmlns:a14="http://schemas.microsoft.com/office/drawing/2010/main" val="0"/>
+              </a:ext>
+            </a:extLst>
+          </a:blip>
+          <a:stretch>
+            <a:fillRect/>
+          </a:stretch>
+        </p:blipFill>
+        <p:spPr>
+          <a:xfrm>
+            <a:off x="4573848" y="0"/>
+            <a:ext cx="2286924" cy="3201694"/>
+          </a:xfrm>
+          <a:prstGeom prst="rect">
+            <a:avLst/>
+          </a:prstGeom>
+        </p:spPr>
+      </p:pic>
+      <p:pic>
+        <p:nvPicPr>
+          <p:cNvPr id="9" name="Picture 8" descr="A screen shot of a game&#10;&#10;Description automatically generated">
+            <a:extLst>
+              <a:ext uri="{FF2B5EF4-FFF2-40B4-BE49-F238E27FC236}">
+                <a16:creationId xmlns:a16="http://schemas.microsoft.com/office/drawing/2014/main" id="{C59B48AA-A5DB-44CE-2469-41B0D10024A6}"/>
+              </a:ext>
+            </a:extLst>
+          </p:cNvPr>
+          <p:cNvPicPr>
+            <a:picLocks noChangeAspect="1"/>
+          </p:cNvPicPr>
+          <p:nvPr/>
+        </p:nvPicPr>
+        <p:blipFill>
+          <a:blip r:embed="rId3">
+            <a:extLst>
+              <a:ext uri="{28A0092B-C50C-407E-A947-70E740481C1C}">
+                <a14:useLocalDpi xmlns:a14="http://schemas.microsoft.com/office/drawing/2010/main" val="0"/>
+              </a:ext>
+            </a:extLst>
+          </a:blip>
+          <a:stretch>
+            <a:fillRect/>
+          </a:stretch>
+        </p:blipFill>
+        <p:spPr>
+          <a:xfrm>
+            <a:off x="0" y="3201694"/>
+            <a:ext cx="2286924" cy="3201694"/>
+          </a:xfrm>
+          <a:prstGeom prst="rect">
+            <a:avLst/>
+          </a:prstGeom>
+        </p:spPr>
+      </p:pic>
+      <p:pic>
+        <p:nvPicPr>
+          <p:cNvPr id="11" name="Picture 10" descr="A screen shot of a video game&#10;&#10;Description automatically generated">
+            <a:extLst>
+              <a:ext uri="{FF2B5EF4-FFF2-40B4-BE49-F238E27FC236}">
+                <a16:creationId xmlns:a16="http://schemas.microsoft.com/office/drawing/2014/main" id="{B0C48B39-2925-72A7-8178-32E236648E30}"/>
+              </a:ext>
+            </a:extLst>
+          </p:cNvPr>
+          <p:cNvPicPr>
+            <a:picLocks noChangeAspect="1"/>
+          </p:cNvPicPr>
+          <p:nvPr/>
+        </p:nvPicPr>
+        <p:blipFill>
+          <a:blip r:embed="rId4">
+            <a:extLst>
+              <a:ext uri="{28A0092B-C50C-407E-A947-70E740481C1C}">
+                <a14:useLocalDpi xmlns:a14="http://schemas.microsoft.com/office/drawing/2010/main" val="0"/>
+              </a:ext>
+            </a:extLst>
+          </a:blip>
+          <a:stretch>
+            <a:fillRect/>
+          </a:stretch>
+        </p:blipFill>
+        <p:spPr>
+          <a:xfrm>
+            <a:off x="2286924" y="3223465"/>
+            <a:ext cx="2286924" cy="3201694"/>
+          </a:xfrm>
+          <a:prstGeom prst="rect">
+            <a:avLst/>
+          </a:prstGeom>
+        </p:spPr>
+      </p:pic>
+      <p:pic>
+        <p:nvPicPr>
+          <p:cNvPr id="13" name="Picture 12" descr="A screen shot of a video game&#10;&#10;Description automatically generated">
+            <a:extLst>
+              <a:ext uri="{FF2B5EF4-FFF2-40B4-BE49-F238E27FC236}">
+                <a16:creationId xmlns:a16="http://schemas.microsoft.com/office/drawing/2014/main" id="{16D80851-AE26-56DA-ED2F-B93770B527CE}"/>
+              </a:ext>
+            </a:extLst>
+          </p:cNvPr>
+          <p:cNvPicPr>
+            <a:picLocks noChangeAspect="1"/>
+          </p:cNvPicPr>
+          <p:nvPr/>
+        </p:nvPicPr>
+        <p:blipFill>
+          <a:blip r:embed="rId4">
+            <a:extLst>
+              <a:ext uri="{28A0092B-C50C-407E-A947-70E740481C1C}">
+                <a14:useLocalDpi xmlns:a14="http://schemas.microsoft.com/office/drawing/2010/main" val="0"/>
+              </a:ext>
+            </a:extLst>
+          </a:blip>
+          <a:stretch>
+            <a:fillRect/>
+          </a:stretch>
+        </p:blipFill>
+        <p:spPr>
+          <a:xfrm>
+            <a:off x="4573848" y="3223465"/>
+            <a:ext cx="2286924" cy="3201694"/>
+          </a:xfrm>
+          <a:prstGeom prst="rect">
+            <a:avLst/>
+          </a:prstGeom>
+        </p:spPr>
+      </p:pic>
+      <p:pic>
+        <p:nvPicPr>
+          <p:cNvPr id="15" name="Picture 14" descr="A screen shot of a video game&#10;&#10;Description automatically generated">
+            <a:extLst>
+              <a:ext uri="{FF2B5EF4-FFF2-40B4-BE49-F238E27FC236}">
+                <a16:creationId xmlns:a16="http://schemas.microsoft.com/office/drawing/2014/main" id="{242C7C1B-C4E9-6A02-BD0F-4E4743E674C3}"/>
+              </a:ext>
+            </a:extLst>
+          </p:cNvPr>
+          <p:cNvPicPr>
+            <a:picLocks noChangeAspect="1"/>
+          </p:cNvPicPr>
+          <p:nvPr/>
+        </p:nvPicPr>
+        <p:blipFill>
+          <a:blip r:embed="rId4">
+            <a:extLst>
+              <a:ext uri="{28A0092B-C50C-407E-A947-70E740481C1C}">
+                <a14:useLocalDpi xmlns:a14="http://schemas.microsoft.com/office/drawing/2010/main" val="0"/>
+              </a:ext>
+            </a:extLst>
+          </a:blip>
+          <a:stretch>
+            <a:fillRect/>
+          </a:stretch>
+        </p:blipFill>
+        <p:spPr>
+          <a:xfrm>
+            <a:off x="0" y="6381617"/>
+            <a:ext cx="2286924" cy="3201694"/>
+          </a:xfrm>
+          <a:prstGeom prst="rect">
+            <a:avLst/>
+          </a:prstGeom>
+        </p:spPr>
+      </p:pic>
+      <p:pic>
+        <p:nvPicPr>
+          <p:cNvPr id="17" name="Picture 16" descr="A screen shot of a video game&#10;&#10;Description automatically generated">
+            <a:extLst>
+              <a:ext uri="{FF2B5EF4-FFF2-40B4-BE49-F238E27FC236}">
+                <a16:creationId xmlns:a16="http://schemas.microsoft.com/office/drawing/2014/main" id="{DD89359A-CA08-7D39-C301-20EBED7FBB6F}"/>
+              </a:ext>
+            </a:extLst>
+          </p:cNvPr>
+          <p:cNvPicPr>
+            <a:picLocks noChangeAspect="1"/>
+          </p:cNvPicPr>
+          <p:nvPr/>
+        </p:nvPicPr>
+        <p:blipFill>
+          <a:blip r:embed="rId4">
+            <a:extLst>
+              <a:ext uri="{28A0092B-C50C-407E-A947-70E740481C1C}">
+                <a14:useLocalDpi xmlns:a14="http://schemas.microsoft.com/office/drawing/2010/main" val="0"/>
+              </a:ext>
+            </a:extLst>
+          </a:blip>
+          <a:stretch>
+            <a:fillRect/>
+          </a:stretch>
+        </p:blipFill>
+        <p:spPr>
+          <a:xfrm>
+            <a:off x="2286924" y="6403388"/>
+            <a:ext cx="2286924" cy="3201694"/>
+          </a:xfrm>
+          <a:prstGeom prst="rect">
+            <a:avLst/>
+          </a:prstGeom>
+        </p:spPr>
+      </p:pic>
+      <p:pic>
+        <p:nvPicPr>
+          <p:cNvPr id="19" name="Picture 18" descr="A screen shot of a video game&#10;&#10;Description automatically generated">
+            <a:extLst>
+              <a:ext uri="{FF2B5EF4-FFF2-40B4-BE49-F238E27FC236}">
+                <a16:creationId xmlns:a16="http://schemas.microsoft.com/office/drawing/2014/main" id="{DDE5554F-6141-7D93-F1B3-43EA7B8AD8A5}"/>
+              </a:ext>
+            </a:extLst>
+          </p:cNvPr>
+          <p:cNvPicPr>
+            <a:picLocks noChangeAspect="1"/>
+          </p:cNvPicPr>
+          <p:nvPr/>
+        </p:nvPicPr>
+        <p:blipFill>
+          <a:blip r:embed="rId4">
+            <a:extLst>
+              <a:ext uri="{28A0092B-C50C-407E-A947-70E740481C1C}">
+                <a14:useLocalDpi xmlns:a14="http://schemas.microsoft.com/office/drawing/2010/main" val="0"/>
+              </a:ext>
+            </a:extLst>
+          </a:blip>
+          <a:stretch>
+            <a:fillRect/>
+          </a:stretch>
+        </p:blipFill>
+        <p:spPr>
+          <a:xfrm>
+            <a:off x="4573848" y="6425159"/>
+            <a:ext cx="2286924" cy="3201694"/>
+          </a:xfrm>
+          <a:prstGeom prst="rect">
+            <a:avLst/>
+          </a:prstGeom>
+        </p:spPr>
+      </p:pic>
+    </p:spTree>
+    <p:extLst>
+      <p:ext uri="{BB962C8B-B14F-4D97-AF65-F5344CB8AC3E}">
+        <p14:creationId xmlns:p14="http://schemas.microsoft.com/office/powerpoint/2010/main" val="3503180461"/>
+      </p:ext>
+    </p:extLst>
+  </p:cSld>
+  <p:clrMapOvr>
+    <a:masterClrMapping/>
+  </p:clrMapOvr>
+</p:sld>
+</file>
+
+<file path=ppt/slides/slide131.xml><?xml version="1.0" encoding="utf-8"?>
+<p:sld xmlns:a="http://schemas.openxmlformats.org/drawingml/2006/main" xmlns:r="http://schemas.openxmlformats.org/officeDocument/2006/relationships" xmlns:p="http://schemas.openxmlformats.org/presentationml/2006/main">
+  <p:cSld>
+    <p:spTree>
+      <p:nvGrpSpPr>
+        <p:cNvPr id="1" name=""/>
+        <p:cNvGrpSpPr/>
+        <p:nvPr/>
+      </p:nvGrpSpPr>
+      <p:grpSpPr>
+        <a:xfrm>
+          <a:off x="0" y="0"/>
+          <a:ext cx="0" cy="0"/>
+          <a:chOff x="0" y="0"/>
+          <a:chExt cx="0" cy="0"/>
+        </a:xfrm>
+      </p:grpSpPr>
+      <p:pic>
+        <p:nvPicPr>
+          <p:cNvPr id="4" name="Picture 3" descr="A screenshot of a video game&#10;&#10;Description automatically generated">
+            <a:extLst>
+              <a:ext uri="{FF2B5EF4-FFF2-40B4-BE49-F238E27FC236}">
+                <a16:creationId xmlns:a16="http://schemas.microsoft.com/office/drawing/2014/main" id="{BADF7996-9E40-EDAD-E9B7-CD4647056A4D}"/>
+              </a:ext>
+            </a:extLst>
+          </p:cNvPr>
+          <p:cNvPicPr>
+            <a:picLocks noChangeAspect="1"/>
+          </p:cNvPicPr>
+          <p:nvPr/>
+        </p:nvPicPr>
+        <p:blipFill>
+          <a:blip r:embed="rId2">
+            <a:extLst>
+              <a:ext uri="{28A0092B-C50C-407E-A947-70E740481C1C}">
+                <a14:useLocalDpi xmlns:a14="http://schemas.microsoft.com/office/drawing/2010/main" val="0"/>
+              </a:ext>
+            </a:extLst>
+          </a:blip>
+          <a:stretch>
+            <a:fillRect/>
+          </a:stretch>
+        </p:blipFill>
+        <p:spPr>
+          <a:xfrm>
+            <a:off x="5484870" y="0"/>
+            <a:ext cx="2287530" cy="3202542"/>
+          </a:xfrm>
+          <a:prstGeom prst="rect">
+            <a:avLst/>
+          </a:prstGeom>
+        </p:spPr>
+      </p:pic>
+      <p:pic>
+        <p:nvPicPr>
+          <p:cNvPr id="6" name="Picture 5" descr="A screenshot of a video game&#10;&#10;Description automatically generated">
+            <a:extLst>
+              <a:ext uri="{FF2B5EF4-FFF2-40B4-BE49-F238E27FC236}">
+                <a16:creationId xmlns:a16="http://schemas.microsoft.com/office/drawing/2014/main" id="{28214D81-709D-F4E0-EB42-179E87B9C82D}"/>
+              </a:ext>
+            </a:extLst>
+          </p:cNvPr>
+          <p:cNvPicPr>
+            <a:picLocks noChangeAspect="1"/>
+          </p:cNvPicPr>
+          <p:nvPr/>
+        </p:nvPicPr>
+        <p:blipFill>
+          <a:blip r:embed="rId3">
+            <a:extLst>
+              <a:ext uri="{28A0092B-C50C-407E-A947-70E740481C1C}">
+                <a14:useLocalDpi xmlns:a14="http://schemas.microsoft.com/office/drawing/2010/main" val="0"/>
+              </a:ext>
+            </a:extLst>
+          </a:blip>
+          <a:stretch>
+            <a:fillRect/>
+          </a:stretch>
+        </p:blipFill>
+        <p:spPr>
+          <a:xfrm>
+            <a:off x="3197340" y="0"/>
+            <a:ext cx="2287530" cy="3202542"/>
+          </a:xfrm>
+          <a:prstGeom prst="rect">
+            <a:avLst/>
+          </a:prstGeom>
+        </p:spPr>
+      </p:pic>
+      <p:pic>
+        <p:nvPicPr>
+          <p:cNvPr id="8" name="Picture 7" descr="A green and white rectangular sign with text and a green ghost&#10;&#10;Description automatically generated with medium confidence">
+            <a:extLst>
+              <a:ext uri="{FF2B5EF4-FFF2-40B4-BE49-F238E27FC236}">
+                <a16:creationId xmlns:a16="http://schemas.microsoft.com/office/drawing/2014/main" id="{062A5D6B-96AB-C866-70EB-F02018F427BF}"/>
+              </a:ext>
+            </a:extLst>
+          </p:cNvPr>
+          <p:cNvPicPr>
+            <a:picLocks noChangeAspect="1"/>
+          </p:cNvPicPr>
+          <p:nvPr/>
+        </p:nvPicPr>
+        <p:blipFill>
+          <a:blip r:embed="rId4">
+            <a:extLst>
+              <a:ext uri="{28A0092B-C50C-407E-A947-70E740481C1C}">
+                <a14:useLocalDpi xmlns:a14="http://schemas.microsoft.com/office/drawing/2010/main" val="0"/>
+              </a:ext>
+            </a:extLst>
+          </a:blip>
+          <a:stretch>
+            <a:fillRect/>
+          </a:stretch>
+        </p:blipFill>
+        <p:spPr>
+          <a:xfrm>
+            <a:off x="909810" y="0"/>
+            <a:ext cx="2287530" cy="3202542"/>
+          </a:xfrm>
+          <a:prstGeom prst="rect">
+            <a:avLst/>
+          </a:prstGeom>
+        </p:spPr>
+      </p:pic>
+      <p:pic>
+        <p:nvPicPr>
+          <p:cNvPr id="10" name="Picture 9" descr="A screenshot of a video game&#10;&#10;Description automatically generated">
+            <a:extLst>
+              <a:ext uri="{FF2B5EF4-FFF2-40B4-BE49-F238E27FC236}">
+                <a16:creationId xmlns:a16="http://schemas.microsoft.com/office/drawing/2014/main" id="{3171E191-D509-C459-EF19-01FA16F3FD70}"/>
+              </a:ext>
+            </a:extLst>
+          </p:cNvPr>
+          <p:cNvPicPr>
+            <a:picLocks noChangeAspect="1"/>
+          </p:cNvPicPr>
+          <p:nvPr/>
+        </p:nvPicPr>
+        <p:blipFill>
+          <a:blip r:embed="rId5">
+            <a:extLst>
+              <a:ext uri="{28A0092B-C50C-407E-A947-70E740481C1C}">
+                <a14:useLocalDpi xmlns:a14="http://schemas.microsoft.com/office/drawing/2010/main" val="0"/>
+              </a:ext>
+            </a:extLst>
+          </a:blip>
+          <a:stretch>
+            <a:fillRect/>
+          </a:stretch>
+        </p:blipFill>
+        <p:spPr>
+          <a:xfrm>
+            <a:off x="5484870" y="3202542"/>
+            <a:ext cx="2287530" cy="3202542"/>
+          </a:xfrm>
+          <a:prstGeom prst="rect">
+            <a:avLst/>
+          </a:prstGeom>
+        </p:spPr>
+      </p:pic>
+      <p:pic>
+        <p:nvPicPr>
+          <p:cNvPr id="12" name="Picture 11" descr="A screenshot of a video game&#10;&#10;Description automatically generated">
+            <a:extLst>
+              <a:ext uri="{FF2B5EF4-FFF2-40B4-BE49-F238E27FC236}">
+                <a16:creationId xmlns:a16="http://schemas.microsoft.com/office/drawing/2014/main" id="{1D590CAA-3980-8AAC-4274-3F523AB49E09}"/>
+              </a:ext>
+            </a:extLst>
+          </p:cNvPr>
+          <p:cNvPicPr>
+            <a:picLocks noChangeAspect="1"/>
+          </p:cNvPicPr>
+          <p:nvPr/>
+        </p:nvPicPr>
+        <p:blipFill>
+          <a:blip r:embed="rId6">
+            <a:extLst>
+              <a:ext uri="{28A0092B-C50C-407E-A947-70E740481C1C}">
+                <a14:useLocalDpi xmlns:a14="http://schemas.microsoft.com/office/drawing/2010/main" val="0"/>
+              </a:ext>
+            </a:extLst>
+          </a:blip>
+          <a:stretch>
+            <a:fillRect/>
+          </a:stretch>
+        </p:blipFill>
+        <p:spPr>
+          <a:xfrm>
+            <a:off x="3197340" y="3202542"/>
+            <a:ext cx="2287530" cy="3202542"/>
+          </a:xfrm>
+          <a:prstGeom prst="rect">
+            <a:avLst/>
+          </a:prstGeom>
+        </p:spPr>
+      </p:pic>
+    </p:spTree>
+    <p:extLst>
+      <p:ext uri="{BB962C8B-B14F-4D97-AF65-F5344CB8AC3E}">
+        <p14:creationId xmlns:p14="http://schemas.microsoft.com/office/powerpoint/2010/main" val="3515254344"/>
+      </p:ext>
+    </p:extLst>
+  </p:cSld>
+  <p:clrMapOvr>
+    <a:masterClrMapping/>
+  </p:clrMapOvr>
+</p:sld>
+</file>
+
+<file path=ppt/slides/slide132.xml><?xml version="1.0" encoding="utf-8"?>
+<p:sld xmlns:a="http://schemas.openxmlformats.org/drawingml/2006/main" xmlns:r="http://schemas.openxmlformats.org/officeDocument/2006/relationships" xmlns:p="http://schemas.openxmlformats.org/presentationml/2006/main">
+  <p:cSld>
+    <p:spTree>
+      <p:nvGrpSpPr>
+        <p:cNvPr id="1" name=""/>
+        <p:cNvGrpSpPr/>
+        <p:nvPr/>
+      </p:nvGrpSpPr>
+      <p:grpSpPr>
+        <a:xfrm>
+          <a:off x="0" y="0"/>
+          <a:ext cx="0" cy="0"/>
+          <a:chOff x="0" y="0"/>
+          <a:chExt cx="0" cy="0"/>
+        </a:xfrm>
+      </p:grpSpPr>
+      <p:pic>
+        <p:nvPicPr>
+          <p:cNvPr id="5" name="Picture 4" descr="A screen shot of a video game&#10;&#10;Description automatically generated">
+            <a:extLst>
+              <a:ext uri="{FF2B5EF4-FFF2-40B4-BE49-F238E27FC236}">
+                <a16:creationId xmlns:a16="http://schemas.microsoft.com/office/drawing/2014/main" id="{77D60FD7-DE1A-72D6-48AB-BC7D2C0CF855}"/>
+              </a:ext>
+            </a:extLst>
+          </p:cNvPr>
+          <p:cNvPicPr>
+            <a:picLocks noChangeAspect="1"/>
+          </p:cNvPicPr>
+          <p:nvPr/>
+        </p:nvPicPr>
+        <p:blipFill>
+          <a:blip r:embed="rId2">
+            <a:extLst>
+              <a:ext uri="{28A0092B-C50C-407E-A947-70E740481C1C}">
+                <a14:useLocalDpi xmlns:a14="http://schemas.microsoft.com/office/drawing/2010/main" val="0"/>
+              </a:ext>
+            </a:extLst>
+          </a:blip>
+          <a:stretch>
+            <a:fillRect/>
+          </a:stretch>
+        </p:blipFill>
+        <p:spPr>
+          <a:xfrm>
+            <a:off x="2286924" y="0"/>
+            <a:ext cx="2286924" cy="3201694"/>
+          </a:xfrm>
+          <a:prstGeom prst="rect">
+            <a:avLst/>
+          </a:prstGeom>
+        </p:spPr>
+      </p:pic>
+      <p:pic>
+        <p:nvPicPr>
+          <p:cNvPr id="7" name="Picture 6" descr="A screen shot of a video game&#10;&#10;Description automatically generated">
+            <a:extLst>
+              <a:ext uri="{FF2B5EF4-FFF2-40B4-BE49-F238E27FC236}">
+                <a16:creationId xmlns:a16="http://schemas.microsoft.com/office/drawing/2014/main" id="{B72D48CC-6353-02E9-FAF8-E4E4DC2B54CC}"/>
+              </a:ext>
+            </a:extLst>
+          </p:cNvPr>
+          <p:cNvPicPr>
+            <a:picLocks noChangeAspect="1"/>
+          </p:cNvPicPr>
+          <p:nvPr/>
+        </p:nvPicPr>
+        <p:blipFill>
+          <a:blip r:embed="rId2">
+            <a:extLst>
+              <a:ext uri="{28A0092B-C50C-407E-A947-70E740481C1C}">
+                <a14:useLocalDpi xmlns:a14="http://schemas.microsoft.com/office/drawing/2010/main" val="0"/>
+              </a:ext>
+            </a:extLst>
+          </a:blip>
+          <a:stretch>
+            <a:fillRect/>
+          </a:stretch>
+        </p:blipFill>
+        <p:spPr>
+          <a:xfrm>
+            <a:off x="0" y="3201694"/>
+            <a:ext cx="2286924" cy="3201694"/>
+          </a:xfrm>
+          <a:prstGeom prst="rect">
+            <a:avLst/>
+          </a:prstGeom>
+        </p:spPr>
+      </p:pic>
+      <p:pic>
+        <p:nvPicPr>
+          <p:cNvPr id="9" name="Picture 8" descr="A screen shot of a video game&#10;&#10;Description automatically generated">
+            <a:extLst>
+              <a:ext uri="{FF2B5EF4-FFF2-40B4-BE49-F238E27FC236}">
+                <a16:creationId xmlns:a16="http://schemas.microsoft.com/office/drawing/2014/main" id="{E8F082B5-A52D-823C-3102-572AB639CA54}"/>
+              </a:ext>
+            </a:extLst>
+          </p:cNvPr>
+          <p:cNvPicPr>
+            <a:picLocks noChangeAspect="1"/>
+          </p:cNvPicPr>
+          <p:nvPr/>
+        </p:nvPicPr>
+        <p:blipFill>
+          <a:blip r:embed="rId2">
+            <a:extLst>
+              <a:ext uri="{28A0092B-C50C-407E-A947-70E740481C1C}">
+                <a14:useLocalDpi xmlns:a14="http://schemas.microsoft.com/office/drawing/2010/main" val="0"/>
+              </a:ext>
+            </a:extLst>
+          </a:blip>
+          <a:stretch>
+            <a:fillRect/>
+          </a:stretch>
+        </p:blipFill>
+        <p:spPr>
+          <a:xfrm>
+            <a:off x="2286924" y="3201694"/>
+            <a:ext cx="2286924" cy="3201694"/>
+          </a:xfrm>
+          <a:prstGeom prst="rect">
+            <a:avLst/>
+          </a:prstGeom>
+        </p:spPr>
+      </p:pic>
+      <p:pic>
+        <p:nvPicPr>
+          <p:cNvPr id="11" name="Picture 10" descr="A screen shot of a video game&#10;&#10;Description automatically generated">
+            <a:extLst>
+              <a:ext uri="{FF2B5EF4-FFF2-40B4-BE49-F238E27FC236}">
+                <a16:creationId xmlns:a16="http://schemas.microsoft.com/office/drawing/2014/main" id="{90004A7A-D34A-1898-DCB0-CD5E83339B2F}"/>
+              </a:ext>
+            </a:extLst>
+          </p:cNvPr>
+          <p:cNvPicPr>
+            <a:picLocks noChangeAspect="1"/>
+          </p:cNvPicPr>
+          <p:nvPr/>
+        </p:nvPicPr>
+        <p:blipFill>
+          <a:blip r:embed="rId2">
+            <a:extLst>
+              <a:ext uri="{28A0092B-C50C-407E-A947-70E740481C1C}">
+                <a14:useLocalDpi xmlns:a14="http://schemas.microsoft.com/office/drawing/2010/main" val="0"/>
+              </a:ext>
+            </a:extLst>
+          </a:blip>
+          <a:stretch>
+            <a:fillRect/>
+          </a:stretch>
+        </p:blipFill>
+        <p:spPr>
+          <a:xfrm>
+            <a:off x="4573848" y="0"/>
+            <a:ext cx="2286924" cy="3201694"/>
+          </a:xfrm>
+          <a:prstGeom prst="rect">
+            <a:avLst/>
+          </a:prstGeom>
+        </p:spPr>
+      </p:pic>
+      <p:pic>
+        <p:nvPicPr>
+          <p:cNvPr id="2" name="Picture 1" descr="A screen shot of a game&#10;&#10;Description automatically generated">
+            <a:extLst>
+              <a:ext uri="{FF2B5EF4-FFF2-40B4-BE49-F238E27FC236}">
+                <a16:creationId xmlns:a16="http://schemas.microsoft.com/office/drawing/2014/main" id="{04755984-C0EE-1777-8145-0414EB00E28A}"/>
+              </a:ext>
+            </a:extLst>
+          </p:cNvPr>
+          <p:cNvPicPr>
+            <a:picLocks noChangeAspect="1"/>
+          </p:cNvPicPr>
+          <p:nvPr/>
+        </p:nvPicPr>
+        <p:blipFill>
+          <a:blip r:embed="rId3">
+            <a:extLst>
+              <a:ext uri="{28A0092B-C50C-407E-A947-70E740481C1C}">
+                <a14:useLocalDpi xmlns:a14="http://schemas.microsoft.com/office/drawing/2010/main" val="0"/>
+              </a:ext>
+            </a:extLst>
+          </a:blip>
+          <a:stretch>
+            <a:fillRect/>
+          </a:stretch>
+        </p:blipFill>
+        <p:spPr>
+          <a:xfrm>
+            <a:off x="0" y="0"/>
+            <a:ext cx="2286924" cy="3201694"/>
+          </a:xfrm>
+          <a:prstGeom prst="rect">
+            <a:avLst/>
+          </a:prstGeom>
+        </p:spPr>
+      </p:pic>
+    </p:spTree>
+    <p:extLst>
+      <p:ext uri="{BB962C8B-B14F-4D97-AF65-F5344CB8AC3E}">
+        <p14:creationId xmlns:p14="http://schemas.microsoft.com/office/powerpoint/2010/main" val="2505676238"/>
       </p:ext>
     </p:extLst>
   </p:cSld>

--- a/Board Games/Dungeon Scrawlers/Dungeon Scrawlers Pieces Print.pptx
+++ b/Board Games/Dungeon Scrawlers/Dungeon Scrawlers Pieces Print.pptx
@@ -2,7 +2,7 @@
 <file path=ppt/presentation.xml><?xml version="1.0" encoding="utf-8"?>
 <p:presentation xmlns:a="http://schemas.openxmlformats.org/drawingml/2006/main" xmlns:r="http://schemas.openxmlformats.org/officeDocument/2006/relationships" xmlns:p="http://schemas.openxmlformats.org/presentationml/2006/main" saveSubsetFonts="1">
   <p:sldMasterIdLst>
-    <p:sldMasterId id="2147483672" r:id="rId1"/>
+    <p:sldMasterId id="2147483696" r:id="rId1"/>
   </p:sldMasterIdLst>
   <p:sldIdLst>
     <p:sldId id="392" r:id="rId2"/>
@@ -139,12 +139,12 @@
     <p:sldId id="410" r:id="rId133"/>
   </p:sldIdLst>
   <p:sldSz cx="7772400" cy="10058400"/>
-  <p:notesSz cx="6858000" cy="9144000"/>
+  <p:notesSz cx="7010400" cy="9296400"/>
   <p:defaultTextStyle>
     <a:defPPr>
       <a:defRPr lang="en-US"/>
     </a:defPPr>
-    <a:lvl1pPr marL="0" algn="l" defTabSz="457200" rtl="0" eaLnBrk="1" latinLnBrk="0" hangingPunct="1">
+    <a:lvl1pPr marL="0" algn="l" defTabSz="457155" rtl="0" eaLnBrk="1" latinLnBrk="0" hangingPunct="1">
       <a:defRPr sz="1800" kern="1200">
         <a:solidFill>
           <a:schemeClr val="tx1"/>
@@ -154,7 +154,7 @@
         <a:cs typeface="+mn-cs"/>
       </a:defRPr>
     </a:lvl1pPr>
-    <a:lvl2pPr marL="457200" algn="l" defTabSz="457200" rtl="0" eaLnBrk="1" latinLnBrk="0" hangingPunct="1">
+    <a:lvl2pPr marL="457155" algn="l" defTabSz="457155" rtl="0" eaLnBrk="1" latinLnBrk="0" hangingPunct="1">
       <a:defRPr sz="1800" kern="1200">
         <a:solidFill>
           <a:schemeClr val="tx1"/>
@@ -164,7 +164,7 @@
         <a:cs typeface="+mn-cs"/>
       </a:defRPr>
     </a:lvl2pPr>
-    <a:lvl3pPr marL="914400" algn="l" defTabSz="457200" rtl="0" eaLnBrk="1" latinLnBrk="0" hangingPunct="1">
+    <a:lvl3pPr marL="914310" algn="l" defTabSz="457155" rtl="0" eaLnBrk="1" latinLnBrk="0" hangingPunct="1">
       <a:defRPr sz="1800" kern="1200">
         <a:solidFill>
           <a:schemeClr val="tx1"/>
@@ -174,7 +174,7 @@
         <a:cs typeface="+mn-cs"/>
       </a:defRPr>
     </a:lvl3pPr>
-    <a:lvl4pPr marL="1371600" algn="l" defTabSz="457200" rtl="0" eaLnBrk="1" latinLnBrk="0" hangingPunct="1">
+    <a:lvl4pPr marL="1371465" algn="l" defTabSz="457155" rtl="0" eaLnBrk="1" latinLnBrk="0" hangingPunct="1">
       <a:defRPr sz="1800" kern="1200">
         <a:solidFill>
           <a:schemeClr val="tx1"/>
@@ -184,7 +184,7 @@
         <a:cs typeface="+mn-cs"/>
       </a:defRPr>
     </a:lvl4pPr>
-    <a:lvl5pPr marL="1828800" algn="l" defTabSz="457200" rtl="0" eaLnBrk="1" latinLnBrk="0" hangingPunct="1">
+    <a:lvl5pPr marL="1828620" algn="l" defTabSz="457155" rtl="0" eaLnBrk="1" latinLnBrk="0" hangingPunct="1">
       <a:defRPr sz="1800" kern="1200">
         <a:solidFill>
           <a:schemeClr val="tx1"/>
@@ -194,7 +194,7 @@
         <a:cs typeface="+mn-cs"/>
       </a:defRPr>
     </a:lvl5pPr>
-    <a:lvl6pPr marL="2286000" algn="l" defTabSz="457200" rtl="0" eaLnBrk="1" latinLnBrk="0" hangingPunct="1">
+    <a:lvl6pPr marL="2285775" algn="l" defTabSz="457155" rtl="0" eaLnBrk="1" latinLnBrk="0" hangingPunct="1">
       <a:defRPr sz="1800" kern="1200">
         <a:solidFill>
           <a:schemeClr val="tx1"/>
@@ -204,7 +204,7 @@
         <a:cs typeface="+mn-cs"/>
       </a:defRPr>
     </a:lvl6pPr>
-    <a:lvl7pPr marL="2743200" algn="l" defTabSz="457200" rtl="0" eaLnBrk="1" latinLnBrk="0" hangingPunct="1">
+    <a:lvl7pPr marL="2742930" algn="l" defTabSz="457155" rtl="0" eaLnBrk="1" latinLnBrk="0" hangingPunct="1">
       <a:defRPr sz="1800" kern="1200">
         <a:solidFill>
           <a:schemeClr val="tx1"/>
@@ -214,7 +214,7 @@
         <a:cs typeface="+mn-cs"/>
       </a:defRPr>
     </a:lvl7pPr>
-    <a:lvl8pPr marL="3200400" algn="l" defTabSz="457200" rtl="0" eaLnBrk="1" latinLnBrk="0" hangingPunct="1">
+    <a:lvl8pPr marL="3200084" algn="l" defTabSz="457155" rtl="0" eaLnBrk="1" latinLnBrk="0" hangingPunct="1">
       <a:defRPr sz="1800" kern="1200">
         <a:solidFill>
           <a:schemeClr val="tx1"/>
@@ -224,7 +224,7 @@
         <a:cs typeface="+mn-cs"/>
       </a:defRPr>
     </a:lvl8pPr>
-    <a:lvl9pPr marL="3657600" algn="l" defTabSz="457200" rtl="0" eaLnBrk="1" latinLnBrk="0" hangingPunct="1">
+    <a:lvl9pPr marL="3657239" algn="l" defTabSz="457155" rtl="0" eaLnBrk="1" latinLnBrk="0" hangingPunct="1">
       <a:defRPr sz="1800" kern="1200">
         <a:solidFill>
           <a:schemeClr val="tx1"/>
@@ -272,7 +272,7 @@
         </p:nvSpPr>
         <p:spPr>
           <a:xfrm>
-            <a:off x="582930" y="1646133"/>
+            <a:off x="582930" y="1646134"/>
             <a:ext cx="6606540" cy="3501813"/>
           </a:xfrm>
         </p:spPr>
@@ -304,7 +304,7 @@
         </p:nvSpPr>
         <p:spPr>
           <a:xfrm>
-            <a:off x="971550" y="5282989"/>
+            <a:off x="971550" y="5282990"/>
             <a:ext cx="5829300" cy="2428451"/>
           </a:xfrm>
         </p:spPr>
@@ -374,7 +374,7 @@
           <a:p>
             <a:fld id="{70B2225B-91C8-44A8-928E-8BB27FD300A2}" type="datetimeFigureOut">
               <a:rPr lang="en-US" smtClean="0"/>
-              <a:t>12/10/2023</a:t>
+              <a:t>12/11/2023</a:t>
             </a:fld>
             <a:endParaRPr lang="en-US"/>
           </a:p>
@@ -425,7 +425,7 @@
     </p:spTree>
     <p:extLst>
       <p:ext uri="{BB962C8B-B14F-4D97-AF65-F5344CB8AC3E}">
-        <p14:creationId xmlns:p14="http://schemas.microsoft.com/office/powerpoint/2010/main" val="2394383651"/>
+        <p14:creationId xmlns:p14="http://schemas.microsoft.com/office/powerpoint/2010/main" val="1169536274"/>
       </p:ext>
     </p:extLst>
   </p:cSld>
@@ -493,7 +493,7 @@
             <a:pPr lvl="0"/>
             <a:r>
               <a:rPr lang="en-US"/>
-              <a:t>Click to edit Master text styles</a:t>
+              <a:t>Edit Master text styles</a:t>
             </a:r>
           </a:p>
           <a:p>
@@ -544,7 +544,7 @@
           <a:p>
             <a:fld id="{70B2225B-91C8-44A8-928E-8BB27FD300A2}" type="datetimeFigureOut">
               <a:rPr lang="en-US" smtClean="0"/>
-              <a:t>12/10/2023</a:t>
+              <a:t>12/11/2023</a:t>
             </a:fld>
             <a:endParaRPr lang="en-US"/>
           </a:p>
@@ -595,7 +595,7 @@
     </p:spTree>
     <p:extLst>
       <p:ext uri="{BB962C8B-B14F-4D97-AF65-F5344CB8AC3E}">
-        <p14:creationId xmlns:p14="http://schemas.microsoft.com/office/powerpoint/2010/main" val="560938507"/>
+        <p14:creationId xmlns:p14="http://schemas.microsoft.com/office/powerpoint/2010/main" val="3855890528"/>
       </p:ext>
     </p:extLst>
   </p:cSld>
@@ -634,7 +634,7 @@
         </p:nvSpPr>
         <p:spPr>
           <a:xfrm>
-            <a:off x="5562124" y="535517"/>
+            <a:off x="5562124" y="535518"/>
             <a:ext cx="1675924" cy="8524029"/>
           </a:xfrm>
         </p:spPr>
@@ -662,7 +662,7 @@
         </p:nvSpPr>
         <p:spPr>
           <a:xfrm>
-            <a:off x="534353" y="535517"/>
+            <a:off x="534353" y="535518"/>
             <a:ext cx="4930616" cy="8524029"/>
           </a:xfrm>
         </p:spPr>
@@ -673,7 +673,7 @@
             <a:pPr lvl="0"/>
             <a:r>
               <a:rPr lang="en-US"/>
-              <a:t>Click to edit Master text styles</a:t>
+              <a:t>Edit Master text styles</a:t>
             </a:r>
           </a:p>
           <a:p>
@@ -724,7 +724,7 @@
           <a:p>
             <a:fld id="{70B2225B-91C8-44A8-928E-8BB27FD300A2}" type="datetimeFigureOut">
               <a:rPr lang="en-US" smtClean="0"/>
-              <a:t>12/10/2023</a:t>
+              <a:t>12/11/2023</a:t>
             </a:fld>
             <a:endParaRPr lang="en-US"/>
           </a:p>
@@ -775,7 +775,7 @@
     </p:spTree>
     <p:extLst>
       <p:ext uri="{BB962C8B-B14F-4D97-AF65-F5344CB8AC3E}">
-        <p14:creationId xmlns:p14="http://schemas.microsoft.com/office/powerpoint/2010/main" val="2090433690"/>
+        <p14:creationId xmlns:p14="http://schemas.microsoft.com/office/powerpoint/2010/main" val="2498290994"/>
       </p:ext>
     </p:extLst>
   </p:cSld>
@@ -843,7 +843,7 @@
             <a:pPr lvl="0"/>
             <a:r>
               <a:rPr lang="en-US"/>
-              <a:t>Click to edit Master text styles</a:t>
+              <a:t>Edit Master text styles</a:t>
             </a:r>
           </a:p>
           <a:p>
@@ -894,7 +894,7 @@
           <a:p>
             <a:fld id="{70B2225B-91C8-44A8-928E-8BB27FD300A2}" type="datetimeFigureOut">
               <a:rPr lang="en-US" smtClean="0"/>
-              <a:t>12/10/2023</a:t>
+              <a:t>12/11/2023</a:t>
             </a:fld>
             <a:endParaRPr lang="en-US"/>
           </a:p>
@@ -945,7 +945,7 @@
     </p:spTree>
     <p:extLst>
       <p:ext uri="{BB962C8B-B14F-4D97-AF65-F5344CB8AC3E}">
-        <p14:creationId xmlns:p14="http://schemas.microsoft.com/office/powerpoint/2010/main" val="3126126961"/>
+        <p14:creationId xmlns:p14="http://schemas.microsoft.com/office/powerpoint/2010/main" val="1394219393"/>
       </p:ext>
     </p:extLst>
   </p:cSld>
@@ -984,7 +984,7 @@
         </p:nvSpPr>
         <p:spPr>
           <a:xfrm>
-            <a:off x="530305" y="2507618"/>
+            <a:off x="530306" y="2507618"/>
             <a:ext cx="6703695" cy="4184014"/>
           </a:xfrm>
         </p:spPr>
@@ -1016,7 +1016,7 @@
         </p:nvSpPr>
         <p:spPr>
           <a:xfrm>
-            <a:off x="530305" y="6731215"/>
+            <a:off x="530306" y="6731215"/>
             <a:ext cx="6703695" cy="2200274"/>
           </a:xfrm>
         </p:spPr>
@@ -1116,7 +1116,7 @@
             <a:pPr lvl="0"/>
             <a:r>
               <a:rPr lang="en-US"/>
-              <a:t>Click to edit Master text styles</a:t>
+              <a:t>Edit Master text styles</a:t>
             </a:r>
           </a:p>
         </p:txBody>
@@ -1138,7 +1138,7 @@
           <a:p>
             <a:fld id="{70B2225B-91C8-44A8-928E-8BB27FD300A2}" type="datetimeFigureOut">
               <a:rPr lang="en-US" smtClean="0"/>
-              <a:t>12/10/2023</a:t>
+              <a:t>12/11/2023</a:t>
             </a:fld>
             <a:endParaRPr lang="en-US"/>
           </a:p>
@@ -1189,7 +1189,7 @@
     </p:spTree>
     <p:extLst>
       <p:ext uri="{BB962C8B-B14F-4D97-AF65-F5344CB8AC3E}">
-        <p14:creationId xmlns:p14="http://schemas.microsoft.com/office/powerpoint/2010/main" val="917109738"/>
+        <p14:creationId xmlns:p14="http://schemas.microsoft.com/office/powerpoint/2010/main" val="1094982440"/>
       </p:ext>
     </p:extLst>
   </p:cSld>
@@ -1262,7 +1262,7 @@
             <a:pPr lvl="0"/>
             <a:r>
               <a:rPr lang="en-US"/>
-              <a:t>Click to edit Master text styles</a:t>
+              <a:t>Edit Master text styles</a:t>
             </a:r>
           </a:p>
           <a:p>
@@ -1319,7 +1319,7 @@
             <a:pPr lvl="0"/>
             <a:r>
               <a:rPr lang="en-US"/>
-              <a:t>Click to edit Master text styles</a:t>
+              <a:t>Edit Master text styles</a:t>
             </a:r>
           </a:p>
           <a:p>
@@ -1370,7 +1370,7 @@
           <a:p>
             <a:fld id="{70B2225B-91C8-44A8-928E-8BB27FD300A2}" type="datetimeFigureOut">
               <a:rPr lang="en-US" smtClean="0"/>
-              <a:t>12/10/2023</a:t>
+              <a:t>12/11/2023</a:t>
             </a:fld>
             <a:endParaRPr lang="en-US"/>
           </a:p>
@@ -1421,7 +1421,7 @@
     </p:spTree>
     <p:extLst>
       <p:ext uri="{BB962C8B-B14F-4D97-AF65-F5344CB8AC3E}">
-        <p14:creationId xmlns:p14="http://schemas.microsoft.com/office/powerpoint/2010/main" val="3044557525"/>
+        <p14:creationId xmlns:p14="http://schemas.microsoft.com/office/powerpoint/2010/main" val="2493963371"/>
       </p:ext>
     </p:extLst>
   </p:cSld>
@@ -1460,7 +1460,7 @@
         </p:nvSpPr>
         <p:spPr>
           <a:xfrm>
-            <a:off x="535365" y="535519"/>
+            <a:off x="535366" y="535519"/>
             <a:ext cx="6703695" cy="1944159"/>
           </a:xfrm>
         </p:spPr>
@@ -1488,7 +1488,7 @@
         </p:nvSpPr>
         <p:spPr>
           <a:xfrm>
-            <a:off x="535366" y="2465706"/>
+            <a:off x="535367" y="2465707"/>
             <a:ext cx="3288089" cy="1208404"/>
           </a:xfrm>
         </p:spPr>
@@ -1536,7 +1536,7 @@
             <a:pPr lvl="0"/>
             <a:r>
               <a:rPr lang="en-US"/>
-              <a:t>Click to edit Master text styles</a:t>
+              <a:t>Edit Master text styles</a:t>
             </a:r>
           </a:p>
         </p:txBody>
@@ -1553,7 +1553,7 @@
         </p:nvSpPr>
         <p:spPr>
           <a:xfrm>
-            <a:off x="535366" y="3674110"/>
+            <a:off x="535367" y="3674110"/>
             <a:ext cx="3288089" cy="5404062"/>
           </a:xfrm>
         </p:spPr>
@@ -1564,7 +1564,7 @@
             <a:pPr lvl="0"/>
             <a:r>
               <a:rPr lang="en-US"/>
-              <a:t>Click to edit Master text styles</a:t>
+              <a:t>Edit Master text styles</a:t>
             </a:r>
           </a:p>
           <a:p>
@@ -1610,7 +1610,7 @@
         </p:nvSpPr>
         <p:spPr>
           <a:xfrm>
-            <a:off x="3934778" y="2465706"/>
+            <a:off x="3934778" y="2465707"/>
             <a:ext cx="3304282" cy="1208404"/>
           </a:xfrm>
         </p:spPr>
@@ -1658,7 +1658,7 @@
             <a:pPr lvl="0"/>
             <a:r>
               <a:rPr lang="en-US"/>
-              <a:t>Click to edit Master text styles</a:t>
+              <a:t>Edit Master text styles</a:t>
             </a:r>
           </a:p>
         </p:txBody>
@@ -1686,7 +1686,7 @@
             <a:pPr lvl="0"/>
             <a:r>
               <a:rPr lang="en-US"/>
-              <a:t>Click to edit Master text styles</a:t>
+              <a:t>Edit Master text styles</a:t>
             </a:r>
           </a:p>
           <a:p>
@@ -1737,7 +1737,7 @@
           <a:p>
             <a:fld id="{70B2225B-91C8-44A8-928E-8BB27FD300A2}" type="datetimeFigureOut">
               <a:rPr lang="en-US" smtClean="0"/>
-              <a:t>12/10/2023</a:t>
+              <a:t>12/11/2023</a:t>
             </a:fld>
             <a:endParaRPr lang="en-US"/>
           </a:p>
@@ -1788,7 +1788,7 @@
     </p:spTree>
     <p:extLst>
       <p:ext uri="{BB962C8B-B14F-4D97-AF65-F5344CB8AC3E}">
-        <p14:creationId xmlns:p14="http://schemas.microsoft.com/office/powerpoint/2010/main" val="756062703"/>
+        <p14:creationId xmlns:p14="http://schemas.microsoft.com/office/powerpoint/2010/main" val="2857426101"/>
       </p:ext>
     </p:extLst>
   </p:cSld>
@@ -1855,7 +1855,7 @@
           <a:p>
             <a:fld id="{70B2225B-91C8-44A8-928E-8BB27FD300A2}" type="datetimeFigureOut">
               <a:rPr lang="en-US" smtClean="0"/>
-              <a:t>12/10/2023</a:t>
+              <a:t>12/11/2023</a:t>
             </a:fld>
             <a:endParaRPr lang="en-US"/>
           </a:p>
@@ -1906,7 +1906,7 @@
     </p:spTree>
     <p:extLst>
       <p:ext uri="{BB962C8B-B14F-4D97-AF65-F5344CB8AC3E}">
-        <p14:creationId xmlns:p14="http://schemas.microsoft.com/office/powerpoint/2010/main" val="1862973953"/>
+        <p14:creationId xmlns:p14="http://schemas.microsoft.com/office/powerpoint/2010/main" val="1960089563"/>
       </p:ext>
     </p:extLst>
   </p:cSld>
@@ -1950,7 +1950,7 @@
           <a:p>
             <a:fld id="{70B2225B-91C8-44A8-928E-8BB27FD300A2}" type="datetimeFigureOut">
               <a:rPr lang="en-US" smtClean="0"/>
-              <a:t>12/10/2023</a:t>
+              <a:t>12/11/2023</a:t>
             </a:fld>
             <a:endParaRPr lang="en-US"/>
           </a:p>
@@ -2001,7 +2001,7 @@
     </p:spTree>
     <p:extLst>
       <p:ext uri="{BB962C8B-B14F-4D97-AF65-F5344CB8AC3E}">
-        <p14:creationId xmlns:p14="http://schemas.microsoft.com/office/powerpoint/2010/main" val="3192948156"/>
+        <p14:creationId xmlns:p14="http://schemas.microsoft.com/office/powerpoint/2010/main" val="142037561"/>
       </p:ext>
     </p:extLst>
   </p:cSld>
@@ -2040,7 +2040,7 @@
         </p:nvSpPr>
         <p:spPr>
           <a:xfrm>
-            <a:off x="535365" y="670560"/>
+            <a:off x="535366" y="670560"/>
             <a:ext cx="2506801" cy="2346960"/>
           </a:xfrm>
         </p:spPr>
@@ -2072,7 +2072,7 @@
         </p:nvSpPr>
         <p:spPr>
           <a:xfrm>
-            <a:off x="3304282" y="1448226"/>
+            <a:off x="3304282" y="1448227"/>
             <a:ext cx="3934778" cy="7147983"/>
           </a:xfrm>
         </p:spPr>
@@ -2111,7 +2111,7 @@
             <a:pPr lvl="0"/>
             <a:r>
               <a:rPr lang="en-US"/>
-              <a:t>Click to edit Master text styles</a:t>
+              <a:t>Edit Master text styles</a:t>
             </a:r>
           </a:p>
           <a:p>
@@ -2157,7 +2157,7 @@
         </p:nvSpPr>
         <p:spPr>
           <a:xfrm>
-            <a:off x="535365" y="3017520"/>
+            <a:off x="535366" y="3017521"/>
             <a:ext cx="2506801" cy="5590329"/>
           </a:xfrm>
         </p:spPr>
@@ -2205,7 +2205,7 @@
             <a:pPr lvl="0"/>
             <a:r>
               <a:rPr lang="en-US"/>
-              <a:t>Click to edit Master text styles</a:t>
+              <a:t>Edit Master text styles</a:t>
             </a:r>
           </a:p>
         </p:txBody>
@@ -2227,7 +2227,7 @@
           <a:p>
             <a:fld id="{70B2225B-91C8-44A8-928E-8BB27FD300A2}" type="datetimeFigureOut">
               <a:rPr lang="en-US" smtClean="0"/>
-              <a:t>12/10/2023</a:t>
+              <a:t>12/11/2023</a:t>
             </a:fld>
             <a:endParaRPr lang="en-US"/>
           </a:p>
@@ -2278,7 +2278,7 @@
     </p:spTree>
     <p:extLst>
       <p:ext uri="{BB962C8B-B14F-4D97-AF65-F5344CB8AC3E}">
-        <p14:creationId xmlns:p14="http://schemas.microsoft.com/office/powerpoint/2010/main" val="2362824922"/>
+        <p14:creationId xmlns:p14="http://schemas.microsoft.com/office/powerpoint/2010/main" val="3745788306"/>
       </p:ext>
     </p:extLst>
   </p:cSld>
@@ -2317,7 +2317,7 @@
         </p:nvSpPr>
         <p:spPr>
           <a:xfrm>
-            <a:off x="535365" y="670560"/>
+            <a:off x="535366" y="670560"/>
             <a:ext cx="2506801" cy="2346960"/>
           </a:xfrm>
         </p:spPr>
@@ -2349,7 +2349,7 @@
         </p:nvSpPr>
         <p:spPr>
           <a:xfrm>
-            <a:off x="3304282" y="1448226"/>
+            <a:off x="3304282" y="1448227"/>
             <a:ext cx="3934778" cy="7147983"/>
           </a:xfrm>
         </p:spPr>
@@ -2414,7 +2414,7 @@
         </p:nvSpPr>
         <p:spPr>
           <a:xfrm>
-            <a:off x="535365" y="3017520"/>
+            <a:off x="535366" y="3017521"/>
             <a:ext cx="2506801" cy="5590329"/>
           </a:xfrm>
         </p:spPr>
@@ -2462,7 +2462,7 @@
             <a:pPr lvl="0"/>
             <a:r>
               <a:rPr lang="en-US"/>
-              <a:t>Click to edit Master text styles</a:t>
+              <a:t>Edit Master text styles</a:t>
             </a:r>
           </a:p>
         </p:txBody>
@@ -2484,7 +2484,7 @@
           <a:p>
             <a:fld id="{70B2225B-91C8-44A8-928E-8BB27FD300A2}" type="datetimeFigureOut">
               <a:rPr lang="en-US" smtClean="0"/>
-              <a:t>12/10/2023</a:t>
+              <a:t>12/11/2023</a:t>
             </a:fld>
             <a:endParaRPr lang="en-US"/>
           </a:p>
@@ -2535,7 +2535,7 @@
     </p:spTree>
     <p:extLst>
       <p:ext uri="{BB962C8B-B14F-4D97-AF65-F5344CB8AC3E}">
-        <p14:creationId xmlns:p14="http://schemas.microsoft.com/office/powerpoint/2010/main" val="657176910"/>
+        <p14:creationId xmlns:p14="http://schemas.microsoft.com/office/powerpoint/2010/main" val="3020645367"/>
       </p:ext>
     </p:extLst>
   </p:cSld>
@@ -2628,7 +2628,7 @@
             <a:pPr lvl="0"/>
             <a:r>
               <a:rPr lang="en-US"/>
-              <a:t>Click to edit Master text styles</a:t>
+              <a:t>Edit Master text styles</a:t>
             </a:r>
           </a:p>
           <a:p>
@@ -2674,7 +2674,7 @@
         </p:nvSpPr>
         <p:spPr>
           <a:xfrm>
-            <a:off x="534353" y="9322649"/>
+            <a:off x="534353" y="9322650"/>
             <a:ext cx="1748790" cy="535517"/>
           </a:xfrm>
           <a:prstGeom prst="rect">
@@ -2697,7 +2697,7 @@
           <a:p>
             <a:fld id="{70B2225B-91C8-44A8-928E-8BB27FD300A2}" type="datetimeFigureOut">
               <a:rPr lang="en-US" smtClean="0"/>
-              <a:t>12/10/2023</a:t>
+              <a:t>12/11/2023</a:t>
             </a:fld>
             <a:endParaRPr lang="en-US"/>
           </a:p>
@@ -2715,7 +2715,7 @@
         </p:nvSpPr>
         <p:spPr>
           <a:xfrm>
-            <a:off x="2574608" y="9322649"/>
+            <a:off x="2574608" y="9322650"/>
             <a:ext cx="2623185" cy="535517"/>
           </a:xfrm>
           <a:prstGeom prst="rect">
@@ -2752,7 +2752,7 @@
         </p:nvSpPr>
         <p:spPr>
           <a:xfrm>
-            <a:off x="5489258" y="9322649"/>
+            <a:off x="5489258" y="9322650"/>
             <a:ext cx="1748790" cy="535517"/>
           </a:xfrm>
           <a:prstGeom prst="rect">
@@ -2784,23 +2784,23 @@
     </p:spTree>
     <p:extLst>
       <p:ext uri="{BB962C8B-B14F-4D97-AF65-F5344CB8AC3E}">
-        <p14:creationId xmlns:p14="http://schemas.microsoft.com/office/powerpoint/2010/main" val="1977532194"/>
+        <p14:creationId xmlns:p14="http://schemas.microsoft.com/office/powerpoint/2010/main" val="764557810"/>
       </p:ext>
     </p:extLst>
   </p:cSld>
   <p:clrMap bg1="lt1" tx1="dk1" bg2="lt2" tx2="dk2" accent1="accent1" accent2="accent2" accent3="accent3" accent4="accent4" accent5="accent5" accent6="accent6" hlink="hlink" folHlink="folHlink"/>
   <p:sldLayoutIdLst>
-    <p:sldLayoutId id="2147483673" r:id="rId1"/>
-    <p:sldLayoutId id="2147483674" r:id="rId2"/>
-    <p:sldLayoutId id="2147483675" r:id="rId3"/>
-    <p:sldLayoutId id="2147483676" r:id="rId4"/>
-    <p:sldLayoutId id="2147483677" r:id="rId5"/>
-    <p:sldLayoutId id="2147483678" r:id="rId6"/>
-    <p:sldLayoutId id="2147483679" r:id="rId7"/>
-    <p:sldLayoutId id="2147483680" r:id="rId8"/>
-    <p:sldLayoutId id="2147483681" r:id="rId9"/>
-    <p:sldLayoutId id="2147483682" r:id="rId10"/>
-    <p:sldLayoutId id="2147483683" r:id="rId11"/>
+    <p:sldLayoutId id="2147483697" r:id="rId1"/>
+    <p:sldLayoutId id="2147483698" r:id="rId2"/>
+    <p:sldLayoutId id="2147483699" r:id="rId3"/>
+    <p:sldLayoutId id="2147483700" r:id="rId4"/>
+    <p:sldLayoutId id="2147483701" r:id="rId5"/>
+    <p:sldLayoutId id="2147483702" r:id="rId6"/>
+    <p:sldLayoutId id="2147483703" r:id="rId7"/>
+    <p:sldLayoutId id="2147483704" r:id="rId8"/>
+    <p:sldLayoutId id="2147483705" r:id="rId9"/>
+    <p:sldLayoutId id="2147483706" r:id="rId10"/>
+    <p:sldLayoutId id="2147483707" r:id="rId11"/>
   </p:sldLayoutIdLst>
   <p:txStyles>
     <p:titleStyle>
@@ -3232,7 +3232,7 @@
         </p:blipFill>
         <p:spPr>
           <a:xfrm>
-            <a:off x="6991034" y="9277034"/>
+            <a:off x="6991036" y="9277034"/>
             <a:ext cx="781366" cy="781366"/>
           </a:xfrm>
           <a:prstGeom prst="rect">
@@ -3268,7 +3268,7 @@
         </p:blipFill>
         <p:spPr>
           <a:xfrm>
-            <a:off x="6201504" y="9277034"/>
+            <a:off x="6201506" y="9277034"/>
             <a:ext cx="781366" cy="781366"/>
           </a:xfrm>
           <a:prstGeom prst="rect">
@@ -3376,7 +3376,7 @@
         </p:blipFill>
         <p:spPr>
           <a:xfrm>
-            <a:off x="3824934" y="9274567"/>
+            <a:off x="3824936" y="9274569"/>
             <a:ext cx="781366" cy="781366"/>
           </a:xfrm>
           <a:prstGeom prst="rect">
@@ -3412,7 +3412,7 @@
         </p:blipFill>
         <p:spPr>
           <a:xfrm>
-            <a:off x="3047650" y="9277034"/>
+            <a:off x="3047652" y="9277034"/>
             <a:ext cx="781366" cy="781366"/>
           </a:xfrm>
           <a:prstGeom prst="rect">
@@ -3448,7 +3448,7 @@
         </p:blipFill>
         <p:spPr>
           <a:xfrm>
-            <a:off x="1482290" y="9274567"/>
+            <a:off x="1482292" y="9274569"/>
             <a:ext cx="781366" cy="781366"/>
           </a:xfrm>
           <a:prstGeom prst="rect">
@@ -3484,7 +3484,7 @@
         </p:blipFill>
         <p:spPr>
           <a:xfrm>
-            <a:off x="2267738" y="9274567"/>
+            <a:off x="2267738" y="9274569"/>
             <a:ext cx="781366" cy="781366"/>
           </a:xfrm>
           <a:prstGeom prst="rect">
@@ -3520,7 +3520,7 @@
         </p:blipFill>
         <p:spPr>
           <a:xfrm>
-            <a:off x="7002693" y="8493201"/>
+            <a:off x="7002693" y="8493203"/>
             <a:ext cx="781366" cy="781366"/>
           </a:xfrm>
           <a:prstGeom prst="rect">
@@ -3556,7 +3556,7 @@
         </p:blipFill>
         <p:spPr>
           <a:xfrm>
-            <a:off x="6197856" y="8493201"/>
+            <a:off x="6197856" y="8493203"/>
             <a:ext cx="781366" cy="781366"/>
           </a:xfrm>
           <a:prstGeom prst="rect">
@@ -3592,7 +3592,7 @@
         </p:blipFill>
         <p:spPr>
           <a:xfrm>
-            <a:off x="5400315" y="8493201"/>
+            <a:off x="5400317" y="8493203"/>
             <a:ext cx="781366" cy="781366"/>
           </a:xfrm>
           <a:prstGeom prst="rect">
@@ -3628,7 +3628,7 @@
         </p:blipFill>
         <p:spPr>
           <a:xfrm>
-            <a:off x="4607137" y="8490734"/>
+            <a:off x="4607139" y="8490734"/>
             <a:ext cx="781366" cy="781366"/>
           </a:xfrm>
           <a:prstGeom prst="rect">
@@ -3700,7 +3700,7 @@
         </p:blipFill>
         <p:spPr>
           <a:xfrm>
-            <a:off x="3037833" y="8490734"/>
+            <a:off x="3037835" y="8490734"/>
             <a:ext cx="781366" cy="781366"/>
           </a:xfrm>
           <a:prstGeom prst="rect">
@@ -3808,7 +3808,7 @@
         </p:blipFill>
         <p:spPr>
           <a:xfrm>
-            <a:off x="707348" y="9272100"/>
+            <a:off x="707350" y="9272102"/>
             <a:ext cx="781366" cy="781366"/>
           </a:xfrm>
           <a:prstGeom prst="rect">
@@ -3910,7 +3910,7 @@
         </p:blipFill>
         <p:spPr>
           <a:xfrm>
-            <a:off x="0" y="0"/>
+            <a:off x="0" y="2"/>
             <a:ext cx="4767942" cy="4767942"/>
           </a:xfrm>
           <a:prstGeom prst="rect">
@@ -4012,7 +4012,7 @@
         </p:blipFill>
         <p:spPr>
           <a:xfrm>
-            <a:off x="3004458" y="0"/>
+            <a:off x="3004462" y="4"/>
             <a:ext cx="4767941" cy="4767941"/>
           </a:xfrm>
           <a:prstGeom prst="rect">
@@ -4048,7 +4048,7 @@
         </p:blipFill>
         <p:spPr>
           <a:xfrm>
-            <a:off x="3004458" y="5290458"/>
+            <a:off x="3004460" y="5290458"/>
             <a:ext cx="4767942" cy="4767942"/>
           </a:xfrm>
           <a:prstGeom prst="rect">
@@ -4114,7 +4114,7 @@
         </p:blipFill>
         <p:spPr>
           <a:xfrm>
-            <a:off x="0" y="0"/>
+            <a:off x="0" y="2"/>
             <a:ext cx="4767942" cy="4767942"/>
           </a:xfrm>
           <a:prstGeom prst="rect">
@@ -4216,7 +4216,7 @@
         </p:blipFill>
         <p:spPr>
           <a:xfrm>
-            <a:off x="3004458" y="0"/>
+            <a:off x="3004460" y="2"/>
             <a:ext cx="4767942" cy="4767942"/>
           </a:xfrm>
           <a:prstGeom prst="rect">
@@ -4282,7 +4282,7 @@
         </p:blipFill>
         <p:spPr>
           <a:xfrm>
-            <a:off x="0" y="0"/>
+            <a:off x="0" y="2"/>
             <a:ext cx="4767942" cy="4767942"/>
           </a:xfrm>
           <a:prstGeom prst="rect">
@@ -4384,8 +4384,8 @@
         </p:blipFill>
         <p:spPr>
           <a:xfrm>
-            <a:off x="2287530" y="0"/>
-            <a:ext cx="2288742" cy="3204238"/>
+            <a:off x="2287530" y="5"/>
+            <a:ext cx="2288742" cy="3204237"/>
           </a:xfrm>
           <a:prstGeom prst="rect">
             <a:avLst/>
@@ -4492,7 +4492,7 @@
         </p:blipFill>
         <p:spPr>
           <a:xfrm>
-            <a:off x="2287833" y="3201270"/>
+            <a:off x="2287833" y="3201272"/>
             <a:ext cx="2288136" cy="3203390"/>
           </a:xfrm>
           <a:prstGeom prst="rect">
@@ -4528,8 +4528,8 @@
         </p:blipFill>
         <p:spPr>
           <a:xfrm>
-            <a:off x="4575666" y="3200422"/>
-            <a:ext cx="2288742" cy="3204238"/>
+            <a:off x="4575666" y="3200427"/>
+            <a:ext cx="2288742" cy="3204237"/>
           </a:xfrm>
           <a:prstGeom prst="rect">
             <a:avLst/>
@@ -4564,7 +4564,7 @@
         </p:blipFill>
         <p:spPr>
           <a:xfrm>
-            <a:off x="-606" y="6403812"/>
+            <a:off x="-604" y="6403812"/>
             <a:ext cx="2287530" cy="3202542"/>
           </a:xfrm>
           <a:prstGeom prst="rect">
@@ -4600,7 +4600,7 @@
         </p:blipFill>
         <p:spPr>
           <a:xfrm>
-            <a:off x="2288742" y="6404236"/>
+            <a:off x="2288742" y="6404237"/>
             <a:ext cx="2286924" cy="3201694"/>
           </a:xfrm>
           <a:prstGeom prst="rect">
@@ -4666,7 +4666,7 @@
         </p:blipFill>
         <p:spPr>
           <a:xfrm>
-            <a:off x="5485476" y="0"/>
+            <a:off x="5485476" y="2"/>
             <a:ext cx="2286924" cy="3201694"/>
           </a:xfrm>
           <a:prstGeom prst="rect">
@@ -4702,8 +4702,8 @@
         </p:blipFill>
         <p:spPr>
           <a:xfrm>
-            <a:off x="3196734" y="0"/>
-            <a:ext cx="2288742" cy="3204238"/>
+            <a:off x="3196734" y="5"/>
+            <a:ext cx="2288742" cy="3204237"/>
           </a:xfrm>
           <a:prstGeom prst="rect">
             <a:avLst/>
@@ -4738,7 +4738,7 @@
         </p:blipFill>
         <p:spPr>
           <a:xfrm>
-            <a:off x="909810" y="0"/>
+            <a:off x="909810" y="2"/>
             <a:ext cx="2286924" cy="3201694"/>
           </a:xfrm>
           <a:prstGeom prst="rect">
@@ -4774,7 +4774,7 @@
         </p:blipFill>
         <p:spPr>
           <a:xfrm>
-            <a:off x="5485173" y="3201694"/>
+            <a:off x="5485175" y="3201694"/>
             <a:ext cx="2287530" cy="3202542"/>
           </a:xfrm>
           <a:prstGeom prst="rect">
@@ -4846,7 +4846,7 @@
         </p:blipFill>
         <p:spPr>
           <a:xfrm>
-            <a:off x="908295" y="3202118"/>
+            <a:off x="908295" y="3202120"/>
             <a:ext cx="2286924" cy="3201694"/>
           </a:xfrm>
           <a:prstGeom prst="rect">
@@ -4882,7 +4882,7 @@
         </p:blipFill>
         <p:spPr>
           <a:xfrm>
-            <a:off x="5485173" y="6403388"/>
+            <a:off x="5485175" y="6403389"/>
             <a:ext cx="2287530" cy="3202542"/>
           </a:xfrm>
           <a:prstGeom prst="rect">
@@ -4918,7 +4918,7 @@
         </p:blipFill>
         <p:spPr>
           <a:xfrm>
-            <a:off x="3194613" y="6403812"/>
+            <a:off x="3194613" y="6403814"/>
             <a:ext cx="2286924" cy="3201694"/>
           </a:xfrm>
           <a:prstGeom prst="rect">
@@ -4984,7 +4984,7 @@
         </p:blipFill>
         <p:spPr>
           <a:xfrm>
-            <a:off x="5484870" y="0"/>
+            <a:off x="5484872" y="0"/>
             <a:ext cx="2287530" cy="3202542"/>
           </a:xfrm>
           <a:prstGeom prst="rect">
@@ -5056,7 +5056,7 @@
         </p:blipFill>
         <p:spPr>
           <a:xfrm>
-            <a:off x="956753" y="0"/>
+            <a:off x="956753" y="2"/>
             <a:ext cx="2288136" cy="3203390"/>
           </a:xfrm>
           <a:prstGeom prst="rect">
@@ -5200,7 +5200,7 @@
         </p:blipFill>
         <p:spPr>
           <a:xfrm>
-            <a:off x="5484264" y="6405084"/>
+            <a:off x="5484264" y="6405086"/>
             <a:ext cx="2288136" cy="3203390"/>
           </a:xfrm>
           <a:prstGeom prst="rect">
@@ -5272,8 +5272,8 @@
         </p:blipFill>
         <p:spPr>
           <a:xfrm>
-            <a:off x="956450" y="6404660"/>
-            <a:ext cx="2288742" cy="3204238"/>
+            <a:off x="956452" y="6404663"/>
+            <a:ext cx="2288742" cy="3204237"/>
           </a:xfrm>
           <a:prstGeom prst="rect">
             <a:avLst/>
@@ -5338,7 +5338,7 @@
         </p:blipFill>
         <p:spPr>
           <a:xfrm>
-            <a:off x="2286924" y="0"/>
+            <a:off x="2286923" y="2"/>
             <a:ext cx="2286924" cy="3201694"/>
           </a:xfrm>
           <a:prstGeom prst="rect">
@@ -5374,7 +5374,7 @@
         </p:blipFill>
         <p:spPr>
           <a:xfrm>
-            <a:off x="4573848" y="0"/>
+            <a:off x="4573848" y="2"/>
             <a:ext cx="2286924" cy="3201694"/>
           </a:xfrm>
           <a:prstGeom prst="rect">
@@ -5446,7 +5446,7 @@
         </p:blipFill>
         <p:spPr>
           <a:xfrm>
-            <a:off x="2286924" y="3201694"/>
+            <a:off x="2286923" y="3201694"/>
             <a:ext cx="2286924" cy="3201694"/>
           </a:xfrm>
           <a:prstGeom prst="rect">
@@ -5554,7 +5554,7 @@
         </p:blipFill>
         <p:spPr>
           <a:xfrm>
-            <a:off x="2286924" y="6403388"/>
+            <a:off x="2286923" y="6403388"/>
             <a:ext cx="2286924" cy="3201694"/>
           </a:xfrm>
           <a:prstGeom prst="rect">
@@ -5692,7 +5692,7 @@
         </p:blipFill>
         <p:spPr>
           <a:xfrm>
-            <a:off x="5484870" y="0"/>
+            <a:off x="5484872" y="0"/>
             <a:ext cx="2287530" cy="3202542"/>
           </a:xfrm>
           <a:prstGeom prst="rect">
@@ -5908,8 +5908,8 @@
         </p:blipFill>
         <p:spPr>
           <a:xfrm>
-            <a:off x="5484264" y="6405084"/>
-            <a:ext cx="2288742" cy="3204238"/>
+            <a:off x="5484266" y="6405089"/>
+            <a:ext cx="2288742" cy="3204237"/>
           </a:xfrm>
           <a:prstGeom prst="rect">
             <a:avLst/>
@@ -5944,8 +5944,8 @@
         </p:blipFill>
         <p:spPr>
           <a:xfrm>
-            <a:off x="3194916" y="6405084"/>
-            <a:ext cx="2288742" cy="3204238"/>
+            <a:off x="3194916" y="6405089"/>
+            <a:ext cx="2288742" cy="3204237"/>
           </a:xfrm>
           <a:prstGeom prst="rect">
             <a:avLst/>
@@ -5980,8 +5980,8 @@
         </p:blipFill>
         <p:spPr>
           <a:xfrm>
-            <a:off x="905114" y="6402964"/>
-            <a:ext cx="2288742" cy="3204238"/>
+            <a:off x="905116" y="6402967"/>
+            <a:ext cx="2288742" cy="3204237"/>
           </a:xfrm>
           <a:prstGeom prst="rect">
             <a:avLst/>
@@ -6118,7 +6118,7 @@
         </p:blipFill>
         <p:spPr>
           <a:xfrm>
-            <a:off x="781366" y="9277034"/>
+            <a:off x="781368" y="9277034"/>
             <a:ext cx="781366" cy="781366"/>
           </a:xfrm>
           <a:prstGeom prst="rect">
@@ -6154,7 +6154,7 @@
         </p:blipFill>
         <p:spPr>
           <a:xfrm>
-            <a:off x="1562732" y="9262869"/>
+            <a:off x="1562734" y="9262871"/>
             <a:ext cx="781366" cy="781366"/>
           </a:xfrm>
           <a:prstGeom prst="rect">
@@ -6226,7 +6226,7 @@
         </p:blipFill>
         <p:spPr>
           <a:xfrm>
-            <a:off x="3125464" y="9262869"/>
+            <a:off x="3125464" y="9262871"/>
             <a:ext cx="781366" cy="781366"/>
           </a:xfrm>
           <a:prstGeom prst="rect">
@@ -6262,7 +6262,7 @@
         </p:blipFill>
         <p:spPr>
           <a:xfrm>
-            <a:off x="3906830" y="9262869"/>
+            <a:off x="3906832" y="9262871"/>
             <a:ext cx="781366" cy="781366"/>
           </a:xfrm>
           <a:prstGeom prst="rect">
@@ -6298,7 +6298,7 @@
         </p:blipFill>
         <p:spPr>
           <a:xfrm>
-            <a:off x="4688196" y="9262869"/>
+            <a:off x="4688198" y="9262871"/>
             <a:ext cx="781366" cy="781366"/>
           </a:xfrm>
           <a:prstGeom prst="rect">
@@ -6334,7 +6334,7 @@
         </p:blipFill>
         <p:spPr>
           <a:xfrm>
-            <a:off x="5469562" y="9262869"/>
+            <a:off x="5469562" y="9262871"/>
             <a:ext cx="781366" cy="781366"/>
           </a:xfrm>
           <a:prstGeom prst="rect">
@@ -6370,7 +6370,7 @@
         </p:blipFill>
         <p:spPr>
           <a:xfrm>
-            <a:off x="6269771" y="9262869"/>
+            <a:off x="6269773" y="9262871"/>
             <a:ext cx="781366" cy="781366"/>
           </a:xfrm>
           <a:prstGeom prst="rect">
@@ -6406,7 +6406,7 @@
         </p:blipFill>
         <p:spPr>
           <a:xfrm>
-            <a:off x="0" y="8495668"/>
+            <a:off x="0" y="8495670"/>
             <a:ext cx="781366" cy="781366"/>
           </a:xfrm>
           <a:prstGeom prst="rect">
@@ -6442,7 +6442,7 @@
         </p:blipFill>
         <p:spPr>
           <a:xfrm>
-            <a:off x="781366" y="8495668"/>
+            <a:off x="781368" y="8495670"/>
             <a:ext cx="781366" cy="781366"/>
           </a:xfrm>
           <a:prstGeom prst="rect">
@@ -6478,7 +6478,7 @@
         </p:blipFill>
         <p:spPr>
           <a:xfrm>
-            <a:off x="1562732" y="8481503"/>
+            <a:off x="1562734" y="8481503"/>
             <a:ext cx="781366" cy="781366"/>
           </a:xfrm>
           <a:prstGeom prst="rect">
@@ -6514,7 +6514,7 @@
         </p:blipFill>
         <p:spPr>
           <a:xfrm>
-            <a:off x="2344098" y="8495668"/>
+            <a:off x="2344098" y="8495670"/>
             <a:ext cx="781366" cy="781366"/>
           </a:xfrm>
           <a:prstGeom prst="rect">
@@ -6586,7 +6586,7 @@
         </p:blipFill>
         <p:spPr>
           <a:xfrm>
-            <a:off x="3906830" y="8481503"/>
+            <a:off x="3906832" y="8481503"/>
             <a:ext cx="781366" cy="781366"/>
           </a:xfrm>
           <a:prstGeom prst="rect">
@@ -6622,7 +6622,7 @@
         </p:blipFill>
         <p:spPr>
           <a:xfrm>
-            <a:off x="4688196" y="8481503"/>
+            <a:off x="4688198" y="8481503"/>
             <a:ext cx="781366" cy="781366"/>
           </a:xfrm>
           <a:prstGeom prst="rect">
@@ -6694,7 +6694,7 @@
         </p:blipFill>
         <p:spPr>
           <a:xfrm>
-            <a:off x="6269771" y="8481503"/>
+            <a:off x="6269773" y="8481503"/>
             <a:ext cx="781366" cy="781366"/>
           </a:xfrm>
           <a:prstGeom prst="rect">
@@ -6760,7 +6760,7 @@
         </p:blipFill>
         <p:spPr>
           <a:xfrm>
-            <a:off x="0" y="0"/>
+            <a:off x="0" y="2"/>
             <a:ext cx="2286924" cy="3201694"/>
           </a:xfrm>
           <a:prstGeom prst="rect">
@@ -6796,7 +6796,7 @@
         </p:blipFill>
         <p:spPr>
           <a:xfrm>
-            <a:off x="2286924" y="0"/>
+            <a:off x="2286923" y="2"/>
             <a:ext cx="2286924" cy="3201694"/>
           </a:xfrm>
           <a:prstGeom prst="rect">
@@ -6832,7 +6832,7 @@
         </p:blipFill>
         <p:spPr>
           <a:xfrm>
-            <a:off x="4573848" y="0"/>
+            <a:off x="4573848" y="2"/>
             <a:ext cx="2286924" cy="3201694"/>
           </a:xfrm>
           <a:prstGeom prst="rect">
@@ -6904,7 +6904,7 @@
         </p:blipFill>
         <p:spPr>
           <a:xfrm>
-            <a:off x="2286924" y="3201694"/>
+            <a:off x="2286923" y="3201694"/>
             <a:ext cx="2286924" cy="3201694"/>
           </a:xfrm>
           <a:prstGeom prst="rect">
@@ -7012,7 +7012,7 @@
         </p:blipFill>
         <p:spPr>
           <a:xfrm>
-            <a:off x="2286924" y="6403388"/>
+            <a:off x="2286923" y="6403388"/>
             <a:ext cx="2286924" cy="3201694"/>
           </a:xfrm>
           <a:prstGeom prst="rect">
@@ -7294,7 +7294,7 @@
         </p:blipFill>
         <p:spPr>
           <a:xfrm>
-            <a:off x="5484870" y="6404236"/>
+            <a:off x="5484870" y="6404238"/>
             <a:ext cx="2288136" cy="3203390"/>
           </a:xfrm>
           <a:prstGeom prst="rect">
@@ -7402,7 +7402,7 @@
         </p:blipFill>
         <p:spPr>
           <a:xfrm>
-            <a:off x="5485173" y="0"/>
+            <a:off x="5485175" y="0"/>
             <a:ext cx="2287530" cy="3202542"/>
           </a:xfrm>
           <a:prstGeom prst="rect">
@@ -7468,7 +7468,7 @@
         </p:blipFill>
         <p:spPr>
           <a:xfrm>
-            <a:off x="0" y="0"/>
+            <a:off x="0" y="2"/>
             <a:ext cx="2286924" cy="3201694"/>
           </a:xfrm>
           <a:prstGeom prst="rect">
@@ -7504,7 +7504,7 @@
         </p:blipFill>
         <p:spPr>
           <a:xfrm>
-            <a:off x="2286924" y="0"/>
+            <a:off x="2286923" y="2"/>
             <a:ext cx="2286924" cy="3201694"/>
           </a:xfrm>
           <a:prstGeom prst="rect">
@@ -7540,7 +7540,7 @@
         </p:blipFill>
         <p:spPr>
           <a:xfrm>
-            <a:off x="4573848" y="0"/>
+            <a:off x="4573848" y="2"/>
             <a:ext cx="2286924" cy="3201694"/>
           </a:xfrm>
           <a:prstGeom prst="rect">
@@ -7612,7 +7612,7 @@
         </p:blipFill>
         <p:spPr>
           <a:xfrm>
-            <a:off x="2286924" y="3201694"/>
+            <a:off x="2286923" y="3201694"/>
             <a:ext cx="2286924" cy="3201694"/>
           </a:xfrm>
           <a:prstGeom prst="rect">
@@ -7720,7 +7720,7 @@
         </p:blipFill>
         <p:spPr>
           <a:xfrm>
-            <a:off x="2286924" y="6403388"/>
+            <a:off x="2286923" y="6403388"/>
             <a:ext cx="2286924" cy="3201694"/>
           </a:xfrm>
           <a:prstGeom prst="rect">
@@ -7822,7 +7822,7 @@
         </p:blipFill>
         <p:spPr>
           <a:xfrm>
-            <a:off x="929771" y="0"/>
+            <a:off x="929771" y="2"/>
             <a:ext cx="2286924" cy="3201694"/>
           </a:xfrm>
           <a:prstGeom prst="rect">
@@ -7894,7 +7894,7 @@
         </p:blipFill>
         <p:spPr>
           <a:xfrm>
-            <a:off x="5484870" y="6401692"/>
+            <a:off x="5484872" y="6401692"/>
             <a:ext cx="2287530" cy="3202542"/>
           </a:xfrm>
           <a:prstGeom prst="rect">
@@ -7930,7 +7930,7 @@
         </p:blipFill>
         <p:spPr>
           <a:xfrm>
-            <a:off x="3197643" y="6401268"/>
+            <a:off x="3197645" y="6401268"/>
             <a:ext cx="2287530" cy="3202542"/>
           </a:xfrm>
           <a:prstGeom prst="rect">
@@ -7966,7 +7966,7 @@
         </p:blipFill>
         <p:spPr>
           <a:xfrm>
-            <a:off x="3216392" y="3200846"/>
+            <a:off x="3216394" y="3200846"/>
             <a:ext cx="2287530" cy="3202542"/>
           </a:xfrm>
           <a:prstGeom prst="rect">
@@ -8002,7 +8002,7 @@
         </p:blipFill>
         <p:spPr>
           <a:xfrm>
-            <a:off x="927650" y="3200422"/>
+            <a:off x="927649" y="3200424"/>
             <a:ext cx="2288136" cy="3203390"/>
           </a:xfrm>
           <a:prstGeom prst="rect">
@@ -8074,7 +8074,7 @@
         </p:blipFill>
         <p:spPr>
           <a:xfrm>
-            <a:off x="3216392" y="0"/>
+            <a:off x="3216394" y="0"/>
             <a:ext cx="2287530" cy="3202542"/>
           </a:xfrm>
           <a:prstGeom prst="rect">
@@ -8176,7 +8176,7 @@
         </p:blipFill>
         <p:spPr>
           <a:xfrm>
-            <a:off x="0" y="0"/>
+            <a:off x="0" y="2"/>
             <a:ext cx="2286924" cy="3201694"/>
           </a:xfrm>
           <a:prstGeom prst="rect">
@@ -8212,7 +8212,7 @@
         </p:blipFill>
         <p:spPr>
           <a:xfrm>
-            <a:off x="2286924" y="0"/>
+            <a:off x="2286923" y="2"/>
             <a:ext cx="2286924" cy="3201694"/>
           </a:xfrm>
           <a:prstGeom prst="rect">
@@ -8248,7 +8248,7 @@
         </p:blipFill>
         <p:spPr>
           <a:xfrm>
-            <a:off x="4573848" y="0"/>
+            <a:off x="4573848" y="2"/>
             <a:ext cx="2286924" cy="3201694"/>
           </a:xfrm>
           <a:prstGeom prst="rect">
@@ -8320,7 +8320,7 @@
         </p:blipFill>
         <p:spPr>
           <a:xfrm>
-            <a:off x="2286924" y="3223465"/>
+            <a:off x="2286923" y="3223465"/>
             <a:ext cx="2286924" cy="3201694"/>
           </a:xfrm>
           <a:prstGeom prst="rect">
@@ -8428,7 +8428,7 @@
         </p:blipFill>
         <p:spPr>
           <a:xfrm>
-            <a:off x="2286924" y="6403388"/>
+            <a:off x="2286923" y="6403388"/>
             <a:ext cx="2286924" cy="3201694"/>
           </a:xfrm>
           <a:prstGeom prst="rect">
@@ -8530,7 +8530,7 @@
         </p:blipFill>
         <p:spPr>
           <a:xfrm>
-            <a:off x="5484870" y="0"/>
+            <a:off x="5484872" y="0"/>
             <a:ext cx="2287530" cy="3202542"/>
           </a:xfrm>
           <a:prstGeom prst="rect">
@@ -8638,7 +8638,7 @@
         </p:blipFill>
         <p:spPr>
           <a:xfrm>
-            <a:off x="5484870" y="3202542"/>
+            <a:off x="5484872" y="3202542"/>
             <a:ext cx="2287530" cy="3202542"/>
           </a:xfrm>
           <a:prstGeom prst="rect">
@@ -8740,7 +8740,7 @@
         </p:blipFill>
         <p:spPr>
           <a:xfrm>
-            <a:off x="2286924" y="0"/>
+            <a:off x="2286923" y="2"/>
             <a:ext cx="2286924" cy="3201694"/>
           </a:xfrm>
           <a:prstGeom prst="rect">
@@ -8812,7 +8812,7 @@
         </p:blipFill>
         <p:spPr>
           <a:xfrm>
-            <a:off x="2286924" y="3201694"/>
+            <a:off x="2286923" y="3201694"/>
             <a:ext cx="2286924" cy="3201694"/>
           </a:xfrm>
           <a:prstGeom prst="rect">
@@ -8848,7 +8848,7 @@
         </p:blipFill>
         <p:spPr>
           <a:xfrm>
-            <a:off x="4573848" y="0"/>
+            <a:off x="4573848" y="2"/>
             <a:ext cx="2286924" cy="3201694"/>
           </a:xfrm>
           <a:prstGeom prst="rect">
@@ -8884,7 +8884,7 @@
         </p:blipFill>
         <p:spPr>
           <a:xfrm>
-            <a:off x="0" y="0"/>
+            <a:off x="0" y="2"/>
             <a:ext cx="2286924" cy="3201694"/>
           </a:xfrm>
           <a:prstGeom prst="rect">
@@ -8950,7 +8950,7 @@
         </p:blipFill>
         <p:spPr>
           <a:xfrm>
-            <a:off x="5484870" y="0"/>
+            <a:off x="5484872" y="0"/>
             <a:ext cx="2287530" cy="3202542"/>
           </a:xfrm>
           <a:prstGeom prst="rect">
@@ -9166,8 +9166,8 @@
         </p:blipFill>
         <p:spPr>
           <a:xfrm>
-            <a:off x="5484264" y="6405084"/>
-            <a:ext cx="2288742" cy="3204238"/>
+            <a:off x="5484266" y="6405089"/>
+            <a:ext cx="2288742" cy="3204237"/>
           </a:xfrm>
           <a:prstGeom prst="rect">
             <a:avLst/>
@@ -9202,8 +9202,8 @@
         </p:blipFill>
         <p:spPr>
           <a:xfrm>
-            <a:off x="3194916" y="6405084"/>
-            <a:ext cx="2288742" cy="3204238"/>
+            <a:off x="3194916" y="6405089"/>
+            <a:ext cx="2288742" cy="3204237"/>
           </a:xfrm>
           <a:prstGeom prst="rect">
             <a:avLst/>
@@ -9238,8 +9238,8 @@
         </p:blipFill>
         <p:spPr>
           <a:xfrm>
-            <a:off x="905114" y="6402964"/>
-            <a:ext cx="2288742" cy="3204238"/>
+            <a:off x="905116" y="6402967"/>
+            <a:ext cx="2288742" cy="3204237"/>
           </a:xfrm>
           <a:prstGeom prst="rect">
             <a:avLst/>
@@ -9304,7 +9304,7 @@
         </p:blipFill>
         <p:spPr>
           <a:xfrm>
-            <a:off x="0" y="0"/>
+            <a:off x="0" y="2"/>
             <a:ext cx="2286924" cy="3201694"/>
           </a:xfrm>
           <a:prstGeom prst="rect">
@@ -9340,7 +9340,7 @@
         </p:blipFill>
         <p:spPr>
           <a:xfrm>
-            <a:off x="2286924" y="0"/>
+            <a:off x="2286923" y="2"/>
             <a:ext cx="2286924" cy="3201694"/>
           </a:xfrm>
           <a:prstGeom prst="rect">
@@ -9376,7 +9376,7 @@
         </p:blipFill>
         <p:spPr>
           <a:xfrm>
-            <a:off x="4573848" y="0"/>
+            <a:off x="4573848" y="2"/>
             <a:ext cx="2286924" cy="3201694"/>
           </a:xfrm>
           <a:prstGeom prst="rect">
@@ -9448,7 +9448,7 @@
         </p:blipFill>
         <p:spPr>
           <a:xfrm>
-            <a:off x="2286924" y="3201694"/>
+            <a:off x="2286923" y="3201694"/>
             <a:ext cx="2286924" cy="3201694"/>
           </a:xfrm>
           <a:prstGeom prst="rect">
@@ -9556,7 +9556,7 @@
         </p:blipFill>
         <p:spPr>
           <a:xfrm>
-            <a:off x="2286924" y="6403388"/>
+            <a:off x="2286923" y="6403388"/>
             <a:ext cx="2286924" cy="3201694"/>
           </a:xfrm>
           <a:prstGeom prst="rect">
@@ -9838,7 +9838,7 @@
         </p:blipFill>
         <p:spPr>
           <a:xfrm>
-            <a:off x="5484870" y="6404236"/>
+            <a:off x="5484870" y="6404238"/>
             <a:ext cx="2288136" cy="3203390"/>
           </a:xfrm>
           <a:prstGeom prst="rect">
@@ -9946,7 +9946,7 @@
         </p:blipFill>
         <p:spPr>
           <a:xfrm>
-            <a:off x="5485173" y="0"/>
+            <a:off x="5485175" y="0"/>
             <a:ext cx="2287530" cy="3202542"/>
           </a:xfrm>
           <a:prstGeom prst="rect">
@@ -10084,7 +10084,7 @@
         </p:blipFill>
         <p:spPr>
           <a:xfrm>
-            <a:off x="1502629" y="9277034"/>
+            <a:off x="1502631" y="9277034"/>
             <a:ext cx="781366" cy="781366"/>
           </a:xfrm>
           <a:prstGeom prst="rect">
@@ -10120,7 +10120,7 @@
         </p:blipFill>
         <p:spPr>
           <a:xfrm>
-            <a:off x="2283995" y="9262869"/>
+            <a:off x="2283997" y="9262871"/>
             <a:ext cx="781366" cy="781366"/>
           </a:xfrm>
           <a:prstGeom prst="rect">
@@ -10192,7 +10192,7 @@
         </p:blipFill>
         <p:spPr>
           <a:xfrm>
-            <a:off x="3846727" y="9262869"/>
+            <a:off x="3846727" y="9262871"/>
             <a:ext cx="781366" cy="781366"/>
           </a:xfrm>
           <a:prstGeom prst="rect">
@@ -10228,7 +10228,7 @@
         </p:blipFill>
         <p:spPr>
           <a:xfrm>
-            <a:off x="4628093" y="9262869"/>
+            <a:off x="4628095" y="9262871"/>
             <a:ext cx="781366" cy="781366"/>
           </a:xfrm>
           <a:prstGeom prst="rect">
@@ -10264,7 +10264,7 @@
         </p:blipFill>
         <p:spPr>
           <a:xfrm>
-            <a:off x="5409459" y="9262869"/>
+            <a:off x="5409461" y="9262871"/>
             <a:ext cx="781366" cy="781366"/>
           </a:xfrm>
           <a:prstGeom prst="rect">
@@ -10300,7 +10300,7 @@
         </p:blipFill>
         <p:spPr>
           <a:xfrm>
-            <a:off x="6190825" y="9262869"/>
+            <a:off x="6190825" y="9262871"/>
             <a:ext cx="781366" cy="781366"/>
           </a:xfrm>
           <a:prstGeom prst="rect">
@@ -10336,7 +10336,7 @@
         </p:blipFill>
         <p:spPr>
           <a:xfrm>
-            <a:off x="6991034" y="9262869"/>
+            <a:off x="6991036" y="9262871"/>
             <a:ext cx="781366" cy="781366"/>
           </a:xfrm>
           <a:prstGeom prst="rect">
@@ -10372,7 +10372,7 @@
         </p:blipFill>
         <p:spPr>
           <a:xfrm>
-            <a:off x="721263" y="8495668"/>
+            <a:off x="721263" y="8495670"/>
             <a:ext cx="781366" cy="781366"/>
           </a:xfrm>
           <a:prstGeom prst="rect">
@@ -10408,7 +10408,7 @@
         </p:blipFill>
         <p:spPr>
           <a:xfrm>
-            <a:off x="1502629" y="8495668"/>
+            <a:off x="1502631" y="8495670"/>
             <a:ext cx="781366" cy="781366"/>
           </a:xfrm>
           <a:prstGeom prst="rect">
@@ -10444,7 +10444,7 @@
         </p:blipFill>
         <p:spPr>
           <a:xfrm>
-            <a:off x="2283995" y="8481503"/>
+            <a:off x="2283997" y="8481503"/>
             <a:ext cx="781366" cy="781366"/>
           </a:xfrm>
           <a:prstGeom prst="rect">
@@ -10480,7 +10480,7 @@
         </p:blipFill>
         <p:spPr>
           <a:xfrm>
-            <a:off x="3065361" y="8495668"/>
+            <a:off x="3065361" y="8495670"/>
             <a:ext cx="781366" cy="781366"/>
           </a:xfrm>
           <a:prstGeom prst="rect">
@@ -10552,7 +10552,7 @@
         </p:blipFill>
         <p:spPr>
           <a:xfrm>
-            <a:off x="4628093" y="8481503"/>
+            <a:off x="4628095" y="8481503"/>
             <a:ext cx="781366" cy="781366"/>
           </a:xfrm>
           <a:prstGeom prst="rect">
@@ -10588,7 +10588,7 @@
         </p:blipFill>
         <p:spPr>
           <a:xfrm>
-            <a:off x="5409459" y="8481503"/>
+            <a:off x="5409461" y="8481503"/>
             <a:ext cx="781366" cy="781366"/>
           </a:xfrm>
           <a:prstGeom prst="rect">
@@ -10660,7 +10660,7 @@
         </p:blipFill>
         <p:spPr>
           <a:xfrm>
-            <a:off x="6991034" y="8481503"/>
+            <a:off x="6991036" y="8481503"/>
             <a:ext cx="781366" cy="781366"/>
           </a:xfrm>
           <a:prstGeom prst="rect">
@@ -10726,7 +10726,7 @@
         </p:blipFill>
         <p:spPr>
           <a:xfrm>
-            <a:off x="0" y="0"/>
+            <a:off x="0" y="2"/>
             <a:ext cx="2286924" cy="3201694"/>
           </a:xfrm>
           <a:prstGeom prst="rect">
@@ -10762,7 +10762,7 @@
         </p:blipFill>
         <p:spPr>
           <a:xfrm>
-            <a:off x="2286924" y="0"/>
+            <a:off x="2286923" y="2"/>
             <a:ext cx="2286924" cy="3201694"/>
           </a:xfrm>
           <a:prstGeom prst="rect">
@@ -10798,7 +10798,7 @@
         </p:blipFill>
         <p:spPr>
           <a:xfrm>
-            <a:off x="4573848" y="0"/>
+            <a:off x="4573848" y="2"/>
             <a:ext cx="2286924" cy="3201694"/>
           </a:xfrm>
           <a:prstGeom prst="rect">
@@ -10870,7 +10870,7 @@
         </p:blipFill>
         <p:spPr>
           <a:xfrm>
-            <a:off x="2286924" y="3201694"/>
+            <a:off x="2286923" y="3201694"/>
             <a:ext cx="2286924" cy="3201694"/>
           </a:xfrm>
           <a:prstGeom prst="rect">
@@ -10978,7 +10978,7 @@
         </p:blipFill>
         <p:spPr>
           <a:xfrm>
-            <a:off x="2286924" y="6403388"/>
+            <a:off x="2286923" y="6403388"/>
             <a:ext cx="2286924" cy="3201694"/>
           </a:xfrm>
           <a:prstGeom prst="rect">
@@ -11080,7 +11080,7 @@
         </p:blipFill>
         <p:spPr>
           <a:xfrm>
-            <a:off x="929771" y="0"/>
+            <a:off x="929771" y="2"/>
             <a:ext cx="2286924" cy="3201694"/>
           </a:xfrm>
           <a:prstGeom prst="rect">
@@ -11152,7 +11152,7 @@
         </p:blipFill>
         <p:spPr>
           <a:xfrm>
-            <a:off x="5484870" y="6401692"/>
+            <a:off x="5484872" y="6401692"/>
             <a:ext cx="2287530" cy="3202542"/>
           </a:xfrm>
           <a:prstGeom prst="rect">
@@ -11188,7 +11188,7 @@
         </p:blipFill>
         <p:spPr>
           <a:xfrm>
-            <a:off x="3197643" y="6401268"/>
+            <a:off x="3197645" y="6401268"/>
             <a:ext cx="2287530" cy="3202542"/>
           </a:xfrm>
           <a:prstGeom prst="rect">
@@ -11224,7 +11224,7 @@
         </p:blipFill>
         <p:spPr>
           <a:xfrm>
-            <a:off x="3216392" y="3200846"/>
+            <a:off x="3216394" y="3200846"/>
             <a:ext cx="2287530" cy="3202542"/>
           </a:xfrm>
           <a:prstGeom prst="rect">
@@ -11260,7 +11260,7 @@
         </p:blipFill>
         <p:spPr>
           <a:xfrm>
-            <a:off x="927650" y="3200422"/>
+            <a:off x="927649" y="3200424"/>
             <a:ext cx="2288136" cy="3203390"/>
           </a:xfrm>
           <a:prstGeom prst="rect">
@@ -11332,7 +11332,7 @@
         </p:blipFill>
         <p:spPr>
           <a:xfrm>
-            <a:off x="3216392" y="0"/>
+            <a:off x="3216394" y="0"/>
             <a:ext cx="2287530" cy="3202542"/>
           </a:xfrm>
           <a:prstGeom prst="rect">
@@ -11434,7 +11434,7 @@
         </p:blipFill>
         <p:spPr>
           <a:xfrm>
-            <a:off x="0" y="0"/>
+            <a:off x="0" y="2"/>
             <a:ext cx="2286924" cy="3201694"/>
           </a:xfrm>
           <a:prstGeom prst="rect">
@@ -11470,7 +11470,7 @@
         </p:blipFill>
         <p:spPr>
           <a:xfrm>
-            <a:off x="2286924" y="0"/>
+            <a:off x="2286923" y="2"/>
             <a:ext cx="2286924" cy="3201694"/>
           </a:xfrm>
           <a:prstGeom prst="rect">
@@ -11506,7 +11506,7 @@
         </p:blipFill>
         <p:spPr>
           <a:xfrm>
-            <a:off x="4573848" y="0"/>
+            <a:off x="4573848" y="2"/>
             <a:ext cx="2286924" cy="3201694"/>
           </a:xfrm>
           <a:prstGeom prst="rect">
@@ -11578,7 +11578,7 @@
         </p:blipFill>
         <p:spPr>
           <a:xfrm>
-            <a:off x="2286924" y="3223465"/>
+            <a:off x="2286923" y="3223465"/>
             <a:ext cx="2286924" cy="3201694"/>
           </a:xfrm>
           <a:prstGeom prst="rect">
@@ -11686,7 +11686,7 @@
         </p:blipFill>
         <p:spPr>
           <a:xfrm>
-            <a:off x="2286924" y="6403388"/>
+            <a:off x="2286923" y="6403388"/>
             <a:ext cx="2286924" cy="3201694"/>
           </a:xfrm>
           <a:prstGeom prst="rect">
@@ -11788,7 +11788,7 @@
         </p:blipFill>
         <p:spPr>
           <a:xfrm>
-            <a:off x="5484870" y="0"/>
+            <a:off x="5484872" y="0"/>
             <a:ext cx="2287530" cy="3202542"/>
           </a:xfrm>
           <a:prstGeom prst="rect">
@@ -11896,7 +11896,7 @@
         </p:blipFill>
         <p:spPr>
           <a:xfrm>
-            <a:off x="5484870" y="3202542"/>
+            <a:off x="5484872" y="3202542"/>
             <a:ext cx="2287530" cy="3202542"/>
           </a:xfrm>
           <a:prstGeom prst="rect">
@@ -11998,7 +11998,7 @@
         </p:blipFill>
         <p:spPr>
           <a:xfrm>
-            <a:off x="2286924" y="0"/>
+            <a:off x="2286923" y="2"/>
             <a:ext cx="2286924" cy="3201694"/>
           </a:xfrm>
           <a:prstGeom prst="rect">
@@ -12070,7 +12070,7 @@
         </p:blipFill>
         <p:spPr>
           <a:xfrm>
-            <a:off x="2286924" y="3201694"/>
+            <a:off x="2286923" y="3201694"/>
             <a:ext cx="2286924" cy="3201694"/>
           </a:xfrm>
           <a:prstGeom prst="rect">
@@ -12106,7 +12106,7 @@
         </p:blipFill>
         <p:spPr>
           <a:xfrm>
-            <a:off x="4573848" y="0"/>
+            <a:off x="4573848" y="2"/>
             <a:ext cx="2286924" cy="3201694"/>
           </a:xfrm>
           <a:prstGeom prst="rect">
@@ -12142,7 +12142,7 @@
         </p:blipFill>
         <p:spPr>
           <a:xfrm>
-            <a:off x="0" y="0"/>
+            <a:off x="0" y="2"/>
             <a:ext cx="2286924" cy="3201694"/>
           </a:xfrm>
           <a:prstGeom prst="rect">
@@ -12208,7 +12208,7 @@
         </p:blipFill>
         <p:spPr>
           <a:xfrm>
-            <a:off x="5484870" y="0"/>
+            <a:off x="5484872" y="0"/>
             <a:ext cx="2287530" cy="3202542"/>
           </a:xfrm>
           <a:prstGeom prst="rect">
@@ -12424,8 +12424,8 @@
         </p:blipFill>
         <p:spPr>
           <a:xfrm>
-            <a:off x="5484264" y="6405084"/>
-            <a:ext cx="2288742" cy="3204238"/>
+            <a:off x="5484266" y="6405089"/>
+            <a:ext cx="2288742" cy="3204237"/>
           </a:xfrm>
           <a:prstGeom prst="rect">
             <a:avLst/>
@@ -12460,8 +12460,8 @@
         </p:blipFill>
         <p:spPr>
           <a:xfrm>
-            <a:off x="3194916" y="6405084"/>
-            <a:ext cx="2288742" cy="3204238"/>
+            <a:off x="3194916" y="6405089"/>
+            <a:ext cx="2288742" cy="3204237"/>
           </a:xfrm>
           <a:prstGeom prst="rect">
             <a:avLst/>
@@ -12496,8 +12496,8 @@
         </p:blipFill>
         <p:spPr>
           <a:xfrm>
-            <a:off x="905114" y="6402964"/>
-            <a:ext cx="2288742" cy="3204238"/>
+            <a:off x="905116" y="6402967"/>
+            <a:ext cx="2288742" cy="3204237"/>
           </a:xfrm>
           <a:prstGeom prst="rect">
             <a:avLst/>
@@ -12562,7 +12562,7 @@
         </p:blipFill>
         <p:spPr>
           <a:xfrm>
-            <a:off x="0" y="0"/>
+            <a:off x="0" y="2"/>
             <a:ext cx="2286924" cy="3201694"/>
           </a:xfrm>
           <a:prstGeom prst="rect">
@@ -12598,7 +12598,7 @@
         </p:blipFill>
         <p:spPr>
           <a:xfrm>
-            <a:off x="2286924" y="0"/>
+            <a:off x="2286923" y="2"/>
             <a:ext cx="2286924" cy="3201694"/>
           </a:xfrm>
           <a:prstGeom prst="rect">
@@ -12634,7 +12634,7 @@
         </p:blipFill>
         <p:spPr>
           <a:xfrm>
-            <a:off x="4573848" y="0"/>
+            <a:off x="4573848" y="2"/>
             <a:ext cx="2286924" cy="3201694"/>
           </a:xfrm>
           <a:prstGeom prst="rect">
@@ -12706,7 +12706,7 @@
         </p:blipFill>
         <p:spPr>
           <a:xfrm>
-            <a:off x="2286924" y="3201694"/>
+            <a:off x="2286923" y="3201694"/>
             <a:ext cx="2286924" cy="3201694"/>
           </a:xfrm>
           <a:prstGeom prst="rect">
@@ -12814,7 +12814,7 @@
         </p:blipFill>
         <p:spPr>
           <a:xfrm>
-            <a:off x="2286924" y="6403388"/>
+            <a:off x="2286923" y="6403388"/>
             <a:ext cx="2286924" cy="3201694"/>
           </a:xfrm>
           <a:prstGeom prst="rect">
@@ -13096,7 +13096,7 @@
         </p:blipFill>
         <p:spPr>
           <a:xfrm>
-            <a:off x="5484870" y="6404236"/>
+            <a:off x="5484870" y="6404238"/>
             <a:ext cx="2288136" cy="3203390"/>
           </a:xfrm>
           <a:prstGeom prst="rect">
@@ -13204,7 +13204,7 @@
         </p:blipFill>
         <p:spPr>
           <a:xfrm>
-            <a:off x="5485173" y="0"/>
+            <a:off x="5485175" y="0"/>
             <a:ext cx="2287530" cy="3202542"/>
           </a:xfrm>
           <a:prstGeom prst="rect">
@@ -13270,7 +13270,7 @@
         </p:blipFill>
         <p:spPr>
           <a:xfrm>
-            <a:off x="0" y="0"/>
+            <a:off x="0" y="2"/>
             <a:ext cx="2286924" cy="3201694"/>
           </a:xfrm>
           <a:prstGeom prst="rect">
@@ -13306,7 +13306,7 @@
         </p:blipFill>
         <p:spPr>
           <a:xfrm>
-            <a:off x="2286924" y="0"/>
+            <a:off x="2286923" y="2"/>
             <a:ext cx="2286924" cy="3201694"/>
           </a:xfrm>
           <a:prstGeom prst="rect">
@@ -13342,7 +13342,7 @@
         </p:blipFill>
         <p:spPr>
           <a:xfrm>
-            <a:off x="4573848" y="0"/>
+            <a:off x="4573848" y="2"/>
             <a:ext cx="2286924" cy="3201694"/>
           </a:xfrm>
           <a:prstGeom prst="rect">
@@ -13414,7 +13414,7 @@
         </p:blipFill>
         <p:spPr>
           <a:xfrm>
-            <a:off x="2286924" y="3201694"/>
+            <a:off x="2286923" y="3201694"/>
             <a:ext cx="2286924" cy="3201694"/>
           </a:xfrm>
           <a:prstGeom prst="rect">
@@ -13522,7 +13522,7 @@
         </p:blipFill>
         <p:spPr>
           <a:xfrm>
-            <a:off x="2286924" y="6403388"/>
+            <a:off x="2286923" y="6403388"/>
             <a:ext cx="2286924" cy="3201694"/>
           </a:xfrm>
           <a:prstGeom prst="rect">
@@ -13624,7 +13624,7 @@
         </p:blipFill>
         <p:spPr>
           <a:xfrm>
-            <a:off x="929771" y="0"/>
+            <a:off x="929771" y="2"/>
             <a:ext cx="2286924" cy="3201694"/>
           </a:xfrm>
           <a:prstGeom prst="rect">
@@ -13696,7 +13696,7 @@
         </p:blipFill>
         <p:spPr>
           <a:xfrm>
-            <a:off x="5484870" y="6401692"/>
+            <a:off x="5484872" y="6401692"/>
             <a:ext cx="2287530" cy="3202542"/>
           </a:xfrm>
           <a:prstGeom prst="rect">
@@ -13732,7 +13732,7 @@
         </p:blipFill>
         <p:spPr>
           <a:xfrm>
-            <a:off x="3197643" y="6401268"/>
+            <a:off x="3197645" y="6401268"/>
             <a:ext cx="2287530" cy="3202542"/>
           </a:xfrm>
           <a:prstGeom prst="rect">
@@ -13768,7 +13768,7 @@
         </p:blipFill>
         <p:spPr>
           <a:xfrm>
-            <a:off x="3216392" y="3200846"/>
+            <a:off x="3216394" y="3200846"/>
             <a:ext cx="2287530" cy="3202542"/>
           </a:xfrm>
           <a:prstGeom prst="rect">
@@ -13804,7 +13804,7 @@
         </p:blipFill>
         <p:spPr>
           <a:xfrm>
-            <a:off x="927650" y="3200422"/>
+            <a:off x="927649" y="3200424"/>
             <a:ext cx="2288136" cy="3203390"/>
           </a:xfrm>
           <a:prstGeom prst="rect">
@@ -13876,7 +13876,7 @@
         </p:blipFill>
         <p:spPr>
           <a:xfrm>
-            <a:off x="3216392" y="0"/>
+            <a:off x="3216394" y="0"/>
             <a:ext cx="2287530" cy="3202542"/>
           </a:xfrm>
           <a:prstGeom prst="rect">
@@ -14050,7 +14050,7 @@
         </p:blipFill>
         <p:spPr>
           <a:xfrm>
-            <a:off x="781366" y="9277034"/>
+            <a:off x="781368" y="9277034"/>
             <a:ext cx="781366" cy="781366"/>
           </a:xfrm>
           <a:prstGeom prst="rect">
@@ -14086,7 +14086,7 @@
         </p:blipFill>
         <p:spPr>
           <a:xfrm>
-            <a:off x="1562732" y="9262869"/>
+            <a:off x="1562734" y="9262871"/>
             <a:ext cx="781366" cy="781366"/>
           </a:xfrm>
           <a:prstGeom prst="rect">
@@ -14158,7 +14158,7 @@
         </p:blipFill>
         <p:spPr>
           <a:xfrm>
-            <a:off x="3125464" y="9262869"/>
+            <a:off x="3125464" y="9262871"/>
             <a:ext cx="781366" cy="781366"/>
           </a:xfrm>
           <a:prstGeom prst="rect">
@@ -14194,7 +14194,7 @@
         </p:blipFill>
         <p:spPr>
           <a:xfrm>
-            <a:off x="3906830" y="9262869"/>
+            <a:off x="3906832" y="9262871"/>
             <a:ext cx="781366" cy="781366"/>
           </a:xfrm>
           <a:prstGeom prst="rect">
@@ -14230,7 +14230,7 @@
         </p:blipFill>
         <p:spPr>
           <a:xfrm>
-            <a:off x="4688196" y="9262869"/>
+            <a:off x="4688198" y="9262871"/>
             <a:ext cx="781366" cy="781366"/>
           </a:xfrm>
           <a:prstGeom prst="rect">
@@ -14266,7 +14266,7 @@
         </p:blipFill>
         <p:spPr>
           <a:xfrm>
-            <a:off x="5469562" y="9262869"/>
+            <a:off x="5469562" y="9262871"/>
             <a:ext cx="781366" cy="781366"/>
           </a:xfrm>
           <a:prstGeom prst="rect">
@@ -14302,7 +14302,7 @@
         </p:blipFill>
         <p:spPr>
           <a:xfrm>
-            <a:off x="6269771" y="9262869"/>
+            <a:off x="6269773" y="9262871"/>
             <a:ext cx="781366" cy="781366"/>
           </a:xfrm>
           <a:prstGeom prst="rect">
@@ -14338,7 +14338,7 @@
         </p:blipFill>
         <p:spPr>
           <a:xfrm>
-            <a:off x="0" y="8495668"/>
+            <a:off x="0" y="8495670"/>
             <a:ext cx="781366" cy="781366"/>
           </a:xfrm>
           <a:prstGeom prst="rect">
@@ -14374,7 +14374,7 @@
         </p:blipFill>
         <p:spPr>
           <a:xfrm>
-            <a:off x="781366" y="8495668"/>
+            <a:off x="781368" y="8495670"/>
             <a:ext cx="781366" cy="781366"/>
           </a:xfrm>
           <a:prstGeom prst="rect">
@@ -14410,7 +14410,7 @@
         </p:blipFill>
         <p:spPr>
           <a:xfrm>
-            <a:off x="1562732" y="8481503"/>
+            <a:off x="1562734" y="8481503"/>
             <a:ext cx="781366" cy="781366"/>
           </a:xfrm>
           <a:prstGeom prst="rect">
@@ -14446,7 +14446,7 @@
         </p:blipFill>
         <p:spPr>
           <a:xfrm>
-            <a:off x="2344098" y="8495668"/>
+            <a:off x="2344098" y="8495670"/>
             <a:ext cx="781366" cy="781366"/>
           </a:xfrm>
           <a:prstGeom prst="rect">
@@ -14518,7 +14518,7 @@
         </p:blipFill>
         <p:spPr>
           <a:xfrm>
-            <a:off x="3906830" y="8481503"/>
+            <a:off x="3906832" y="8481503"/>
             <a:ext cx="781366" cy="781366"/>
           </a:xfrm>
           <a:prstGeom prst="rect">
@@ -14626,7 +14626,7 @@
         </p:blipFill>
         <p:spPr>
           <a:xfrm>
-            <a:off x="6307457" y="8481503"/>
+            <a:off x="6307459" y="8481503"/>
             <a:ext cx="781366" cy="781366"/>
           </a:xfrm>
           <a:prstGeom prst="rect">
@@ -14692,7 +14692,7 @@
         </p:blipFill>
         <p:spPr>
           <a:xfrm>
-            <a:off x="0" y="0"/>
+            <a:off x="0" y="2"/>
             <a:ext cx="2286924" cy="3201694"/>
           </a:xfrm>
           <a:prstGeom prst="rect">
@@ -14728,7 +14728,7 @@
         </p:blipFill>
         <p:spPr>
           <a:xfrm>
-            <a:off x="2286924" y="0"/>
+            <a:off x="2286923" y="2"/>
             <a:ext cx="2286924" cy="3201694"/>
           </a:xfrm>
           <a:prstGeom prst="rect">
@@ -14764,7 +14764,7 @@
         </p:blipFill>
         <p:spPr>
           <a:xfrm>
-            <a:off x="4573848" y="0"/>
+            <a:off x="4573848" y="2"/>
             <a:ext cx="2286924" cy="3201694"/>
           </a:xfrm>
           <a:prstGeom prst="rect">
@@ -14836,7 +14836,7 @@
         </p:blipFill>
         <p:spPr>
           <a:xfrm>
-            <a:off x="2286924" y="3223465"/>
+            <a:off x="2286923" y="3223465"/>
             <a:ext cx="2286924" cy="3201694"/>
           </a:xfrm>
           <a:prstGeom prst="rect">
@@ -14944,7 +14944,7 @@
         </p:blipFill>
         <p:spPr>
           <a:xfrm>
-            <a:off x="2286924" y="6403388"/>
+            <a:off x="2286923" y="6403388"/>
             <a:ext cx="2286924" cy="3201694"/>
           </a:xfrm>
           <a:prstGeom prst="rect">
@@ -15046,7 +15046,7 @@
         </p:blipFill>
         <p:spPr>
           <a:xfrm>
-            <a:off x="5484870" y="0"/>
+            <a:off x="5484872" y="0"/>
             <a:ext cx="2287530" cy="3202542"/>
           </a:xfrm>
           <a:prstGeom prst="rect">
@@ -15154,7 +15154,7 @@
         </p:blipFill>
         <p:spPr>
           <a:xfrm>
-            <a:off x="5484870" y="3202542"/>
+            <a:off x="5484872" y="3202542"/>
             <a:ext cx="2287530" cy="3202542"/>
           </a:xfrm>
           <a:prstGeom prst="rect">
@@ -15256,7 +15256,7 @@
         </p:blipFill>
         <p:spPr>
           <a:xfrm>
-            <a:off x="2286924" y="0"/>
+            <a:off x="2286923" y="2"/>
             <a:ext cx="2286924" cy="3201694"/>
           </a:xfrm>
           <a:prstGeom prst="rect">
@@ -15328,7 +15328,7 @@
         </p:blipFill>
         <p:spPr>
           <a:xfrm>
-            <a:off x="2286924" y="3201694"/>
+            <a:off x="2286923" y="3201694"/>
             <a:ext cx="2286924" cy="3201694"/>
           </a:xfrm>
           <a:prstGeom prst="rect">
@@ -15364,7 +15364,7 @@
         </p:blipFill>
         <p:spPr>
           <a:xfrm>
-            <a:off x="4573848" y="0"/>
+            <a:off x="4573848" y="2"/>
             <a:ext cx="2286924" cy="3201694"/>
           </a:xfrm>
           <a:prstGeom prst="rect">
@@ -15400,7 +15400,7 @@
         </p:blipFill>
         <p:spPr>
           <a:xfrm>
-            <a:off x="0" y="0"/>
+            <a:off x="0" y="2"/>
             <a:ext cx="2286924" cy="3201694"/>
           </a:xfrm>
           <a:prstGeom prst="rect">
@@ -15538,7 +15538,7 @@
         </p:blipFill>
         <p:spPr>
           <a:xfrm>
-            <a:off x="1502629" y="9277034"/>
+            <a:off x="1502631" y="9277034"/>
             <a:ext cx="781366" cy="781366"/>
           </a:xfrm>
           <a:prstGeom prst="rect">
@@ -15574,7 +15574,7 @@
         </p:blipFill>
         <p:spPr>
           <a:xfrm>
-            <a:off x="2283995" y="9262869"/>
+            <a:off x="2283997" y="9262871"/>
             <a:ext cx="781366" cy="781366"/>
           </a:xfrm>
           <a:prstGeom prst="rect">
@@ -15646,7 +15646,7 @@
         </p:blipFill>
         <p:spPr>
           <a:xfrm>
-            <a:off x="3846727" y="9262869"/>
+            <a:off x="3846727" y="9262871"/>
             <a:ext cx="781366" cy="781366"/>
           </a:xfrm>
           <a:prstGeom prst="rect">
@@ -15682,7 +15682,7 @@
         </p:blipFill>
         <p:spPr>
           <a:xfrm>
-            <a:off x="4628093" y="9262869"/>
+            <a:off x="4628095" y="9262871"/>
             <a:ext cx="781366" cy="781366"/>
           </a:xfrm>
           <a:prstGeom prst="rect">
@@ -15718,7 +15718,7 @@
         </p:blipFill>
         <p:spPr>
           <a:xfrm>
-            <a:off x="5409459" y="9262869"/>
+            <a:off x="5409461" y="9262871"/>
             <a:ext cx="781366" cy="781366"/>
           </a:xfrm>
           <a:prstGeom prst="rect">
@@ -15754,7 +15754,7 @@
         </p:blipFill>
         <p:spPr>
           <a:xfrm>
-            <a:off x="6190825" y="9262869"/>
+            <a:off x="6190825" y="9262871"/>
             <a:ext cx="781366" cy="781366"/>
           </a:xfrm>
           <a:prstGeom prst="rect">
@@ -15790,7 +15790,7 @@
         </p:blipFill>
         <p:spPr>
           <a:xfrm>
-            <a:off x="6991034" y="9262869"/>
+            <a:off x="6991036" y="9262871"/>
             <a:ext cx="781366" cy="781366"/>
           </a:xfrm>
           <a:prstGeom prst="rect">
@@ -15826,7 +15826,7 @@
         </p:blipFill>
         <p:spPr>
           <a:xfrm>
-            <a:off x="3065361" y="8495668"/>
+            <a:off x="3065361" y="8495670"/>
             <a:ext cx="781366" cy="781366"/>
           </a:xfrm>
           <a:prstGeom prst="rect">
@@ -15898,7 +15898,7 @@
         </p:blipFill>
         <p:spPr>
           <a:xfrm>
-            <a:off x="4628093" y="8481503"/>
+            <a:off x="4628095" y="8481503"/>
             <a:ext cx="781366" cy="781366"/>
           </a:xfrm>
           <a:prstGeom prst="rect">
@@ -15934,7 +15934,7 @@
         </p:blipFill>
         <p:spPr>
           <a:xfrm>
-            <a:off x="5409459" y="8481503"/>
+            <a:off x="5409461" y="8481503"/>
             <a:ext cx="781366" cy="781366"/>
           </a:xfrm>
           <a:prstGeom prst="rect">
@@ -16006,7 +16006,7 @@
         </p:blipFill>
         <p:spPr>
           <a:xfrm>
-            <a:off x="6991034" y="8481503"/>
+            <a:off x="6991036" y="8481503"/>
             <a:ext cx="781366" cy="781366"/>
           </a:xfrm>
           <a:prstGeom prst="rect">
@@ -16042,7 +16042,7 @@
         </p:blipFill>
         <p:spPr>
           <a:xfrm>
-            <a:off x="2283995" y="8467338"/>
+            <a:off x="2283997" y="8467340"/>
             <a:ext cx="781366" cy="781366"/>
           </a:xfrm>
           <a:prstGeom prst="rect">
@@ -16078,7 +16078,7 @@
         </p:blipFill>
         <p:spPr>
           <a:xfrm>
-            <a:off x="1502629" y="8474421"/>
+            <a:off x="1502631" y="8474423"/>
             <a:ext cx="781366" cy="781366"/>
           </a:xfrm>
           <a:prstGeom prst="rect">
@@ -16114,7 +16114,7 @@
         </p:blipFill>
         <p:spPr>
           <a:xfrm>
-            <a:off x="721263" y="8495668"/>
+            <a:off x="721263" y="8495670"/>
             <a:ext cx="781366" cy="781366"/>
           </a:xfrm>
           <a:prstGeom prst="rect">
@@ -16252,7 +16252,7 @@
         </p:blipFill>
         <p:spPr>
           <a:xfrm>
-            <a:off x="0" y="8495668"/>
+            <a:off x="0" y="8495670"/>
             <a:ext cx="781366" cy="781366"/>
           </a:xfrm>
           <a:prstGeom prst="rect">
@@ -16288,7 +16288,7 @@
         </p:blipFill>
         <p:spPr>
           <a:xfrm>
-            <a:off x="781366" y="9277034"/>
+            <a:off x="781368" y="9277034"/>
             <a:ext cx="781366" cy="781366"/>
           </a:xfrm>
           <a:prstGeom prst="rect">
@@ -16324,7 +16324,7 @@
         </p:blipFill>
         <p:spPr>
           <a:xfrm>
-            <a:off x="781366" y="8495668"/>
+            <a:off x="781368" y="8495670"/>
             <a:ext cx="781366" cy="781366"/>
           </a:xfrm>
           <a:prstGeom prst="rect">
@@ -16360,7 +16360,7 @@
         </p:blipFill>
         <p:spPr>
           <a:xfrm>
-            <a:off x="1562732" y="9277034"/>
+            <a:off x="1562734" y="9277034"/>
             <a:ext cx="781366" cy="781366"/>
           </a:xfrm>
           <a:prstGeom prst="rect">
@@ -16396,7 +16396,7 @@
         </p:blipFill>
         <p:spPr>
           <a:xfrm>
-            <a:off x="1562732" y="8495668"/>
+            <a:off x="1562734" y="8495670"/>
             <a:ext cx="781366" cy="781366"/>
           </a:xfrm>
           <a:prstGeom prst="rect">
@@ -16468,7 +16468,7 @@
         </p:blipFill>
         <p:spPr>
           <a:xfrm>
-            <a:off x="2344098" y="8495668"/>
+            <a:off x="2344098" y="8495670"/>
             <a:ext cx="781366" cy="781366"/>
           </a:xfrm>
           <a:prstGeom prst="rect">
@@ -16540,7 +16540,7 @@
         </p:blipFill>
         <p:spPr>
           <a:xfrm>
-            <a:off x="3104834" y="8495668"/>
+            <a:off x="3104834" y="8495670"/>
             <a:ext cx="781366" cy="781366"/>
           </a:xfrm>
           <a:prstGeom prst="rect">
@@ -16576,7 +16576,7 @@
         </p:blipFill>
         <p:spPr>
           <a:xfrm>
-            <a:off x="3886200" y="9277034"/>
+            <a:off x="3886202" y="9277034"/>
             <a:ext cx="781366" cy="781366"/>
           </a:xfrm>
           <a:prstGeom prst="rect">
@@ -16612,7 +16612,7 @@
         </p:blipFill>
         <p:spPr>
           <a:xfrm>
-            <a:off x="3886200" y="8495668"/>
+            <a:off x="3886202" y="8495670"/>
             <a:ext cx="781366" cy="781366"/>
           </a:xfrm>
           <a:prstGeom prst="rect">
@@ -16648,7 +16648,7 @@
         </p:blipFill>
         <p:spPr>
           <a:xfrm>
-            <a:off x="4667566" y="9277034"/>
+            <a:off x="4667568" y="9277034"/>
             <a:ext cx="781366" cy="781366"/>
           </a:xfrm>
           <a:prstGeom prst="rect">
@@ -16684,7 +16684,7 @@
         </p:blipFill>
         <p:spPr>
           <a:xfrm>
-            <a:off x="4667566" y="8495668"/>
+            <a:off x="4667568" y="8495670"/>
             <a:ext cx="781366" cy="781366"/>
           </a:xfrm>
           <a:prstGeom prst="rect">
@@ -16756,7 +16756,7 @@
         </p:blipFill>
         <p:spPr>
           <a:xfrm>
-            <a:off x="5448932" y="8495668"/>
+            <a:off x="5448932" y="8495670"/>
             <a:ext cx="781366" cy="781366"/>
           </a:xfrm>
           <a:prstGeom prst="rect">
@@ -16828,7 +16828,7 @@
         </p:blipFill>
         <p:spPr>
           <a:xfrm>
-            <a:off x="6209668" y="8495668"/>
+            <a:off x="6209668" y="8495670"/>
             <a:ext cx="781366" cy="781366"/>
           </a:xfrm>
           <a:prstGeom prst="rect">
@@ -16930,7 +16930,7 @@
         </p:blipFill>
         <p:spPr>
           <a:xfrm>
-            <a:off x="6991034" y="9277034"/>
+            <a:off x="6991036" y="9277034"/>
             <a:ext cx="781366" cy="781366"/>
           </a:xfrm>
           <a:prstGeom prst="rect">
@@ -16966,7 +16966,7 @@
         </p:blipFill>
         <p:spPr>
           <a:xfrm>
-            <a:off x="6991034" y="8495668"/>
+            <a:off x="6991036" y="8495670"/>
             <a:ext cx="781366" cy="781366"/>
           </a:xfrm>
           <a:prstGeom prst="rect">
@@ -17002,7 +17002,7 @@
         </p:blipFill>
         <p:spPr>
           <a:xfrm>
-            <a:off x="6209668" y="8495668"/>
+            <a:off x="6209668" y="8495670"/>
             <a:ext cx="781366" cy="781366"/>
           </a:xfrm>
           <a:prstGeom prst="rect">
@@ -17110,7 +17110,7 @@
         </p:blipFill>
         <p:spPr>
           <a:xfrm>
-            <a:off x="5428302" y="8495668"/>
+            <a:off x="5428302" y="8495670"/>
             <a:ext cx="781366" cy="781366"/>
           </a:xfrm>
           <a:prstGeom prst="rect">
@@ -17146,7 +17146,7 @@
         </p:blipFill>
         <p:spPr>
           <a:xfrm>
-            <a:off x="4646936" y="8495668"/>
+            <a:off x="4646938" y="8495670"/>
             <a:ext cx="781366" cy="781366"/>
           </a:xfrm>
           <a:prstGeom prst="rect">
@@ -17182,7 +17182,7 @@
         </p:blipFill>
         <p:spPr>
           <a:xfrm>
-            <a:off x="4646936" y="9277034"/>
+            <a:off x="4646938" y="9277034"/>
             <a:ext cx="781366" cy="781366"/>
           </a:xfrm>
           <a:prstGeom prst="rect">
@@ -17218,7 +17218,7 @@
         </p:blipFill>
         <p:spPr>
           <a:xfrm>
-            <a:off x="3865570" y="9277034"/>
+            <a:off x="3865572" y="9277034"/>
             <a:ext cx="781366" cy="781366"/>
           </a:xfrm>
           <a:prstGeom prst="rect">
@@ -17254,7 +17254,7 @@
         </p:blipFill>
         <p:spPr>
           <a:xfrm>
-            <a:off x="3865570" y="8495668"/>
+            <a:off x="3865572" y="8495670"/>
             <a:ext cx="781366" cy="781366"/>
           </a:xfrm>
           <a:prstGeom prst="rect">
@@ -17290,7 +17290,7 @@
         </p:blipFill>
         <p:spPr>
           <a:xfrm>
-            <a:off x="3084204" y="8495668"/>
+            <a:off x="3084204" y="8495670"/>
             <a:ext cx="781366" cy="781366"/>
           </a:xfrm>
           <a:prstGeom prst="rect">
@@ -17398,7 +17398,7 @@
         </p:blipFill>
         <p:spPr>
           <a:xfrm>
-            <a:off x="2302838" y="8495668"/>
+            <a:off x="2302838" y="8495670"/>
             <a:ext cx="781366" cy="781366"/>
           </a:xfrm>
           <a:prstGeom prst="rect">
@@ -17434,7 +17434,7 @@
         </p:blipFill>
         <p:spPr>
           <a:xfrm>
-            <a:off x="1521472" y="8495668"/>
+            <a:off x="1521474" y="8495670"/>
             <a:ext cx="781366" cy="781366"/>
           </a:xfrm>
           <a:prstGeom prst="rect">
@@ -17470,7 +17470,7 @@
         </p:blipFill>
         <p:spPr>
           <a:xfrm>
-            <a:off x="1521472" y="9277034"/>
+            <a:off x="1521474" y="9277034"/>
             <a:ext cx="781366" cy="781366"/>
           </a:xfrm>
           <a:prstGeom prst="rect">
@@ -17506,7 +17506,7 @@
         </p:blipFill>
         <p:spPr>
           <a:xfrm>
-            <a:off x="740106" y="8495668"/>
+            <a:off x="740108" y="8495670"/>
             <a:ext cx="781366" cy="781366"/>
           </a:xfrm>
           <a:prstGeom prst="rect">
@@ -17542,7 +17542,7 @@
         </p:blipFill>
         <p:spPr>
           <a:xfrm>
-            <a:off x="740106" y="9277034"/>
+            <a:off x="740108" y="9277034"/>
             <a:ext cx="781366" cy="781366"/>
           </a:xfrm>
           <a:prstGeom prst="rect">
@@ -17680,7 +17680,7 @@
         </p:blipFill>
         <p:spPr>
           <a:xfrm>
-            <a:off x="0" y="8495668"/>
+            <a:off x="0" y="8495670"/>
             <a:ext cx="781366" cy="781366"/>
           </a:xfrm>
           <a:prstGeom prst="rect">
@@ -17716,7 +17716,7 @@
         </p:blipFill>
         <p:spPr>
           <a:xfrm>
-            <a:off x="781366" y="9277034"/>
+            <a:off x="781368" y="9277034"/>
             <a:ext cx="781366" cy="781366"/>
           </a:xfrm>
           <a:prstGeom prst="rect">
@@ -17752,7 +17752,7 @@
         </p:blipFill>
         <p:spPr>
           <a:xfrm>
-            <a:off x="781366" y="8495668"/>
+            <a:off x="781368" y="8495670"/>
             <a:ext cx="781366" cy="781366"/>
           </a:xfrm>
           <a:prstGeom prst="rect">
@@ -17788,7 +17788,7 @@
         </p:blipFill>
         <p:spPr>
           <a:xfrm>
-            <a:off x="1562732" y="9277034"/>
+            <a:off x="1562734" y="9277034"/>
             <a:ext cx="781366" cy="781366"/>
           </a:xfrm>
           <a:prstGeom prst="rect">
@@ -17824,7 +17824,7 @@
         </p:blipFill>
         <p:spPr>
           <a:xfrm>
-            <a:off x="1562732" y="8495668"/>
+            <a:off x="1562734" y="8495670"/>
             <a:ext cx="781366" cy="781366"/>
           </a:xfrm>
           <a:prstGeom prst="rect">
@@ -17896,7 +17896,7 @@
         </p:blipFill>
         <p:spPr>
           <a:xfrm>
-            <a:off x="2344098" y="8495668"/>
+            <a:off x="2344098" y="8495670"/>
             <a:ext cx="781366" cy="781366"/>
           </a:xfrm>
           <a:prstGeom prst="rect">
@@ -17968,7 +17968,7 @@
         </p:blipFill>
         <p:spPr>
           <a:xfrm>
-            <a:off x="3104834" y="8495668"/>
+            <a:off x="3104834" y="8495670"/>
             <a:ext cx="781366" cy="781366"/>
           </a:xfrm>
           <a:prstGeom prst="rect">
@@ -18004,7 +18004,7 @@
         </p:blipFill>
         <p:spPr>
           <a:xfrm>
-            <a:off x="3886200" y="9277034"/>
+            <a:off x="3886202" y="9277034"/>
             <a:ext cx="781366" cy="781366"/>
           </a:xfrm>
           <a:prstGeom prst="rect">
@@ -18040,7 +18040,7 @@
         </p:blipFill>
         <p:spPr>
           <a:xfrm>
-            <a:off x="3886200" y="8495668"/>
+            <a:off x="3886202" y="8495670"/>
             <a:ext cx="781366" cy="781366"/>
           </a:xfrm>
           <a:prstGeom prst="rect">
@@ -18076,7 +18076,7 @@
         </p:blipFill>
         <p:spPr>
           <a:xfrm>
-            <a:off x="4667566" y="9277034"/>
+            <a:off x="4667568" y="9277034"/>
             <a:ext cx="781366" cy="781366"/>
           </a:xfrm>
           <a:prstGeom prst="rect">
@@ -18112,7 +18112,7 @@
         </p:blipFill>
         <p:spPr>
           <a:xfrm>
-            <a:off x="4667566" y="8495668"/>
+            <a:off x="4667568" y="8495670"/>
             <a:ext cx="781366" cy="781366"/>
           </a:xfrm>
           <a:prstGeom prst="rect">
@@ -18184,7 +18184,7 @@
         </p:blipFill>
         <p:spPr>
           <a:xfrm>
-            <a:off x="5448932" y="8495668"/>
+            <a:off x="5448932" y="8495670"/>
             <a:ext cx="781366" cy="781366"/>
           </a:xfrm>
           <a:prstGeom prst="rect">
@@ -18256,7 +18256,7 @@
         </p:blipFill>
         <p:spPr>
           <a:xfrm>
-            <a:off x="6209668" y="8495668"/>
+            <a:off x="6209668" y="8495670"/>
             <a:ext cx="781366" cy="781366"/>
           </a:xfrm>
           <a:prstGeom prst="rect">
@@ -18358,7 +18358,7 @@
         </p:blipFill>
         <p:spPr>
           <a:xfrm>
-            <a:off x="6991034" y="9277034"/>
+            <a:off x="6991036" y="9277034"/>
             <a:ext cx="781366" cy="781366"/>
           </a:xfrm>
           <a:prstGeom prst="rect">
@@ -18394,7 +18394,7 @@
         </p:blipFill>
         <p:spPr>
           <a:xfrm>
-            <a:off x="6991034" y="8495668"/>
+            <a:off x="6991036" y="8495670"/>
             <a:ext cx="781366" cy="781366"/>
           </a:xfrm>
           <a:prstGeom prst="rect">
@@ -18430,7 +18430,7 @@
         </p:blipFill>
         <p:spPr>
           <a:xfrm>
-            <a:off x="6209668" y="8495668"/>
+            <a:off x="6209668" y="8495670"/>
             <a:ext cx="781366" cy="781366"/>
           </a:xfrm>
           <a:prstGeom prst="rect">
@@ -18538,7 +18538,7 @@
         </p:blipFill>
         <p:spPr>
           <a:xfrm>
-            <a:off x="5428302" y="8495668"/>
+            <a:off x="5428302" y="8495670"/>
             <a:ext cx="781366" cy="781366"/>
           </a:xfrm>
           <a:prstGeom prst="rect">
@@ -18574,7 +18574,7 @@
         </p:blipFill>
         <p:spPr>
           <a:xfrm>
-            <a:off x="4646936" y="8495668"/>
+            <a:off x="4646938" y="8495670"/>
             <a:ext cx="781366" cy="781366"/>
           </a:xfrm>
           <a:prstGeom prst="rect">
@@ -18610,7 +18610,7 @@
         </p:blipFill>
         <p:spPr>
           <a:xfrm>
-            <a:off x="4646936" y="9277034"/>
+            <a:off x="4646938" y="9277034"/>
             <a:ext cx="781366" cy="781366"/>
           </a:xfrm>
           <a:prstGeom prst="rect">
@@ -18646,7 +18646,7 @@
         </p:blipFill>
         <p:spPr>
           <a:xfrm>
-            <a:off x="3865570" y="9277034"/>
+            <a:off x="3865572" y="9277034"/>
             <a:ext cx="781366" cy="781366"/>
           </a:xfrm>
           <a:prstGeom prst="rect">
@@ -18682,7 +18682,7 @@
         </p:blipFill>
         <p:spPr>
           <a:xfrm>
-            <a:off x="3865570" y="8495668"/>
+            <a:off x="3865572" y="8495670"/>
             <a:ext cx="781366" cy="781366"/>
           </a:xfrm>
           <a:prstGeom prst="rect">
@@ -18718,7 +18718,7 @@
         </p:blipFill>
         <p:spPr>
           <a:xfrm>
-            <a:off x="3084204" y="8495668"/>
+            <a:off x="3084204" y="8495670"/>
             <a:ext cx="781366" cy="781366"/>
           </a:xfrm>
           <a:prstGeom prst="rect">
@@ -18826,7 +18826,7 @@
         </p:blipFill>
         <p:spPr>
           <a:xfrm>
-            <a:off x="2302838" y="8495668"/>
+            <a:off x="2302838" y="8495670"/>
             <a:ext cx="781366" cy="781366"/>
           </a:xfrm>
           <a:prstGeom prst="rect">
@@ -18862,7 +18862,7 @@
         </p:blipFill>
         <p:spPr>
           <a:xfrm>
-            <a:off x="1521472" y="8495668"/>
+            <a:off x="1521474" y="8495670"/>
             <a:ext cx="781366" cy="781366"/>
           </a:xfrm>
           <a:prstGeom prst="rect">
@@ -18898,7 +18898,7 @@
         </p:blipFill>
         <p:spPr>
           <a:xfrm>
-            <a:off x="1521472" y="9277034"/>
+            <a:off x="1521474" y="9277034"/>
             <a:ext cx="781366" cy="781366"/>
           </a:xfrm>
           <a:prstGeom prst="rect">
@@ -18934,7 +18934,7 @@
         </p:blipFill>
         <p:spPr>
           <a:xfrm>
-            <a:off x="740106" y="8495668"/>
+            <a:off x="740108" y="8495670"/>
             <a:ext cx="781366" cy="781366"/>
           </a:xfrm>
           <a:prstGeom prst="rect">
@@ -18970,7 +18970,7 @@
         </p:blipFill>
         <p:spPr>
           <a:xfrm>
-            <a:off x="740106" y="9277034"/>
+            <a:off x="740108" y="9277034"/>
             <a:ext cx="781366" cy="781366"/>
           </a:xfrm>
           <a:prstGeom prst="rect">
@@ -19828,7 +19828,7 @@
         </p:blipFill>
         <p:spPr>
           <a:xfrm>
-            <a:off x="0" y="0"/>
+            <a:off x="0" y="1"/>
             <a:ext cx="7772400" cy="10058400"/>
           </a:xfrm>
           <a:prstGeom prst="rect">
@@ -20604,7 +20604,7 @@
         </p:blipFill>
         <p:spPr>
           <a:xfrm>
-            <a:off x="0" y="0"/>
+            <a:off x="0" y="1"/>
             <a:ext cx="7772400" cy="10058400"/>
           </a:xfrm>
           <a:prstGeom prst="rect">
@@ -21330,7 +21330,7 @@
         </p:blipFill>
         <p:spPr>
           <a:xfrm>
-            <a:off x="0" y="0"/>
+            <a:off x="0" y="1"/>
             <a:ext cx="7772400" cy="10058400"/>
           </a:xfrm>
           <a:prstGeom prst="rect">
@@ -22056,7 +22056,7 @@
         </p:blipFill>
         <p:spPr>
           <a:xfrm>
-            <a:off x="0" y="0"/>
+            <a:off x="0" y="1"/>
             <a:ext cx="7772400" cy="10058400"/>
           </a:xfrm>
           <a:prstGeom prst="rect">
@@ -22818,7 +22818,7 @@
         </p:blipFill>
         <p:spPr>
           <a:xfrm>
-            <a:off x="-10781" y="8495668"/>
+            <a:off x="-10779" y="8495670"/>
             <a:ext cx="781366" cy="781366"/>
           </a:xfrm>
           <a:prstGeom prst="rect">
@@ -22854,7 +22854,7 @@
         </p:blipFill>
         <p:spPr>
           <a:xfrm>
-            <a:off x="770585" y="8495565"/>
+            <a:off x="770591" y="8495571"/>
             <a:ext cx="781573" cy="781573"/>
           </a:xfrm>
           <a:prstGeom prst="rect">
@@ -22890,7 +22890,7 @@
         </p:blipFill>
         <p:spPr>
           <a:xfrm>
-            <a:off x="1551951" y="8495668"/>
+            <a:off x="1551952" y="8495670"/>
             <a:ext cx="781366" cy="781366"/>
           </a:xfrm>
           <a:prstGeom prst="rect">
@@ -22926,7 +22926,7 @@
         </p:blipFill>
         <p:spPr>
           <a:xfrm>
-            <a:off x="2333317" y="8495668"/>
+            <a:off x="2333317" y="8495670"/>
             <a:ext cx="781366" cy="781366"/>
           </a:xfrm>
           <a:prstGeom prst="rect">
@@ -22962,7 +22962,7 @@
         </p:blipFill>
         <p:spPr>
           <a:xfrm>
-            <a:off x="3100462" y="8487583"/>
+            <a:off x="3100462" y="8487585"/>
             <a:ext cx="781780" cy="781780"/>
           </a:xfrm>
           <a:prstGeom prst="rect">
@@ -23034,7 +23034,7 @@
         </p:blipFill>
         <p:spPr>
           <a:xfrm>
-            <a:off x="4677983" y="8495461"/>
+            <a:off x="4677983" y="8495463"/>
             <a:ext cx="781366" cy="781366"/>
           </a:xfrm>
           <a:prstGeom prst="rect">
@@ -23070,7 +23070,7 @@
         </p:blipFill>
         <p:spPr>
           <a:xfrm>
-            <a:off x="5447273" y="8495461"/>
+            <a:off x="5447275" y="8495463"/>
             <a:ext cx="781366" cy="781366"/>
           </a:xfrm>
           <a:prstGeom prst="rect">
@@ -23106,7 +23106,7 @@
         </p:blipFill>
         <p:spPr>
           <a:xfrm>
-            <a:off x="1540083" y="9269570"/>
+            <a:off x="1540085" y="9269570"/>
             <a:ext cx="781366" cy="781366"/>
           </a:xfrm>
           <a:prstGeom prst="rect">
@@ -23142,7 +23142,7 @@
         </p:blipFill>
         <p:spPr>
           <a:xfrm>
-            <a:off x="770170" y="9269363"/>
+            <a:off x="770176" y="9269369"/>
             <a:ext cx="781573" cy="781573"/>
           </a:xfrm>
           <a:prstGeom prst="rect">
@@ -23178,7 +23178,7 @@
         </p:blipFill>
         <p:spPr>
           <a:xfrm>
-            <a:off x="2324331" y="9269363"/>
+            <a:off x="2324333" y="9269363"/>
             <a:ext cx="781366" cy="781366"/>
           </a:xfrm>
           <a:prstGeom prst="rect">
@@ -23286,7 +23286,7 @@
         </p:blipFill>
         <p:spPr>
           <a:xfrm>
-            <a:off x="5447273" y="9269363"/>
+            <a:off x="5447275" y="9269363"/>
             <a:ext cx="781366" cy="781366"/>
           </a:xfrm>
           <a:prstGeom prst="rect">
@@ -23322,7 +23322,7 @@
         </p:blipFill>
         <p:spPr>
           <a:xfrm>
-            <a:off x="6278145" y="8495461"/>
+            <a:off x="6278145" y="8495463"/>
             <a:ext cx="781366" cy="781366"/>
           </a:xfrm>
           <a:prstGeom prst="rect">
@@ -23358,7 +23358,7 @@
         </p:blipFill>
         <p:spPr>
           <a:xfrm>
-            <a:off x="3113750" y="9284764"/>
+            <a:off x="3113752" y="9284766"/>
             <a:ext cx="781780" cy="781780"/>
           </a:xfrm>
           <a:prstGeom prst="rect">
@@ -23394,7 +23394,7 @@
         </p:blipFill>
         <p:spPr>
           <a:xfrm>
-            <a:off x="-8992" y="9268949"/>
+            <a:off x="-8990" y="9268949"/>
             <a:ext cx="781780" cy="781780"/>
           </a:xfrm>
           <a:prstGeom prst="rect">
@@ -24192,7 +24192,7 @@
         </p:blipFill>
         <p:spPr>
           <a:xfrm>
-            <a:off x="6991034" y="8495254"/>
+            <a:off x="6991036" y="8495256"/>
             <a:ext cx="781366" cy="781366"/>
           </a:xfrm>
           <a:prstGeom prst="rect">
@@ -24228,7 +24228,7 @@
         </p:blipFill>
         <p:spPr>
           <a:xfrm>
-            <a:off x="6209047" y="8495047"/>
+            <a:off x="6209053" y="8495053"/>
             <a:ext cx="781573" cy="781573"/>
           </a:xfrm>
           <a:prstGeom prst="rect">
@@ -24264,7 +24264,7 @@
         </p:blipFill>
         <p:spPr>
           <a:xfrm>
-            <a:off x="5406071" y="8495047"/>
+            <a:off x="5406071" y="8495049"/>
             <a:ext cx="781366" cy="781366"/>
           </a:xfrm>
           <a:prstGeom prst="rect">
@@ -24300,7 +24300,7 @@
         </p:blipFill>
         <p:spPr>
           <a:xfrm>
-            <a:off x="4624291" y="8499047"/>
+            <a:off x="4624293" y="8499047"/>
             <a:ext cx="781366" cy="781366"/>
           </a:xfrm>
           <a:prstGeom prst="rect">
@@ -24336,7 +24336,7 @@
         </p:blipFill>
         <p:spPr>
           <a:xfrm>
-            <a:off x="3853420" y="8487875"/>
+            <a:off x="3853422" y="8487877"/>
             <a:ext cx="781780" cy="781780"/>
           </a:xfrm>
           <a:prstGeom prst="rect">
@@ -24372,7 +24372,7 @@
         </p:blipFill>
         <p:spPr>
           <a:xfrm>
-            <a:off x="3061249" y="8495047"/>
+            <a:off x="3061251" y="8495049"/>
             <a:ext cx="781366" cy="781366"/>
           </a:xfrm>
           <a:prstGeom prst="rect">
@@ -24408,7 +24408,7 @@
         </p:blipFill>
         <p:spPr>
           <a:xfrm>
-            <a:off x="2268923" y="8487875"/>
+            <a:off x="2268925" y="8487877"/>
             <a:ext cx="781366" cy="781366"/>
           </a:xfrm>
           <a:prstGeom prst="rect">
@@ -24444,7 +24444,7 @@
         </p:blipFill>
         <p:spPr>
           <a:xfrm>
-            <a:off x="1486677" y="8487875"/>
+            <a:off x="1486677" y="8487877"/>
             <a:ext cx="781366" cy="781366"/>
           </a:xfrm>
           <a:prstGeom prst="rect">
@@ -24480,7 +24480,7 @@
         </p:blipFill>
         <p:spPr>
           <a:xfrm>
-            <a:off x="5427888" y="9276827"/>
+            <a:off x="5427890" y="9276828"/>
             <a:ext cx="781366" cy="781366"/>
           </a:xfrm>
           <a:prstGeom prst="rect">
@@ -24516,7 +24516,7 @@
         </p:blipFill>
         <p:spPr>
           <a:xfrm>
-            <a:off x="6209254" y="9276827"/>
+            <a:off x="6209260" y="9276833"/>
             <a:ext cx="781573" cy="781573"/>
           </a:xfrm>
           <a:prstGeom prst="rect">
@@ -24552,7 +24552,7 @@
         </p:blipFill>
         <p:spPr>
           <a:xfrm>
-            <a:off x="4646315" y="9277034"/>
+            <a:off x="4646317" y="9277034"/>
             <a:ext cx="781366" cy="781366"/>
           </a:xfrm>
           <a:prstGeom prst="rect">
@@ -24660,7 +24660,7 @@
         </p:blipFill>
         <p:spPr>
           <a:xfrm>
-            <a:off x="1477728" y="9277034"/>
+            <a:off x="1477730" y="9277034"/>
             <a:ext cx="781366" cy="781366"/>
           </a:xfrm>
           <a:prstGeom prst="rect">
@@ -24696,7 +24696,7 @@
         </p:blipFill>
         <p:spPr>
           <a:xfrm>
-            <a:off x="665972" y="8487875"/>
+            <a:off x="665972" y="8487877"/>
             <a:ext cx="781366" cy="781366"/>
           </a:xfrm>
           <a:prstGeom prst="rect">
@@ -25566,7 +25566,7 @@
         </p:blipFill>
         <p:spPr>
           <a:xfrm>
-            <a:off x="32657" y="9277034"/>
+            <a:off x="32658" y="9277034"/>
             <a:ext cx="781366" cy="781366"/>
           </a:xfrm>
           <a:prstGeom prst="rect">
@@ -25674,7 +25674,7 @@
         </p:blipFill>
         <p:spPr>
           <a:xfrm>
-            <a:off x="2398527" y="9277034"/>
+            <a:off x="2398529" y="9277034"/>
             <a:ext cx="781366" cy="781366"/>
           </a:xfrm>
           <a:prstGeom prst="rect">
@@ -25710,7 +25710,7 @@
         </p:blipFill>
         <p:spPr>
           <a:xfrm>
-            <a:off x="3190779" y="9277034"/>
+            <a:off x="3190781" y="9277034"/>
             <a:ext cx="781366" cy="781366"/>
           </a:xfrm>
           <a:prstGeom prst="rect">
@@ -25818,7 +25818,7 @@
         </p:blipFill>
         <p:spPr>
           <a:xfrm>
-            <a:off x="5567535" y="9277034"/>
+            <a:off x="5567537" y="9277034"/>
             <a:ext cx="781366" cy="781366"/>
           </a:xfrm>
           <a:prstGeom prst="rect">
@@ -25854,7 +25854,7 @@
         </p:blipFill>
         <p:spPr>
           <a:xfrm>
-            <a:off x="0" y="8495668"/>
+            <a:off x="0" y="8495670"/>
             <a:ext cx="781366" cy="781366"/>
           </a:xfrm>
           <a:prstGeom prst="rect">
@@ -25890,7 +25890,7 @@
         </p:blipFill>
         <p:spPr>
           <a:xfrm>
-            <a:off x="819466" y="8495668"/>
+            <a:off x="819466" y="8495670"/>
             <a:ext cx="781366" cy="781366"/>
           </a:xfrm>
           <a:prstGeom prst="rect">
@@ -25926,7 +25926,7 @@
         </p:blipFill>
         <p:spPr>
           <a:xfrm>
-            <a:off x="1625325" y="8495668"/>
+            <a:off x="1625325" y="8495670"/>
             <a:ext cx="781366" cy="781366"/>
           </a:xfrm>
           <a:prstGeom prst="rect">
@@ -25962,7 +25962,7 @@
         </p:blipFill>
         <p:spPr>
           <a:xfrm>
-            <a:off x="2398527" y="8495668"/>
+            <a:off x="2398529" y="8495670"/>
             <a:ext cx="781366" cy="781366"/>
           </a:xfrm>
           <a:prstGeom prst="rect">
@@ -25998,7 +25998,7 @@
         </p:blipFill>
         <p:spPr>
           <a:xfrm>
-            <a:off x="3186697" y="8495668"/>
+            <a:off x="3186697" y="8495670"/>
             <a:ext cx="781366" cy="781366"/>
           </a:xfrm>
           <a:prstGeom prst="rect">
@@ -26034,7 +26034,7 @@
         </p:blipFill>
         <p:spPr>
           <a:xfrm>
-            <a:off x="3988474" y="8495668"/>
+            <a:off x="3988474" y="8495670"/>
             <a:ext cx="781366" cy="781366"/>
           </a:xfrm>
           <a:prstGeom prst="rect">
@@ -26070,7 +26070,7 @@
         </p:blipFill>
         <p:spPr>
           <a:xfrm>
-            <a:off x="4780726" y="8495668"/>
+            <a:off x="4780728" y="8495670"/>
             <a:ext cx="781366" cy="781366"/>
           </a:xfrm>
           <a:prstGeom prst="rect">
@@ -26106,7 +26106,7 @@
         </p:blipFill>
         <p:spPr>
           <a:xfrm>
-            <a:off x="5578421" y="8495668"/>
+            <a:off x="5578421" y="8495670"/>
             <a:ext cx="781366" cy="781366"/>
           </a:xfrm>
           <a:prstGeom prst="rect">
@@ -26142,7 +26142,7 @@
         </p:blipFill>
         <p:spPr>
           <a:xfrm>
-            <a:off x="6370673" y="8495668"/>
+            <a:off x="6370673" y="8495670"/>
             <a:ext cx="781366" cy="781366"/>
           </a:xfrm>
           <a:prstGeom prst="rect">
@@ -26838,7 +26838,7 @@
         </p:blipFill>
         <p:spPr>
           <a:xfrm>
-            <a:off x="3004459" y="0"/>
+            <a:off x="3004463" y="4"/>
             <a:ext cx="4767941" cy="4767941"/>
           </a:xfrm>
           <a:prstGeom prst="rect">
@@ -26874,7 +26874,7 @@
         </p:blipFill>
         <p:spPr>
           <a:xfrm>
-            <a:off x="3004458" y="5290459"/>
+            <a:off x="3004462" y="5290465"/>
             <a:ext cx="4767941" cy="4767941"/>
           </a:xfrm>
           <a:prstGeom prst="rect">
@@ -27150,7 +27150,7 @@
   <a:extraClrSchemeLst/>
   <a:extLst>
     <a:ext uri="{05A4C25C-085E-4340-85A3-A5531E510DB2}">
-      <thm15:themeFamily xmlns:thm15="http://schemas.microsoft.com/office/thememl/2012/main" name="Office 2013 - 2022 Theme" id="{62F939B6-93AF-4DB8-9C6B-D6C7DFDC589F}" vid="{4A3C46E8-61CC-4603-A589-7422A47A8E4A}"/>
+      <thm15:themeFamily xmlns:thm15="http://schemas.microsoft.com/office/thememl/2012/main" name="Office Theme" id="{62F939B6-93AF-4DB8-9C6B-D6C7DFDC589F}" vid="{4A3C46E8-61CC-4603-A589-7422A47A8E4A}"/>
     </a:ext>
   </a:extLst>
 </a:theme>

--- a/Board Games/Dungeon Scrawlers/Dungeon Scrawlers Pieces Print.pptx
+++ b/Board Games/Dungeon Scrawlers/Dungeon Scrawlers Pieces Print.pptx
@@ -8682,6 +8682,42 @@
           </a:prstGeom>
         </p:spPr>
       </p:pic>
+      <p:pic>
+        <p:nvPicPr>
+          <p:cNvPr id="2" name="Picture 1" descr="A screenshot of a video game&#10;&#10;Description automatically generated">
+            <a:extLst>
+              <a:ext uri="{FF2B5EF4-FFF2-40B4-BE49-F238E27FC236}">
+                <a16:creationId xmlns:a16="http://schemas.microsoft.com/office/drawing/2014/main" id="{C4AD3C1F-DA39-78CE-915F-16F904EAAB2E}"/>
+              </a:ext>
+            </a:extLst>
+          </p:cNvPr>
+          <p:cNvPicPr>
+            <a:picLocks noChangeAspect="1"/>
+          </p:cNvPicPr>
+          <p:nvPr/>
+        </p:nvPicPr>
+        <p:blipFill>
+          <a:blip r:embed="rId7">
+            <a:extLst>
+              <a:ext uri="{28A0092B-C50C-407E-A947-70E740481C1C}">
+                <a14:useLocalDpi xmlns:a14="http://schemas.microsoft.com/office/drawing/2010/main" val="0"/>
+              </a:ext>
+            </a:extLst>
+          </a:blip>
+          <a:stretch>
+            <a:fillRect/>
+          </a:stretch>
+        </p:blipFill>
+        <p:spPr>
+          <a:xfrm>
+            <a:off x="910414" y="3203390"/>
+            <a:ext cx="2286924" cy="3201694"/>
+          </a:xfrm>
+          <a:prstGeom prst="rect">
+            <a:avLst/>
+          </a:prstGeom>
+        </p:spPr>
+      </p:pic>
     </p:spTree>
     <p:extLst>
       <p:ext uri="{BB962C8B-B14F-4D97-AF65-F5344CB8AC3E}">
@@ -8892,6 +8928,42 @@
           </a:prstGeom>
         </p:spPr>
       </p:pic>
+      <p:pic>
+        <p:nvPicPr>
+          <p:cNvPr id="3" name="Picture 2" descr="A screen shot of a game&#10;&#10;Description automatically generated">
+            <a:extLst>
+              <a:ext uri="{FF2B5EF4-FFF2-40B4-BE49-F238E27FC236}">
+                <a16:creationId xmlns:a16="http://schemas.microsoft.com/office/drawing/2014/main" id="{BD1D3207-474D-91A4-420D-843F46633D21}"/>
+              </a:ext>
+            </a:extLst>
+          </p:cNvPr>
+          <p:cNvPicPr>
+            <a:picLocks noChangeAspect="1"/>
+          </p:cNvPicPr>
+          <p:nvPr/>
+        </p:nvPicPr>
+        <p:blipFill>
+          <a:blip r:embed="rId3">
+            <a:extLst>
+              <a:ext uri="{28A0092B-C50C-407E-A947-70E740481C1C}">
+                <a14:useLocalDpi xmlns:a14="http://schemas.microsoft.com/office/drawing/2010/main" val="0"/>
+              </a:ext>
+            </a:extLst>
+          </a:blip>
+          <a:stretch>
+            <a:fillRect/>
+          </a:stretch>
+        </p:blipFill>
+        <p:spPr>
+          <a:xfrm>
+            <a:off x="4573847" y="3201694"/>
+            <a:ext cx="2286924" cy="3201694"/>
+          </a:xfrm>
+          <a:prstGeom prst="rect">
+            <a:avLst/>
+          </a:prstGeom>
+        </p:spPr>
+      </p:pic>
     </p:spTree>
     <p:extLst>
       <p:ext uri="{BB962C8B-B14F-4D97-AF65-F5344CB8AC3E}">
@@ -11940,6 +12012,42 @@
           </a:prstGeom>
         </p:spPr>
       </p:pic>
+      <p:pic>
+        <p:nvPicPr>
+          <p:cNvPr id="2" name="Picture 1" descr="A screenshot of a video game&#10;&#10;Description automatically generated">
+            <a:extLst>
+              <a:ext uri="{FF2B5EF4-FFF2-40B4-BE49-F238E27FC236}">
+                <a16:creationId xmlns:a16="http://schemas.microsoft.com/office/drawing/2014/main" id="{20A00EC5-614A-87CE-5ACD-929D561C88C1}"/>
+              </a:ext>
+            </a:extLst>
+          </p:cNvPr>
+          <p:cNvPicPr>
+            <a:picLocks noChangeAspect="1"/>
+          </p:cNvPicPr>
+          <p:nvPr/>
+        </p:nvPicPr>
+        <p:blipFill>
+          <a:blip r:embed="rId7">
+            <a:extLst>
+              <a:ext uri="{28A0092B-C50C-407E-A947-70E740481C1C}">
+                <a14:useLocalDpi xmlns:a14="http://schemas.microsoft.com/office/drawing/2010/main" val="0"/>
+              </a:ext>
+            </a:extLst>
+          </a:blip>
+          <a:stretch>
+            <a:fillRect/>
+          </a:stretch>
+        </p:blipFill>
+        <p:spPr>
+          <a:xfrm>
+            <a:off x="910414" y="3203390"/>
+            <a:ext cx="2286924" cy="3201694"/>
+          </a:xfrm>
+          <a:prstGeom prst="rect">
+            <a:avLst/>
+          </a:prstGeom>
+        </p:spPr>
+      </p:pic>
     </p:spTree>
     <p:extLst>
       <p:ext uri="{BB962C8B-B14F-4D97-AF65-F5344CB8AC3E}">
@@ -12150,6 +12258,42 @@
           </a:prstGeom>
         </p:spPr>
       </p:pic>
+      <p:pic>
+        <p:nvPicPr>
+          <p:cNvPr id="3" name="Picture 2" descr="A screen shot of a game&#10;&#10;Description automatically generated">
+            <a:extLst>
+              <a:ext uri="{FF2B5EF4-FFF2-40B4-BE49-F238E27FC236}">
+                <a16:creationId xmlns:a16="http://schemas.microsoft.com/office/drawing/2014/main" id="{76FB9A5B-DBB3-A188-9312-B6B9A70DEE0D}"/>
+              </a:ext>
+            </a:extLst>
+          </p:cNvPr>
+          <p:cNvPicPr>
+            <a:picLocks noChangeAspect="1"/>
+          </p:cNvPicPr>
+          <p:nvPr/>
+        </p:nvPicPr>
+        <p:blipFill>
+          <a:blip r:embed="rId3">
+            <a:extLst>
+              <a:ext uri="{28A0092B-C50C-407E-A947-70E740481C1C}">
+                <a14:useLocalDpi xmlns:a14="http://schemas.microsoft.com/office/drawing/2010/main" val="0"/>
+              </a:ext>
+            </a:extLst>
+          </a:blip>
+          <a:stretch>
+            <a:fillRect/>
+          </a:stretch>
+        </p:blipFill>
+        <p:spPr>
+          <a:xfrm>
+            <a:off x="4573847" y="3201694"/>
+            <a:ext cx="2286924" cy="3201694"/>
+          </a:xfrm>
+          <a:prstGeom prst="rect">
+            <a:avLst/>
+          </a:prstGeom>
+        </p:spPr>
+      </p:pic>
     </p:spTree>
     <p:extLst>
       <p:ext uri="{BB962C8B-B14F-4D97-AF65-F5344CB8AC3E}">
@@ -15198,6 +15342,42 @@
           </a:prstGeom>
         </p:spPr>
       </p:pic>
+      <p:pic>
+        <p:nvPicPr>
+          <p:cNvPr id="3" name="Picture 2" descr="A screenshot of a video game&#10;&#10;Description automatically generated">
+            <a:extLst>
+              <a:ext uri="{FF2B5EF4-FFF2-40B4-BE49-F238E27FC236}">
+                <a16:creationId xmlns:a16="http://schemas.microsoft.com/office/drawing/2014/main" id="{F193B94D-AB03-EF84-3E6F-E63CBCA6CC45}"/>
+              </a:ext>
+            </a:extLst>
+          </p:cNvPr>
+          <p:cNvPicPr>
+            <a:picLocks noChangeAspect="1"/>
+          </p:cNvPicPr>
+          <p:nvPr/>
+        </p:nvPicPr>
+        <p:blipFill>
+          <a:blip r:embed="rId7">
+            <a:extLst>
+              <a:ext uri="{28A0092B-C50C-407E-A947-70E740481C1C}">
+                <a14:useLocalDpi xmlns:a14="http://schemas.microsoft.com/office/drawing/2010/main" val="0"/>
+              </a:ext>
+            </a:extLst>
+          </a:blip>
+          <a:stretch>
+            <a:fillRect/>
+          </a:stretch>
+        </p:blipFill>
+        <p:spPr>
+          <a:xfrm>
+            <a:off x="910414" y="3203390"/>
+            <a:ext cx="2286924" cy="3201694"/>
+          </a:xfrm>
+          <a:prstGeom prst="rect">
+            <a:avLst/>
+          </a:prstGeom>
+        </p:spPr>
+      </p:pic>
     </p:spTree>
     <p:extLst>
       <p:ext uri="{BB962C8B-B14F-4D97-AF65-F5344CB8AC3E}">
@@ -15401,6 +15581,42 @@
         <p:spPr>
           <a:xfrm>
             <a:off x="0" y="2"/>
+            <a:ext cx="2286924" cy="3201694"/>
+          </a:xfrm>
+          <a:prstGeom prst="rect">
+            <a:avLst/>
+          </a:prstGeom>
+        </p:spPr>
+      </p:pic>
+      <p:pic>
+        <p:nvPicPr>
+          <p:cNvPr id="4" name="Picture 3" descr="A screen shot of a game&#10;&#10;Description automatically generated">
+            <a:extLst>
+              <a:ext uri="{FF2B5EF4-FFF2-40B4-BE49-F238E27FC236}">
+                <a16:creationId xmlns:a16="http://schemas.microsoft.com/office/drawing/2014/main" id="{82889C93-D22E-F3E3-F2C6-F9AD0ADD0C4F}"/>
+              </a:ext>
+            </a:extLst>
+          </p:cNvPr>
+          <p:cNvPicPr>
+            <a:picLocks noChangeAspect="1"/>
+          </p:cNvPicPr>
+          <p:nvPr/>
+        </p:nvPicPr>
+        <p:blipFill>
+          <a:blip r:embed="rId3">
+            <a:extLst>
+              <a:ext uri="{28A0092B-C50C-407E-A947-70E740481C1C}">
+                <a14:useLocalDpi xmlns:a14="http://schemas.microsoft.com/office/drawing/2010/main" val="0"/>
+              </a:ext>
+            </a:extLst>
+          </a:blip>
+          <a:stretch>
+            <a:fillRect/>
+          </a:stretch>
+        </p:blipFill>
+        <p:spPr>
+          <a:xfrm>
+            <a:off x="4573847" y="3201694"/>
             <a:ext cx="2286924" cy="3201694"/>
           </a:xfrm>
           <a:prstGeom prst="rect">

--- a/Board Games/Dungeon Scrawlers/Dungeon Scrawlers Pieces Print.pptx
+++ b/Board Games/Dungeon Scrawlers/Dungeon Scrawlers Pieces Print.pptx
@@ -25998,7 +25998,7 @@
         </p:blipFill>
         <p:spPr>
           <a:xfrm>
-            <a:off x="4775283" y="9277034"/>
+            <a:off x="5547124" y="9277034"/>
             <a:ext cx="781366" cy="781366"/>
           </a:xfrm>
           <a:prstGeom prst="rect">
@@ -26008,10 +26008,10 @@
       </p:pic>
       <p:pic>
         <p:nvPicPr>
-          <p:cNvPr id="19" name="Picture 18" descr="A pixelated image of a skull in a circle&#10;&#10;Description automatically generated">
-            <a:extLst>
-              <a:ext uri="{FF2B5EF4-FFF2-40B4-BE49-F238E27FC236}">
-                <a16:creationId xmlns:a16="http://schemas.microsoft.com/office/drawing/2014/main" id="{A2A2DC2A-68FD-C2DB-0BCF-35EAF130B544}"/>
+          <p:cNvPr id="21" name="Picture 20" descr="A cartoon of a person with a bow and arrow&#10;&#10;Description automatically generated">
+            <a:extLst>
+              <a:ext uri="{FF2B5EF4-FFF2-40B4-BE49-F238E27FC236}">
+                <a16:creationId xmlns:a16="http://schemas.microsoft.com/office/drawing/2014/main" id="{74C3D64E-3882-E135-716E-00CA6B8E7739}"/>
               </a:ext>
             </a:extLst>
           </p:cNvPr>
@@ -26022,42 +26022,6 @@
         </p:nvPicPr>
         <p:blipFill>
           <a:blip r:embed="rId10">
-            <a:extLst>
-              <a:ext uri="{28A0092B-C50C-407E-A947-70E740481C1C}">
-                <a14:useLocalDpi xmlns:a14="http://schemas.microsoft.com/office/drawing/2010/main" val="0"/>
-              </a:ext>
-            </a:extLst>
-          </a:blip>
-          <a:stretch>
-            <a:fillRect/>
-          </a:stretch>
-        </p:blipFill>
-        <p:spPr>
-          <a:xfrm>
-            <a:off x="5567537" y="9277034"/>
-            <a:ext cx="781366" cy="781366"/>
-          </a:xfrm>
-          <a:prstGeom prst="rect">
-            <a:avLst/>
-          </a:prstGeom>
-        </p:spPr>
-      </p:pic>
-      <p:pic>
-        <p:nvPicPr>
-          <p:cNvPr id="21" name="Picture 20" descr="A cartoon of a person with a bow and arrow&#10;&#10;Description automatically generated">
-            <a:extLst>
-              <a:ext uri="{FF2B5EF4-FFF2-40B4-BE49-F238E27FC236}">
-                <a16:creationId xmlns:a16="http://schemas.microsoft.com/office/drawing/2014/main" id="{74C3D64E-3882-E135-716E-00CA6B8E7739}"/>
-              </a:ext>
-            </a:extLst>
-          </p:cNvPr>
-          <p:cNvPicPr>
-            <a:picLocks noChangeAspect="1"/>
-          </p:cNvPicPr>
-          <p:nvPr/>
-        </p:nvPicPr>
-        <p:blipFill>
-          <a:blip r:embed="rId11">
             <a:extLst>
               <a:ext uri="{28A0092B-C50C-407E-A947-70E740481C1C}">
                 <a14:useLocalDpi xmlns:a14="http://schemas.microsoft.com/office/drawing/2010/main" val="0"/>
@@ -26093,7 +26057,7 @@
           <p:nvPr/>
         </p:nvPicPr>
         <p:blipFill>
-          <a:blip r:embed="rId12">
+          <a:blip r:embed="rId11">
             <a:extLst>
               <a:ext uri="{28A0092B-C50C-407E-A947-70E740481C1C}">
                 <a14:useLocalDpi xmlns:a14="http://schemas.microsoft.com/office/drawing/2010/main" val="0"/>
@@ -26129,7 +26093,7 @@
           <p:nvPr/>
         </p:nvPicPr>
         <p:blipFill>
-          <a:blip r:embed="rId13">
+          <a:blip r:embed="rId12">
             <a:extLst>
               <a:ext uri="{28A0092B-C50C-407E-A947-70E740481C1C}">
                 <a14:useLocalDpi xmlns:a14="http://schemas.microsoft.com/office/drawing/2010/main" val="0"/>
@@ -26165,7 +26129,7 @@
           <p:nvPr/>
         </p:nvPicPr>
         <p:blipFill>
-          <a:blip r:embed="rId14">
+          <a:blip r:embed="rId13">
             <a:extLst>
               <a:ext uri="{28A0092B-C50C-407E-A947-70E740481C1C}">
                 <a14:useLocalDpi xmlns:a14="http://schemas.microsoft.com/office/drawing/2010/main" val="0"/>
@@ -26201,7 +26165,7 @@
           <p:nvPr/>
         </p:nvPicPr>
         <p:blipFill>
-          <a:blip r:embed="rId14">
+          <a:blip r:embed="rId13">
             <a:extLst>
               <a:ext uri="{28A0092B-C50C-407E-A947-70E740481C1C}">
                 <a14:useLocalDpi xmlns:a14="http://schemas.microsoft.com/office/drawing/2010/main" val="0"/>
@@ -26237,7 +26201,7 @@
           <p:nvPr/>
         </p:nvPicPr>
         <p:blipFill>
-          <a:blip r:embed="rId14">
+          <a:blip r:embed="rId13">
             <a:extLst>
               <a:ext uri="{28A0092B-C50C-407E-A947-70E740481C1C}">
                 <a14:useLocalDpi xmlns:a14="http://schemas.microsoft.com/office/drawing/2010/main" val="0"/>
@@ -26273,7 +26237,7 @@
           <p:nvPr/>
         </p:nvPicPr>
         <p:blipFill>
-          <a:blip r:embed="rId14">
+          <a:blip r:embed="rId13">
             <a:extLst>
               <a:ext uri="{28A0092B-C50C-407E-A947-70E740481C1C}">
                 <a14:useLocalDpi xmlns:a14="http://schemas.microsoft.com/office/drawing/2010/main" val="0"/>
@@ -26309,7 +26273,7 @@
           <p:nvPr/>
         </p:nvPicPr>
         <p:blipFill>
-          <a:blip r:embed="rId14">
+          <a:blip r:embed="rId13">
             <a:extLst>
               <a:ext uri="{28A0092B-C50C-407E-A947-70E740481C1C}">
                 <a14:useLocalDpi xmlns:a14="http://schemas.microsoft.com/office/drawing/2010/main" val="0"/>
@@ -26345,7 +26309,7 @@
           <p:nvPr/>
         </p:nvPicPr>
         <p:blipFill>
-          <a:blip r:embed="rId14">
+          <a:blip r:embed="rId13">
             <a:extLst>
               <a:ext uri="{28A0092B-C50C-407E-A947-70E740481C1C}">
                 <a14:useLocalDpi xmlns:a14="http://schemas.microsoft.com/office/drawing/2010/main" val="0"/>
@@ -26381,6 +26345,42 @@
           <p:nvPr/>
         </p:nvPicPr>
         <p:blipFill>
+          <a:blip r:embed="rId13">
+            <a:extLst>
+              <a:ext uri="{28A0092B-C50C-407E-A947-70E740481C1C}">
+                <a14:useLocalDpi xmlns:a14="http://schemas.microsoft.com/office/drawing/2010/main" val="0"/>
+              </a:ext>
+            </a:extLst>
+          </a:blip>
+          <a:stretch>
+            <a:fillRect/>
+          </a:stretch>
+        </p:blipFill>
+        <p:spPr>
+          <a:xfrm>
+            <a:off x="6348901" y="9277034"/>
+            <a:ext cx="781366" cy="781366"/>
+          </a:xfrm>
+          <a:prstGeom prst="rect">
+            <a:avLst/>
+          </a:prstGeom>
+        </p:spPr>
+      </p:pic>
+      <p:pic>
+        <p:nvPicPr>
+          <p:cNvPr id="2" name="Picture 1" descr="A pixelated image of a skull in a circle&#10;&#10;Description automatically generated">
+            <a:extLst>
+              <a:ext uri="{FF2B5EF4-FFF2-40B4-BE49-F238E27FC236}">
+                <a16:creationId xmlns:a16="http://schemas.microsoft.com/office/drawing/2014/main" id="{A9BE0823-E1ED-3431-E882-363905BB13F6}"/>
+              </a:ext>
+            </a:extLst>
+          </p:cNvPr>
+          <p:cNvPicPr>
+            <a:picLocks noChangeAspect="1"/>
+          </p:cNvPicPr>
+          <p:nvPr/>
+        </p:nvPicPr>
+        <p:blipFill>
           <a:blip r:embed="rId14">
             <a:extLst>
               <a:ext uri="{28A0092B-C50C-407E-A947-70E740481C1C}">
@@ -26394,7 +26394,7 @@
         </p:blipFill>
         <p:spPr>
           <a:xfrm>
-            <a:off x="6348901" y="9277034"/>
+            <a:off x="4775283" y="9277034"/>
             <a:ext cx="781366" cy="781366"/>
           </a:xfrm>
           <a:prstGeom prst="rect">

--- a/Board Games/Dungeon Scrawlers/Dungeon Scrawlers Pieces Print.pptx
+++ b/Board Games/Dungeon Scrawlers/Dungeon Scrawlers Pieces Print.pptx
@@ -23,7 +23,7 @@
     <p:sldId id="269" r:id="rId17"/>
     <p:sldId id="270" r:id="rId18"/>
     <p:sldId id="271" r:id="rId19"/>
-    <p:sldId id="272" r:id="rId20"/>
+    <p:sldId id="411" r:id="rId20"/>
     <p:sldId id="273" r:id="rId21"/>
     <p:sldId id="274" r:id="rId22"/>
     <p:sldId id="275" r:id="rId23"/>
@@ -4224,6 +4224,42 @@
           </a:prstGeom>
         </p:spPr>
       </p:pic>
+      <p:pic>
+        <p:nvPicPr>
+          <p:cNvPr id="6" name="Picture 5" descr="A purple and white sign with text&#10;&#10;Description automatically generated">
+            <a:extLst>
+              <a:ext uri="{FF2B5EF4-FFF2-40B4-BE49-F238E27FC236}">
+                <a16:creationId xmlns:a16="http://schemas.microsoft.com/office/drawing/2014/main" id="{468222C8-3552-4388-F9B2-FD74EC6981B7}"/>
+              </a:ext>
+            </a:extLst>
+          </p:cNvPr>
+          <p:cNvPicPr>
+            <a:picLocks noChangeAspect="1"/>
+          </p:cNvPicPr>
+          <p:nvPr/>
+        </p:nvPicPr>
+        <p:blipFill>
+          <a:blip r:embed="rId3">
+            <a:extLst>
+              <a:ext uri="{28A0092B-C50C-407E-A947-70E740481C1C}">
+                <a14:useLocalDpi xmlns:a14="http://schemas.microsoft.com/office/drawing/2010/main" val="0"/>
+              </a:ext>
+            </a:extLst>
+          </a:blip>
+          <a:stretch>
+            <a:fillRect/>
+          </a:stretch>
+        </p:blipFill>
+        <p:spPr>
+          <a:xfrm>
+            <a:off x="717536" y="0"/>
+            <a:ext cx="2286924" cy="3201694"/>
+          </a:xfrm>
+          <a:prstGeom prst="rect">
+            <a:avLst/>
+          </a:prstGeom>
+        </p:spPr>
+      </p:pic>
     </p:spTree>
     <p:extLst>
       <p:ext uri="{BB962C8B-B14F-4D97-AF65-F5344CB8AC3E}">
@@ -4290,6 +4326,42 @@
           </a:prstGeom>
         </p:spPr>
       </p:pic>
+      <p:pic>
+        <p:nvPicPr>
+          <p:cNvPr id="3" name="Picture 2" descr="A screen shot of a game&#10;&#10;Description automatically generated">
+            <a:extLst>
+              <a:ext uri="{FF2B5EF4-FFF2-40B4-BE49-F238E27FC236}">
+                <a16:creationId xmlns:a16="http://schemas.microsoft.com/office/drawing/2014/main" id="{85A25DB3-2271-8194-6D3C-0C2802E182E1}"/>
+              </a:ext>
+            </a:extLst>
+          </p:cNvPr>
+          <p:cNvPicPr>
+            <a:picLocks noChangeAspect="1"/>
+          </p:cNvPicPr>
+          <p:nvPr/>
+        </p:nvPicPr>
+        <p:blipFill>
+          <a:blip r:embed="rId3">
+            <a:extLst>
+              <a:ext uri="{28A0092B-C50C-407E-A947-70E740481C1C}">
+                <a14:useLocalDpi xmlns:a14="http://schemas.microsoft.com/office/drawing/2010/main" val="0"/>
+              </a:ext>
+            </a:extLst>
+          </a:blip>
+          <a:stretch>
+            <a:fillRect/>
+          </a:stretch>
+        </p:blipFill>
+        <p:spPr>
+          <a:xfrm>
+            <a:off x="4767942" y="0"/>
+            <a:ext cx="2286924" cy="3201694"/>
+          </a:xfrm>
+          <a:prstGeom prst="rect">
+            <a:avLst/>
+          </a:prstGeom>
+        </p:spPr>
+      </p:pic>
     </p:spTree>
     <p:extLst>
       <p:ext uri="{BB962C8B-B14F-4D97-AF65-F5344CB8AC3E}">
@@ -4608,6 +4680,42 @@
           </a:prstGeom>
         </p:spPr>
       </p:pic>
+      <p:pic>
+        <p:nvPicPr>
+          <p:cNvPr id="8" name="Picture 7" descr="A yellow and black rectangular object with a black border&#10;&#10;Description automatically generated">
+            <a:extLst>
+              <a:ext uri="{FF2B5EF4-FFF2-40B4-BE49-F238E27FC236}">
+                <a16:creationId xmlns:a16="http://schemas.microsoft.com/office/drawing/2014/main" id="{C594B5A4-C370-A01C-643D-3174D093454E}"/>
+              </a:ext>
+            </a:extLst>
+          </p:cNvPr>
+          <p:cNvPicPr>
+            <a:picLocks noChangeAspect="1"/>
+          </p:cNvPicPr>
+          <p:nvPr/>
+        </p:nvPicPr>
+        <p:blipFill>
+          <a:blip r:embed="rId10">
+            <a:extLst>
+              <a:ext uri="{28A0092B-C50C-407E-A947-70E740481C1C}">
+                <a14:useLocalDpi xmlns:a14="http://schemas.microsoft.com/office/drawing/2010/main" val="0"/>
+              </a:ext>
+            </a:extLst>
+          </a:blip>
+          <a:stretch>
+            <a:fillRect/>
+          </a:stretch>
+        </p:blipFill>
+        <p:spPr>
+          <a:xfrm>
+            <a:off x="4575666" y="6402964"/>
+            <a:ext cx="2288742" cy="3204238"/>
+          </a:xfrm>
+          <a:prstGeom prst="rect">
+            <a:avLst/>
+          </a:prstGeom>
+        </p:spPr>
+      </p:pic>
     </p:spTree>
     <p:extLst>
       <p:ext uri="{BB962C8B-B14F-4D97-AF65-F5344CB8AC3E}">
@@ -4926,6 +5034,42 @@
           </a:prstGeom>
         </p:spPr>
       </p:pic>
+      <p:pic>
+        <p:nvPicPr>
+          <p:cNvPr id="3" name="Picture 2" descr="A yellow and black rectangular object with a black border&#10;&#10;Description automatically generated">
+            <a:extLst>
+              <a:ext uri="{FF2B5EF4-FFF2-40B4-BE49-F238E27FC236}">
+                <a16:creationId xmlns:a16="http://schemas.microsoft.com/office/drawing/2014/main" id="{E3036108-8EF3-6501-1418-D6BF556D52DD}"/>
+              </a:ext>
+            </a:extLst>
+          </p:cNvPr>
+          <p:cNvPicPr>
+            <a:picLocks noChangeAspect="1"/>
+          </p:cNvPicPr>
+          <p:nvPr/>
+        </p:nvPicPr>
+        <p:blipFill>
+          <a:blip r:embed="rId10">
+            <a:extLst>
+              <a:ext uri="{28A0092B-C50C-407E-A947-70E740481C1C}">
+                <a14:useLocalDpi xmlns:a14="http://schemas.microsoft.com/office/drawing/2010/main" val="0"/>
+              </a:ext>
+            </a:extLst>
+          </a:blip>
+          <a:stretch>
+            <a:fillRect/>
+          </a:stretch>
+        </p:blipFill>
+        <p:spPr>
+          <a:xfrm>
+            <a:off x="902839" y="6402966"/>
+            <a:ext cx="2288136" cy="3203390"/>
+          </a:xfrm>
+          <a:prstGeom prst="rect">
+            <a:avLst/>
+          </a:prstGeom>
+        </p:spPr>
+      </p:pic>
     </p:spTree>
     <p:extLst>
       <p:ext uri="{BB962C8B-B14F-4D97-AF65-F5344CB8AC3E}">
@@ -11126,10 +11270,10 @@
       </p:grpSpPr>
       <p:pic>
         <p:nvPicPr>
-          <p:cNvPr id="4" name="Picture 3" descr="A video game screen with a cartoon character holding a sword&#10;&#10;Description automatically generated">
-            <a:extLst>
-              <a:ext uri="{FF2B5EF4-FFF2-40B4-BE49-F238E27FC236}">
-                <a16:creationId xmlns:a16="http://schemas.microsoft.com/office/drawing/2014/main" id="{9E71EFBB-A348-EF8A-C3A5-E522E8FE2F26}"/>
+          <p:cNvPr id="3" name="Picture 2" descr="A screenshot of a video game&#10;&#10;Description automatically generated">
+            <a:extLst>
+              <a:ext uri="{FF2B5EF4-FFF2-40B4-BE49-F238E27FC236}">
+                <a16:creationId xmlns:a16="http://schemas.microsoft.com/office/drawing/2014/main" id="{ADBFAF8C-10E6-6579-70CB-579B0FCFDD47}"/>
               </a:ext>
             </a:extLst>
           </p:cNvPr>
@@ -11140,78 +11284,6 @@
         </p:nvPicPr>
         <p:blipFill>
           <a:blip r:embed="rId2">
-            <a:extLst>
-              <a:ext uri="{28A0092B-C50C-407E-A947-70E740481C1C}">
-                <a14:useLocalDpi xmlns:a14="http://schemas.microsoft.com/office/drawing/2010/main" val="0"/>
-              </a:ext>
-            </a:extLst>
-          </a:blip>
-          <a:stretch>
-            <a:fillRect/>
-          </a:stretch>
-        </p:blipFill>
-        <p:spPr>
-          <a:xfrm>
-            <a:off x="929771" y="2"/>
-            <a:ext cx="2286924" cy="3201694"/>
-          </a:xfrm>
-          <a:prstGeom prst="rect">
-            <a:avLst/>
-          </a:prstGeom>
-        </p:spPr>
-      </p:pic>
-      <p:pic>
-        <p:nvPicPr>
-          <p:cNvPr id="6" name="Picture 5" descr="A video game card with a cartoon character&#10;&#10;Description automatically generated">
-            <a:extLst>
-              <a:ext uri="{FF2B5EF4-FFF2-40B4-BE49-F238E27FC236}">
-                <a16:creationId xmlns:a16="http://schemas.microsoft.com/office/drawing/2014/main" id="{38FADFBF-417B-3081-872C-FCD84162ECA5}"/>
-              </a:ext>
-            </a:extLst>
-          </p:cNvPr>
-          <p:cNvPicPr>
-            <a:picLocks noChangeAspect="1"/>
-          </p:cNvPicPr>
-          <p:nvPr/>
-        </p:nvPicPr>
-        <p:blipFill>
-          <a:blip r:embed="rId3">
-            <a:extLst>
-              <a:ext uri="{28A0092B-C50C-407E-A947-70E740481C1C}">
-                <a14:useLocalDpi xmlns:a14="http://schemas.microsoft.com/office/drawing/2010/main" val="0"/>
-              </a:ext>
-            </a:extLst>
-          </a:blip>
-          <a:stretch>
-            <a:fillRect/>
-          </a:stretch>
-        </p:blipFill>
-        <p:spPr>
-          <a:xfrm>
-            <a:off x="5503619" y="3201694"/>
-            <a:ext cx="2286924" cy="3201694"/>
-          </a:xfrm>
-          <a:prstGeom prst="rect">
-            <a:avLst/>
-          </a:prstGeom>
-        </p:spPr>
-      </p:pic>
-      <p:pic>
-        <p:nvPicPr>
-          <p:cNvPr id="3" name="Picture 2" descr="A screenshot of a video game&#10;&#10;Description automatically generated">
-            <a:extLst>
-              <a:ext uri="{FF2B5EF4-FFF2-40B4-BE49-F238E27FC236}">
-                <a16:creationId xmlns:a16="http://schemas.microsoft.com/office/drawing/2014/main" id="{ADBFAF8C-10E6-6579-70CB-579B0FCFDD47}"/>
-              </a:ext>
-            </a:extLst>
-          </p:cNvPr>
-          <p:cNvPicPr>
-            <a:picLocks noChangeAspect="1"/>
-          </p:cNvPicPr>
-          <p:nvPr/>
-        </p:nvPicPr>
-        <p:blipFill>
-          <a:blip r:embed="rId4">
             <a:extLst>
               <a:ext uri="{28A0092B-C50C-407E-A947-70E740481C1C}">
                 <a14:useLocalDpi xmlns:a14="http://schemas.microsoft.com/office/drawing/2010/main" val="0"/>
@@ -11247,7 +11319,7 @@
           <p:nvPr/>
         </p:nvPicPr>
         <p:blipFill>
-          <a:blip r:embed="rId5">
+          <a:blip r:embed="rId3">
             <a:extLst>
               <a:ext uri="{28A0092B-C50C-407E-A947-70E740481C1C}">
                 <a14:useLocalDpi xmlns:a14="http://schemas.microsoft.com/office/drawing/2010/main" val="0"/>
@@ -11283,7 +11355,7 @@
           <p:nvPr/>
         </p:nvPicPr>
         <p:blipFill>
-          <a:blip r:embed="rId6">
+          <a:blip r:embed="rId4">
             <a:extLst>
               <a:ext uri="{28A0092B-C50C-407E-A947-70E740481C1C}">
                 <a14:useLocalDpi xmlns:a14="http://schemas.microsoft.com/office/drawing/2010/main" val="0"/>
@@ -11319,7 +11391,7 @@
           <p:nvPr/>
         </p:nvPicPr>
         <p:blipFill>
-          <a:blip r:embed="rId7">
+          <a:blip r:embed="rId5">
             <a:extLst>
               <a:ext uri="{28A0092B-C50C-407E-A947-70E740481C1C}">
                 <a14:useLocalDpi xmlns:a14="http://schemas.microsoft.com/office/drawing/2010/main" val="0"/>
@@ -11355,7 +11427,7 @@
           <p:nvPr/>
         </p:nvPicPr>
         <p:blipFill>
-          <a:blip r:embed="rId8">
+          <a:blip r:embed="rId6">
             <a:extLst>
               <a:ext uri="{28A0092B-C50C-407E-A947-70E740481C1C}">
                 <a14:useLocalDpi xmlns:a14="http://schemas.microsoft.com/office/drawing/2010/main" val="0"/>
@@ -11391,7 +11463,7 @@
           <p:nvPr/>
         </p:nvPicPr>
         <p:blipFill>
-          <a:blip r:embed="rId9">
+          <a:blip r:embed="rId7">
             <a:extLst>
               <a:ext uri="{28A0092B-C50C-407E-A947-70E740481C1C}">
                 <a14:useLocalDpi xmlns:a14="http://schemas.microsoft.com/office/drawing/2010/main" val="0"/>
@@ -11427,7 +11499,7 @@
           <p:nvPr/>
         </p:nvPicPr>
         <p:blipFill>
-          <a:blip r:embed="rId10">
+          <a:blip r:embed="rId8">
             <a:extLst>
               <a:ext uri="{28A0092B-C50C-407E-A947-70E740481C1C}">
                 <a14:useLocalDpi xmlns:a14="http://schemas.microsoft.com/office/drawing/2010/main" val="0"/>
@@ -11552,10 +11624,10 @@
       </p:pic>
       <p:pic>
         <p:nvPicPr>
-          <p:cNvPr id="7" name="Picture 6" descr="A screen shot of a game&#10;&#10;Description automatically generated">
-            <a:extLst>
-              <a:ext uri="{FF2B5EF4-FFF2-40B4-BE49-F238E27FC236}">
-                <a16:creationId xmlns:a16="http://schemas.microsoft.com/office/drawing/2014/main" id="{DE026110-C31F-5047-474F-A1A22E9E1BAF}"/>
+          <p:cNvPr id="11" name="Picture 10" descr="A screen shot of a video game&#10;&#10;Description automatically generated">
+            <a:extLst>
+              <a:ext uri="{FF2B5EF4-FFF2-40B4-BE49-F238E27FC236}">
+                <a16:creationId xmlns:a16="http://schemas.microsoft.com/office/drawing/2014/main" id="{B0C48B39-2925-72A7-8178-32E236648E30}"/>
               </a:ext>
             </a:extLst>
           </p:cNvPr>
@@ -11566,78 +11638,6 @@
         </p:nvPicPr>
         <p:blipFill>
           <a:blip r:embed="rId3">
-            <a:extLst>
-              <a:ext uri="{28A0092B-C50C-407E-A947-70E740481C1C}">
-                <a14:useLocalDpi xmlns:a14="http://schemas.microsoft.com/office/drawing/2010/main" val="0"/>
-              </a:ext>
-            </a:extLst>
-          </a:blip>
-          <a:stretch>
-            <a:fillRect/>
-          </a:stretch>
-        </p:blipFill>
-        <p:spPr>
-          <a:xfrm>
-            <a:off x="4573848" y="2"/>
-            <a:ext cx="2286924" cy="3201694"/>
-          </a:xfrm>
-          <a:prstGeom prst="rect">
-            <a:avLst/>
-          </a:prstGeom>
-        </p:spPr>
-      </p:pic>
-      <p:pic>
-        <p:nvPicPr>
-          <p:cNvPr id="9" name="Picture 8" descr="A screen shot of a game&#10;&#10;Description automatically generated">
-            <a:extLst>
-              <a:ext uri="{FF2B5EF4-FFF2-40B4-BE49-F238E27FC236}">
-                <a16:creationId xmlns:a16="http://schemas.microsoft.com/office/drawing/2014/main" id="{C59B48AA-A5DB-44CE-2469-41B0D10024A6}"/>
-              </a:ext>
-            </a:extLst>
-          </p:cNvPr>
-          <p:cNvPicPr>
-            <a:picLocks noChangeAspect="1"/>
-          </p:cNvPicPr>
-          <p:nvPr/>
-        </p:nvPicPr>
-        <p:blipFill>
-          <a:blip r:embed="rId3">
-            <a:extLst>
-              <a:ext uri="{28A0092B-C50C-407E-A947-70E740481C1C}">
-                <a14:useLocalDpi xmlns:a14="http://schemas.microsoft.com/office/drawing/2010/main" val="0"/>
-              </a:ext>
-            </a:extLst>
-          </a:blip>
-          <a:stretch>
-            <a:fillRect/>
-          </a:stretch>
-        </p:blipFill>
-        <p:spPr>
-          <a:xfrm>
-            <a:off x="0" y="3201694"/>
-            <a:ext cx="2286924" cy="3201694"/>
-          </a:xfrm>
-          <a:prstGeom prst="rect">
-            <a:avLst/>
-          </a:prstGeom>
-        </p:spPr>
-      </p:pic>
-      <p:pic>
-        <p:nvPicPr>
-          <p:cNvPr id="11" name="Picture 10" descr="A screen shot of a video game&#10;&#10;Description automatically generated">
-            <a:extLst>
-              <a:ext uri="{FF2B5EF4-FFF2-40B4-BE49-F238E27FC236}">
-                <a16:creationId xmlns:a16="http://schemas.microsoft.com/office/drawing/2014/main" id="{B0C48B39-2925-72A7-8178-32E236648E30}"/>
-              </a:ext>
-            </a:extLst>
-          </p:cNvPr>
-          <p:cNvPicPr>
-            <a:picLocks noChangeAspect="1"/>
-          </p:cNvPicPr>
-          <p:nvPr/>
-        </p:nvPicPr>
-        <p:blipFill>
-          <a:blip r:embed="rId4">
             <a:extLst>
               <a:ext uri="{28A0092B-C50C-407E-A947-70E740481C1C}">
                 <a14:useLocalDpi xmlns:a14="http://schemas.microsoft.com/office/drawing/2010/main" val="0"/>
@@ -11673,7 +11673,7 @@
           <p:nvPr/>
         </p:nvPicPr>
         <p:blipFill>
-          <a:blip r:embed="rId4">
+          <a:blip r:embed="rId3">
             <a:extLst>
               <a:ext uri="{28A0092B-C50C-407E-A947-70E740481C1C}">
                 <a14:useLocalDpi xmlns:a14="http://schemas.microsoft.com/office/drawing/2010/main" val="0"/>
@@ -11709,7 +11709,7 @@
           <p:nvPr/>
         </p:nvPicPr>
         <p:blipFill>
-          <a:blip r:embed="rId4">
+          <a:blip r:embed="rId3">
             <a:extLst>
               <a:ext uri="{28A0092B-C50C-407E-A947-70E740481C1C}">
                 <a14:useLocalDpi xmlns:a14="http://schemas.microsoft.com/office/drawing/2010/main" val="0"/>
@@ -11745,7 +11745,7 @@
           <p:nvPr/>
         </p:nvPicPr>
         <p:blipFill>
-          <a:blip r:embed="rId4">
+          <a:blip r:embed="rId3">
             <a:extLst>
               <a:ext uri="{28A0092B-C50C-407E-A947-70E740481C1C}">
                 <a14:useLocalDpi xmlns:a14="http://schemas.microsoft.com/office/drawing/2010/main" val="0"/>
@@ -11781,7 +11781,7 @@
           <p:nvPr/>
         </p:nvPicPr>
         <p:blipFill>
-          <a:blip r:embed="rId4">
+          <a:blip r:embed="rId3">
             <a:extLst>
               <a:ext uri="{28A0092B-C50C-407E-A947-70E740481C1C}">
                 <a14:useLocalDpi xmlns:a14="http://schemas.microsoft.com/office/drawing/2010/main" val="0"/>
@@ -13742,10 +13742,10 @@
       </p:grpSpPr>
       <p:pic>
         <p:nvPicPr>
-          <p:cNvPr id="4" name="Picture 3" descr="A video game screen with a cartoon character holding a sword&#10;&#10;Description automatically generated">
-            <a:extLst>
-              <a:ext uri="{FF2B5EF4-FFF2-40B4-BE49-F238E27FC236}">
-                <a16:creationId xmlns:a16="http://schemas.microsoft.com/office/drawing/2014/main" id="{9E71EFBB-A348-EF8A-C3A5-E522E8FE2F26}"/>
+          <p:cNvPr id="3" name="Picture 2" descr="A screenshot of a video game&#10;&#10;Description automatically generated">
+            <a:extLst>
+              <a:ext uri="{FF2B5EF4-FFF2-40B4-BE49-F238E27FC236}">
+                <a16:creationId xmlns:a16="http://schemas.microsoft.com/office/drawing/2014/main" id="{ADBFAF8C-10E6-6579-70CB-579B0FCFDD47}"/>
               </a:ext>
             </a:extLst>
           </p:cNvPr>
@@ -13756,78 +13756,6 @@
         </p:nvPicPr>
         <p:blipFill>
           <a:blip r:embed="rId2">
-            <a:extLst>
-              <a:ext uri="{28A0092B-C50C-407E-A947-70E740481C1C}">
-                <a14:useLocalDpi xmlns:a14="http://schemas.microsoft.com/office/drawing/2010/main" val="0"/>
-              </a:ext>
-            </a:extLst>
-          </a:blip>
-          <a:stretch>
-            <a:fillRect/>
-          </a:stretch>
-        </p:blipFill>
-        <p:spPr>
-          <a:xfrm>
-            <a:off x="929771" y="2"/>
-            <a:ext cx="2286924" cy="3201694"/>
-          </a:xfrm>
-          <a:prstGeom prst="rect">
-            <a:avLst/>
-          </a:prstGeom>
-        </p:spPr>
-      </p:pic>
-      <p:pic>
-        <p:nvPicPr>
-          <p:cNvPr id="6" name="Picture 5" descr="A video game card with a cartoon character&#10;&#10;Description automatically generated">
-            <a:extLst>
-              <a:ext uri="{FF2B5EF4-FFF2-40B4-BE49-F238E27FC236}">
-                <a16:creationId xmlns:a16="http://schemas.microsoft.com/office/drawing/2014/main" id="{38FADFBF-417B-3081-872C-FCD84162ECA5}"/>
-              </a:ext>
-            </a:extLst>
-          </p:cNvPr>
-          <p:cNvPicPr>
-            <a:picLocks noChangeAspect="1"/>
-          </p:cNvPicPr>
-          <p:nvPr/>
-        </p:nvPicPr>
-        <p:blipFill>
-          <a:blip r:embed="rId3">
-            <a:extLst>
-              <a:ext uri="{28A0092B-C50C-407E-A947-70E740481C1C}">
-                <a14:useLocalDpi xmlns:a14="http://schemas.microsoft.com/office/drawing/2010/main" val="0"/>
-              </a:ext>
-            </a:extLst>
-          </a:blip>
-          <a:stretch>
-            <a:fillRect/>
-          </a:stretch>
-        </p:blipFill>
-        <p:spPr>
-          <a:xfrm>
-            <a:off x="5503619" y="3201694"/>
-            <a:ext cx="2286924" cy="3201694"/>
-          </a:xfrm>
-          <a:prstGeom prst="rect">
-            <a:avLst/>
-          </a:prstGeom>
-        </p:spPr>
-      </p:pic>
-      <p:pic>
-        <p:nvPicPr>
-          <p:cNvPr id="3" name="Picture 2" descr="A screenshot of a video game&#10;&#10;Description automatically generated">
-            <a:extLst>
-              <a:ext uri="{FF2B5EF4-FFF2-40B4-BE49-F238E27FC236}">
-                <a16:creationId xmlns:a16="http://schemas.microsoft.com/office/drawing/2014/main" id="{ADBFAF8C-10E6-6579-70CB-579B0FCFDD47}"/>
-              </a:ext>
-            </a:extLst>
-          </p:cNvPr>
-          <p:cNvPicPr>
-            <a:picLocks noChangeAspect="1"/>
-          </p:cNvPicPr>
-          <p:nvPr/>
-        </p:nvPicPr>
-        <p:blipFill>
-          <a:blip r:embed="rId4">
             <a:extLst>
               <a:ext uri="{28A0092B-C50C-407E-A947-70E740481C1C}">
                 <a14:useLocalDpi xmlns:a14="http://schemas.microsoft.com/office/drawing/2010/main" val="0"/>
@@ -13863,7 +13791,7 @@
           <p:nvPr/>
         </p:nvPicPr>
         <p:blipFill>
-          <a:blip r:embed="rId5">
+          <a:blip r:embed="rId3">
             <a:extLst>
               <a:ext uri="{28A0092B-C50C-407E-A947-70E740481C1C}">
                 <a14:useLocalDpi xmlns:a14="http://schemas.microsoft.com/office/drawing/2010/main" val="0"/>
@@ -13899,7 +13827,7 @@
           <p:nvPr/>
         </p:nvPicPr>
         <p:blipFill>
-          <a:blip r:embed="rId6">
+          <a:blip r:embed="rId4">
             <a:extLst>
               <a:ext uri="{28A0092B-C50C-407E-A947-70E740481C1C}">
                 <a14:useLocalDpi xmlns:a14="http://schemas.microsoft.com/office/drawing/2010/main" val="0"/>
@@ -13935,7 +13863,7 @@
           <p:nvPr/>
         </p:nvPicPr>
         <p:blipFill>
-          <a:blip r:embed="rId7">
+          <a:blip r:embed="rId5">
             <a:extLst>
               <a:ext uri="{28A0092B-C50C-407E-A947-70E740481C1C}">
                 <a14:useLocalDpi xmlns:a14="http://schemas.microsoft.com/office/drawing/2010/main" val="0"/>
@@ -13971,7 +13899,7 @@
           <p:nvPr/>
         </p:nvPicPr>
         <p:blipFill>
-          <a:blip r:embed="rId8">
+          <a:blip r:embed="rId6">
             <a:extLst>
               <a:ext uri="{28A0092B-C50C-407E-A947-70E740481C1C}">
                 <a14:useLocalDpi xmlns:a14="http://schemas.microsoft.com/office/drawing/2010/main" val="0"/>
@@ -14007,7 +13935,7 @@
           <p:nvPr/>
         </p:nvPicPr>
         <p:blipFill>
-          <a:blip r:embed="rId9">
+          <a:blip r:embed="rId7">
             <a:extLst>
               <a:ext uri="{28A0092B-C50C-407E-A947-70E740481C1C}">
                 <a14:useLocalDpi xmlns:a14="http://schemas.microsoft.com/office/drawing/2010/main" val="0"/>
@@ -14043,7 +13971,7 @@
           <p:nvPr/>
         </p:nvPicPr>
         <p:blipFill>
-          <a:blip r:embed="rId10">
+          <a:blip r:embed="rId8">
             <a:extLst>
               <a:ext uri="{28A0092B-C50C-407E-A947-70E740481C1C}">
                 <a14:useLocalDpi xmlns:a14="http://schemas.microsoft.com/office/drawing/2010/main" val="0"/>
@@ -14882,10 +14810,10 @@
       </p:pic>
       <p:pic>
         <p:nvPicPr>
-          <p:cNvPr id="7" name="Picture 6" descr="A screen shot of a game&#10;&#10;Description automatically generated">
-            <a:extLst>
-              <a:ext uri="{FF2B5EF4-FFF2-40B4-BE49-F238E27FC236}">
-                <a16:creationId xmlns:a16="http://schemas.microsoft.com/office/drawing/2014/main" id="{DE026110-C31F-5047-474F-A1A22E9E1BAF}"/>
+          <p:cNvPr id="11" name="Picture 10" descr="A screen shot of a video game&#10;&#10;Description automatically generated">
+            <a:extLst>
+              <a:ext uri="{FF2B5EF4-FFF2-40B4-BE49-F238E27FC236}">
+                <a16:creationId xmlns:a16="http://schemas.microsoft.com/office/drawing/2014/main" id="{B0C48B39-2925-72A7-8178-32E236648E30}"/>
               </a:ext>
             </a:extLst>
           </p:cNvPr>
@@ -14896,78 +14824,6 @@
         </p:nvPicPr>
         <p:blipFill>
           <a:blip r:embed="rId3">
-            <a:extLst>
-              <a:ext uri="{28A0092B-C50C-407E-A947-70E740481C1C}">
-                <a14:useLocalDpi xmlns:a14="http://schemas.microsoft.com/office/drawing/2010/main" val="0"/>
-              </a:ext>
-            </a:extLst>
-          </a:blip>
-          <a:stretch>
-            <a:fillRect/>
-          </a:stretch>
-        </p:blipFill>
-        <p:spPr>
-          <a:xfrm>
-            <a:off x="4573848" y="2"/>
-            <a:ext cx="2286924" cy="3201694"/>
-          </a:xfrm>
-          <a:prstGeom prst="rect">
-            <a:avLst/>
-          </a:prstGeom>
-        </p:spPr>
-      </p:pic>
-      <p:pic>
-        <p:nvPicPr>
-          <p:cNvPr id="9" name="Picture 8" descr="A screen shot of a game&#10;&#10;Description automatically generated">
-            <a:extLst>
-              <a:ext uri="{FF2B5EF4-FFF2-40B4-BE49-F238E27FC236}">
-                <a16:creationId xmlns:a16="http://schemas.microsoft.com/office/drawing/2014/main" id="{C59B48AA-A5DB-44CE-2469-41B0D10024A6}"/>
-              </a:ext>
-            </a:extLst>
-          </p:cNvPr>
-          <p:cNvPicPr>
-            <a:picLocks noChangeAspect="1"/>
-          </p:cNvPicPr>
-          <p:nvPr/>
-        </p:nvPicPr>
-        <p:blipFill>
-          <a:blip r:embed="rId3">
-            <a:extLst>
-              <a:ext uri="{28A0092B-C50C-407E-A947-70E740481C1C}">
-                <a14:useLocalDpi xmlns:a14="http://schemas.microsoft.com/office/drawing/2010/main" val="0"/>
-              </a:ext>
-            </a:extLst>
-          </a:blip>
-          <a:stretch>
-            <a:fillRect/>
-          </a:stretch>
-        </p:blipFill>
-        <p:spPr>
-          <a:xfrm>
-            <a:off x="0" y="3201694"/>
-            <a:ext cx="2286924" cy="3201694"/>
-          </a:xfrm>
-          <a:prstGeom prst="rect">
-            <a:avLst/>
-          </a:prstGeom>
-        </p:spPr>
-      </p:pic>
-      <p:pic>
-        <p:nvPicPr>
-          <p:cNvPr id="11" name="Picture 10" descr="A screen shot of a video game&#10;&#10;Description automatically generated">
-            <a:extLst>
-              <a:ext uri="{FF2B5EF4-FFF2-40B4-BE49-F238E27FC236}">
-                <a16:creationId xmlns:a16="http://schemas.microsoft.com/office/drawing/2014/main" id="{B0C48B39-2925-72A7-8178-32E236648E30}"/>
-              </a:ext>
-            </a:extLst>
-          </p:cNvPr>
-          <p:cNvPicPr>
-            <a:picLocks noChangeAspect="1"/>
-          </p:cNvPicPr>
-          <p:nvPr/>
-        </p:nvPicPr>
-        <p:blipFill>
-          <a:blip r:embed="rId4">
             <a:extLst>
               <a:ext uri="{28A0092B-C50C-407E-A947-70E740481C1C}">
                 <a14:useLocalDpi xmlns:a14="http://schemas.microsoft.com/office/drawing/2010/main" val="0"/>
@@ -15003,7 +14859,7 @@
           <p:nvPr/>
         </p:nvPicPr>
         <p:blipFill>
-          <a:blip r:embed="rId4">
+          <a:blip r:embed="rId3">
             <a:extLst>
               <a:ext uri="{28A0092B-C50C-407E-A947-70E740481C1C}">
                 <a14:useLocalDpi xmlns:a14="http://schemas.microsoft.com/office/drawing/2010/main" val="0"/>
@@ -15039,7 +14895,7 @@
           <p:nvPr/>
         </p:nvPicPr>
         <p:blipFill>
-          <a:blip r:embed="rId4">
+          <a:blip r:embed="rId3">
             <a:extLst>
               <a:ext uri="{28A0092B-C50C-407E-A947-70E740481C1C}">
                 <a14:useLocalDpi xmlns:a14="http://schemas.microsoft.com/office/drawing/2010/main" val="0"/>
@@ -15075,7 +14931,7 @@
           <p:nvPr/>
         </p:nvPicPr>
         <p:blipFill>
-          <a:blip r:embed="rId4">
+          <a:blip r:embed="rId3">
             <a:extLst>
               <a:ext uri="{28A0092B-C50C-407E-A947-70E740481C1C}">
                 <a14:useLocalDpi xmlns:a14="http://schemas.microsoft.com/office/drawing/2010/main" val="0"/>
@@ -15111,7 +14967,7 @@
           <p:nvPr/>
         </p:nvPicPr>
         <p:blipFill>
-          <a:blip r:embed="rId4">
+          <a:blip r:embed="rId3">
             <a:extLst>
               <a:ext uri="{28A0092B-C50C-407E-A947-70E740481C1C}">
                 <a14:useLocalDpi xmlns:a14="http://schemas.microsoft.com/office/drawing/2010/main" val="0"/>
@@ -19260,10 +19116,334 @@
           </a:prstGeom>
         </p:spPr>
       </p:pic>
+      <p:pic>
+        <p:nvPicPr>
+          <p:cNvPr id="2" name="Picture 1" descr="A blue and white pixelated logo&#10;&#10;Description automatically generated">
+            <a:extLst>
+              <a:ext uri="{FF2B5EF4-FFF2-40B4-BE49-F238E27FC236}">
+                <a16:creationId xmlns:a16="http://schemas.microsoft.com/office/drawing/2014/main" id="{3457F7A9-B7D3-EBD6-8C5E-D7A58E1D0760}"/>
+              </a:ext>
+            </a:extLst>
+          </p:cNvPr>
+          <p:cNvPicPr>
+            <a:picLocks noChangeAspect="1"/>
+          </p:cNvPicPr>
+          <p:nvPr/>
+        </p:nvPicPr>
+        <p:blipFill>
+          <a:blip r:embed="rId3">
+            <a:extLst>
+              <a:ext uri="{28A0092B-C50C-407E-A947-70E740481C1C}">
+                <a14:useLocalDpi xmlns:a14="http://schemas.microsoft.com/office/drawing/2010/main" val="0"/>
+              </a:ext>
+            </a:extLst>
+          </a:blip>
+          <a:stretch>
+            <a:fillRect/>
+          </a:stretch>
+        </p:blipFill>
+        <p:spPr>
+          <a:xfrm>
+            <a:off x="32658" y="9277034"/>
+            <a:ext cx="781366" cy="781366"/>
+          </a:xfrm>
+          <a:prstGeom prst="rect">
+            <a:avLst/>
+          </a:prstGeom>
+        </p:spPr>
+      </p:pic>
+      <p:pic>
+        <p:nvPicPr>
+          <p:cNvPr id="4" name="Picture 3" descr="A pixelated white skull in a green circle&#10;&#10;Description automatically generated">
+            <a:extLst>
+              <a:ext uri="{FF2B5EF4-FFF2-40B4-BE49-F238E27FC236}">
+                <a16:creationId xmlns:a16="http://schemas.microsoft.com/office/drawing/2014/main" id="{92DDC3B8-CD9A-BB81-F3B5-9393A1577531}"/>
+              </a:ext>
+            </a:extLst>
+          </p:cNvPr>
+          <p:cNvPicPr>
+            <a:picLocks noChangeAspect="1"/>
+          </p:cNvPicPr>
+          <p:nvPr/>
+        </p:nvPicPr>
+        <p:blipFill>
+          <a:blip r:embed="rId4">
+            <a:extLst>
+              <a:ext uri="{28A0092B-C50C-407E-A947-70E740481C1C}">
+                <a14:useLocalDpi xmlns:a14="http://schemas.microsoft.com/office/drawing/2010/main" val="0"/>
+              </a:ext>
+            </a:extLst>
+          </a:blip>
+          <a:stretch>
+            <a:fillRect/>
+          </a:stretch>
+        </p:blipFill>
+        <p:spPr>
+          <a:xfrm>
+            <a:off x="814023" y="9277034"/>
+            <a:ext cx="781366" cy="781366"/>
+          </a:xfrm>
+          <a:prstGeom prst="rect">
+            <a:avLst/>
+          </a:prstGeom>
+        </p:spPr>
+      </p:pic>
+      <p:pic>
+        <p:nvPicPr>
+          <p:cNvPr id="5" name="Picture 4" descr="A white skull in a green circle&#10;&#10;Description automatically generated">
+            <a:extLst>
+              <a:ext uri="{FF2B5EF4-FFF2-40B4-BE49-F238E27FC236}">
+                <a16:creationId xmlns:a16="http://schemas.microsoft.com/office/drawing/2014/main" id="{BAE90DDA-F3E5-179D-ACE4-C72E2BA4B0B6}"/>
+              </a:ext>
+            </a:extLst>
+          </p:cNvPr>
+          <p:cNvPicPr>
+            <a:picLocks noChangeAspect="1"/>
+          </p:cNvPicPr>
+          <p:nvPr/>
+        </p:nvPicPr>
+        <p:blipFill>
+          <a:blip r:embed="rId5">
+            <a:extLst>
+              <a:ext uri="{28A0092B-C50C-407E-A947-70E740481C1C}">
+                <a14:useLocalDpi xmlns:a14="http://schemas.microsoft.com/office/drawing/2010/main" val="0"/>
+              </a:ext>
+            </a:extLst>
+          </a:blip>
+          <a:stretch>
+            <a:fillRect/>
+          </a:stretch>
+        </p:blipFill>
+        <p:spPr>
+          <a:xfrm>
+            <a:off x="1606275" y="9277034"/>
+            <a:ext cx="781366" cy="781366"/>
+          </a:xfrm>
+          <a:prstGeom prst="rect">
+            <a:avLst/>
+          </a:prstGeom>
+        </p:spPr>
+      </p:pic>
+      <p:pic>
+        <p:nvPicPr>
+          <p:cNvPr id="6" name="Picture 5" descr="A pixelated image of a skull in a circle&#10;&#10;Description automatically generated">
+            <a:extLst>
+              <a:ext uri="{FF2B5EF4-FFF2-40B4-BE49-F238E27FC236}">
+                <a16:creationId xmlns:a16="http://schemas.microsoft.com/office/drawing/2014/main" id="{13CA466C-B6A4-E4CF-F699-81989B8B2934}"/>
+              </a:ext>
+            </a:extLst>
+          </p:cNvPr>
+          <p:cNvPicPr>
+            <a:picLocks noChangeAspect="1"/>
+          </p:cNvPicPr>
+          <p:nvPr/>
+        </p:nvPicPr>
+        <p:blipFill>
+          <a:blip r:embed="rId6">
+            <a:extLst>
+              <a:ext uri="{28A0092B-C50C-407E-A947-70E740481C1C}">
+                <a14:useLocalDpi xmlns:a14="http://schemas.microsoft.com/office/drawing/2010/main" val="0"/>
+              </a:ext>
+            </a:extLst>
+          </a:blip>
+          <a:stretch>
+            <a:fillRect/>
+          </a:stretch>
+        </p:blipFill>
+        <p:spPr>
+          <a:xfrm>
+            <a:off x="2398529" y="9277034"/>
+            <a:ext cx="781366" cy="781366"/>
+          </a:xfrm>
+          <a:prstGeom prst="rect">
+            <a:avLst/>
+          </a:prstGeom>
+        </p:spPr>
+      </p:pic>
+      <p:pic>
+        <p:nvPicPr>
+          <p:cNvPr id="7" name="Picture 6" descr="A purple and white skull in a circle&#10;&#10;Description automatically generated">
+            <a:extLst>
+              <a:ext uri="{FF2B5EF4-FFF2-40B4-BE49-F238E27FC236}">
+                <a16:creationId xmlns:a16="http://schemas.microsoft.com/office/drawing/2014/main" id="{8A63395B-B922-CDB7-EA4F-A3474EF3C6D5}"/>
+              </a:ext>
+            </a:extLst>
+          </p:cNvPr>
+          <p:cNvPicPr>
+            <a:picLocks noChangeAspect="1"/>
+          </p:cNvPicPr>
+          <p:nvPr/>
+        </p:nvPicPr>
+        <p:blipFill>
+          <a:blip r:embed="rId7">
+            <a:extLst>
+              <a:ext uri="{28A0092B-C50C-407E-A947-70E740481C1C}">
+                <a14:useLocalDpi xmlns:a14="http://schemas.microsoft.com/office/drawing/2010/main" val="0"/>
+              </a:ext>
+            </a:extLst>
+          </a:blip>
+          <a:stretch>
+            <a:fillRect/>
+          </a:stretch>
+        </p:blipFill>
+        <p:spPr>
+          <a:xfrm>
+            <a:off x="3190781" y="9277034"/>
+            <a:ext cx="781366" cy="781366"/>
+          </a:xfrm>
+          <a:prstGeom prst="rect">
+            <a:avLst/>
+          </a:prstGeom>
+        </p:spPr>
+      </p:pic>
+      <p:pic>
+        <p:nvPicPr>
+          <p:cNvPr id="8" name="Picture 7" descr="A purple and white skull in a circle&#10;&#10;Description automatically generated">
+            <a:extLst>
+              <a:ext uri="{FF2B5EF4-FFF2-40B4-BE49-F238E27FC236}">
+                <a16:creationId xmlns:a16="http://schemas.microsoft.com/office/drawing/2014/main" id="{5B4227A3-F800-0B72-9B13-5795E009E497}"/>
+              </a:ext>
+            </a:extLst>
+          </p:cNvPr>
+          <p:cNvPicPr>
+            <a:picLocks noChangeAspect="1"/>
+          </p:cNvPicPr>
+          <p:nvPr/>
+        </p:nvPicPr>
+        <p:blipFill>
+          <a:blip r:embed="rId8">
+            <a:extLst>
+              <a:ext uri="{28A0092B-C50C-407E-A947-70E740481C1C}">
+                <a14:useLocalDpi xmlns:a14="http://schemas.microsoft.com/office/drawing/2010/main" val="0"/>
+              </a:ext>
+            </a:extLst>
+          </a:blip>
+          <a:stretch>
+            <a:fillRect/>
+          </a:stretch>
+        </p:blipFill>
+        <p:spPr>
+          <a:xfrm>
+            <a:off x="3983031" y="9277034"/>
+            <a:ext cx="781366" cy="781366"/>
+          </a:xfrm>
+          <a:prstGeom prst="rect">
+            <a:avLst/>
+          </a:prstGeom>
+        </p:spPr>
+      </p:pic>
+      <p:pic>
+        <p:nvPicPr>
+          <p:cNvPr id="9" name="Picture 8" descr="A pixelated cartoon skull in a red circle&#10;&#10;Description automatically generated">
+            <a:extLst>
+              <a:ext uri="{FF2B5EF4-FFF2-40B4-BE49-F238E27FC236}">
+                <a16:creationId xmlns:a16="http://schemas.microsoft.com/office/drawing/2014/main" id="{DD690D46-C139-2EAC-0198-B5F579AAAE3D}"/>
+              </a:ext>
+            </a:extLst>
+          </p:cNvPr>
+          <p:cNvPicPr>
+            <a:picLocks noChangeAspect="1"/>
+          </p:cNvPicPr>
+          <p:nvPr/>
+        </p:nvPicPr>
+        <p:blipFill>
+          <a:blip r:embed="rId9">
+            <a:extLst>
+              <a:ext uri="{28A0092B-C50C-407E-A947-70E740481C1C}">
+                <a14:useLocalDpi xmlns:a14="http://schemas.microsoft.com/office/drawing/2010/main" val="0"/>
+              </a:ext>
+            </a:extLst>
+          </a:blip>
+          <a:stretch>
+            <a:fillRect/>
+          </a:stretch>
+        </p:blipFill>
+        <p:spPr>
+          <a:xfrm>
+            <a:off x="5547124" y="9277034"/>
+            <a:ext cx="781366" cy="781366"/>
+          </a:xfrm>
+          <a:prstGeom prst="rect">
+            <a:avLst/>
+          </a:prstGeom>
+        </p:spPr>
+      </p:pic>
+      <p:pic>
+        <p:nvPicPr>
+          <p:cNvPr id="10" name="Picture 9" descr="A pixelated image of a skull in a circle&#10;&#10;Description automatically generated">
+            <a:extLst>
+              <a:ext uri="{FF2B5EF4-FFF2-40B4-BE49-F238E27FC236}">
+                <a16:creationId xmlns:a16="http://schemas.microsoft.com/office/drawing/2014/main" id="{43DBBA12-3DDF-C676-EB2B-903CB5392716}"/>
+              </a:ext>
+            </a:extLst>
+          </p:cNvPr>
+          <p:cNvPicPr>
+            <a:picLocks noChangeAspect="1"/>
+          </p:cNvPicPr>
+          <p:nvPr/>
+        </p:nvPicPr>
+        <p:blipFill>
+          <a:blip r:embed="rId10">
+            <a:extLst>
+              <a:ext uri="{28A0092B-C50C-407E-A947-70E740481C1C}">
+                <a14:useLocalDpi xmlns:a14="http://schemas.microsoft.com/office/drawing/2010/main" val="0"/>
+              </a:ext>
+            </a:extLst>
+          </a:blip>
+          <a:stretch>
+            <a:fillRect/>
+          </a:stretch>
+        </p:blipFill>
+        <p:spPr>
+          <a:xfrm>
+            <a:off x="4775283" y="9277034"/>
+            <a:ext cx="781366" cy="781366"/>
+          </a:xfrm>
+          <a:prstGeom prst="rect">
+            <a:avLst/>
+          </a:prstGeom>
+        </p:spPr>
+      </p:pic>
+      <p:pic>
+        <p:nvPicPr>
+          <p:cNvPr id="12" name="Picture 11" descr="A yellow and black object with a keyhole&#10;&#10;Description automatically generated">
+            <a:extLst>
+              <a:ext uri="{FF2B5EF4-FFF2-40B4-BE49-F238E27FC236}">
+                <a16:creationId xmlns:a16="http://schemas.microsoft.com/office/drawing/2014/main" id="{57FA3859-6905-0340-4BBB-49833EA954FF}"/>
+              </a:ext>
+            </a:extLst>
+          </p:cNvPr>
+          <p:cNvPicPr>
+            <a:picLocks noChangeAspect="1"/>
+          </p:cNvPicPr>
+          <p:nvPr/>
+        </p:nvPicPr>
+        <p:blipFill>
+          <a:blip r:embed="rId11">
+            <a:extLst>
+              <a:ext uri="{28A0092B-C50C-407E-A947-70E740481C1C}">
+                <a14:useLocalDpi xmlns:a14="http://schemas.microsoft.com/office/drawing/2010/main" val="0"/>
+              </a:ext>
+            </a:extLst>
+          </a:blip>
+          <a:stretch>
+            <a:fillRect/>
+          </a:stretch>
+        </p:blipFill>
+        <p:spPr>
+          <a:xfrm>
+            <a:off x="0" y="8495047"/>
+            <a:ext cx="781987" cy="781987"/>
+          </a:xfrm>
+          <a:prstGeom prst="rect">
+            <a:avLst/>
+          </a:prstGeom>
+        </p:spPr>
+      </p:pic>
     </p:spTree>
     <p:extLst>
       <p:ext uri="{BB962C8B-B14F-4D97-AF65-F5344CB8AC3E}">
-        <p14:creationId xmlns:p14="http://schemas.microsoft.com/office/powerpoint/2010/main" val="1935521009"/>
+        <p14:creationId xmlns:p14="http://schemas.microsoft.com/office/powerpoint/2010/main" val="3403514823"/>
       </p:ext>
     </p:extLst>
   </p:cSld>
@@ -19386,6 +19566,330 @@
           <a:xfrm>
             <a:off x="0" y="0"/>
             <a:ext cx="7772400" cy="7772400"/>
+          </a:xfrm>
+          <a:prstGeom prst="rect">
+            <a:avLst/>
+          </a:prstGeom>
+        </p:spPr>
+      </p:pic>
+      <p:pic>
+        <p:nvPicPr>
+          <p:cNvPr id="2" name="Picture 1" descr="A blue and white pixelated logo&#10;&#10;Description automatically generated">
+            <a:extLst>
+              <a:ext uri="{FF2B5EF4-FFF2-40B4-BE49-F238E27FC236}">
+                <a16:creationId xmlns:a16="http://schemas.microsoft.com/office/drawing/2014/main" id="{BD3C4C8A-61B4-37EB-1F2C-7C61667C4B6B}"/>
+              </a:ext>
+            </a:extLst>
+          </p:cNvPr>
+          <p:cNvPicPr>
+            <a:picLocks noChangeAspect="1"/>
+          </p:cNvPicPr>
+          <p:nvPr/>
+        </p:nvPicPr>
+        <p:blipFill>
+          <a:blip r:embed="rId3">
+            <a:extLst>
+              <a:ext uri="{28A0092B-C50C-407E-A947-70E740481C1C}">
+                <a14:useLocalDpi xmlns:a14="http://schemas.microsoft.com/office/drawing/2010/main" val="0"/>
+              </a:ext>
+            </a:extLst>
+          </a:blip>
+          <a:stretch>
+            <a:fillRect/>
+          </a:stretch>
+        </p:blipFill>
+        <p:spPr>
+          <a:xfrm>
+            <a:off x="6991036" y="9277034"/>
+            <a:ext cx="781366" cy="781366"/>
+          </a:xfrm>
+          <a:prstGeom prst="rect">
+            <a:avLst/>
+          </a:prstGeom>
+        </p:spPr>
+      </p:pic>
+      <p:pic>
+        <p:nvPicPr>
+          <p:cNvPr id="4" name="Picture 3" descr="A pixelated white skull in a green circle&#10;&#10;Description automatically generated">
+            <a:extLst>
+              <a:ext uri="{FF2B5EF4-FFF2-40B4-BE49-F238E27FC236}">
+                <a16:creationId xmlns:a16="http://schemas.microsoft.com/office/drawing/2014/main" id="{5B276A30-A802-A8A2-069A-5FC8315FB52F}"/>
+              </a:ext>
+            </a:extLst>
+          </p:cNvPr>
+          <p:cNvPicPr>
+            <a:picLocks noChangeAspect="1"/>
+          </p:cNvPicPr>
+          <p:nvPr/>
+        </p:nvPicPr>
+        <p:blipFill>
+          <a:blip r:embed="rId4">
+            <a:extLst>
+              <a:ext uri="{28A0092B-C50C-407E-A947-70E740481C1C}">
+                <a14:useLocalDpi xmlns:a14="http://schemas.microsoft.com/office/drawing/2010/main" val="0"/>
+              </a:ext>
+            </a:extLst>
+          </a:blip>
+          <a:stretch>
+            <a:fillRect/>
+          </a:stretch>
+        </p:blipFill>
+        <p:spPr>
+          <a:xfrm>
+            <a:off x="6201506" y="9277034"/>
+            <a:ext cx="781366" cy="781366"/>
+          </a:xfrm>
+          <a:prstGeom prst="rect">
+            <a:avLst/>
+          </a:prstGeom>
+        </p:spPr>
+      </p:pic>
+      <p:pic>
+        <p:nvPicPr>
+          <p:cNvPr id="5" name="Picture 4" descr="A white skull in a green circle&#10;&#10;Description automatically generated">
+            <a:extLst>
+              <a:ext uri="{FF2B5EF4-FFF2-40B4-BE49-F238E27FC236}">
+                <a16:creationId xmlns:a16="http://schemas.microsoft.com/office/drawing/2014/main" id="{CE28795F-8C3D-D339-7426-29825BB3E7F5}"/>
+              </a:ext>
+            </a:extLst>
+          </p:cNvPr>
+          <p:cNvPicPr>
+            <a:picLocks noChangeAspect="1"/>
+          </p:cNvPicPr>
+          <p:nvPr/>
+        </p:nvPicPr>
+        <p:blipFill>
+          <a:blip r:embed="rId5">
+            <a:extLst>
+              <a:ext uri="{28A0092B-C50C-407E-A947-70E740481C1C}">
+                <a14:useLocalDpi xmlns:a14="http://schemas.microsoft.com/office/drawing/2010/main" val="0"/>
+              </a:ext>
+            </a:extLst>
+          </a:blip>
+          <a:stretch>
+            <a:fillRect/>
+          </a:stretch>
+        </p:blipFill>
+        <p:spPr>
+          <a:xfrm>
+            <a:off x="5398366" y="9277034"/>
+            <a:ext cx="781366" cy="781366"/>
+          </a:xfrm>
+          <a:prstGeom prst="rect">
+            <a:avLst/>
+          </a:prstGeom>
+        </p:spPr>
+      </p:pic>
+      <p:pic>
+        <p:nvPicPr>
+          <p:cNvPr id="6" name="Picture 5" descr="A pixelated image of a skull in a circle&#10;&#10;Description automatically generated">
+            <a:extLst>
+              <a:ext uri="{FF2B5EF4-FFF2-40B4-BE49-F238E27FC236}">
+                <a16:creationId xmlns:a16="http://schemas.microsoft.com/office/drawing/2014/main" id="{CA5BEC58-CE42-E603-3F7F-5C43F9DC139F}"/>
+              </a:ext>
+            </a:extLst>
+          </p:cNvPr>
+          <p:cNvPicPr>
+            <a:picLocks noChangeAspect="1"/>
+          </p:cNvPicPr>
+          <p:nvPr/>
+        </p:nvPicPr>
+        <p:blipFill>
+          <a:blip r:embed="rId6">
+            <a:extLst>
+              <a:ext uri="{28A0092B-C50C-407E-A947-70E740481C1C}">
+                <a14:useLocalDpi xmlns:a14="http://schemas.microsoft.com/office/drawing/2010/main" val="0"/>
+              </a:ext>
+            </a:extLst>
+          </a:blip>
+          <a:stretch>
+            <a:fillRect/>
+          </a:stretch>
+        </p:blipFill>
+        <p:spPr>
+          <a:xfrm>
+            <a:off x="4619908" y="9277034"/>
+            <a:ext cx="781366" cy="781366"/>
+          </a:xfrm>
+          <a:prstGeom prst="rect">
+            <a:avLst/>
+          </a:prstGeom>
+        </p:spPr>
+      </p:pic>
+      <p:pic>
+        <p:nvPicPr>
+          <p:cNvPr id="7" name="Picture 6" descr="A purple and white skull in a circle&#10;&#10;Description automatically generated">
+            <a:extLst>
+              <a:ext uri="{FF2B5EF4-FFF2-40B4-BE49-F238E27FC236}">
+                <a16:creationId xmlns:a16="http://schemas.microsoft.com/office/drawing/2014/main" id="{A2F3555E-42EE-AA94-D723-197405180A9C}"/>
+              </a:ext>
+            </a:extLst>
+          </p:cNvPr>
+          <p:cNvPicPr>
+            <a:picLocks noChangeAspect="1"/>
+          </p:cNvPicPr>
+          <p:nvPr/>
+        </p:nvPicPr>
+        <p:blipFill>
+          <a:blip r:embed="rId7">
+            <a:extLst>
+              <a:ext uri="{28A0092B-C50C-407E-A947-70E740481C1C}">
+                <a14:useLocalDpi xmlns:a14="http://schemas.microsoft.com/office/drawing/2010/main" val="0"/>
+              </a:ext>
+            </a:extLst>
+          </a:blip>
+          <a:stretch>
+            <a:fillRect/>
+          </a:stretch>
+        </p:blipFill>
+        <p:spPr>
+          <a:xfrm>
+            <a:off x="3824936" y="9274569"/>
+            <a:ext cx="781366" cy="781366"/>
+          </a:xfrm>
+          <a:prstGeom prst="rect">
+            <a:avLst/>
+          </a:prstGeom>
+        </p:spPr>
+      </p:pic>
+      <p:pic>
+        <p:nvPicPr>
+          <p:cNvPr id="8" name="Picture 7" descr="A purple and white skull in a circle&#10;&#10;Description automatically generated">
+            <a:extLst>
+              <a:ext uri="{FF2B5EF4-FFF2-40B4-BE49-F238E27FC236}">
+                <a16:creationId xmlns:a16="http://schemas.microsoft.com/office/drawing/2014/main" id="{78AFD4BA-0963-166E-56C4-E0D5F2CE898A}"/>
+              </a:ext>
+            </a:extLst>
+          </p:cNvPr>
+          <p:cNvPicPr>
+            <a:picLocks noChangeAspect="1"/>
+          </p:cNvPicPr>
+          <p:nvPr/>
+        </p:nvPicPr>
+        <p:blipFill>
+          <a:blip r:embed="rId8">
+            <a:extLst>
+              <a:ext uri="{28A0092B-C50C-407E-A947-70E740481C1C}">
+                <a14:useLocalDpi xmlns:a14="http://schemas.microsoft.com/office/drawing/2010/main" val="0"/>
+              </a:ext>
+            </a:extLst>
+          </a:blip>
+          <a:stretch>
+            <a:fillRect/>
+          </a:stretch>
+        </p:blipFill>
+        <p:spPr>
+          <a:xfrm>
+            <a:off x="3047652" y="9277034"/>
+            <a:ext cx="781366" cy="781366"/>
+          </a:xfrm>
+          <a:prstGeom prst="rect">
+            <a:avLst/>
+          </a:prstGeom>
+        </p:spPr>
+      </p:pic>
+      <p:pic>
+        <p:nvPicPr>
+          <p:cNvPr id="9" name="Picture 8" descr="A pixelated cartoon skull in a red circle&#10;&#10;Description automatically generated">
+            <a:extLst>
+              <a:ext uri="{FF2B5EF4-FFF2-40B4-BE49-F238E27FC236}">
+                <a16:creationId xmlns:a16="http://schemas.microsoft.com/office/drawing/2014/main" id="{23F54441-50E1-3DB6-F7DE-6C9E3C4969CC}"/>
+              </a:ext>
+            </a:extLst>
+          </p:cNvPr>
+          <p:cNvPicPr>
+            <a:picLocks noChangeAspect="1"/>
+          </p:cNvPicPr>
+          <p:nvPr/>
+        </p:nvPicPr>
+        <p:blipFill>
+          <a:blip r:embed="rId9">
+            <a:extLst>
+              <a:ext uri="{28A0092B-C50C-407E-A947-70E740481C1C}">
+                <a14:useLocalDpi xmlns:a14="http://schemas.microsoft.com/office/drawing/2010/main" val="0"/>
+              </a:ext>
+            </a:extLst>
+          </a:blip>
+          <a:stretch>
+            <a:fillRect/>
+          </a:stretch>
+        </p:blipFill>
+        <p:spPr>
+          <a:xfrm>
+            <a:off x="1482292" y="9274569"/>
+            <a:ext cx="781366" cy="781366"/>
+          </a:xfrm>
+          <a:prstGeom prst="rect">
+            <a:avLst/>
+          </a:prstGeom>
+        </p:spPr>
+      </p:pic>
+      <p:pic>
+        <p:nvPicPr>
+          <p:cNvPr id="10" name="Picture 9" descr="A pixelated image of a skull in a circle&#10;&#10;Description automatically generated">
+            <a:extLst>
+              <a:ext uri="{FF2B5EF4-FFF2-40B4-BE49-F238E27FC236}">
+                <a16:creationId xmlns:a16="http://schemas.microsoft.com/office/drawing/2014/main" id="{A8058ED9-848B-69C7-C34A-5A4C153572FF}"/>
+              </a:ext>
+            </a:extLst>
+          </p:cNvPr>
+          <p:cNvPicPr>
+            <a:picLocks noChangeAspect="1"/>
+          </p:cNvPicPr>
+          <p:nvPr/>
+        </p:nvPicPr>
+        <p:blipFill>
+          <a:blip r:embed="rId10">
+            <a:extLst>
+              <a:ext uri="{28A0092B-C50C-407E-A947-70E740481C1C}">
+                <a14:useLocalDpi xmlns:a14="http://schemas.microsoft.com/office/drawing/2010/main" val="0"/>
+              </a:ext>
+            </a:extLst>
+          </a:blip>
+          <a:stretch>
+            <a:fillRect/>
+          </a:stretch>
+        </p:blipFill>
+        <p:spPr>
+          <a:xfrm>
+            <a:off x="2267738" y="9274569"/>
+            <a:ext cx="781366" cy="781366"/>
+          </a:xfrm>
+          <a:prstGeom prst="rect">
+            <a:avLst/>
+          </a:prstGeom>
+        </p:spPr>
+      </p:pic>
+      <p:pic>
+        <p:nvPicPr>
+          <p:cNvPr id="11" name="Picture 10" descr="A yellow and black object with a keyhole&#10;&#10;Description automatically generated">
+            <a:extLst>
+              <a:ext uri="{FF2B5EF4-FFF2-40B4-BE49-F238E27FC236}">
+                <a16:creationId xmlns:a16="http://schemas.microsoft.com/office/drawing/2014/main" id="{96F86987-152B-3EC1-4B26-757D89FAB061}"/>
+              </a:ext>
+            </a:extLst>
+          </p:cNvPr>
+          <p:cNvPicPr>
+            <a:picLocks noChangeAspect="1"/>
+          </p:cNvPicPr>
+          <p:nvPr/>
+        </p:nvPicPr>
+        <p:blipFill>
+          <a:blip r:embed="rId11">
+            <a:extLst>
+              <a:ext uri="{28A0092B-C50C-407E-A947-70E740481C1C}">
+                <a14:useLocalDpi xmlns:a14="http://schemas.microsoft.com/office/drawing/2010/main" val="0"/>
+              </a:ext>
+            </a:extLst>
+          </a:blip>
+          <a:stretch>
+            <a:fillRect/>
+          </a:stretch>
+        </p:blipFill>
+        <p:spPr>
+          <a:xfrm>
+            <a:off x="6982872" y="8492582"/>
+            <a:ext cx="781987" cy="781987"/>
           </a:xfrm>
           <a:prstGeom prst="rect">
             <a:avLst/>
